--- a/IPSLib/Documentation/Доклад для конференции/Доклад.pptx
+++ b/IPSLib/Documentation/Доклад для конференции/Доклад.pptx
@@ -5,10 +5,10 @@
     <p:sldMasterId id="2147483762" r:id="rId4"/>
   </p:sldMasterIdLst>
   <p:notesMasterIdLst>
-    <p:notesMasterId r:id="rId25"/>
+    <p:notesMasterId r:id="rId27"/>
   </p:notesMasterIdLst>
   <p:handoutMasterIdLst>
-    <p:handoutMasterId r:id="rId26"/>
+    <p:handoutMasterId r:id="rId28"/>
   </p:handoutMasterIdLst>
   <p:sldIdLst>
     <p:sldId id="256" r:id="rId5"/>
@@ -19,18 +19,20 @@
     <p:sldId id="298" r:id="rId10"/>
     <p:sldId id="293" r:id="rId11"/>
     <p:sldId id="283" r:id="rId12"/>
-    <p:sldId id="299" r:id="rId13"/>
-    <p:sldId id="301" r:id="rId14"/>
-    <p:sldId id="302" r:id="rId15"/>
-    <p:sldId id="304" r:id="rId16"/>
-    <p:sldId id="303" r:id="rId17"/>
-    <p:sldId id="264" r:id="rId18"/>
-    <p:sldId id="289" r:id="rId19"/>
-    <p:sldId id="287" r:id="rId20"/>
-    <p:sldId id="268" r:id="rId21"/>
-    <p:sldId id="296" r:id="rId22"/>
-    <p:sldId id="285" r:id="rId23"/>
-    <p:sldId id="294" r:id="rId24"/>
+    <p:sldId id="301" r:id="rId13"/>
+    <p:sldId id="302" r:id="rId14"/>
+    <p:sldId id="304" r:id="rId15"/>
+    <p:sldId id="303" r:id="rId16"/>
+    <p:sldId id="264" r:id="rId17"/>
+    <p:sldId id="305" r:id="rId18"/>
+    <p:sldId id="306" r:id="rId19"/>
+    <p:sldId id="307" r:id="rId20"/>
+    <p:sldId id="308" r:id="rId21"/>
+    <p:sldId id="309" r:id="rId22"/>
+    <p:sldId id="311" r:id="rId23"/>
+    <p:sldId id="312" r:id="rId24"/>
+    <p:sldId id="313" r:id="rId25"/>
+    <p:sldId id="310" r:id="rId26"/>
   </p:sldIdLst>
   <p:sldSz cx="12192000" cy="6858000"/>
   <p:notesSz cx="6858000" cy="9144000"/>
@@ -855,7 +857,7 @@
     </p:spTree>
     <p:extLst>
       <p:ext uri="{BB962C8B-B14F-4D97-AF65-F5344CB8AC3E}">
-        <p14:creationId xmlns:p14="http://schemas.microsoft.com/office/powerpoint/2010/main" val="769276169"/>
+        <p14:creationId xmlns:p14="http://schemas.microsoft.com/office/powerpoint/2010/main" val="3344918783"/>
       </p:ext>
     </p:extLst>
   </p:cSld>
@@ -941,7 +943,7 @@
     </p:spTree>
     <p:extLst>
       <p:ext uri="{BB962C8B-B14F-4D97-AF65-F5344CB8AC3E}">
-        <p14:creationId xmlns:p14="http://schemas.microsoft.com/office/powerpoint/2010/main" val="3344918783"/>
+        <p14:creationId xmlns:p14="http://schemas.microsoft.com/office/powerpoint/2010/main" val="155062727"/>
       </p:ext>
     </p:extLst>
   </p:cSld>
@@ -1027,7 +1029,7 @@
     </p:spTree>
     <p:extLst>
       <p:ext uri="{BB962C8B-B14F-4D97-AF65-F5344CB8AC3E}">
-        <p14:creationId xmlns:p14="http://schemas.microsoft.com/office/powerpoint/2010/main" val="155062727"/>
+        <p14:creationId xmlns:p14="http://schemas.microsoft.com/office/powerpoint/2010/main" val="3880403844"/>
       </p:ext>
     </p:extLst>
   </p:cSld>
@@ -1113,7 +1115,7 @@
     </p:spTree>
     <p:extLst>
       <p:ext uri="{BB962C8B-B14F-4D97-AF65-F5344CB8AC3E}">
-        <p14:creationId xmlns:p14="http://schemas.microsoft.com/office/powerpoint/2010/main" val="3880403844"/>
+        <p14:creationId xmlns:p14="http://schemas.microsoft.com/office/powerpoint/2010/main" val="3690289579"/>
       </p:ext>
     </p:extLst>
   </p:cSld>
@@ -1199,7 +1201,7 @@
     </p:spTree>
     <p:extLst>
       <p:ext uri="{BB962C8B-B14F-4D97-AF65-F5344CB8AC3E}">
-        <p14:creationId xmlns:p14="http://schemas.microsoft.com/office/powerpoint/2010/main" val="3690289579"/>
+        <p14:creationId xmlns:p14="http://schemas.microsoft.com/office/powerpoint/2010/main" val="217141497"/>
       </p:ext>
     </p:extLst>
   </p:cSld>
@@ -1285,7 +1287,7 @@
     </p:spTree>
     <p:extLst>
       <p:ext uri="{BB962C8B-B14F-4D97-AF65-F5344CB8AC3E}">
-        <p14:creationId xmlns:p14="http://schemas.microsoft.com/office/powerpoint/2010/main" val="2047023992"/>
+        <p14:creationId xmlns:p14="http://schemas.microsoft.com/office/powerpoint/2010/main" val="278743205"/>
       </p:ext>
     </p:extLst>
   </p:cSld>
@@ -1371,7 +1373,7 @@
     </p:spTree>
     <p:extLst>
       <p:ext uri="{BB962C8B-B14F-4D97-AF65-F5344CB8AC3E}">
-        <p14:creationId xmlns:p14="http://schemas.microsoft.com/office/powerpoint/2010/main" val="1174803852"/>
+        <p14:creationId xmlns:p14="http://schemas.microsoft.com/office/powerpoint/2010/main" val="208368240"/>
       </p:ext>
     </p:extLst>
   </p:cSld>
@@ -1457,7 +1459,7 @@
     </p:spTree>
     <p:extLst>
       <p:ext uri="{BB962C8B-B14F-4D97-AF65-F5344CB8AC3E}">
-        <p14:creationId xmlns:p14="http://schemas.microsoft.com/office/powerpoint/2010/main" val="3509670309"/>
+        <p14:creationId xmlns:p14="http://schemas.microsoft.com/office/powerpoint/2010/main" val="1022128141"/>
       </p:ext>
     </p:extLst>
   </p:cSld>
@@ -1543,7 +1545,7 @@
     </p:spTree>
     <p:extLst>
       <p:ext uri="{BB962C8B-B14F-4D97-AF65-F5344CB8AC3E}">
-        <p14:creationId xmlns:p14="http://schemas.microsoft.com/office/powerpoint/2010/main" val="1806707979"/>
+        <p14:creationId xmlns:p14="http://schemas.microsoft.com/office/powerpoint/2010/main" val="3896012108"/>
       </p:ext>
     </p:extLst>
   </p:cSld>
@@ -1629,7 +1631,7 @@
     </p:spTree>
     <p:extLst>
       <p:ext uri="{BB962C8B-B14F-4D97-AF65-F5344CB8AC3E}">
-        <p14:creationId xmlns:p14="http://schemas.microsoft.com/office/powerpoint/2010/main" val="3734319746"/>
+        <p14:creationId xmlns:p14="http://schemas.microsoft.com/office/powerpoint/2010/main" val="1548363489"/>
       </p:ext>
     </p:extLst>
   </p:cSld>
@@ -1801,7 +1803,93 @@
     </p:spTree>
     <p:extLst>
       <p:ext uri="{BB962C8B-B14F-4D97-AF65-F5344CB8AC3E}">
-        <p14:creationId xmlns:p14="http://schemas.microsoft.com/office/powerpoint/2010/main" val="1193464796"/>
+        <p14:creationId xmlns:p14="http://schemas.microsoft.com/office/powerpoint/2010/main" val="1900572200"/>
+      </p:ext>
+    </p:extLst>
+  </p:cSld>
+  <p:clrMapOvr>
+    <a:masterClrMapping/>
+  </p:clrMapOvr>
+</p:notes>
+</file>
+
+<file path=ppt/notesSlides/notesSlide21.xml><?xml version="1.0" encoding="utf-8"?>
+<p:notes xmlns:a="http://schemas.openxmlformats.org/drawingml/2006/main" xmlns:r="http://schemas.openxmlformats.org/officeDocument/2006/relationships" xmlns:p="http://schemas.openxmlformats.org/presentationml/2006/main">
+  <p:cSld>
+    <p:spTree>
+      <p:nvGrpSpPr>
+        <p:cNvPr id="1" name=""/>
+        <p:cNvGrpSpPr/>
+        <p:nvPr/>
+      </p:nvGrpSpPr>
+      <p:grpSpPr>
+        <a:xfrm>
+          <a:off x="0" y="0"/>
+          <a:ext cx="0" cy="0"/>
+          <a:chOff x="0" y="0"/>
+          <a:chExt cx="0" cy="0"/>
+        </a:xfrm>
+      </p:grpSpPr>
+      <p:sp>
+        <p:nvSpPr>
+          <p:cNvPr id="2" name="Образ слайда 1"/>
+          <p:cNvSpPr>
+            <a:spLocks noGrp="1" noRot="1" noChangeAspect="1"/>
+          </p:cNvSpPr>
+          <p:nvPr>
+            <p:ph type="sldImg"/>
+          </p:nvPr>
+        </p:nvSpPr>
+        <p:spPr/>
+      </p:sp>
+      <p:sp>
+        <p:nvSpPr>
+          <p:cNvPr id="3" name="Заметки 2"/>
+          <p:cNvSpPr>
+            <a:spLocks noGrp="1"/>
+          </p:cNvSpPr>
+          <p:nvPr>
+            <p:ph type="body" idx="1"/>
+          </p:nvPr>
+        </p:nvSpPr>
+        <p:spPr/>
+        <p:txBody>
+          <a:bodyPr rtlCol="0"/>
+          <a:lstStyle/>
+          <a:p>
+            <a:pPr rtl="0"/>
+            <a:endParaRPr lang="ru-RU" dirty="0"/>
+          </a:p>
+        </p:txBody>
+      </p:sp>
+      <p:sp>
+        <p:nvSpPr>
+          <p:cNvPr id="4" name="Номер слайда 3"/>
+          <p:cNvSpPr>
+            <a:spLocks noGrp="1"/>
+          </p:cNvSpPr>
+          <p:nvPr>
+            <p:ph type="sldNum" sz="quarter" idx="5"/>
+          </p:nvPr>
+        </p:nvSpPr>
+        <p:spPr/>
+        <p:txBody>
+          <a:bodyPr rtlCol="0"/>
+          <a:lstStyle/>
+          <a:p>
+            <a:pPr rtl="0"/>
+            <a:fld id="{B63359F2-43EF-4812-9DC0-98C0B1A40681}" type="slidenum">
+              <a:rPr lang="ru-RU" smtClean="0"/>
+              <a:t>21</a:t>
+            </a:fld>
+            <a:endParaRPr lang="ru-RU" dirty="0"/>
+          </a:p>
+        </p:txBody>
+      </p:sp>
+    </p:spTree>
+    <p:extLst>
+      <p:ext uri="{BB962C8B-B14F-4D97-AF65-F5344CB8AC3E}">
+        <p14:creationId xmlns:p14="http://schemas.microsoft.com/office/powerpoint/2010/main" val="69737350"/>
       </p:ext>
     </p:extLst>
   </p:cSld>
@@ -2403,7 +2491,7 @@
     </p:spTree>
     <p:extLst>
       <p:ext uri="{BB962C8B-B14F-4D97-AF65-F5344CB8AC3E}">
-        <p14:creationId xmlns:p14="http://schemas.microsoft.com/office/powerpoint/2010/main" val="1689276175"/>
+        <p14:creationId xmlns:p14="http://schemas.microsoft.com/office/powerpoint/2010/main" val="769276169"/>
       </p:ext>
     </p:extLst>
   </p:cSld>
@@ -2528,910 +2616,6 @@
 </file>
 
 <file path=ppt/slideLayouts/slideLayout10.xml><?xml version="1.0" encoding="utf-8"?>
-<p:sldLayout xmlns:a="http://schemas.openxmlformats.org/drawingml/2006/main" xmlns:r="http://schemas.openxmlformats.org/officeDocument/2006/relationships" xmlns:p="http://schemas.openxmlformats.org/presentationml/2006/main" preserve="1" userDrawn="1">
-  <p:cSld name="Два объекта содержимого 2">
-    <p:spTree>
-      <p:nvGrpSpPr>
-        <p:cNvPr id="1" name=""/>
-        <p:cNvGrpSpPr/>
-        <p:nvPr/>
-      </p:nvGrpSpPr>
-      <p:grpSpPr>
-        <a:xfrm>
-          <a:off x="0" y="0"/>
-          <a:ext cx="0" cy="0"/>
-          <a:chOff x="0" y="0"/>
-          <a:chExt cx="0" cy="0"/>
-        </a:xfrm>
-      </p:grpSpPr>
-      <p:sp>
-        <p:nvSpPr>
-          <p:cNvPr id="2" name="Заголовок 1"/>
-          <p:cNvSpPr>
-            <a:spLocks noGrp="1"/>
-          </p:cNvSpPr>
-          <p:nvPr>
-            <p:ph type="title" hasCustomPrompt="1"/>
-          </p:nvPr>
-        </p:nvSpPr>
-        <p:spPr>
-          <a:xfrm>
-            <a:off x="457200" y="690880"/>
-            <a:ext cx="11267440" cy="1143000"/>
-          </a:xfrm>
-        </p:spPr>
-        <p:txBody>
-          <a:bodyPr rtlCol="0"/>
-          <a:lstStyle>
-            <a:lvl1pPr>
-              <a:defRPr/>
-            </a:lvl1pPr>
-          </a:lstStyle>
-          <a:p>
-            <a:pPr rtl="0"/>
-            <a:r>
-              <a:rPr lang="ru-RU" noProof="0" dirty="0"/>
-              <a:t>Заголовок слайда</a:t>
-            </a:r>
-          </a:p>
-        </p:txBody>
-      </p:sp>
-      <p:sp>
-        <p:nvSpPr>
-          <p:cNvPr id="4" name="Объект 3"/>
-          <p:cNvSpPr>
-            <a:spLocks noGrp="1"/>
-          </p:cNvSpPr>
-          <p:nvPr>
-            <p:ph sz="half" idx="2" hasCustomPrompt="1"/>
-          </p:nvPr>
-        </p:nvSpPr>
-        <p:spPr>
-          <a:xfrm>
-            <a:off x="457200" y="2318490"/>
-            <a:ext cx="7371083" cy="3633047"/>
-          </a:xfrm>
-        </p:spPr>
-        <p:txBody>
-          <a:bodyPr rtlCol="0" anchor="t">
-            <a:normAutofit/>
-          </a:bodyPr>
-          <a:lstStyle>
-            <a:lvl1pPr marL="0" indent="0">
-              <a:buNone/>
-              <a:defRPr sz="1800"/>
-            </a:lvl1pPr>
-            <a:lvl2pPr marL="0">
-              <a:defRPr sz="1800"/>
-            </a:lvl2pPr>
-            <a:lvl3pPr marL="548640">
-              <a:defRPr sz="1800"/>
-            </a:lvl3pPr>
-            <a:lvl4pPr marL="822960">
-              <a:defRPr sz="1800"/>
-            </a:lvl4pPr>
-            <a:lvl5pPr marL="1097280">
-              <a:defRPr sz="1800"/>
-            </a:lvl5pPr>
-          </a:lstStyle>
-          <a:p>
-            <a:pPr lvl="0" rtl="0"/>
-            <a:r>
-              <a:rPr lang="ru-RU" noProof="0" dirty="0"/>
-              <a:t>Текст слайда</a:t>
-            </a:r>
-          </a:p>
-          <a:p>
-            <a:pPr lvl="1" rtl="0"/>
-            <a:r>
-              <a:rPr lang="ru-RU" noProof="0" dirty="0"/>
-              <a:t>Второй уровень</a:t>
-            </a:r>
-          </a:p>
-          <a:p>
-            <a:pPr lvl="2" rtl="0"/>
-            <a:r>
-              <a:rPr lang="ru-RU" noProof="0" dirty="0"/>
-              <a:t>Третий уровень</a:t>
-            </a:r>
-          </a:p>
-          <a:p>
-            <a:pPr lvl="3" rtl="0"/>
-            <a:r>
-              <a:rPr lang="ru-RU" noProof="0" dirty="0"/>
-              <a:t>Четвертый уровень</a:t>
-            </a:r>
-          </a:p>
-          <a:p>
-            <a:pPr lvl="4" rtl="0"/>
-            <a:r>
-              <a:rPr lang="ru-RU" noProof="0" dirty="0"/>
-              <a:t>Пятый уровень</a:t>
-            </a:r>
-          </a:p>
-        </p:txBody>
-      </p:sp>
-      <p:sp>
-        <p:nvSpPr>
-          <p:cNvPr id="9" name="Объект 3">
-            <a:extLst>
-              <a:ext uri="{FF2B5EF4-FFF2-40B4-BE49-F238E27FC236}">
-                <a16:creationId xmlns:a16="http://schemas.microsoft.com/office/drawing/2014/main" id="{8E6EDC6B-B9AA-A4D9-A782-C38A0F84F63F}"/>
-              </a:ext>
-            </a:extLst>
-          </p:cNvPr>
-          <p:cNvSpPr>
-            <a:spLocks noGrp="1"/>
-          </p:cNvSpPr>
-          <p:nvPr>
-            <p:ph sz="half" idx="13" hasCustomPrompt="1"/>
-          </p:nvPr>
-        </p:nvSpPr>
-        <p:spPr>
-          <a:xfrm>
-            <a:off x="7993378" y="2318490"/>
-            <a:ext cx="3731262" cy="3633047"/>
-          </a:xfrm>
-        </p:spPr>
-        <p:txBody>
-          <a:bodyPr rtlCol="0" anchor="t">
-            <a:normAutofit/>
-          </a:bodyPr>
-          <a:lstStyle>
-            <a:lvl1pPr marL="0" indent="-342900">
-              <a:buFont typeface="+mj-lt"/>
-              <a:buAutoNum type="arabicPeriod"/>
-              <a:defRPr sz="1800"/>
-            </a:lvl1pPr>
-            <a:lvl2pPr marL="914400" indent="-342900">
-              <a:buFont typeface="+mj-lt"/>
-              <a:buAutoNum type="alphaLcPeriod"/>
-              <a:defRPr sz="1800"/>
-            </a:lvl2pPr>
-            <a:lvl3pPr marL="1371600" indent="-342900">
-              <a:buFont typeface="+mj-lt"/>
-              <a:buAutoNum type="arabicPeriod"/>
-              <a:defRPr sz="1800"/>
-            </a:lvl3pPr>
-            <a:lvl4pPr marL="1600200" indent="-342900">
-              <a:buFont typeface="+mj-lt"/>
-              <a:buAutoNum type="alphaLcParenR"/>
-              <a:defRPr sz="1800"/>
-            </a:lvl4pPr>
-            <a:lvl5pPr marL="2057400" indent="-400050">
-              <a:buFont typeface="+mj-lt"/>
-              <a:buAutoNum type="romanLcPeriod"/>
-              <a:defRPr sz="1800"/>
-            </a:lvl5pPr>
-          </a:lstStyle>
-          <a:p>
-            <a:pPr lvl="0" rtl="0"/>
-            <a:r>
-              <a:rPr lang="ru-RU" noProof="0" dirty="0"/>
-              <a:t>Текст слайда</a:t>
-            </a:r>
-          </a:p>
-          <a:p>
-            <a:pPr lvl="1" rtl="0"/>
-            <a:r>
-              <a:rPr lang="ru-RU" noProof="0" dirty="0"/>
-              <a:t>Второй уровень</a:t>
-            </a:r>
-          </a:p>
-          <a:p>
-            <a:pPr lvl="2" rtl="0"/>
-            <a:r>
-              <a:rPr lang="ru-RU" noProof="0" dirty="0"/>
-              <a:t>Третий уровень</a:t>
-            </a:r>
-          </a:p>
-          <a:p>
-            <a:pPr lvl="3" rtl="0"/>
-            <a:r>
-              <a:rPr lang="ru-RU" noProof="0" dirty="0"/>
-              <a:t>Четвертый уровень</a:t>
-            </a:r>
-          </a:p>
-          <a:p>
-            <a:pPr lvl="4" rtl="0"/>
-            <a:r>
-              <a:rPr lang="ru-RU" noProof="0" dirty="0"/>
-              <a:t>Пятый уровень</a:t>
-            </a:r>
-          </a:p>
-        </p:txBody>
-      </p:sp>
-      <p:sp>
-        <p:nvSpPr>
-          <p:cNvPr id="6" name="Нижний колонтитул 5"/>
-          <p:cNvSpPr>
-            <a:spLocks noGrp="1"/>
-          </p:cNvSpPr>
-          <p:nvPr>
-            <p:ph type="ftr" sz="quarter" idx="11"/>
-          </p:nvPr>
-        </p:nvSpPr>
-        <p:spPr>
-          <a:xfrm>
-            <a:off x="457200" y="6423914"/>
-            <a:ext cx="7041202" cy="365125"/>
-          </a:xfrm>
-        </p:spPr>
-        <p:txBody>
-          <a:bodyPr rtlCol="0"/>
-          <a:lstStyle/>
-          <a:p>
-            <a:pPr rtl="0"/>
-            <a:endParaRPr lang="ru-RU" noProof="0" dirty="0"/>
-          </a:p>
-        </p:txBody>
-      </p:sp>
-      <p:sp>
-        <p:nvSpPr>
-          <p:cNvPr id="5" name="Дата 4"/>
-          <p:cNvSpPr>
-            <a:spLocks noGrp="1"/>
-          </p:cNvSpPr>
-          <p:nvPr>
-            <p:ph type="dt" sz="half" idx="10"/>
-          </p:nvPr>
-        </p:nvSpPr>
-        <p:spPr/>
-        <p:txBody>
-          <a:bodyPr rtlCol="0"/>
-          <a:lstStyle/>
-          <a:p>
-            <a:pPr rtl="0"/>
-            <a:r>
-              <a:rPr lang="ru-RU" noProof="0" dirty="0"/>
-              <a:t>20XX</a:t>
-            </a:r>
-          </a:p>
-        </p:txBody>
-      </p:sp>
-      <p:sp>
-        <p:nvSpPr>
-          <p:cNvPr id="7" name="Номер слайда 6"/>
-          <p:cNvSpPr>
-            <a:spLocks noGrp="1"/>
-          </p:cNvSpPr>
-          <p:nvPr>
-            <p:ph type="sldNum" sz="quarter" idx="12"/>
-          </p:nvPr>
-        </p:nvSpPr>
-        <p:spPr>
-          <a:xfrm>
-            <a:off x="10558300" y="6423914"/>
-            <a:ext cx="1166340" cy="365125"/>
-          </a:xfrm>
-        </p:spPr>
-        <p:txBody>
-          <a:bodyPr rtlCol="0"/>
-          <a:lstStyle/>
-          <a:p>
-            <a:pPr rtl="0"/>
-            <a:fld id="{3A98EE3D-8CD1-4C3F-BD1C-C98C9596463C}" type="slidenum">
-              <a:rPr lang="ru-RU" noProof="0" smtClean="0"/>
-              <a:t>‹#›</a:t>
-            </a:fld>
-            <a:endParaRPr lang="ru-RU" noProof="0" dirty="0"/>
-          </a:p>
-        </p:txBody>
-      </p:sp>
-    </p:spTree>
-    <p:extLst>
-      <p:ext uri="{BB962C8B-B14F-4D97-AF65-F5344CB8AC3E}">
-        <p14:creationId xmlns:p14="http://schemas.microsoft.com/office/powerpoint/2010/main" val="3554945645"/>
-      </p:ext>
-    </p:extLst>
-  </p:cSld>
-  <p:clrMapOvr>
-    <a:masterClrMapping/>
-  </p:clrMapOvr>
-</p:sldLayout>
-</file>
-
-<file path=ppt/slideLayouts/slideLayout11.xml><?xml version="1.0" encoding="utf-8"?>
-<p:sldLayout xmlns:a="http://schemas.openxmlformats.org/drawingml/2006/main" xmlns:r="http://schemas.openxmlformats.org/officeDocument/2006/relationships" xmlns:p="http://schemas.openxmlformats.org/presentationml/2006/main" userDrawn="1">
-  <p:cSld name="Таблица">
-    <p:spTree>
-      <p:nvGrpSpPr>
-        <p:cNvPr id="1" name=""/>
-        <p:cNvGrpSpPr/>
-        <p:nvPr/>
-      </p:nvGrpSpPr>
-      <p:grpSpPr>
-        <a:xfrm>
-          <a:off x="0" y="0"/>
-          <a:ext cx="0" cy="0"/>
-          <a:chOff x="0" y="0"/>
-          <a:chExt cx="0" cy="0"/>
-        </a:xfrm>
-      </p:grpSpPr>
-      <p:sp>
-        <p:nvSpPr>
-          <p:cNvPr id="2" name="Заголовок 1">
-            <a:extLst>
-              <a:ext uri="{FF2B5EF4-FFF2-40B4-BE49-F238E27FC236}">
-                <a16:creationId xmlns:a16="http://schemas.microsoft.com/office/drawing/2014/main" id="{F657BD59-35CC-9BB3-8621-6FA3356F81AA}"/>
-              </a:ext>
-            </a:extLst>
-          </p:cNvPr>
-          <p:cNvSpPr>
-            <a:spLocks noGrp="1"/>
-          </p:cNvSpPr>
-          <p:nvPr>
-            <p:ph type="title"/>
-          </p:nvPr>
-        </p:nvSpPr>
-        <p:spPr>
-          <a:xfrm>
-            <a:off x="457199" y="705124"/>
-            <a:ext cx="11272649" cy="1062716"/>
-          </a:xfrm>
-        </p:spPr>
-        <p:txBody>
-          <a:bodyPr rtlCol="0" anchor="b" anchorCtr="0">
-            <a:noAutofit/>
-          </a:bodyPr>
-          <a:lstStyle/>
-          <a:p>
-            <a:pPr rtl="0"/>
-            <a:r>
-              <a:rPr lang="ru-RU" noProof="0" dirty="0"/>
-              <a:t>Образец заголовка</a:t>
-            </a:r>
-          </a:p>
-        </p:txBody>
-      </p:sp>
-      <p:sp>
-        <p:nvSpPr>
-          <p:cNvPr id="8" name="Таблица 7">
-            <a:extLst>
-              <a:ext uri="{FF2B5EF4-FFF2-40B4-BE49-F238E27FC236}">
-                <a16:creationId xmlns:a16="http://schemas.microsoft.com/office/drawing/2014/main" id="{0CEAFE70-86D3-8690-31CA-F9A1FBA494D0}"/>
-              </a:ext>
-            </a:extLst>
-          </p:cNvPr>
-          <p:cNvSpPr>
-            <a:spLocks noGrp="1"/>
-          </p:cNvSpPr>
-          <p:nvPr>
-            <p:ph type="tbl" sz="quarter" idx="13"/>
-          </p:nvPr>
-        </p:nvSpPr>
-        <p:spPr>
-          <a:xfrm>
-            <a:off x="457201" y="2234979"/>
-            <a:ext cx="11272648" cy="3969606"/>
-          </a:xfrm>
-        </p:spPr>
-        <p:txBody>
-          <a:bodyPr rtlCol="0"/>
-          <a:lstStyle/>
-          <a:p>
-            <a:pPr rtl="0"/>
-            <a:endParaRPr lang="ru-RU" noProof="0" dirty="0"/>
-          </a:p>
-        </p:txBody>
-      </p:sp>
-      <p:sp>
-        <p:nvSpPr>
-          <p:cNvPr id="4" name="Дата 3">
-            <a:extLst>
-              <a:ext uri="{FF2B5EF4-FFF2-40B4-BE49-F238E27FC236}">
-                <a16:creationId xmlns:a16="http://schemas.microsoft.com/office/drawing/2014/main" id="{8C56EB0F-63C8-5F75-A333-3413A9DC6F76}"/>
-              </a:ext>
-            </a:extLst>
-          </p:cNvPr>
-          <p:cNvSpPr>
-            <a:spLocks noGrp="1"/>
-          </p:cNvSpPr>
-          <p:nvPr>
-            <p:ph type="dt" sz="half" idx="10"/>
-          </p:nvPr>
-        </p:nvSpPr>
-        <p:spPr/>
-        <p:txBody>
-          <a:bodyPr rtlCol="0"/>
-          <a:lstStyle/>
-          <a:p>
-            <a:pPr rtl="0"/>
-            <a:r>
-              <a:rPr lang="ru-RU" noProof="0" dirty="0"/>
-              <a:t>20ГГ</a:t>
-            </a:r>
-          </a:p>
-        </p:txBody>
-      </p:sp>
-      <p:sp>
-        <p:nvSpPr>
-          <p:cNvPr id="5" name="Нижний колонтитул 4">
-            <a:extLst>
-              <a:ext uri="{FF2B5EF4-FFF2-40B4-BE49-F238E27FC236}">
-                <a16:creationId xmlns:a16="http://schemas.microsoft.com/office/drawing/2014/main" id="{4D4DE333-25B4-E092-1CC4-C3D20BA25168}"/>
-              </a:ext>
-            </a:extLst>
-          </p:cNvPr>
-          <p:cNvSpPr>
-            <a:spLocks noGrp="1"/>
-          </p:cNvSpPr>
-          <p:nvPr>
-            <p:ph type="ftr" sz="quarter" idx="11"/>
-          </p:nvPr>
-        </p:nvSpPr>
-        <p:spPr/>
-        <p:txBody>
-          <a:bodyPr rtlCol="0"/>
-          <a:lstStyle/>
-          <a:p>
-            <a:pPr rtl="0"/>
-            <a:endParaRPr lang="ru-RU" noProof="0" dirty="0"/>
-          </a:p>
-        </p:txBody>
-      </p:sp>
-      <p:sp>
-        <p:nvSpPr>
-          <p:cNvPr id="6" name="Номер слайда 5">
-            <a:extLst>
-              <a:ext uri="{FF2B5EF4-FFF2-40B4-BE49-F238E27FC236}">
-                <a16:creationId xmlns:a16="http://schemas.microsoft.com/office/drawing/2014/main" id="{8F1AF200-E81F-A326-0EDB-4B93C71D9BF4}"/>
-              </a:ext>
-            </a:extLst>
-          </p:cNvPr>
-          <p:cNvSpPr>
-            <a:spLocks noGrp="1"/>
-          </p:cNvSpPr>
-          <p:nvPr>
-            <p:ph type="sldNum" sz="quarter" idx="12"/>
-          </p:nvPr>
-        </p:nvSpPr>
-        <p:spPr>
-          <a:xfrm>
-            <a:off x="10558300" y="6423914"/>
-            <a:ext cx="1171548" cy="365125"/>
-          </a:xfrm>
-        </p:spPr>
-        <p:txBody>
-          <a:bodyPr rtlCol="0"/>
-          <a:lstStyle/>
-          <a:p>
-            <a:pPr rtl="0"/>
-            <a:fld id="{CBD12358-51D2-46B3-9BDE-DF29528B9454}" type="slidenum">
-              <a:rPr lang="ru-RU" noProof="0" smtClean="0"/>
-              <a:t>‹#›</a:t>
-            </a:fld>
-            <a:endParaRPr lang="ru-RU" noProof="0" dirty="0"/>
-          </a:p>
-        </p:txBody>
-      </p:sp>
-    </p:spTree>
-    <p:extLst>
-      <p:ext uri="{BB962C8B-B14F-4D97-AF65-F5344CB8AC3E}">
-        <p14:creationId xmlns:p14="http://schemas.microsoft.com/office/powerpoint/2010/main" val="1396301589"/>
-      </p:ext>
-    </p:extLst>
-  </p:cSld>
-  <p:clrMapOvr>
-    <a:masterClrMapping/>
-  </p:clrMapOvr>
-</p:sldLayout>
-</file>
-
-<file path=ppt/slideLayouts/slideLayout12.xml><?xml version="1.0" encoding="utf-8"?>
-<p:sldLayout xmlns:a="http://schemas.openxmlformats.org/drawingml/2006/main" xmlns:r="http://schemas.openxmlformats.org/officeDocument/2006/relationships" xmlns:p="http://schemas.openxmlformats.org/presentationml/2006/main" preserve="1" userDrawn="1">
-  <p:cSld name="Заключение">
-    <p:spTree>
-      <p:nvGrpSpPr>
-        <p:cNvPr id="1" name=""/>
-        <p:cNvGrpSpPr/>
-        <p:nvPr/>
-      </p:nvGrpSpPr>
-      <p:grpSpPr>
-        <a:xfrm>
-          <a:off x="0" y="0"/>
-          <a:ext cx="0" cy="0"/>
-          <a:chOff x="0" y="0"/>
-          <a:chExt cx="0" cy="0"/>
-        </a:xfrm>
-      </p:grpSpPr>
-      <p:sp>
-        <p:nvSpPr>
-          <p:cNvPr id="5" name="Заголовок 1">
-            <a:extLst>
-              <a:ext uri="{FF2B5EF4-FFF2-40B4-BE49-F238E27FC236}">
-                <a16:creationId xmlns:a16="http://schemas.microsoft.com/office/drawing/2014/main" id="{D0F196A1-2430-4797-B656-A38302FAFF33}"/>
-              </a:ext>
-            </a:extLst>
-          </p:cNvPr>
-          <p:cNvSpPr>
-            <a:spLocks noGrp="1"/>
-          </p:cNvSpPr>
-          <p:nvPr>
-            <p:ph type="title"/>
-          </p:nvPr>
-        </p:nvSpPr>
-        <p:spPr>
-          <a:xfrm>
-            <a:off x="462151" y="666984"/>
-            <a:ext cx="3672970" cy="2125911"/>
-          </a:xfrm>
-        </p:spPr>
-        <p:txBody>
-          <a:bodyPr rtlCol="0">
-            <a:noAutofit/>
-          </a:bodyPr>
-          <a:lstStyle>
-            <a:lvl1pPr algn="l">
-              <a:defRPr/>
-            </a:lvl1pPr>
-          </a:lstStyle>
-          <a:p>
-            <a:pPr rtl="0"/>
-            <a:endParaRPr lang="ru-RU" noProof="0" dirty="0"/>
-          </a:p>
-        </p:txBody>
-      </p:sp>
-      <p:sp>
-        <p:nvSpPr>
-          <p:cNvPr id="2" name="Объект 5">
-            <a:extLst>
-              <a:ext uri="{FF2B5EF4-FFF2-40B4-BE49-F238E27FC236}">
-                <a16:creationId xmlns:a16="http://schemas.microsoft.com/office/drawing/2014/main" id="{5A0AD703-0A43-5323-CCB2-832D424EF2DB}"/>
-              </a:ext>
-            </a:extLst>
-          </p:cNvPr>
-          <p:cNvSpPr>
-            <a:spLocks noGrp="1"/>
-          </p:cNvSpPr>
-          <p:nvPr>
-            <p:ph sz="quarter" idx="4" hasCustomPrompt="1"/>
-          </p:nvPr>
-        </p:nvSpPr>
-        <p:spPr>
-          <a:xfrm>
-            <a:off x="462151" y="2862479"/>
-            <a:ext cx="3672970" cy="3491849"/>
-          </a:xfrm>
-        </p:spPr>
-        <p:txBody>
-          <a:bodyPr rtlCol="0" anchor="t" anchorCtr="0">
-            <a:normAutofit/>
-          </a:bodyPr>
-          <a:lstStyle>
-            <a:lvl1pPr marL="0" indent="0">
-              <a:buNone/>
-              <a:defRPr/>
-            </a:lvl1pPr>
-          </a:lstStyle>
-          <a:p>
-            <a:pPr lvl="0" rtl="0"/>
-            <a:r>
-              <a:rPr lang="ru-RU" noProof="0" dirty="0"/>
-              <a:t>Текст слайда </a:t>
-            </a:r>
-          </a:p>
-          <a:p>
-            <a:pPr lvl="1" rtl="0"/>
-            <a:r>
-              <a:rPr lang="ru-RU" noProof="0" dirty="0"/>
-              <a:t>Второй уровень</a:t>
-            </a:r>
-          </a:p>
-          <a:p>
-            <a:pPr lvl="2" rtl="0"/>
-            <a:r>
-              <a:rPr lang="ru-RU" noProof="0" dirty="0"/>
-              <a:t>Третий уровень</a:t>
-            </a:r>
-          </a:p>
-          <a:p>
-            <a:pPr lvl="3" rtl="0"/>
-            <a:r>
-              <a:rPr lang="ru-RU" noProof="0" dirty="0"/>
-              <a:t>Четвертый уровень</a:t>
-            </a:r>
-          </a:p>
-          <a:p>
-            <a:pPr lvl="4" rtl="0"/>
-            <a:r>
-              <a:rPr lang="ru-RU" noProof="0" dirty="0"/>
-              <a:t>Пятый уровень</a:t>
-            </a:r>
-          </a:p>
-        </p:txBody>
-      </p:sp>
-      <p:sp>
-        <p:nvSpPr>
-          <p:cNvPr id="4" name="Рисунок 3">
-            <a:extLst>
-              <a:ext uri="{FF2B5EF4-FFF2-40B4-BE49-F238E27FC236}">
-                <a16:creationId xmlns:a16="http://schemas.microsoft.com/office/drawing/2014/main" id="{4627B629-9CBE-3ECF-2D88-F07AACD0374E}"/>
-              </a:ext>
-            </a:extLst>
-          </p:cNvPr>
-          <p:cNvSpPr>
-            <a:spLocks noGrp="1"/>
-          </p:cNvSpPr>
-          <p:nvPr>
-            <p:ph type="pic" sz="quarter" idx="13" hasCustomPrompt="1"/>
-          </p:nvPr>
-        </p:nvSpPr>
-        <p:spPr>
-          <a:xfrm>
-            <a:off x="4231970" y="666985"/>
-            <a:ext cx="7497880" cy="5687344"/>
-          </a:xfrm>
-          <a:custGeom>
-            <a:avLst/>
-            <a:gdLst>
-              <a:gd name="connsiteX0" fmla="*/ 3803282 w 7497880"/>
-              <a:gd name="connsiteY0" fmla="*/ 0 h 5687344"/>
-              <a:gd name="connsiteX1" fmla="*/ 7497880 w 7497880"/>
-              <a:gd name="connsiteY1" fmla="*/ 0 h 5687344"/>
-              <a:gd name="connsiteX2" fmla="*/ 7497880 w 7497880"/>
-              <a:gd name="connsiteY2" fmla="*/ 4581885 h 5687344"/>
-              <a:gd name="connsiteX3" fmla="*/ 3803282 w 7497880"/>
-              <a:gd name="connsiteY3" fmla="*/ 4581885 h 5687344"/>
-              <a:gd name="connsiteX4" fmla="*/ 0 w 7497880"/>
-              <a:gd name="connsiteY4" fmla="*/ 0 h 5687344"/>
-              <a:gd name="connsiteX5" fmla="*/ 3699373 w 7497880"/>
-              <a:gd name="connsiteY5" fmla="*/ 0 h 5687344"/>
-              <a:gd name="connsiteX6" fmla="*/ 3699373 w 7497880"/>
-              <a:gd name="connsiteY6" fmla="*/ 4581885 h 5687344"/>
-              <a:gd name="connsiteX7" fmla="*/ 2 w 7497880"/>
-              <a:gd name="connsiteY7" fmla="*/ 4581885 h 5687344"/>
-              <a:gd name="connsiteX8" fmla="*/ 2 w 7497880"/>
-              <a:gd name="connsiteY8" fmla="*/ 4679200 h 5687344"/>
-              <a:gd name="connsiteX9" fmla="*/ 3699373 w 7497880"/>
-              <a:gd name="connsiteY9" fmla="*/ 4679200 h 5687344"/>
-              <a:gd name="connsiteX10" fmla="*/ 3699373 w 7497880"/>
-              <a:gd name="connsiteY10" fmla="*/ 5679350 h 5687344"/>
-              <a:gd name="connsiteX11" fmla="*/ 3803282 w 7497880"/>
-              <a:gd name="connsiteY11" fmla="*/ 5679350 h 5687344"/>
-              <a:gd name="connsiteX12" fmla="*/ 3803282 w 7497880"/>
-              <a:gd name="connsiteY12" fmla="*/ 4679200 h 5687344"/>
-              <a:gd name="connsiteX13" fmla="*/ 7497880 w 7497880"/>
-              <a:gd name="connsiteY13" fmla="*/ 4679200 h 5687344"/>
-              <a:gd name="connsiteX14" fmla="*/ 7497880 w 7497880"/>
-              <a:gd name="connsiteY14" fmla="*/ 5687344 h 5687344"/>
-              <a:gd name="connsiteX15" fmla="*/ 0 w 7497880"/>
-              <a:gd name="connsiteY15" fmla="*/ 5687344 h 5687344"/>
-            </a:gdLst>
-            <a:ahLst/>
-            <a:cxnLst>
-              <a:cxn ang="0">
-                <a:pos x="connsiteX0" y="connsiteY0"/>
-              </a:cxn>
-              <a:cxn ang="0">
-                <a:pos x="connsiteX1" y="connsiteY1"/>
-              </a:cxn>
-              <a:cxn ang="0">
-                <a:pos x="connsiteX2" y="connsiteY2"/>
-              </a:cxn>
-              <a:cxn ang="0">
-                <a:pos x="connsiteX3" y="connsiteY3"/>
-              </a:cxn>
-              <a:cxn ang="0">
-                <a:pos x="connsiteX4" y="connsiteY4"/>
-              </a:cxn>
-              <a:cxn ang="0">
-                <a:pos x="connsiteX5" y="connsiteY5"/>
-              </a:cxn>
-              <a:cxn ang="0">
-                <a:pos x="connsiteX6" y="connsiteY6"/>
-              </a:cxn>
-              <a:cxn ang="0">
-                <a:pos x="connsiteX7" y="connsiteY7"/>
-              </a:cxn>
-              <a:cxn ang="0">
-                <a:pos x="connsiteX8" y="connsiteY8"/>
-              </a:cxn>
-              <a:cxn ang="0">
-                <a:pos x="connsiteX9" y="connsiteY9"/>
-              </a:cxn>
-              <a:cxn ang="0">
-                <a:pos x="connsiteX10" y="connsiteY10"/>
-              </a:cxn>
-              <a:cxn ang="0">
-                <a:pos x="connsiteX11" y="connsiteY11"/>
-              </a:cxn>
-              <a:cxn ang="0">
-                <a:pos x="connsiteX12" y="connsiteY12"/>
-              </a:cxn>
-              <a:cxn ang="0">
-                <a:pos x="connsiteX13" y="connsiteY13"/>
-              </a:cxn>
-              <a:cxn ang="0">
-                <a:pos x="connsiteX14" y="connsiteY14"/>
-              </a:cxn>
-              <a:cxn ang="0">
-                <a:pos x="connsiteX15" y="connsiteY15"/>
-              </a:cxn>
-            </a:cxnLst>
-            <a:rect l="l" t="t" r="r" b="b"/>
-            <a:pathLst>
-              <a:path w="7497880" h="5687344">
-                <a:moveTo>
-                  <a:pt x="3803282" y="0"/>
-                </a:moveTo>
-                <a:lnTo>
-                  <a:pt x="7497880" y="0"/>
-                </a:lnTo>
-                <a:lnTo>
-                  <a:pt x="7497880" y="4581885"/>
-                </a:lnTo>
-                <a:lnTo>
-                  <a:pt x="3803282" y="4581885"/>
-                </a:lnTo>
-                <a:close/>
-                <a:moveTo>
-                  <a:pt x="0" y="0"/>
-                </a:moveTo>
-                <a:lnTo>
-                  <a:pt x="3699373" y="0"/>
-                </a:lnTo>
-                <a:lnTo>
-                  <a:pt x="3699373" y="4581885"/>
-                </a:lnTo>
-                <a:lnTo>
-                  <a:pt x="2" y="4581885"/>
-                </a:lnTo>
-                <a:lnTo>
-                  <a:pt x="2" y="4679200"/>
-                </a:lnTo>
-                <a:lnTo>
-                  <a:pt x="3699373" y="4679200"/>
-                </a:lnTo>
-                <a:lnTo>
-                  <a:pt x="3699373" y="5679350"/>
-                </a:lnTo>
-                <a:lnTo>
-                  <a:pt x="3803282" y="5679350"/>
-                </a:lnTo>
-                <a:lnTo>
-                  <a:pt x="3803282" y="4679200"/>
-                </a:lnTo>
-                <a:lnTo>
-                  <a:pt x="7497880" y="4679200"/>
-                </a:lnTo>
-                <a:lnTo>
-                  <a:pt x="7497880" y="5687344"/>
-                </a:lnTo>
-                <a:lnTo>
-                  <a:pt x="0" y="5687344"/>
-                </a:lnTo>
-                <a:close/>
-              </a:path>
-            </a:pathLst>
-          </a:custGeom>
-          <a:solidFill>
-            <a:schemeClr val="accent2"/>
-          </a:solidFill>
-        </p:spPr>
-        <p:txBody>
-          <a:bodyPr wrap="square" rtlCol="0" anchor="t">
-            <a:noAutofit/>
-          </a:bodyPr>
-          <a:lstStyle>
-            <a:lvl1pPr marL="0" indent="0" algn="ctr">
-              <a:buNone/>
-              <a:defRPr/>
-            </a:lvl1pPr>
-          </a:lstStyle>
-          <a:p>
-            <a:pPr rtl="0"/>
-            <a:r>
-              <a:rPr lang="ru-RU" noProof="0" dirty="0"/>
-              <a:t>Щелкните, чтобы добавить рисунок</a:t>
-            </a:r>
-          </a:p>
-        </p:txBody>
-      </p:sp>
-      <p:sp>
-        <p:nvSpPr>
-          <p:cNvPr id="6" name="Дата 5">
-            <a:extLst>
-              <a:ext uri="{FF2B5EF4-FFF2-40B4-BE49-F238E27FC236}">
-                <a16:creationId xmlns:a16="http://schemas.microsoft.com/office/drawing/2014/main" id="{90DD7D93-4C4D-E385-9F8C-40536F0BDEA2}"/>
-              </a:ext>
-            </a:extLst>
-          </p:cNvPr>
-          <p:cNvSpPr>
-            <a:spLocks noGrp="1"/>
-          </p:cNvSpPr>
-          <p:nvPr>
-            <p:ph type="dt" sz="half" idx="14"/>
-          </p:nvPr>
-        </p:nvSpPr>
-        <p:spPr/>
-        <p:txBody>
-          <a:bodyPr rtlCol="0"/>
-          <a:lstStyle/>
-          <a:p>
-            <a:pPr rtl="0"/>
-            <a:r>
-              <a:rPr lang="ru-RU" noProof="0" dirty="0"/>
-              <a:t>20ГГ</a:t>
-            </a:r>
-          </a:p>
-        </p:txBody>
-      </p:sp>
-      <p:sp>
-        <p:nvSpPr>
-          <p:cNvPr id="7" name="Нижний колонтитул 6">
-            <a:extLst>
-              <a:ext uri="{FF2B5EF4-FFF2-40B4-BE49-F238E27FC236}">
-                <a16:creationId xmlns:a16="http://schemas.microsoft.com/office/drawing/2014/main" id="{BC99FA72-244D-9DC3-C9B7-E7DAD50A01F7}"/>
-              </a:ext>
-            </a:extLst>
-          </p:cNvPr>
-          <p:cNvSpPr>
-            <a:spLocks noGrp="1"/>
-          </p:cNvSpPr>
-          <p:nvPr>
-            <p:ph type="ftr" sz="quarter" idx="15"/>
-          </p:nvPr>
-        </p:nvSpPr>
-        <p:spPr/>
-        <p:txBody>
-          <a:bodyPr rtlCol="0"/>
-          <a:lstStyle/>
-          <a:p>
-            <a:pPr rtl="0"/>
-            <a:endParaRPr lang="ru-RU" noProof="0" dirty="0"/>
-          </a:p>
-        </p:txBody>
-      </p:sp>
-      <p:sp>
-        <p:nvSpPr>
-          <p:cNvPr id="8" name="Номер слайда 7">
-            <a:extLst>
-              <a:ext uri="{FF2B5EF4-FFF2-40B4-BE49-F238E27FC236}">
-                <a16:creationId xmlns:a16="http://schemas.microsoft.com/office/drawing/2014/main" id="{725A4F6F-66FD-CDA5-7F8F-F5FD6382CFCF}"/>
-              </a:ext>
-            </a:extLst>
-          </p:cNvPr>
-          <p:cNvSpPr>
-            <a:spLocks noGrp="1"/>
-          </p:cNvSpPr>
-          <p:nvPr>
-            <p:ph type="sldNum" sz="quarter" idx="16"/>
-          </p:nvPr>
-        </p:nvSpPr>
-        <p:spPr>
-          <a:xfrm>
-            <a:off x="10677340" y="6423914"/>
-            <a:ext cx="1052510" cy="365125"/>
-          </a:xfrm>
-        </p:spPr>
-        <p:txBody>
-          <a:bodyPr rtlCol="0"/>
-          <a:lstStyle/>
-          <a:p>
-            <a:pPr rtl="0"/>
-            <a:fld id="{3A98EE3D-8CD1-4C3F-BD1C-C98C9596463C}" type="slidenum">
-              <a:rPr lang="ru-RU" noProof="0" smtClean="0"/>
-              <a:t>‹#›</a:t>
-            </a:fld>
-            <a:endParaRPr lang="ru-RU" noProof="0" dirty="0"/>
-          </a:p>
-        </p:txBody>
-      </p:sp>
-    </p:spTree>
-    <p:extLst>
-      <p:ext uri="{BB962C8B-B14F-4D97-AF65-F5344CB8AC3E}">
-        <p14:creationId xmlns:p14="http://schemas.microsoft.com/office/powerpoint/2010/main" val="1982254321"/>
-      </p:ext>
-    </p:extLst>
-  </p:cSld>
-  <p:clrMapOvr>
-    <a:masterClrMapping/>
-  </p:clrMapOvr>
-</p:sldLayout>
-</file>
-
-<file path=ppt/slideLayouts/slideLayout13.xml><?xml version="1.0" encoding="utf-8"?>
 <p:sldLayout xmlns:a="http://schemas.openxmlformats.org/drawingml/2006/main" xmlns:r="http://schemas.openxmlformats.org/officeDocument/2006/relationships" xmlns:p="http://schemas.openxmlformats.org/presentationml/2006/main" type="blank" preserve="1">
   <p:cSld name="Пустой слайд">
     <p:spTree>
@@ -5357,8 +4541,8 @@
 </file>
 
 <file path=ppt/slideLayouts/slideLayout8.xml><?xml version="1.0" encoding="utf-8"?>
-<p:sldLayout xmlns:a="http://schemas.openxmlformats.org/drawingml/2006/main" xmlns:r="http://schemas.openxmlformats.org/officeDocument/2006/relationships" xmlns:p="http://schemas.openxmlformats.org/presentationml/2006/main" userDrawn="1">
-  <p:cSld name="Заголовок + подзаголовок + рисунок 2">
+<p:sldLayout xmlns:a="http://schemas.openxmlformats.org/drawingml/2006/main" xmlns:r="http://schemas.openxmlformats.org/officeDocument/2006/relationships" xmlns:p="http://schemas.openxmlformats.org/presentationml/2006/main" preserve="1" userDrawn="1">
+  <p:cSld name="Два объекта содержимого 2">
     <p:spTree>
       <p:nvGrpSpPr>
         <p:cNvPr id="1" name=""/>
@@ -5375,10 +4559,117 @@
       </p:grpSpPr>
       <p:sp>
         <p:nvSpPr>
-          <p:cNvPr id="2" name="Заголовок 1">
+          <p:cNvPr id="2" name="Заголовок 1"/>
+          <p:cNvSpPr>
+            <a:spLocks noGrp="1"/>
+          </p:cNvSpPr>
+          <p:nvPr>
+            <p:ph type="title" hasCustomPrompt="1"/>
+          </p:nvPr>
+        </p:nvSpPr>
+        <p:spPr>
+          <a:xfrm>
+            <a:off x="457200" y="690880"/>
+            <a:ext cx="11267440" cy="1143000"/>
+          </a:xfrm>
+        </p:spPr>
+        <p:txBody>
+          <a:bodyPr rtlCol="0"/>
+          <a:lstStyle>
+            <a:lvl1pPr>
+              <a:defRPr/>
+            </a:lvl1pPr>
+          </a:lstStyle>
+          <a:p>
+            <a:pPr rtl="0"/>
+            <a:r>
+              <a:rPr lang="ru-RU" noProof="0" dirty="0"/>
+              <a:t>Заголовок слайда</a:t>
+            </a:r>
+          </a:p>
+        </p:txBody>
+      </p:sp>
+      <p:sp>
+        <p:nvSpPr>
+          <p:cNvPr id="4" name="Объект 3"/>
+          <p:cNvSpPr>
+            <a:spLocks noGrp="1"/>
+          </p:cNvSpPr>
+          <p:nvPr>
+            <p:ph sz="half" idx="2" hasCustomPrompt="1"/>
+          </p:nvPr>
+        </p:nvSpPr>
+        <p:spPr>
+          <a:xfrm>
+            <a:off x="457200" y="2318490"/>
+            <a:ext cx="7371083" cy="3633047"/>
+          </a:xfrm>
+        </p:spPr>
+        <p:txBody>
+          <a:bodyPr rtlCol="0" anchor="t">
+            <a:normAutofit/>
+          </a:bodyPr>
+          <a:lstStyle>
+            <a:lvl1pPr marL="0" indent="0">
+              <a:buNone/>
+              <a:defRPr sz="1800"/>
+            </a:lvl1pPr>
+            <a:lvl2pPr marL="0">
+              <a:defRPr sz="1800"/>
+            </a:lvl2pPr>
+            <a:lvl3pPr marL="548640">
+              <a:defRPr sz="1800"/>
+            </a:lvl3pPr>
+            <a:lvl4pPr marL="822960">
+              <a:defRPr sz="1800"/>
+            </a:lvl4pPr>
+            <a:lvl5pPr marL="1097280">
+              <a:defRPr sz="1800"/>
+            </a:lvl5pPr>
+          </a:lstStyle>
+          <a:p>
+            <a:pPr lvl="0" rtl="0"/>
+            <a:r>
+              <a:rPr lang="ru-RU" noProof="0" dirty="0"/>
+              <a:t>Текст слайда</a:t>
+            </a:r>
+          </a:p>
+          <a:p>
+            <a:pPr lvl="1" rtl="0"/>
+            <a:r>
+              <a:rPr lang="ru-RU" noProof="0" dirty="0"/>
+              <a:t>Второй уровень</a:t>
+            </a:r>
+          </a:p>
+          <a:p>
+            <a:pPr lvl="2" rtl="0"/>
+            <a:r>
+              <a:rPr lang="ru-RU" noProof="0" dirty="0"/>
+              <a:t>Третий уровень</a:t>
+            </a:r>
+          </a:p>
+          <a:p>
+            <a:pPr lvl="3" rtl="0"/>
+            <a:r>
+              <a:rPr lang="ru-RU" noProof="0" dirty="0"/>
+              <a:t>Четвертый уровень</a:t>
+            </a:r>
+          </a:p>
+          <a:p>
+            <a:pPr lvl="4" rtl="0"/>
+            <a:r>
+              <a:rPr lang="ru-RU" noProof="0" dirty="0"/>
+              <a:t>Пятый уровень</a:t>
+            </a:r>
+          </a:p>
+        </p:txBody>
+      </p:sp>
+      <p:sp>
+        <p:nvSpPr>
+          <p:cNvPr id="9" name="Объект 3">
             <a:extLst>
               <a:ext uri="{FF2B5EF4-FFF2-40B4-BE49-F238E27FC236}">
-                <a16:creationId xmlns:a16="http://schemas.microsoft.com/office/drawing/2014/main" id="{32772C41-A024-2F33-1F04-21E003FA7291}"/>
+                <a16:creationId xmlns:a16="http://schemas.microsoft.com/office/drawing/2014/main" id="{8E6EDC6B-B9AA-A4D9-A782-C38A0F84F63F}"/>
               </a:ext>
             </a:extLst>
           </p:cNvPr>
@@ -5386,22 +4677,219 @@
             <a:spLocks noGrp="1"/>
           </p:cNvSpPr>
           <p:nvPr>
-            <p:ph type="ctrTitle"/>
+            <p:ph sz="half" idx="13" hasCustomPrompt="1"/>
           </p:nvPr>
         </p:nvSpPr>
         <p:spPr>
           <a:xfrm>
-            <a:off x="6108219" y="741363"/>
-            <a:ext cx="5626579" cy="1286219"/>
+            <a:off x="7993378" y="2318490"/>
+            <a:ext cx="3731262" cy="3633047"/>
           </a:xfrm>
         </p:spPr>
         <p:txBody>
-          <a:bodyPr rtlCol="0" anchor="b">
+          <a:bodyPr rtlCol="0" anchor="t">
+            <a:normAutofit/>
+          </a:bodyPr>
+          <a:lstStyle>
+            <a:lvl1pPr marL="0" indent="-342900">
+              <a:buFont typeface="+mj-lt"/>
+              <a:buAutoNum type="arabicPeriod"/>
+              <a:defRPr sz="1800"/>
+            </a:lvl1pPr>
+            <a:lvl2pPr marL="914400" indent="-342900">
+              <a:buFont typeface="+mj-lt"/>
+              <a:buAutoNum type="alphaLcPeriod"/>
+              <a:defRPr sz="1800"/>
+            </a:lvl2pPr>
+            <a:lvl3pPr marL="1371600" indent="-342900">
+              <a:buFont typeface="+mj-lt"/>
+              <a:buAutoNum type="arabicPeriod"/>
+              <a:defRPr sz="1800"/>
+            </a:lvl3pPr>
+            <a:lvl4pPr marL="1600200" indent="-342900">
+              <a:buFont typeface="+mj-lt"/>
+              <a:buAutoNum type="alphaLcParenR"/>
+              <a:defRPr sz="1800"/>
+            </a:lvl4pPr>
+            <a:lvl5pPr marL="2057400" indent="-400050">
+              <a:buFont typeface="+mj-lt"/>
+              <a:buAutoNum type="romanLcPeriod"/>
+              <a:defRPr sz="1800"/>
+            </a:lvl5pPr>
+          </a:lstStyle>
+          <a:p>
+            <a:pPr lvl="0" rtl="0"/>
+            <a:r>
+              <a:rPr lang="ru-RU" noProof="0" dirty="0"/>
+              <a:t>Текст слайда</a:t>
+            </a:r>
+          </a:p>
+          <a:p>
+            <a:pPr lvl="1" rtl="0"/>
+            <a:r>
+              <a:rPr lang="ru-RU" noProof="0" dirty="0"/>
+              <a:t>Второй уровень</a:t>
+            </a:r>
+          </a:p>
+          <a:p>
+            <a:pPr lvl="2" rtl="0"/>
+            <a:r>
+              <a:rPr lang="ru-RU" noProof="0" dirty="0"/>
+              <a:t>Третий уровень</a:t>
+            </a:r>
+          </a:p>
+          <a:p>
+            <a:pPr lvl="3" rtl="0"/>
+            <a:r>
+              <a:rPr lang="ru-RU" noProof="0" dirty="0"/>
+              <a:t>Четвертый уровень</a:t>
+            </a:r>
+          </a:p>
+          <a:p>
+            <a:pPr lvl="4" rtl="0"/>
+            <a:r>
+              <a:rPr lang="ru-RU" noProof="0" dirty="0"/>
+              <a:t>Пятый уровень</a:t>
+            </a:r>
+          </a:p>
+        </p:txBody>
+      </p:sp>
+      <p:sp>
+        <p:nvSpPr>
+          <p:cNvPr id="6" name="Нижний колонтитул 5"/>
+          <p:cNvSpPr>
+            <a:spLocks noGrp="1"/>
+          </p:cNvSpPr>
+          <p:nvPr>
+            <p:ph type="ftr" sz="quarter" idx="11"/>
+          </p:nvPr>
+        </p:nvSpPr>
+        <p:spPr>
+          <a:xfrm>
+            <a:off x="457200" y="6423914"/>
+            <a:ext cx="7041202" cy="365125"/>
+          </a:xfrm>
+        </p:spPr>
+        <p:txBody>
+          <a:bodyPr rtlCol="0"/>
+          <a:lstStyle/>
+          <a:p>
+            <a:pPr rtl="0"/>
+            <a:endParaRPr lang="ru-RU" noProof="0" dirty="0"/>
+          </a:p>
+        </p:txBody>
+      </p:sp>
+      <p:sp>
+        <p:nvSpPr>
+          <p:cNvPr id="5" name="Дата 4"/>
+          <p:cNvSpPr>
+            <a:spLocks noGrp="1"/>
+          </p:cNvSpPr>
+          <p:nvPr>
+            <p:ph type="dt" sz="half" idx="10"/>
+          </p:nvPr>
+        </p:nvSpPr>
+        <p:spPr/>
+        <p:txBody>
+          <a:bodyPr rtlCol="0"/>
+          <a:lstStyle/>
+          <a:p>
+            <a:pPr rtl="0"/>
+            <a:r>
+              <a:rPr lang="ru-RU" noProof="0" dirty="0"/>
+              <a:t>20XX</a:t>
+            </a:r>
+          </a:p>
+        </p:txBody>
+      </p:sp>
+      <p:sp>
+        <p:nvSpPr>
+          <p:cNvPr id="7" name="Номер слайда 6"/>
+          <p:cNvSpPr>
+            <a:spLocks noGrp="1"/>
+          </p:cNvSpPr>
+          <p:nvPr>
+            <p:ph type="sldNum" sz="quarter" idx="12"/>
+          </p:nvPr>
+        </p:nvSpPr>
+        <p:spPr>
+          <a:xfrm>
+            <a:off x="10558300" y="6423914"/>
+            <a:ext cx="1166340" cy="365125"/>
+          </a:xfrm>
+        </p:spPr>
+        <p:txBody>
+          <a:bodyPr rtlCol="0"/>
+          <a:lstStyle/>
+          <a:p>
+            <a:pPr rtl="0"/>
+            <a:fld id="{3A98EE3D-8CD1-4C3F-BD1C-C98C9596463C}" type="slidenum">
+              <a:rPr lang="ru-RU" noProof="0" smtClean="0"/>
+              <a:t>‹#›</a:t>
+            </a:fld>
+            <a:endParaRPr lang="ru-RU" noProof="0" dirty="0"/>
+          </a:p>
+        </p:txBody>
+      </p:sp>
+    </p:spTree>
+    <p:extLst>
+      <p:ext uri="{BB962C8B-B14F-4D97-AF65-F5344CB8AC3E}">
+        <p14:creationId xmlns:p14="http://schemas.microsoft.com/office/powerpoint/2010/main" val="3554945645"/>
+      </p:ext>
+    </p:extLst>
+  </p:cSld>
+  <p:clrMapOvr>
+    <a:masterClrMapping/>
+  </p:clrMapOvr>
+</p:sldLayout>
+</file>
+
+<file path=ppt/slideLayouts/slideLayout9.xml><?xml version="1.0" encoding="utf-8"?>
+<p:sldLayout xmlns:a="http://schemas.openxmlformats.org/drawingml/2006/main" xmlns:r="http://schemas.openxmlformats.org/officeDocument/2006/relationships" xmlns:p="http://schemas.openxmlformats.org/presentationml/2006/main" preserve="1" userDrawn="1">
+  <p:cSld name="Заключение">
+    <p:spTree>
+      <p:nvGrpSpPr>
+        <p:cNvPr id="1" name=""/>
+        <p:cNvGrpSpPr/>
+        <p:nvPr/>
+      </p:nvGrpSpPr>
+      <p:grpSpPr>
+        <a:xfrm>
+          <a:off x="0" y="0"/>
+          <a:ext cx="0" cy="0"/>
+          <a:chOff x="0" y="0"/>
+          <a:chExt cx="0" cy="0"/>
+        </a:xfrm>
+      </p:grpSpPr>
+      <p:sp>
+        <p:nvSpPr>
+          <p:cNvPr id="5" name="Заголовок 1">
+            <a:extLst>
+              <a:ext uri="{FF2B5EF4-FFF2-40B4-BE49-F238E27FC236}">
+                <a16:creationId xmlns:a16="http://schemas.microsoft.com/office/drawing/2014/main" id="{D0F196A1-2430-4797-B656-A38302FAFF33}"/>
+              </a:ext>
+            </a:extLst>
+          </p:cNvPr>
+          <p:cNvSpPr>
+            <a:spLocks noGrp="1"/>
+          </p:cNvSpPr>
+          <p:nvPr>
+            <p:ph type="title"/>
+          </p:nvPr>
+        </p:nvSpPr>
+        <p:spPr>
+          <a:xfrm>
+            <a:off x="462151" y="666984"/>
+            <a:ext cx="3672970" cy="2125911"/>
+          </a:xfrm>
+        </p:spPr>
+        <p:txBody>
+          <a:bodyPr rtlCol="0">
             <a:noAutofit/>
           </a:bodyPr>
           <a:lstStyle>
             <a:lvl1pPr algn="l">
-              <a:defRPr sz="2800"/>
+              <a:defRPr/>
             </a:lvl1pPr>
           </a:lstStyle>
           <a:p>
@@ -5412,10 +4900,10 @@
       </p:sp>
       <p:sp>
         <p:nvSpPr>
-          <p:cNvPr id="8" name="Рисунок 7">
+          <p:cNvPr id="2" name="Объект 5">
             <a:extLst>
               <a:ext uri="{FF2B5EF4-FFF2-40B4-BE49-F238E27FC236}">
-                <a16:creationId xmlns:a16="http://schemas.microsoft.com/office/drawing/2014/main" id="{FCBE840D-FAED-31D9-AF31-112670D0FA2E}"/>
+                <a16:creationId xmlns:a16="http://schemas.microsoft.com/office/drawing/2014/main" id="{5A0AD703-0A43-5323-CCB2-832D424EF2DB}"/>
               </a:ext>
             </a:extLst>
           </p:cNvPr>
@@ -5423,49 +4911,118 @@
             <a:spLocks noGrp="1"/>
           </p:cNvSpPr>
           <p:nvPr>
-            <p:ph type="pic" sz="quarter" idx="13"/>
+            <p:ph sz="quarter" idx="4" hasCustomPrompt="1"/>
           </p:nvPr>
         </p:nvSpPr>
         <p:spPr>
           <a:xfrm>
-            <a:off x="457200" y="761684"/>
-            <a:ext cx="5171440" cy="5662230"/>
+            <a:off x="462151" y="2862479"/>
+            <a:ext cx="3672970" cy="3491849"/>
+          </a:xfrm>
+        </p:spPr>
+        <p:txBody>
+          <a:bodyPr rtlCol="0" anchor="t" anchorCtr="0">
+            <a:normAutofit/>
+          </a:bodyPr>
+          <a:lstStyle>
+            <a:lvl1pPr marL="0" indent="0">
+              <a:buNone/>
+              <a:defRPr/>
+            </a:lvl1pPr>
+          </a:lstStyle>
+          <a:p>
+            <a:pPr lvl="0" rtl="0"/>
+            <a:r>
+              <a:rPr lang="ru-RU" noProof="0" dirty="0"/>
+              <a:t>Текст слайда </a:t>
+            </a:r>
+          </a:p>
+          <a:p>
+            <a:pPr lvl="1" rtl="0"/>
+            <a:r>
+              <a:rPr lang="ru-RU" noProof="0" dirty="0"/>
+              <a:t>Второй уровень</a:t>
+            </a:r>
+          </a:p>
+          <a:p>
+            <a:pPr lvl="2" rtl="0"/>
+            <a:r>
+              <a:rPr lang="ru-RU" noProof="0" dirty="0"/>
+              <a:t>Третий уровень</a:t>
+            </a:r>
+          </a:p>
+          <a:p>
+            <a:pPr lvl="3" rtl="0"/>
+            <a:r>
+              <a:rPr lang="ru-RU" noProof="0" dirty="0"/>
+              <a:t>Четвертый уровень</a:t>
+            </a:r>
+          </a:p>
+          <a:p>
+            <a:pPr lvl="4" rtl="0"/>
+            <a:r>
+              <a:rPr lang="ru-RU" noProof="0" dirty="0"/>
+              <a:t>Пятый уровень</a:t>
+            </a:r>
+          </a:p>
+        </p:txBody>
+      </p:sp>
+      <p:sp>
+        <p:nvSpPr>
+          <p:cNvPr id="4" name="Рисунок 3">
+            <a:extLst>
+              <a:ext uri="{FF2B5EF4-FFF2-40B4-BE49-F238E27FC236}">
+                <a16:creationId xmlns:a16="http://schemas.microsoft.com/office/drawing/2014/main" id="{4627B629-9CBE-3ECF-2D88-F07AACD0374E}"/>
+              </a:ext>
+            </a:extLst>
+          </p:cNvPr>
+          <p:cNvSpPr>
+            <a:spLocks noGrp="1"/>
+          </p:cNvSpPr>
+          <p:nvPr>
+            <p:ph type="pic" sz="quarter" idx="13" hasCustomPrompt="1"/>
+          </p:nvPr>
+        </p:nvSpPr>
+        <p:spPr>
+          <a:xfrm>
+            <a:off x="4231970" y="666985"/>
+            <a:ext cx="7497880" cy="5687344"/>
           </a:xfrm>
           <a:custGeom>
             <a:avLst/>
             <a:gdLst>
-              <a:gd name="connsiteX0" fmla="*/ 0 w 5171440"/>
-              <a:gd name="connsiteY0" fmla="*/ 5056400 h 5662230"/>
-              <a:gd name="connsiteX1" fmla="*/ 3685975 w 5171440"/>
-              <a:gd name="connsiteY1" fmla="*/ 5056400 h 5662230"/>
-              <a:gd name="connsiteX2" fmla="*/ 3685975 w 5171440"/>
-              <a:gd name="connsiteY2" fmla="*/ 5662230 h 5662230"/>
-              <a:gd name="connsiteX3" fmla="*/ 0 w 5171440"/>
-              <a:gd name="connsiteY3" fmla="*/ 5662230 h 5662230"/>
-              <a:gd name="connsiteX4" fmla="*/ 3789884 w 5171440"/>
-              <a:gd name="connsiteY4" fmla="*/ 0 h 5662230"/>
-              <a:gd name="connsiteX5" fmla="*/ 5171440 w 5171440"/>
-              <a:gd name="connsiteY5" fmla="*/ 0 h 5662230"/>
-              <a:gd name="connsiteX6" fmla="*/ 5171440 w 5171440"/>
-              <a:gd name="connsiteY6" fmla="*/ 5662230 h 5662230"/>
-              <a:gd name="connsiteX7" fmla="*/ 3789884 w 5171440"/>
-              <a:gd name="connsiteY7" fmla="*/ 5662230 h 5662230"/>
-              <a:gd name="connsiteX8" fmla="*/ 3789884 w 5171440"/>
-              <a:gd name="connsiteY8" fmla="*/ 5056400 h 5662230"/>
-              <a:gd name="connsiteX9" fmla="*/ 5168980 w 5171440"/>
-              <a:gd name="connsiteY9" fmla="*/ 5056400 h 5662230"/>
-              <a:gd name="connsiteX10" fmla="*/ 5168980 w 5171440"/>
-              <a:gd name="connsiteY10" fmla="*/ 4956108 h 5662230"/>
-              <a:gd name="connsiteX11" fmla="*/ 3789884 w 5171440"/>
-              <a:gd name="connsiteY11" fmla="*/ 4956108 h 5662230"/>
-              <a:gd name="connsiteX12" fmla="*/ 0 w 5171440"/>
-              <a:gd name="connsiteY12" fmla="*/ 0 h 5662230"/>
-              <a:gd name="connsiteX13" fmla="*/ 3685975 w 5171440"/>
-              <a:gd name="connsiteY13" fmla="*/ 0 h 5662230"/>
-              <a:gd name="connsiteX14" fmla="*/ 3685975 w 5171440"/>
-              <a:gd name="connsiteY14" fmla="*/ 4956108 h 5662230"/>
-              <a:gd name="connsiteX15" fmla="*/ 0 w 5171440"/>
-              <a:gd name="connsiteY15" fmla="*/ 4956108 h 5662230"/>
+              <a:gd name="connsiteX0" fmla="*/ 3803282 w 7497880"/>
+              <a:gd name="connsiteY0" fmla="*/ 0 h 5687344"/>
+              <a:gd name="connsiteX1" fmla="*/ 7497880 w 7497880"/>
+              <a:gd name="connsiteY1" fmla="*/ 0 h 5687344"/>
+              <a:gd name="connsiteX2" fmla="*/ 7497880 w 7497880"/>
+              <a:gd name="connsiteY2" fmla="*/ 4581885 h 5687344"/>
+              <a:gd name="connsiteX3" fmla="*/ 3803282 w 7497880"/>
+              <a:gd name="connsiteY3" fmla="*/ 4581885 h 5687344"/>
+              <a:gd name="connsiteX4" fmla="*/ 0 w 7497880"/>
+              <a:gd name="connsiteY4" fmla="*/ 0 h 5687344"/>
+              <a:gd name="connsiteX5" fmla="*/ 3699373 w 7497880"/>
+              <a:gd name="connsiteY5" fmla="*/ 0 h 5687344"/>
+              <a:gd name="connsiteX6" fmla="*/ 3699373 w 7497880"/>
+              <a:gd name="connsiteY6" fmla="*/ 4581885 h 5687344"/>
+              <a:gd name="connsiteX7" fmla="*/ 2 w 7497880"/>
+              <a:gd name="connsiteY7" fmla="*/ 4581885 h 5687344"/>
+              <a:gd name="connsiteX8" fmla="*/ 2 w 7497880"/>
+              <a:gd name="connsiteY8" fmla="*/ 4679200 h 5687344"/>
+              <a:gd name="connsiteX9" fmla="*/ 3699373 w 7497880"/>
+              <a:gd name="connsiteY9" fmla="*/ 4679200 h 5687344"/>
+              <a:gd name="connsiteX10" fmla="*/ 3699373 w 7497880"/>
+              <a:gd name="connsiteY10" fmla="*/ 5679350 h 5687344"/>
+              <a:gd name="connsiteX11" fmla="*/ 3803282 w 7497880"/>
+              <a:gd name="connsiteY11" fmla="*/ 5679350 h 5687344"/>
+              <a:gd name="connsiteX12" fmla="*/ 3803282 w 7497880"/>
+              <a:gd name="connsiteY12" fmla="*/ 4679200 h 5687344"/>
+              <a:gd name="connsiteX13" fmla="*/ 7497880 w 7497880"/>
+              <a:gd name="connsiteY13" fmla="*/ 4679200 h 5687344"/>
+              <a:gd name="connsiteX14" fmla="*/ 7497880 w 7497880"/>
+              <a:gd name="connsiteY14" fmla="*/ 5687344 h 5687344"/>
+              <a:gd name="connsiteX15" fmla="*/ 0 w 7497880"/>
+              <a:gd name="connsiteY15" fmla="*/ 5687344 h 5687344"/>
             </a:gdLst>
             <a:ahLst/>
             <a:cxnLst>
@@ -5520,56 +5077,55 @@
             </a:cxnLst>
             <a:rect l="l" t="t" r="r" b="b"/>
             <a:pathLst>
-              <a:path w="5171440" h="5662230">
+              <a:path w="7497880" h="5687344">
                 <a:moveTo>
-                  <a:pt x="0" y="5056400"/>
+                  <a:pt x="3803282" y="0"/>
                 </a:moveTo>
                 <a:lnTo>
-                  <a:pt x="3685975" y="5056400"/>
+                  <a:pt x="7497880" y="0"/>
                 </a:lnTo>
                 <a:lnTo>
-                  <a:pt x="3685975" y="5662230"/>
+                  <a:pt x="7497880" y="4581885"/>
                 </a:lnTo>
                 <a:lnTo>
-                  <a:pt x="0" y="5662230"/>
-                </a:lnTo>
-                <a:close/>
-                <a:moveTo>
-                  <a:pt x="3789884" y="0"/>
-                </a:moveTo>
-                <a:lnTo>
-                  <a:pt x="5171440" y="0"/>
-                </a:lnTo>
-                <a:lnTo>
-                  <a:pt x="5171440" y="5662230"/>
-                </a:lnTo>
-                <a:lnTo>
-                  <a:pt x="3789884" y="5662230"/>
-                </a:lnTo>
-                <a:lnTo>
-                  <a:pt x="3789884" y="5056400"/>
-                </a:lnTo>
-                <a:lnTo>
-                  <a:pt x="5168980" y="5056400"/>
-                </a:lnTo>
-                <a:lnTo>
-                  <a:pt x="5168980" y="4956108"/>
-                </a:lnTo>
-                <a:lnTo>
-                  <a:pt x="3789884" y="4956108"/>
+                  <a:pt x="3803282" y="4581885"/>
                 </a:lnTo>
                 <a:close/>
                 <a:moveTo>
                   <a:pt x="0" y="0"/>
                 </a:moveTo>
                 <a:lnTo>
-                  <a:pt x="3685975" y="0"/>
+                  <a:pt x="3699373" y="0"/>
                 </a:lnTo>
                 <a:lnTo>
-                  <a:pt x="3685975" y="4956108"/>
+                  <a:pt x="3699373" y="4581885"/>
                 </a:lnTo>
                 <a:lnTo>
-                  <a:pt x="0" y="4956108"/>
+                  <a:pt x="2" y="4581885"/>
+                </a:lnTo>
+                <a:lnTo>
+                  <a:pt x="2" y="4679200"/>
+                </a:lnTo>
+                <a:lnTo>
+                  <a:pt x="3699373" y="4679200"/>
+                </a:lnTo>
+                <a:lnTo>
+                  <a:pt x="3699373" y="5679350"/>
+                </a:lnTo>
+                <a:lnTo>
+                  <a:pt x="3803282" y="5679350"/>
+                </a:lnTo>
+                <a:lnTo>
+                  <a:pt x="3803282" y="4679200"/>
+                </a:lnTo>
+                <a:lnTo>
+                  <a:pt x="7497880" y="4679200"/>
+                </a:lnTo>
+                <a:lnTo>
+                  <a:pt x="7497880" y="5687344"/>
+                </a:lnTo>
+                <a:lnTo>
+                  <a:pt x="0" y="5687344"/>
                 </a:lnTo>
                 <a:close/>
               </a:path>
@@ -5580,22 +5136,30 @@
           </a:solidFill>
         </p:spPr>
         <p:txBody>
-          <a:bodyPr wrap="square" rtlCol="0">
+          <a:bodyPr wrap="square" rtlCol="0" anchor="t">
             <a:noAutofit/>
           </a:bodyPr>
-          <a:lstStyle/>
+          <a:lstStyle>
+            <a:lvl1pPr marL="0" indent="0" algn="ctr">
+              <a:buNone/>
+              <a:defRPr/>
+            </a:lvl1pPr>
+          </a:lstStyle>
           <a:p>
             <a:pPr rtl="0"/>
-            <a:endParaRPr lang="ru-RU" noProof="0" dirty="0"/>
-          </a:p>
-        </p:txBody>
-      </p:sp>
-      <p:sp>
-        <p:nvSpPr>
-          <p:cNvPr id="10" name="Объект 2">
+            <a:r>
+              <a:rPr lang="ru-RU" noProof="0" dirty="0"/>
+              <a:t>Щелкните, чтобы добавить рисунок</a:t>
+            </a:r>
+          </a:p>
+        </p:txBody>
+      </p:sp>
+      <p:sp>
+        <p:nvSpPr>
+          <p:cNvPr id="6" name="Дата 5">
             <a:extLst>
               <a:ext uri="{FF2B5EF4-FFF2-40B4-BE49-F238E27FC236}">
-                <a16:creationId xmlns:a16="http://schemas.microsoft.com/office/drawing/2014/main" id="{1E22983C-26B8-DE15-E309-D0E93B8C6996}"/>
+                <a16:creationId xmlns:a16="http://schemas.microsoft.com/office/drawing/2014/main" id="{90DD7D93-4C4D-E385-9F8C-40536F0BDEA2}"/>
               </a:ext>
             </a:extLst>
           </p:cNvPr>
@@ -5603,127 +5167,28 @@
             <a:spLocks noGrp="1"/>
           </p:cNvSpPr>
           <p:nvPr>
-            <p:ph idx="1" hasCustomPrompt="1"/>
-          </p:nvPr>
-        </p:nvSpPr>
-        <p:spPr>
-          <a:xfrm>
-            <a:off x="6106160" y="2235200"/>
-            <a:ext cx="5628639" cy="4188713"/>
-          </a:xfrm>
-        </p:spPr>
-        <p:txBody>
-          <a:bodyPr rtlCol="0" anchor="t" anchorCtr="0">
-            <a:normAutofit/>
-          </a:bodyPr>
-          <a:lstStyle>
-            <a:lvl1pPr>
-              <a:defRPr sz="2000">
-                <a:solidFill>
-                  <a:schemeClr val="tx2"/>
-                </a:solidFill>
-              </a:defRPr>
-            </a:lvl1pPr>
-            <a:lvl2pPr>
-              <a:defRPr sz="1800">
-                <a:solidFill>
-                  <a:schemeClr val="tx2"/>
-                </a:solidFill>
-              </a:defRPr>
-            </a:lvl2pPr>
-            <a:lvl3pPr>
-              <a:defRPr sz="1600">
-                <a:solidFill>
-                  <a:schemeClr val="tx2"/>
-                </a:solidFill>
-              </a:defRPr>
-            </a:lvl3pPr>
-            <a:lvl4pPr>
-              <a:defRPr sz="1400">
-                <a:solidFill>
-                  <a:schemeClr val="tx2"/>
-                </a:solidFill>
-              </a:defRPr>
-            </a:lvl4pPr>
-            <a:lvl5pPr>
-              <a:defRPr sz="1400">
-                <a:solidFill>
-                  <a:schemeClr val="tx2"/>
-                </a:solidFill>
-              </a:defRPr>
-            </a:lvl5pPr>
-            <a:lvl6pPr>
-              <a:defRPr sz="1400">
-                <a:solidFill>
-                  <a:schemeClr val="tx2"/>
-                </a:solidFill>
-              </a:defRPr>
-            </a:lvl6pPr>
-            <a:lvl7pPr>
-              <a:defRPr sz="1400">
-                <a:solidFill>
-                  <a:schemeClr val="tx2"/>
-                </a:solidFill>
-              </a:defRPr>
-            </a:lvl7pPr>
-            <a:lvl8pPr>
-              <a:defRPr sz="1400">
-                <a:solidFill>
-                  <a:schemeClr val="tx2"/>
-                </a:solidFill>
-              </a:defRPr>
-            </a:lvl8pPr>
-            <a:lvl9pPr>
-              <a:defRPr sz="1400">
-                <a:solidFill>
-                  <a:schemeClr val="tx2"/>
-                </a:solidFill>
-              </a:defRPr>
-            </a:lvl9pPr>
-          </a:lstStyle>
-          <a:p>
-            <a:pPr lvl="0" rtl="0"/>
+            <p:ph type="dt" sz="half" idx="14"/>
+          </p:nvPr>
+        </p:nvSpPr>
+        <p:spPr/>
+        <p:txBody>
+          <a:bodyPr rtlCol="0"/>
+          <a:lstStyle/>
+          <a:p>
+            <a:pPr rtl="0"/>
             <a:r>
               <a:rPr lang="ru-RU" noProof="0" dirty="0"/>
-              <a:t>Текст слайда</a:t>
-            </a:r>
-          </a:p>
-          <a:p>
-            <a:pPr lvl="1" rtl="0"/>
-            <a:r>
-              <a:rPr lang="ru-RU" noProof="0" dirty="0"/>
-              <a:t>Второй уровень</a:t>
-            </a:r>
-          </a:p>
-          <a:p>
-            <a:pPr lvl="2" rtl="0"/>
-            <a:r>
-              <a:rPr lang="ru-RU" noProof="0" dirty="0"/>
-              <a:t>Третий уровень</a:t>
-            </a:r>
-          </a:p>
-          <a:p>
-            <a:pPr lvl="3" rtl="0"/>
-            <a:r>
-              <a:rPr lang="ru-RU" noProof="0" dirty="0"/>
-              <a:t>Четвертый уровень</a:t>
-            </a:r>
-          </a:p>
-          <a:p>
-            <a:pPr lvl="4" rtl="0"/>
-            <a:r>
-              <a:rPr lang="ru-RU" noProof="0" dirty="0"/>
-              <a:t>Пятый уровень</a:t>
-            </a:r>
-          </a:p>
-        </p:txBody>
-      </p:sp>
-      <p:sp>
-        <p:nvSpPr>
-          <p:cNvPr id="5" name="Нижний колонтитул 4">
+              <a:t>20ГГ</a:t>
+            </a:r>
+          </a:p>
+        </p:txBody>
+      </p:sp>
+      <p:sp>
+        <p:nvSpPr>
+          <p:cNvPr id="7" name="Нижний колонтитул 6">
             <a:extLst>
               <a:ext uri="{FF2B5EF4-FFF2-40B4-BE49-F238E27FC236}">
-                <a16:creationId xmlns:a16="http://schemas.microsoft.com/office/drawing/2014/main" id="{1957D599-49CF-19FE-6D86-C5EDB765F413}"/>
+                <a16:creationId xmlns:a16="http://schemas.microsoft.com/office/drawing/2014/main" id="{BC99FA72-244D-9DC3-C9B7-E7DAD50A01F7}"/>
               </a:ext>
             </a:extLst>
           </p:cNvPr>
@@ -5731,7 +5196,7 @@
             <a:spLocks noGrp="1"/>
           </p:cNvSpPr>
           <p:nvPr>
-            <p:ph type="ftr" sz="quarter" idx="11"/>
+            <p:ph type="ftr" sz="quarter" idx="15"/>
           </p:nvPr>
         </p:nvSpPr>
         <p:spPr/>
@@ -5746,10 +5211,10 @@
       </p:sp>
       <p:sp>
         <p:nvSpPr>
-          <p:cNvPr id="4" name="Дата 3">
+          <p:cNvPr id="8" name="Номер слайда 7">
             <a:extLst>
               <a:ext uri="{FF2B5EF4-FFF2-40B4-BE49-F238E27FC236}">
-                <a16:creationId xmlns:a16="http://schemas.microsoft.com/office/drawing/2014/main" id="{C0070940-5919-2C95-2278-32E50BF14DD1}"/>
+                <a16:creationId xmlns:a16="http://schemas.microsoft.com/office/drawing/2014/main" id="{725A4F6F-66FD-CDA5-7F8F-F5FD6382CFCF}"/>
               </a:ext>
             </a:extLst>
           </p:cNvPr>
@@ -5757,41 +5222,12 @@
             <a:spLocks noGrp="1"/>
           </p:cNvSpPr>
           <p:nvPr>
-            <p:ph type="dt" sz="half" idx="10"/>
-          </p:nvPr>
-        </p:nvSpPr>
-        <p:spPr/>
-        <p:txBody>
-          <a:bodyPr rtlCol="0"/>
-          <a:lstStyle/>
-          <a:p>
-            <a:pPr rtl="0"/>
-            <a:r>
-              <a:rPr lang="ru-RU" noProof="0" dirty="0"/>
-              <a:t>20ГГ</a:t>
-            </a:r>
-          </a:p>
-        </p:txBody>
-      </p:sp>
-      <p:sp>
-        <p:nvSpPr>
-          <p:cNvPr id="6" name="Номер слайда 5">
-            <a:extLst>
-              <a:ext uri="{FF2B5EF4-FFF2-40B4-BE49-F238E27FC236}">
-                <a16:creationId xmlns:a16="http://schemas.microsoft.com/office/drawing/2014/main" id="{28931DF1-1C8D-86B9-BFDD-098FFC00FDC2}"/>
-              </a:ext>
-            </a:extLst>
-          </p:cNvPr>
-          <p:cNvSpPr>
-            <a:spLocks noGrp="1"/>
-          </p:cNvSpPr>
-          <p:nvPr>
-            <p:ph type="sldNum" sz="quarter" idx="12"/>
+            <p:ph type="sldNum" sz="quarter" idx="16"/>
           </p:nvPr>
         </p:nvSpPr>
         <p:spPr>
           <a:xfrm>
-            <a:off x="10682289" y="6423914"/>
+            <a:off x="10677340" y="6423914"/>
             <a:ext cx="1052510" cy="365125"/>
           </a:xfrm>
         </p:spPr>
@@ -5800,7 +5236,7 @@
           <a:lstStyle/>
           <a:p>
             <a:pPr rtl="0"/>
-            <a:fld id="{CBD12358-51D2-46B3-9BDE-DF29528B9454}" type="slidenum">
+            <a:fld id="{3A98EE3D-8CD1-4C3F-BD1C-C98C9596463C}" type="slidenum">
               <a:rPr lang="ru-RU" noProof="0" smtClean="0"/>
               <a:t>‹#›</a:t>
             </a:fld>
@@ -5811,277 +5247,7 @@
     </p:spTree>
     <p:extLst>
       <p:ext uri="{BB962C8B-B14F-4D97-AF65-F5344CB8AC3E}">
-        <p14:creationId xmlns:p14="http://schemas.microsoft.com/office/powerpoint/2010/main" val="2884168092"/>
-      </p:ext>
-    </p:extLst>
-  </p:cSld>
-  <p:clrMapOvr>
-    <a:masterClrMapping/>
-  </p:clrMapOvr>
-</p:sldLayout>
-</file>
-
-<file path=ppt/slideLayouts/slideLayout9.xml><?xml version="1.0" encoding="utf-8"?>
-<p:sldLayout xmlns:a="http://schemas.openxmlformats.org/drawingml/2006/main" xmlns:r="http://schemas.openxmlformats.org/officeDocument/2006/relationships" xmlns:p="http://schemas.openxmlformats.org/presentationml/2006/main" userDrawn="1">
-  <p:cSld name="Содержимое + таблица">
-    <p:spTree>
-      <p:nvGrpSpPr>
-        <p:cNvPr id="1" name=""/>
-        <p:cNvGrpSpPr/>
-        <p:nvPr/>
-      </p:nvGrpSpPr>
-      <p:grpSpPr>
-        <a:xfrm>
-          <a:off x="0" y="0"/>
-          <a:ext cx="0" cy="0"/>
-          <a:chOff x="0" y="0"/>
-          <a:chExt cx="0" cy="0"/>
-        </a:xfrm>
-      </p:grpSpPr>
-      <p:sp>
-        <p:nvSpPr>
-          <p:cNvPr id="2" name="Заголовок 1">
-            <a:extLst>
-              <a:ext uri="{FF2B5EF4-FFF2-40B4-BE49-F238E27FC236}">
-                <a16:creationId xmlns:a16="http://schemas.microsoft.com/office/drawing/2014/main" id="{0C40C44A-93E6-6C58-5E88-AFDC594EC27A}"/>
-              </a:ext>
-            </a:extLst>
-          </p:cNvPr>
-          <p:cNvSpPr>
-            <a:spLocks noGrp="1"/>
-          </p:cNvSpPr>
-          <p:nvPr>
-            <p:ph type="title"/>
-          </p:nvPr>
-        </p:nvSpPr>
-        <p:spPr>
-          <a:xfrm>
-            <a:off x="447040" y="725444"/>
-            <a:ext cx="11277600" cy="1044253"/>
-          </a:xfrm>
-        </p:spPr>
-        <p:txBody>
-          <a:bodyPr rtlCol="0" anchor="b" anchorCtr="0">
-            <a:noAutofit/>
-          </a:bodyPr>
-          <a:lstStyle/>
-          <a:p>
-            <a:pPr rtl="0"/>
-            <a:r>
-              <a:rPr lang="ru-RU" noProof="0" dirty="0"/>
-              <a:t>Образец заголовка</a:t>
-            </a:r>
-          </a:p>
-        </p:txBody>
-      </p:sp>
-      <p:sp>
-        <p:nvSpPr>
-          <p:cNvPr id="3" name="Объект 2">
-            <a:extLst>
-              <a:ext uri="{FF2B5EF4-FFF2-40B4-BE49-F238E27FC236}">
-                <a16:creationId xmlns:a16="http://schemas.microsoft.com/office/drawing/2014/main" id="{0C813049-5F46-053E-6279-8183259649A6}"/>
-              </a:ext>
-            </a:extLst>
-          </p:cNvPr>
-          <p:cNvSpPr>
-            <a:spLocks noGrp="1"/>
-          </p:cNvSpPr>
-          <p:nvPr>
-            <p:ph sz="half" idx="1" hasCustomPrompt="1"/>
-          </p:nvPr>
-        </p:nvSpPr>
-        <p:spPr>
-          <a:xfrm>
-            <a:off x="457200" y="2245360"/>
-            <a:ext cx="3342640" cy="3992880"/>
-          </a:xfrm>
-        </p:spPr>
-        <p:txBody>
-          <a:bodyPr rtlCol="0" anchor="t"/>
-          <a:lstStyle>
-            <a:lvl1pPr marL="0" indent="0">
-              <a:buNone/>
-              <a:defRPr/>
-            </a:lvl1pPr>
-            <a:lvl2pPr marL="324000" indent="0">
-              <a:buNone/>
-              <a:defRPr/>
-            </a:lvl2pPr>
-            <a:lvl3pPr marL="630000" indent="0">
-              <a:buNone/>
-              <a:defRPr/>
-            </a:lvl3pPr>
-            <a:lvl4pPr marL="1008000" indent="0">
-              <a:buNone/>
-              <a:defRPr/>
-            </a:lvl4pPr>
-            <a:lvl5pPr marL="1368000" indent="0">
-              <a:buNone/>
-              <a:defRPr/>
-            </a:lvl5pPr>
-          </a:lstStyle>
-          <a:p>
-            <a:pPr lvl="0" rtl="0"/>
-            <a:r>
-              <a:rPr lang="ru-RU" noProof="0" dirty="0"/>
-              <a:t>Щелкните, чтобы изменить стили текста образца слайда</a:t>
-            </a:r>
-          </a:p>
-          <a:p>
-            <a:pPr lvl="1" rtl="0"/>
-            <a:r>
-              <a:rPr lang="ru-RU" noProof="0" dirty="0"/>
-              <a:t>Второй уровень</a:t>
-            </a:r>
-          </a:p>
-          <a:p>
-            <a:pPr lvl="2" rtl="0"/>
-            <a:r>
-              <a:rPr lang="ru-RU" noProof="0" dirty="0"/>
-              <a:t>Третий уровень</a:t>
-            </a:r>
-          </a:p>
-          <a:p>
-            <a:pPr lvl="3" rtl="0"/>
-            <a:r>
-              <a:rPr lang="ru-RU" noProof="0" dirty="0"/>
-              <a:t>Четвертый уровень</a:t>
-            </a:r>
-          </a:p>
-          <a:p>
-            <a:pPr lvl="4" rtl="0"/>
-            <a:r>
-              <a:rPr lang="ru-RU" noProof="0" dirty="0"/>
-              <a:t>Пятый уровень</a:t>
-            </a:r>
-          </a:p>
-        </p:txBody>
-      </p:sp>
-      <p:sp>
-        <p:nvSpPr>
-          <p:cNvPr id="8" name="Таблица 7">
-            <a:extLst>
-              <a:ext uri="{FF2B5EF4-FFF2-40B4-BE49-F238E27FC236}">
-                <a16:creationId xmlns:a16="http://schemas.microsoft.com/office/drawing/2014/main" id="{423FEB60-8FB5-7F10-EDD7-8AB4B3139EF6}"/>
-              </a:ext>
-            </a:extLst>
-          </p:cNvPr>
-          <p:cNvSpPr>
-            <a:spLocks noGrp="1"/>
-          </p:cNvSpPr>
-          <p:nvPr>
-            <p:ph type="tbl" sz="quarter" idx="13"/>
-          </p:nvPr>
-        </p:nvSpPr>
-        <p:spPr>
-          <a:xfrm>
-            <a:off x="4236720" y="2236109"/>
-            <a:ext cx="7498080" cy="4002131"/>
-          </a:xfrm>
-        </p:spPr>
-        <p:txBody>
-          <a:bodyPr rtlCol="0"/>
-          <a:lstStyle/>
-          <a:p>
-            <a:pPr rtl="0"/>
-            <a:endParaRPr lang="ru-RU" noProof="0" dirty="0"/>
-          </a:p>
-        </p:txBody>
-      </p:sp>
-      <p:sp>
-        <p:nvSpPr>
-          <p:cNvPr id="5" name="Дата 4">
-            <a:extLst>
-              <a:ext uri="{FF2B5EF4-FFF2-40B4-BE49-F238E27FC236}">
-                <a16:creationId xmlns:a16="http://schemas.microsoft.com/office/drawing/2014/main" id="{C6CFCEB5-4092-FD13-478E-51CD74FDB82E}"/>
-              </a:ext>
-            </a:extLst>
-          </p:cNvPr>
-          <p:cNvSpPr>
-            <a:spLocks noGrp="1"/>
-          </p:cNvSpPr>
-          <p:nvPr>
-            <p:ph type="dt" sz="half" idx="10"/>
-          </p:nvPr>
-        </p:nvSpPr>
-        <p:spPr/>
-        <p:txBody>
-          <a:bodyPr rtlCol="0"/>
-          <a:lstStyle/>
-          <a:p>
-            <a:pPr rtl="0"/>
-            <a:r>
-              <a:rPr lang="ru-RU" noProof="0" dirty="0"/>
-              <a:t>20ГГ</a:t>
-            </a:r>
-          </a:p>
-        </p:txBody>
-      </p:sp>
-      <p:sp>
-        <p:nvSpPr>
-          <p:cNvPr id="6" name="Нижний колонтитул 5">
-            <a:extLst>
-              <a:ext uri="{FF2B5EF4-FFF2-40B4-BE49-F238E27FC236}">
-                <a16:creationId xmlns:a16="http://schemas.microsoft.com/office/drawing/2014/main" id="{5D077A4D-E7C0-912D-293F-D93F0CB5CA49}"/>
-              </a:ext>
-            </a:extLst>
-          </p:cNvPr>
-          <p:cNvSpPr>
-            <a:spLocks noGrp="1"/>
-          </p:cNvSpPr>
-          <p:nvPr>
-            <p:ph type="ftr" sz="quarter" idx="11"/>
-          </p:nvPr>
-        </p:nvSpPr>
-        <p:spPr/>
-        <p:txBody>
-          <a:bodyPr rtlCol="0"/>
-          <a:lstStyle/>
-          <a:p>
-            <a:pPr rtl="0"/>
-            <a:endParaRPr lang="ru-RU" noProof="0" dirty="0"/>
-          </a:p>
-        </p:txBody>
-      </p:sp>
-      <p:sp>
-        <p:nvSpPr>
-          <p:cNvPr id="7" name="Номер слайда 6">
-            <a:extLst>
-              <a:ext uri="{FF2B5EF4-FFF2-40B4-BE49-F238E27FC236}">
-                <a16:creationId xmlns:a16="http://schemas.microsoft.com/office/drawing/2014/main" id="{CA6AA9E1-334B-5F8F-8A92-67DD095F7838}"/>
-              </a:ext>
-            </a:extLst>
-          </p:cNvPr>
-          <p:cNvSpPr>
-            <a:spLocks noGrp="1"/>
-          </p:cNvSpPr>
-          <p:nvPr>
-            <p:ph type="sldNum" sz="quarter" idx="12"/>
-          </p:nvPr>
-        </p:nvSpPr>
-        <p:spPr>
-          <a:xfrm>
-            <a:off x="10682290" y="6423914"/>
-            <a:ext cx="1052510" cy="365125"/>
-          </a:xfrm>
-        </p:spPr>
-        <p:txBody>
-          <a:bodyPr rtlCol="0"/>
-          <a:lstStyle/>
-          <a:p>
-            <a:pPr rtl="0"/>
-            <a:fld id="{CBD12358-51D2-46B3-9BDE-DF29528B9454}" type="slidenum">
-              <a:rPr lang="ru-RU" noProof="0" smtClean="0"/>
-              <a:t>‹#›</a:t>
-            </a:fld>
-            <a:endParaRPr lang="ru-RU" noProof="0" dirty="0"/>
-          </a:p>
-        </p:txBody>
-      </p:sp>
-    </p:spTree>
-    <p:extLst>
-      <p:ext uri="{BB962C8B-B14F-4D97-AF65-F5344CB8AC3E}">
-        <p14:creationId xmlns:p14="http://schemas.microsoft.com/office/powerpoint/2010/main" val="3196971446"/>
+        <p14:creationId xmlns:p14="http://schemas.microsoft.com/office/powerpoint/2010/main" val="1982254321"/>
       </p:ext>
     </p:extLst>
   </p:cSld>
@@ -6549,12 +5715,9 @@
     <p:sldLayoutId id="2147483787" r:id="rId5"/>
     <p:sldLayoutId id="2147483793" r:id="rId6"/>
     <p:sldLayoutId id="2147483766" r:id="rId7"/>
-    <p:sldLayoutId id="2147483792" r:id="rId8"/>
-    <p:sldLayoutId id="2147483795" r:id="rId9"/>
-    <p:sldLayoutId id="2147483798" r:id="rId10"/>
-    <p:sldLayoutId id="2147483796" r:id="rId11"/>
-    <p:sldLayoutId id="2147483779" r:id="rId12"/>
-    <p:sldLayoutId id="2147483769" r:id="rId13"/>
+    <p:sldLayoutId id="2147483798" r:id="rId8"/>
+    <p:sldLayoutId id="2147483779" r:id="rId9"/>
+    <p:sldLayoutId id="2147483769" r:id="rId10"/>
   </p:sldLayoutIdLst>
   <p:hf sldNum="0" hdr="0" ftr="0" dt="0"/>
   <p:txStyles>
@@ -7157,32 +6320,312 @@
           <a:chExt cx="0" cy="0"/>
         </a:xfrm>
       </p:grpSpPr>
-      <p:pic>
-        <p:nvPicPr>
-          <p:cNvPr id="4" name="Рисунок 3"/>
-          <p:cNvPicPr/>
-          <p:nvPr/>
-        </p:nvPicPr>
-        <p:blipFill>
-          <a:blip r:embed="rId3"/>
-          <a:stretch>
-            <a:fillRect/>
-          </a:stretch>
-        </p:blipFill>
+      <p:sp>
+        <p:nvSpPr>
+          <p:cNvPr id="5" name="Заголовок 1">
+            <a:extLst>
+              <a:ext uri="{FF2B5EF4-FFF2-40B4-BE49-F238E27FC236}">
+                <a16:creationId xmlns:a16="http://schemas.microsoft.com/office/drawing/2014/main" id="{C903843E-1FAB-AFBB-BDC9-440FCC8CFB12}"/>
+              </a:ext>
+            </a:extLst>
+          </p:cNvPr>
+          <p:cNvSpPr>
+            <a:spLocks noGrp="1"/>
+          </p:cNvSpPr>
+          <p:nvPr>
+            <p:ph type="ctrTitle"/>
+          </p:nvPr>
+        </p:nvSpPr>
         <p:spPr>
           <a:xfrm>
-            <a:off x="1349828" y="1119050"/>
-            <a:ext cx="9805852" cy="5055328"/>
+            <a:off x="1524000" y="829491"/>
+            <a:ext cx="9144000" cy="981891"/>
+          </a:xfrm>
+          <a:noFill/>
+        </p:spPr>
+        <p:txBody>
+          <a:bodyPr rtlCol="0"/>
+          <a:lstStyle/>
+          <a:p>
+            <a:r>
+              <a:rPr lang="ru" dirty="0" smtClean="0">
+                <a:solidFill>
+                  <a:schemeClr val="accent1"/>
+                </a:solidFill>
+              </a:rPr>
+              <a:t>Вопросы исключённые из доклада</a:t>
+            </a:r>
+            <a:endParaRPr lang="ru-RU" dirty="0">
+              <a:solidFill>
+                <a:schemeClr val="accent1"/>
+              </a:solidFill>
+            </a:endParaRPr>
+          </a:p>
+        </p:txBody>
+      </p:sp>
+      <p:sp>
+        <p:nvSpPr>
+          <p:cNvPr id="6" name="Объект 9">
+            <a:extLst>
+              <a:ext uri="{FF2B5EF4-FFF2-40B4-BE49-F238E27FC236}">
+                <a16:creationId xmlns:a16="http://schemas.microsoft.com/office/drawing/2014/main" id="{C9475E86-FFB0-87BC-084C-C728916152B0}"/>
+              </a:ext>
+            </a:extLst>
+          </p:cNvPr>
+          <p:cNvSpPr txBox="1">
+            <a:spLocks/>
+          </p:cNvSpPr>
+          <p:nvPr/>
+        </p:nvSpPr>
+        <p:spPr>
+          <a:xfrm>
+            <a:off x="531224" y="2490652"/>
+            <a:ext cx="5991496" cy="3047999"/>
           </a:xfrm>
           <a:prstGeom prst="rect">
             <a:avLst/>
           </a:prstGeom>
         </p:spPr>
-      </p:pic>
+        <p:txBody>
+          <a:bodyPr rtlCol="0">
+            <a:normAutofit/>
+          </a:bodyPr>
+          <a:lstStyle>
+            <a:lvl1pPr marL="306000" indent="-306000" algn="l" defTabSz="457200" rtl="0" eaLnBrk="1" latinLnBrk="0" hangingPunct="1">
+              <a:spcBef>
+                <a:spcPct val="20000"/>
+              </a:spcBef>
+              <a:spcAft>
+                <a:spcPts val="600"/>
+              </a:spcAft>
+              <a:buClr>
+                <a:schemeClr val="accent1"/>
+              </a:buClr>
+              <a:buSzPct val="92000"/>
+              <a:buFont typeface="Wingdings 2" panose="05020102010507070707" pitchFamily="18" charset="2"/>
+              <a:buChar char=""/>
+              <a:defRPr sz="1800" kern="1200">
+                <a:solidFill>
+                  <a:schemeClr val="tx1">
+                    <a:lumMod val="75000"/>
+                    <a:lumOff val="25000"/>
+                  </a:schemeClr>
+                </a:solidFill>
+                <a:latin typeface="Calibri" panose="020F0502020204030204" pitchFamily="34" charset="0"/>
+                <a:ea typeface="+mn-ea"/>
+                <a:cs typeface="Calibri" panose="020F0502020204030204" pitchFamily="34" charset="0"/>
+              </a:defRPr>
+            </a:lvl1pPr>
+            <a:lvl2pPr marL="630000" indent="-306000" algn="l" defTabSz="457200" rtl="0" eaLnBrk="1" latinLnBrk="0" hangingPunct="1">
+              <a:spcBef>
+                <a:spcPct val="20000"/>
+              </a:spcBef>
+              <a:spcAft>
+                <a:spcPts val="600"/>
+              </a:spcAft>
+              <a:buClr>
+                <a:schemeClr val="accent1"/>
+              </a:buClr>
+              <a:buSzPct val="92000"/>
+              <a:buFont typeface="Wingdings 2" panose="05020102010507070707" pitchFamily="18" charset="2"/>
+              <a:buChar char=""/>
+              <a:defRPr sz="1600" kern="1200">
+                <a:solidFill>
+                  <a:schemeClr val="tx1">
+                    <a:lumMod val="75000"/>
+                    <a:lumOff val="25000"/>
+                  </a:schemeClr>
+                </a:solidFill>
+                <a:latin typeface="Calibri" panose="020F0502020204030204" pitchFamily="34" charset="0"/>
+                <a:ea typeface="+mn-ea"/>
+                <a:cs typeface="Calibri" panose="020F0502020204030204" pitchFamily="34" charset="0"/>
+              </a:defRPr>
+            </a:lvl2pPr>
+            <a:lvl3pPr marL="900000" indent="-270000" algn="l" defTabSz="457200" rtl="0" eaLnBrk="1" latinLnBrk="0" hangingPunct="1">
+              <a:spcBef>
+                <a:spcPct val="20000"/>
+              </a:spcBef>
+              <a:spcAft>
+                <a:spcPts val="600"/>
+              </a:spcAft>
+              <a:buClr>
+                <a:schemeClr val="accent1"/>
+              </a:buClr>
+              <a:buSzPct val="92000"/>
+              <a:buFont typeface="Wingdings 2" panose="05020102010507070707" pitchFamily="18" charset="2"/>
+              <a:buChar char=""/>
+              <a:defRPr sz="1400" kern="1200">
+                <a:solidFill>
+                  <a:schemeClr val="tx1">
+                    <a:lumMod val="75000"/>
+                    <a:lumOff val="25000"/>
+                  </a:schemeClr>
+                </a:solidFill>
+                <a:latin typeface="Calibri" panose="020F0502020204030204" pitchFamily="34" charset="0"/>
+                <a:ea typeface="+mn-ea"/>
+                <a:cs typeface="Calibri" panose="020F0502020204030204" pitchFamily="34" charset="0"/>
+              </a:defRPr>
+            </a:lvl3pPr>
+            <a:lvl4pPr marL="1242000" indent="-234000" algn="l" defTabSz="457200" rtl="0" eaLnBrk="1" latinLnBrk="0" hangingPunct="1">
+              <a:spcBef>
+                <a:spcPct val="20000"/>
+              </a:spcBef>
+              <a:spcAft>
+                <a:spcPts val="600"/>
+              </a:spcAft>
+              <a:buClr>
+                <a:schemeClr val="accent1"/>
+              </a:buClr>
+              <a:buSzPct val="92000"/>
+              <a:buFont typeface="Wingdings 2" panose="05020102010507070707" pitchFamily="18" charset="2"/>
+              <a:buChar char=""/>
+              <a:defRPr sz="1200" kern="1200">
+                <a:solidFill>
+                  <a:schemeClr val="tx1">
+                    <a:lumMod val="75000"/>
+                    <a:lumOff val="25000"/>
+                  </a:schemeClr>
+                </a:solidFill>
+                <a:latin typeface="Calibri" panose="020F0502020204030204" pitchFamily="34" charset="0"/>
+                <a:ea typeface="+mn-ea"/>
+                <a:cs typeface="Calibri" panose="020F0502020204030204" pitchFamily="34" charset="0"/>
+              </a:defRPr>
+            </a:lvl4pPr>
+            <a:lvl5pPr marL="1602000" indent="-234000" algn="l" defTabSz="457200" rtl="0" eaLnBrk="1" latinLnBrk="0" hangingPunct="1">
+              <a:spcBef>
+                <a:spcPct val="20000"/>
+              </a:spcBef>
+              <a:spcAft>
+                <a:spcPts val="600"/>
+              </a:spcAft>
+              <a:buClr>
+                <a:schemeClr val="accent1"/>
+              </a:buClr>
+              <a:buSzPct val="92000"/>
+              <a:buFont typeface="Wingdings 2" panose="05020102010507070707" pitchFamily="18" charset="2"/>
+              <a:buChar char=""/>
+              <a:defRPr sz="1200" kern="1200">
+                <a:solidFill>
+                  <a:schemeClr val="tx1">
+                    <a:lumMod val="75000"/>
+                    <a:lumOff val="25000"/>
+                  </a:schemeClr>
+                </a:solidFill>
+                <a:latin typeface="Calibri" panose="020F0502020204030204" pitchFamily="34" charset="0"/>
+                <a:ea typeface="+mn-ea"/>
+                <a:cs typeface="Calibri" panose="020F0502020204030204" pitchFamily="34" charset="0"/>
+              </a:defRPr>
+            </a:lvl5pPr>
+            <a:lvl6pPr marL="1900000" indent="-228600" algn="l" defTabSz="457200" rtl="0" eaLnBrk="1" latinLnBrk="0" hangingPunct="1">
+              <a:spcBef>
+                <a:spcPct val="20000"/>
+              </a:spcBef>
+              <a:spcAft>
+                <a:spcPts val="600"/>
+              </a:spcAft>
+              <a:buClr>
+                <a:schemeClr val="accent2"/>
+              </a:buClr>
+              <a:buSzPct val="92000"/>
+              <a:buFont typeface="Wingdings 2" panose="05020102010507070707" pitchFamily="18" charset="2"/>
+              <a:buChar char=""/>
+              <a:defRPr sz="1200" kern="1200">
+                <a:solidFill>
+                  <a:schemeClr val="tx2"/>
+                </a:solidFill>
+                <a:latin typeface="+mn-lt"/>
+                <a:ea typeface="+mn-ea"/>
+                <a:cs typeface="+mn-cs"/>
+              </a:defRPr>
+            </a:lvl6pPr>
+            <a:lvl7pPr marL="2200000" indent="-228600" algn="l" defTabSz="457200" rtl="0" eaLnBrk="1" latinLnBrk="0" hangingPunct="1">
+              <a:spcBef>
+                <a:spcPct val="20000"/>
+              </a:spcBef>
+              <a:spcAft>
+                <a:spcPts val="600"/>
+              </a:spcAft>
+              <a:buClr>
+                <a:schemeClr val="accent2"/>
+              </a:buClr>
+              <a:buSzPct val="92000"/>
+              <a:buFont typeface="Wingdings 2" panose="05020102010507070707" pitchFamily="18" charset="2"/>
+              <a:buChar char=""/>
+              <a:defRPr sz="1200" kern="1200">
+                <a:solidFill>
+                  <a:schemeClr val="tx2"/>
+                </a:solidFill>
+                <a:latin typeface="+mn-lt"/>
+                <a:ea typeface="+mn-ea"/>
+                <a:cs typeface="+mn-cs"/>
+              </a:defRPr>
+            </a:lvl7pPr>
+            <a:lvl8pPr marL="2500000" indent="-228600" algn="l" defTabSz="457200" rtl="0" eaLnBrk="1" latinLnBrk="0" hangingPunct="1">
+              <a:spcBef>
+                <a:spcPct val="20000"/>
+              </a:spcBef>
+              <a:spcAft>
+                <a:spcPts val="600"/>
+              </a:spcAft>
+              <a:buClr>
+                <a:schemeClr val="accent2"/>
+              </a:buClr>
+              <a:buSzPct val="92000"/>
+              <a:buFont typeface="Wingdings 2" panose="05020102010507070707" pitchFamily="18" charset="2"/>
+              <a:buChar char=""/>
+              <a:defRPr sz="1200" kern="1200">
+                <a:solidFill>
+                  <a:schemeClr val="tx2"/>
+                </a:solidFill>
+                <a:latin typeface="+mn-lt"/>
+                <a:ea typeface="+mn-ea"/>
+                <a:cs typeface="+mn-cs"/>
+              </a:defRPr>
+            </a:lvl8pPr>
+            <a:lvl9pPr marL="2800000" indent="-228600" algn="l" defTabSz="457200" rtl="0" eaLnBrk="1" latinLnBrk="0" hangingPunct="1">
+              <a:spcBef>
+                <a:spcPct val="20000"/>
+              </a:spcBef>
+              <a:spcAft>
+                <a:spcPts val="600"/>
+              </a:spcAft>
+              <a:buClr>
+                <a:schemeClr val="accent2"/>
+              </a:buClr>
+              <a:buSzPct val="92000"/>
+              <a:buFont typeface="Wingdings 2" panose="05020102010507070707" pitchFamily="18" charset="2"/>
+              <a:buChar char=""/>
+              <a:defRPr sz="1200" kern="1200">
+                <a:solidFill>
+                  <a:schemeClr val="tx2"/>
+                </a:solidFill>
+                <a:latin typeface="+mn-lt"/>
+                <a:ea typeface="+mn-ea"/>
+                <a:cs typeface="+mn-cs"/>
+              </a:defRPr>
+            </a:lvl9pPr>
+          </a:lstStyle>
+          <a:p>
+            <a:r>
+              <a:rPr lang="ru" dirty="0" smtClean="0"/>
+              <a:t>Как может быть устроен анализатор? (на примере анализа числовых значений или строковых)</a:t>
+            </a:r>
+          </a:p>
+          <a:p>
+            <a:r>
+              <a:rPr lang="ru" dirty="0" smtClean="0"/>
+              <a:t>Как происходит автоматический подбор весов для анализаторов в процессе обучения?</a:t>
+            </a:r>
+          </a:p>
+          <a:p>
+            <a:endParaRPr lang="ru" dirty="0"/>
+          </a:p>
+        </p:txBody>
+      </p:sp>
     </p:spTree>
     <p:extLst>
       <p:ext uri="{BB962C8B-B14F-4D97-AF65-F5344CB8AC3E}">
-        <p14:creationId xmlns:p14="http://schemas.microsoft.com/office/powerpoint/2010/main" val="4011527055"/>
+        <p14:creationId xmlns:p14="http://schemas.microsoft.com/office/powerpoint/2010/main" val="329893005"/>
       </p:ext>
     </p:extLst>
   </p:cSld>
@@ -7227,7 +6670,7 @@
         </p:nvSpPr>
         <p:spPr>
           <a:xfrm>
-            <a:off x="1524000" y="829491"/>
+            <a:off x="1489166" y="620485"/>
             <a:ext cx="9144000" cy="981891"/>
           </a:xfrm>
           <a:noFill/>
@@ -7237,12 +6680,20 @@
           <a:lstStyle/>
           <a:p>
             <a:r>
-              <a:rPr lang="ru" dirty="0" smtClean="0">
+              <a:rPr lang="en-US" dirty="0" err="1" smtClean="0">
                 <a:solidFill>
                   <a:schemeClr val="accent1"/>
                 </a:solidFill>
               </a:rPr>
-              <a:t>Вопросы исключённые из доклада</a:t>
+              <a:t>DataSet</a:t>
+            </a:r>
+            <a:r>
+              <a:rPr lang="en-US" dirty="0" smtClean="0">
+                <a:solidFill>
+                  <a:schemeClr val="accent1"/>
+                </a:solidFill>
+              </a:rPr>
+              <a:t> TELECOMX</a:t>
             </a:r>
             <a:endParaRPr lang="ru-RU" dirty="0">
               <a:solidFill>
@@ -7268,8 +6719,8 @@
         </p:nvSpPr>
         <p:spPr>
           <a:xfrm>
-            <a:off x="531224" y="2490652"/>
-            <a:ext cx="5991496" cy="3047999"/>
+            <a:off x="478972" y="1612728"/>
+            <a:ext cx="11164388" cy="2360024"/>
           </a:xfrm>
           <a:prstGeom prst="rect">
             <a:avLst/>
@@ -7277,7 +6728,7 @@
         </p:spPr>
         <p:txBody>
           <a:bodyPr rtlCol="0">
-            <a:normAutofit/>
+            <a:noAutofit/>
           </a:bodyPr>
           <a:lstStyle>
             <a:lvl1pPr marL="306000" indent="-306000" algn="l" defTabSz="457200" rtl="0" eaLnBrk="1" latinLnBrk="0" hangingPunct="1">
@@ -7496,348 +6947,16 @@
           </a:lstStyle>
           <a:p>
             <a:r>
-              <a:rPr lang="ru" dirty="0" smtClean="0"/>
-              <a:t>Как может быть устроен анализатор? (на примере аналича числовых значений или строковых)</a:t>
-            </a:r>
-          </a:p>
-          <a:p>
-            <a:r>
-              <a:rPr lang="ru" dirty="0" smtClean="0"/>
-              <a:t>Как происходит автоматический подбор весов для анализаторов в процессе обучения?</a:t>
-            </a:r>
-          </a:p>
-          <a:p>
-            <a:endParaRPr lang="ru" dirty="0"/>
-          </a:p>
-        </p:txBody>
-      </p:sp>
-    </p:spTree>
-    <p:extLst>
-      <p:ext uri="{BB962C8B-B14F-4D97-AF65-F5344CB8AC3E}">
-        <p14:creationId xmlns:p14="http://schemas.microsoft.com/office/powerpoint/2010/main" val="329893005"/>
-      </p:ext>
-    </p:extLst>
-  </p:cSld>
-  <p:clrMapOvr>
-    <a:masterClrMapping/>
-  </p:clrMapOvr>
-</p:sld>
-</file>
-
-<file path=ppt/slides/slide12.xml><?xml version="1.0" encoding="utf-8"?>
-<p:sld xmlns:a="http://schemas.openxmlformats.org/drawingml/2006/main" xmlns:r="http://schemas.openxmlformats.org/officeDocument/2006/relationships" xmlns:p="http://schemas.openxmlformats.org/presentationml/2006/main">
-  <p:cSld>
-    <p:spTree>
-      <p:nvGrpSpPr>
-        <p:cNvPr id="1" name=""/>
-        <p:cNvGrpSpPr/>
-        <p:nvPr/>
-      </p:nvGrpSpPr>
-      <p:grpSpPr>
-        <a:xfrm>
-          <a:off x="0" y="0"/>
-          <a:ext cx="0" cy="0"/>
-          <a:chOff x="0" y="0"/>
-          <a:chExt cx="0" cy="0"/>
-        </a:xfrm>
-      </p:grpSpPr>
-      <p:sp>
-        <p:nvSpPr>
-          <p:cNvPr id="5" name="Заголовок 1">
-            <a:extLst>
-              <a:ext uri="{FF2B5EF4-FFF2-40B4-BE49-F238E27FC236}">
-                <a16:creationId xmlns:a16="http://schemas.microsoft.com/office/drawing/2014/main" id="{C903843E-1FAB-AFBB-BDC9-440FCC8CFB12}"/>
-              </a:ext>
-            </a:extLst>
-          </p:cNvPr>
-          <p:cNvSpPr>
-            <a:spLocks noGrp="1"/>
-          </p:cNvSpPr>
-          <p:nvPr>
-            <p:ph type="ctrTitle"/>
-          </p:nvPr>
-        </p:nvSpPr>
-        <p:spPr>
-          <a:xfrm>
-            <a:off x="1489166" y="620485"/>
-            <a:ext cx="9144000" cy="981891"/>
-          </a:xfrm>
-          <a:noFill/>
-        </p:spPr>
-        <p:txBody>
-          <a:bodyPr rtlCol="0"/>
-          <a:lstStyle/>
-          <a:p>
-            <a:r>
-              <a:rPr lang="en-US" dirty="0" err="1" smtClean="0">
-                <a:solidFill>
-                  <a:schemeClr val="accent1"/>
-                </a:solidFill>
-              </a:rPr>
-              <a:t>DataSet</a:t>
-            </a:r>
-            <a:r>
-              <a:rPr lang="en-US" dirty="0" smtClean="0">
-                <a:solidFill>
-                  <a:schemeClr val="accent1"/>
-                </a:solidFill>
-              </a:rPr>
-              <a:t> TELECOMX</a:t>
-            </a:r>
-            <a:endParaRPr lang="ru-RU" dirty="0">
-              <a:solidFill>
-                <a:schemeClr val="accent1"/>
-              </a:solidFill>
-            </a:endParaRPr>
-          </a:p>
-        </p:txBody>
-      </p:sp>
-      <p:sp>
-        <p:nvSpPr>
-          <p:cNvPr id="6" name="Объект 9">
-            <a:extLst>
-              <a:ext uri="{FF2B5EF4-FFF2-40B4-BE49-F238E27FC236}">
-                <a16:creationId xmlns:a16="http://schemas.microsoft.com/office/drawing/2014/main" id="{C9475E86-FFB0-87BC-084C-C728916152B0}"/>
-              </a:ext>
-            </a:extLst>
-          </p:cNvPr>
-          <p:cNvSpPr txBox="1">
-            <a:spLocks/>
-          </p:cNvSpPr>
-          <p:nvPr/>
-        </p:nvSpPr>
-        <p:spPr>
-          <a:xfrm>
-            <a:off x="478972" y="1612728"/>
-            <a:ext cx="11164388" cy="2360024"/>
-          </a:xfrm>
-          <a:prstGeom prst="rect">
-            <a:avLst/>
-          </a:prstGeom>
-        </p:spPr>
-        <p:txBody>
-          <a:bodyPr rtlCol="0">
-            <a:noAutofit/>
-          </a:bodyPr>
-          <a:lstStyle>
-            <a:lvl1pPr marL="306000" indent="-306000" algn="l" defTabSz="457200" rtl="0" eaLnBrk="1" latinLnBrk="0" hangingPunct="1">
-              <a:spcBef>
-                <a:spcPct val="20000"/>
-              </a:spcBef>
-              <a:spcAft>
-                <a:spcPts val="600"/>
-              </a:spcAft>
-              <a:buClr>
-                <a:schemeClr val="accent1"/>
-              </a:buClr>
-              <a:buSzPct val="92000"/>
-              <a:buFont typeface="Wingdings 2" panose="05020102010507070707" pitchFamily="18" charset="2"/>
-              <a:buChar char=""/>
-              <a:defRPr sz="1800" kern="1200">
-                <a:solidFill>
-                  <a:schemeClr val="tx1">
-                    <a:lumMod val="75000"/>
-                    <a:lumOff val="25000"/>
-                  </a:schemeClr>
-                </a:solidFill>
-                <a:latin typeface="Calibri" panose="020F0502020204030204" pitchFamily="34" charset="0"/>
-                <a:ea typeface="+mn-ea"/>
-                <a:cs typeface="Calibri" panose="020F0502020204030204" pitchFamily="34" charset="0"/>
-              </a:defRPr>
-            </a:lvl1pPr>
-            <a:lvl2pPr marL="630000" indent="-306000" algn="l" defTabSz="457200" rtl="0" eaLnBrk="1" latinLnBrk="0" hangingPunct="1">
-              <a:spcBef>
-                <a:spcPct val="20000"/>
-              </a:spcBef>
-              <a:spcAft>
-                <a:spcPts val="600"/>
-              </a:spcAft>
-              <a:buClr>
-                <a:schemeClr val="accent1"/>
-              </a:buClr>
-              <a:buSzPct val="92000"/>
-              <a:buFont typeface="Wingdings 2" panose="05020102010507070707" pitchFamily="18" charset="2"/>
-              <a:buChar char=""/>
-              <a:defRPr sz="1600" kern="1200">
-                <a:solidFill>
-                  <a:schemeClr val="tx1">
-                    <a:lumMod val="75000"/>
-                    <a:lumOff val="25000"/>
-                  </a:schemeClr>
-                </a:solidFill>
-                <a:latin typeface="Calibri" panose="020F0502020204030204" pitchFamily="34" charset="0"/>
-                <a:ea typeface="+mn-ea"/>
-                <a:cs typeface="Calibri" panose="020F0502020204030204" pitchFamily="34" charset="0"/>
-              </a:defRPr>
-            </a:lvl2pPr>
-            <a:lvl3pPr marL="900000" indent="-270000" algn="l" defTabSz="457200" rtl="0" eaLnBrk="1" latinLnBrk="0" hangingPunct="1">
-              <a:spcBef>
-                <a:spcPct val="20000"/>
-              </a:spcBef>
-              <a:spcAft>
-                <a:spcPts val="600"/>
-              </a:spcAft>
-              <a:buClr>
-                <a:schemeClr val="accent1"/>
-              </a:buClr>
-              <a:buSzPct val="92000"/>
-              <a:buFont typeface="Wingdings 2" panose="05020102010507070707" pitchFamily="18" charset="2"/>
-              <a:buChar char=""/>
-              <a:defRPr sz="1400" kern="1200">
-                <a:solidFill>
-                  <a:schemeClr val="tx1">
-                    <a:lumMod val="75000"/>
-                    <a:lumOff val="25000"/>
-                  </a:schemeClr>
-                </a:solidFill>
-                <a:latin typeface="Calibri" panose="020F0502020204030204" pitchFamily="34" charset="0"/>
-                <a:ea typeface="+mn-ea"/>
-                <a:cs typeface="Calibri" panose="020F0502020204030204" pitchFamily="34" charset="0"/>
-              </a:defRPr>
-            </a:lvl3pPr>
-            <a:lvl4pPr marL="1242000" indent="-234000" algn="l" defTabSz="457200" rtl="0" eaLnBrk="1" latinLnBrk="0" hangingPunct="1">
-              <a:spcBef>
-                <a:spcPct val="20000"/>
-              </a:spcBef>
-              <a:spcAft>
-                <a:spcPts val="600"/>
-              </a:spcAft>
-              <a:buClr>
-                <a:schemeClr val="accent1"/>
-              </a:buClr>
-              <a:buSzPct val="92000"/>
-              <a:buFont typeface="Wingdings 2" panose="05020102010507070707" pitchFamily="18" charset="2"/>
-              <a:buChar char=""/>
-              <a:defRPr sz="1200" kern="1200">
-                <a:solidFill>
-                  <a:schemeClr val="tx1">
-                    <a:lumMod val="75000"/>
-                    <a:lumOff val="25000"/>
-                  </a:schemeClr>
-                </a:solidFill>
-                <a:latin typeface="Calibri" panose="020F0502020204030204" pitchFamily="34" charset="0"/>
-                <a:ea typeface="+mn-ea"/>
-                <a:cs typeface="Calibri" panose="020F0502020204030204" pitchFamily="34" charset="0"/>
-              </a:defRPr>
-            </a:lvl4pPr>
-            <a:lvl5pPr marL="1602000" indent="-234000" algn="l" defTabSz="457200" rtl="0" eaLnBrk="1" latinLnBrk="0" hangingPunct="1">
-              <a:spcBef>
-                <a:spcPct val="20000"/>
-              </a:spcBef>
-              <a:spcAft>
-                <a:spcPts val="600"/>
-              </a:spcAft>
-              <a:buClr>
-                <a:schemeClr val="accent1"/>
-              </a:buClr>
-              <a:buSzPct val="92000"/>
-              <a:buFont typeface="Wingdings 2" panose="05020102010507070707" pitchFamily="18" charset="2"/>
-              <a:buChar char=""/>
-              <a:defRPr sz="1200" kern="1200">
-                <a:solidFill>
-                  <a:schemeClr val="tx1">
-                    <a:lumMod val="75000"/>
-                    <a:lumOff val="25000"/>
-                  </a:schemeClr>
-                </a:solidFill>
-                <a:latin typeface="Calibri" panose="020F0502020204030204" pitchFamily="34" charset="0"/>
-                <a:ea typeface="+mn-ea"/>
-                <a:cs typeface="Calibri" panose="020F0502020204030204" pitchFamily="34" charset="0"/>
-              </a:defRPr>
-            </a:lvl5pPr>
-            <a:lvl6pPr marL="1900000" indent="-228600" algn="l" defTabSz="457200" rtl="0" eaLnBrk="1" latinLnBrk="0" hangingPunct="1">
-              <a:spcBef>
-                <a:spcPct val="20000"/>
-              </a:spcBef>
-              <a:spcAft>
-                <a:spcPts val="600"/>
-              </a:spcAft>
-              <a:buClr>
-                <a:schemeClr val="accent2"/>
-              </a:buClr>
-              <a:buSzPct val="92000"/>
-              <a:buFont typeface="Wingdings 2" panose="05020102010507070707" pitchFamily="18" charset="2"/>
-              <a:buChar char=""/>
-              <a:defRPr sz="1200" kern="1200">
-                <a:solidFill>
-                  <a:schemeClr val="tx2"/>
-                </a:solidFill>
-                <a:latin typeface="+mn-lt"/>
-                <a:ea typeface="+mn-ea"/>
-                <a:cs typeface="+mn-cs"/>
-              </a:defRPr>
-            </a:lvl6pPr>
-            <a:lvl7pPr marL="2200000" indent="-228600" algn="l" defTabSz="457200" rtl="0" eaLnBrk="1" latinLnBrk="0" hangingPunct="1">
-              <a:spcBef>
-                <a:spcPct val="20000"/>
-              </a:spcBef>
-              <a:spcAft>
-                <a:spcPts val="600"/>
-              </a:spcAft>
-              <a:buClr>
-                <a:schemeClr val="accent2"/>
-              </a:buClr>
-              <a:buSzPct val="92000"/>
-              <a:buFont typeface="Wingdings 2" panose="05020102010507070707" pitchFamily="18" charset="2"/>
-              <a:buChar char=""/>
-              <a:defRPr sz="1200" kern="1200">
-                <a:solidFill>
-                  <a:schemeClr val="tx2"/>
-                </a:solidFill>
-                <a:latin typeface="+mn-lt"/>
-                <a:ea typeface="+mn-ea"/>
-                <a:cs typeface="+mn-cs"/>
-              </a:defRPr>
-            </a:lvl7pPr>
-            <a:lvl8pPr marL="2500000" indent="-228600" algn="l" defTabSz="457200" rtl="0" eaLnBrk="1" latinLnBrk="0" hangingPunct="1">
-              <a:spcBef>
-                <a:spcPct val="20000"/>
-              </a:spcBef>
-              <a:spcAft>
-                <a:spcPts val="600"/>
-              </a:spcAft>
-              <a:buClr>
-                <a:schemeClr val="accent2"/>
-              </a:buClr>
-              <a:buSzPct val="92000"/>
-              <a:buFont typeface="Wingdings 2" panose="05020102010507070707" pitchFamily="18" charset="2"/>
-              <a:buChar char=""/>
-              <a:defRPr sz="1200" kern="1200">
-                <a:solidFill>
-                  <a:schemeClr val="tx2"/>
-                </a:solidFill>
-                <a:latin typeface="+mn-lt"/>
-                <a:ea typeface="+mn-ea"/>
-                <a:cs typeface="+mn-cs"/>
-              </a:defRPr>
-            </a:lvl8pPr>
-            <a:lvl9pPr marL="2800000" indent="-228600" algn="l" defTabSz="457200" rtl="0" eaLnBrk="1" latinLnBrk="0" hangingPunct="1">
-              <a:spcBef>
-                <a:spcPct val="20000"/>
-              </a:spcBef>
-              <a:spcAft>
-                <a:spcPts val="600"/>
-              </a:spcAft>
-              <a:buClr>
-                <a:schemeClr val="accent2"/>
-              </a:buClr>
-              <a:buSzPct val="92000"/>
-              <a:buFont typeface="Wingdings 2" panose="05020102010507070707" pitchFamily="18" charset="2"/>
-              <a:buChar char=""/>
-              <a:defRPr sz="1200" kern="1200">
-                <a:solidFill>
-                  <a:schemeClr val="tx2"/>
-                </a:solidFill>
-                <a:latin typeface="+mn-lt"/>
-                <a:ea typeface="+mn-ea"/>
-                <a:cs typeface="+mn-cs"/>
-              </a:defRPr>
-            </a:lvl9pPr>
-          </a:lstStyle>
-          <a:p>
-            <a:r>
               <a:rPr lang="ru-RU" dirty="0"/>
-              <a:t>«С линейного оборудования узлов связи раз в какое-то время (например, раз в 10 минут) снимаются </a:t>
+              <a:t>«С линейного оборудования узлов связи раз в какое-то время </a:t>
+            </a:r>
+            <a:r>
+              <a:rPr lang="ru-RU" dirty="0" smtClean="0"/>
+              <a:t>(например, раз </a:t>
+            </a:r>
+            <a:r>
+              <a:rPr lang="ru-RU" dirty="0"/>
+              <a:t>в 10 минут) снимаются </a:t>
             </a:r>
             <a:r>
               <a:rPr lang="ru-RU" dirty="0" err="1"/>
@@ -8224,7 +7343,7 @@
 </p:sld>
 </file>
 
-<file path=ppt/slides/slide13.xml><?xml version="1.0" encoding="utf-8"?>
+<file path=ppt/slides/slide12.xml><?xml version="1.0" encoding="utf-8"?>
 <p:sld xmlns:a="http://schemas.openxmlformats.org/drawingml/2006/main" xmlns:r="http://schemas.openxmlformats.org/officeDocument/2006/relationships" xmlns:p="http://schemas.openxmlformats.org/presentationml/2006/main">
   <p:cSld>
     <p:spTree>
@@ -8617,7 +7736,7 @@
           </a:lstStyle>
           <a:p>
             <a:r>
-              <a:rPr lang="ru-RU" sz="2800" dirty="0" smtClean="0"/>
+              <a:rPr lang="ru-RU" sz="2800" smtClean="0"/>
               <a:t>Подход 1</a:t>
             </a:r>
             <a:endParaRPr lang="ru" sz="2800" dirty="0"/>
@@ -8640,7 +7759,7 @@
         </p:nvSpPr>
         <p:spPr>
           <a:xfrm>
-            <a:off x="457200" y="2445536"/>
+            <a:off x="457200" y="2593581"/>
             <a:ext cx="5355772" cy="3633047"/>
           </a:xfrm>
           <a:prstGeom prst="rect">
@@ -8945,6 +8064,163 @@
     <p:extLst>
       <p:ext uri="{BB962C8B-B14F-4D97-AF65-F5344CB8AC3E}">
         <p14:creationId xmlns:p14="http://schemas.microsoft.com/office/powerpoint/2010/main" val="3386763005"/>
+      </p:ext>
+    </p:extLst>
+  </p:cSld>
+  <p:clrMapOvr>
+    <a:masterClrMapping/>
+  </p:clrMapOvr>
+</p:sld>
+</file>
+
+<file path=ppt/slides/slide13.xml><?xml version="1.0" encoding="utf-8"?>
+<p:sld xmlns:a="http://schemas.openxmlformats.org/drawingml/2006/main" xmlns:r="http://schemas.openxmlformats.org/officeDocument/2006/relationships" xmlns:p="http://schemas.openxmlformats.org/presentationml/2006/main">
+  <p:cSld>
+    <p:spTree>
+      <p:nvGrpSpPr>
+        <p:cNvPr id="1" name=""/>
+        <p:cNvGrpSpPr/>
+        <p:nvPr/>
+      </p:nvGrpSpPr>
+      <p:grpSpPr>
+        <a:xfrm>
+          <a:off x="0" y="0"/>
+          <a:ext cx="0" cy="0"/>
+          <a:chOff x="0" y="0"/>
+          <a:chExt cx="0" cy="0"/>
+        </a:xfrm>
+      </p:grpSpPr>
+      <p:sp>
+        <p:nvSpPr>
+          <p:cNvPr id="11" name="Заголовок 10">
+            <a:extLst>
+              <a:ext uri="{FF2B5EF4-FFF2-40B4-BE49-F238E27FC236}">
+                <a16:creationId xmlns:a16="http://schemas.microsoft.com/office/drawing/2014/main" id="{FF0FD1A0-C075-EE18-B3AE-363C242D0BCE}"/>
+              </a:ext>
+            </a:extLst>
+          </p:cNvPr>
+          <p:cNvSpPr>
+            <a:spLocks noGrp="1"/>
+          </p:cNvSpPr>
+          <p:nvPr>
+            <p:ph type="title"/>
+          </p:nvPr>
+        </p:nvSpPr>
+        <p:spPr>
+          <a:xfrm>
+            <a:off x="418012" y="603794"/>
+            <a:ext cx="3782786" cy="1164046"/>
+          </a:xfrm>
+        </p:spPr>
+        <p:txBody>
+          <a:bodyPr rtlCol="0">
+            <a:normAutofit/>
+          </a:bodyPr>
+          <a:lstStyle/>
+          <a:p>
+            <a:r>
+              <a:rPr lang="ru" dirty="0" smtClean="0"/>
+              <a:t>Подход 1</a:t>
+            </a:r>
+            <a:r>
+              <a:rPr lang="en-US" dirty="0" smtClean="0"/>
+              <a:t>: </a:t>
+            </a:r>
+            <a:r>
+              <a:rPr lang="ru-RU" dirty="0" smtClean="0"/>
+              <a:t/>
+            </a:r>
+            <a:br>
+              <a:rPr lang="ru-RU" dirty="0" smtClean="0"/>
+            </a:br>
+            <a:r>
+              <a:rPr lang="ru-RU" dirty="0" smtClean="0"/>
+              <a:t>Пользователь</a:t>
+            </a:r>
+            <a:r>
+              <a:rPr lang="en-US" dirty="0" smtClean="0"/>
+              <a:t>:</a:t>
+            </a:r>
+            <a:r>
+              <a:rPr lang="ru-RU" dirty="0" smtClean="0"/>
+              <a:t> </a:t>
+            </a:r>
+            <a:r>
+              <a:rPr lang="ru-RU" dirty="0">
+                <a:solidFill>
+                  <a:schemeClr val="accent5"/>
+                </a:solidFill>
+              </a:rPr>
+              <a:t>8784</a:t>
+            </a:r>
+            <a:endParaRPr lang="ru" dirty="0"/>
+          </a:p>
+        </p:txBody>
+      </p:sp>
+      <p:pic>
+        <p:nvPicPr>
+          <p:cNvPr id="2" name="Рисунок 1"/>
+          <p:cNvPicPr>
+            <a:picLocks noChangeAspect="1"/>
+          </p:cNvPicPr>
+          <p:nvPr/>
+        </p:nvPicPr>
+        <p:blipFill>
+          <a:blip r:embed="rId3">
+            <a:extLst>
+              <a:ext uri="{28A0092B-C50C-407E-A947-70E740481C1C}">
+                <a14:useLocalDpi xmlns:a14="http://schemas.microsoft.com/office/drawing/2010/main" val="0"/>
+              </a:ext>
+            </a:extLst>
+          </a:blip>
+          <a:stretch>
+            <a:fillRect/>
+          </a:stretch>
+        </p:blipFill>
+        <p:spPr>
+          <a:xfrm>
+            <a:off x="4200798" y="727166"/>
+            <a:ext cx="7512231" cy="6009784"/>
+          </a:xfrm>
+          <a:prstGeom prst="rect">
+            <a:avLst/>
+          </a:prstGeom>
+        </p:spPr>
+      </p:pic>
+      <p:sp>
+        <p:nvSpPr>
+          <p:cNvPr id="6" name="TextBox 5"/>
+          <p:cNvSpPr txBox="1"/>
+          <p:nvPr/>
+        </p:nvSpPr>
+        <p:spPr>
+          <a:xfrm>
+            <a:off x="391886" y="2325189"/>
+            <a:ext cx="1914691" cy="369332"/>
+          </a:xfrm>
+          <a:prstGeom prst="rect">
+            <a:avLst/>
+          </a:prstGeom>
+          <a:noFill/>
+        </p:spPr>
+        <p:txBody>
+          <a:bodyPr wrap="none" rtlCol="0">
+            <a:spAutoFit/>
+          </a:bodyPr>
+          <a:lstStyle/>
+          <a:p>
+            <a:r>
+              <a:rPr lang="ru-RU" dirty="0" smtClean="0"/>
+              <a:t>Уровень доверия</a:t>
+            </a:r>
+            <a:endParaRPr lang="ru-RU" dirty="0"/>
+          </a:p>
+        </p:txBody>
+      </p:sp>
+    </p:spTree>
+    <p:extLst>
+      <p:ext uri="{BB962C8B-B14F-4D97-AF65-F5344CB8AC3E}">
+        <p14:creationId xmlns:p14="http://schemas.microsoft.com/office/powerpoint/2010/main" val="837402205"/>
       </p:ext>
     </p:extLst>
   </p:cSld>
@@ -8971,9 +8247,90 @@
           <a:chExt cx="0" cy="0"/>
         </a:xfrm>
       </p:grpSpPr>
-      <p:sp>
-        <p:nvSpPr>
-          <p:cNvPr id="11" name="Заголовок 10">
+      <p:pic>
+        <p:nvPicPr>
+          <p:cNvPr id="3" name="Рисунок 2"/>
+          <p:cNvPicPr>
+            <a:picLocks noChangeAspect="1"/>
+          </p:cNvPicPr>
+          <p:nvPr/>
+        </p:nvPicPr>
+        <p:blipFill>
+          <a:blip r:embed="rId3">
+            <a:extLst>
+              <a:ext uri="{28A0092B-C50C-407E-A947-70E740481C1C}">
+                <a14:useLocalDpi xmlns:a14="http://schemas.microsoft.com/office/drawing/2010/main" val="0"/>
+              </a:ext>
+            </a:extLst>
+          </a:blip>
+          <a:stretch>
+            <a:fillRect/>
+          </a:stretch>
+        </p:blipFill>
+        <p:spPr>
+          <a:xfrm>
+            <a:off x="4174672" y="658164"/>
+            <a:ext cx="7749794" cy="6199835"/>
+          </a:xfrm>
+          <a:prstGeom prst="rect">
+            <a:avLst/>
+          </a:prstGeom>
+        </p:spPr>
+      </p:pic>
+      <p:sp>
+        <p:nvSpPr>
+          <p:cNvPr id="4" name="TextBox 3"/>
+          <p:cNvSpPr txBox="1"/>
+          <p:nvPr/>
+        </p:nvSpPr>
+        <p:spPr>
+          <a:xfrm>
+            <a:off x="391886" y="2325189"/>
+            <a:ext cx="3314241" cy="369332"/>
+          </a:xfrm>
+          <a:prstGeom prst="rect">
+            <a:avLst/>
+          </a:prstGeom>
+          <a:noFill/>
+        </p:spPr>
+        <p:txBody>
+          <a:bodyPr wrap="none" rtlCol="0">
+            <a:spAutoFit/>
+          </a:bodyPr>
+          <a:lstStyle/>
+          <a:p>
+            <a:r>
+              <a:rPr lang="en-US" dirty="0" err="1" smtClean="0">
+                <a:latin typeface="Calibri" panose="020F0502020204030204" pitchFamily="34" charset="0"/>
+                <a:cs typeface="Calibri" panose="020F0502020204030204" pitchFamily="34" charset="0"/>
+              </a:rPr>
+              <a:t>MedianReceivedBit</a:t>
+            </a:r>
+            <a:r>
+              <a:rPr lang="en-US" dirty="0" smtClean="0">
+                <a:latin typeface="Calibri" panose="020F0502020204030204" pitchFamily="34" charset="0"/>
+                <a:cs typeface="Calibri" panose="020F0502020204030204" pitchFamily="34" charset="0"/>
+              </a:rPr>
+              <a:t>(</a:t>
+            </a:r>
+            <a:r>
+              <a:rPr lang="ru-RU" dirty="0" smtClean="0">
+                <a:latin typeface="Calibri" panose="020F0502020204030204" pitchFamily="34" charset="0"/>
+                <a:cs typeface="Calibri" panose="020F0502020204030204" pitchFamily="34" charset="0"/>
+              </a:rPr>
+              <a:t>полученные</a:t>
+            </a:r>
+            <a:r>
+              <a:rPr lang="en-US" dirty="0" smtClean="0"/>
+              <a:t>)</a:t>
+            </a:r>
+            <a:endParaRPr lang="ru-RU" dirty="0"/>
+          </a:p>
+        </p:txBody>
+      </p:sp>
+      <p:sp>
+        <p:nvSpPr>
+          <p:cNvPr id="9" name="Заголовок 10">
             <a:extLst>
               <a:ext uri="{FF2B5EF4-FFF2-40B4-BE49-F238E27FC236}">
                 <a16:creationId xmlns:a16="http://schemas.microsoft.com/office/drawing/2014/main" id="{FF0FD1A0-C075-EE18-B3AE-363C242D0BCE}"/>
@@ -8989,42 +8346,8 @@
         </p:nvSpPr>
         <p:spPr>
           <a:xfrm>
-            <a:off x="457200" y="690880"/>
-            <a:ext cx="11267440" cy="1143000"/>
-          </a:xfrm>
-        </p:spPr>
-        <p:txBody>
-          <a:bodyPr rtlCol="0"/>
-          <a:lstStyle/>
-          <a:p>
-            <a:pPr rtl="0"/>
-            <a:r>
-              <a:rPr lang="ru" dirty="0"/>
-              <a:t>Эффективные методы презентации</a:t>
-            </a:r>
-          </a:p>
-        </p:txBody>
-      </p:sp>
-      <p:sp>
-        <p:nvSpPr>
-          <p:cNvPr id="34" name="Объект 33">
-            <a:extLst>
-              <a:ext uri="{FF2B5EF4-FFF2-40B4-BE49-F238E27FC236}">
-                <a16:creationId xmlns:a16="http://schemas.microsoft.com/office/drawing/2014/main" id="{C69167C3-302B-24DE-9CF7-D85D5D5DD20A}"/>
-              </a:ext>
-            </a:extLst>
-          </p:cNvPr>
-          <p:cNvSpPr>
-            <a:spLocks noGrp="1"/>
-          </p:cNvSpPr>
-          <p:nvPr>
-            <p:ph sz="half" idx="13"/>
-          </p:nvPr>
-        </p:nvSpPr>
-        <p:spPr>
-          <a:xfrm>
-            <a:off x="457200" y="2187362"/>
-            <a:ext cx="3657600" cy="3633047"/>
+            <a:off x="418012" y="603794"/>
+            <a:ext cx="3782786" cy="1164046"/>
           </a:xfrm>
         </p:spPr>
         <p:txBody>
@@ -9033,108 +8356,49 @@
           </a:bodyPr>
           <a:lstStyle/>
           <a:p>
-            <a:pPr rtl="0"/>
-            <a:r>
-              <a:rPr lang="ru" dirty="0"/>
-              <a:t>Это мощный инструмент для выступлений перед слушателями. Он позволяет менять интонацию, тон и громкость, чтобы выразить чувства, подчеркнуть определенные моменты и удерживать интерес аудитории. </a:t>
-            </a:r>
-          </a:p>
-          <a:p>
-            <a:pPr rtl="0"/>
-            <a:r>
-              <a:rPr lang="ru" dirty="0"/>
-              <a:t>Вариации интонации</a:t>
-            </a:r>
-          </a:p>
-          <a:p>
-            <a:pPr rtl="0"/>
-            <a:r>
-              <a:rPr lang="ru" dirty="0"/>
-              <a:t>Вариации тона</a:t>
-            </a:r>
-          </a:p>
-          <a:p>
-            <a:pPr rtl="0"/>
-            <a:r>
-              <a:rPr lang="ru" dirty="0"/>
-              <a:t>Управление громкостью</a:t>
-            </a:r>
-          </a:p>
-          <a:p>
-            <a:pPr rtl="0"/>
-            <a:endParaRPr lang="en-US" dirty="0"/>
-          </a:p>
-        </p:txBody>
-      </p:sp>
-      <p:sp>
-        <p:nvSpPr>
-          <p:cNvPr id="20" name="Объект 3">
-            <a:extLst>
-              <a:ext uri="{FF2B5EF4-FFF2-40B4-BE49-F238E27FC236}">
-                <a16:creationId xmlns:a16="http://schemas.microsoft.com/office/drawing/2014/main" id="{7C987B03-58AE-7E8A-A1C7-83569FBBCD1F}"/>
-              </a:ext>
-            </a:extLst>
-          </p:cNvPr>
-          <p:cNvSpPr>
-            <a:spLocks noGrp="1"/>
-          </p:cNvSpPr>
-          <p:nvPr>
-            <p:ph sz="half" idx="2"/>
-          </p:nvPr>
-        </p:nvSpPr>
-        <p:spPr>
-          <a:xfrm>
-            <a:off x="4282438" y="2187361"/>
-            <a:ext cx="4990872" cy="3633047"/>
-          </a:xfrm>
-          <a:noFill/>
-        </p:spPr>
-        <p:txBody>
-          <a:bodyPr rtlCol="0">
-            <a:normAutofit/>
-          </a:bodyPr>
-          <a:lstStyle/>
-          <a:p>
-            <a:pPr rtl="0"/>
-            <a:r>
-              <a:rPr lang="ru" dirty="0"/>
-              <a:t>Эффективный язык тела улучшает ваше сообщение, делая его более эффектным и запоминающимся.</a:t>
-            </a:r>
-          </a:p>
-          <a:p>
-            <a:pPr lvl="1" rtl="0"/>
-            <a:r>
-              <a:rPr lang="ru" dirty="0"/>
-              <a:t>Осмысленный зрительный контакт</a:t>
-            </a:r>
-          </a:p>
-          <a:p>
-            <a:pPr lvl="1" rtl="0"/>
-            <a:r>
-              <a:rPr lang="ru" dirty="0"/>
-              <a:t>Целенаправленные жесты</a:t>
-            </a:r>
-          </a:p>
-          <a:p>
-            <a:pPr lvl="1" rtl="0"/>
-            <a:r>
-              <a:rPr lang="ru" dirty="0"/>
-              <a:t>Хорошая осанка</a:t>
-            </a:r>
-          </a:p>
-          <a:p>
-            <a:pPr lvl="1" rtl="0"/>
-            <a:r>
-              <a:rPr lang="ru" dirty="0"/>
-              <a:t>Управление выражением лица</a:t>
-            </a:r>
+            <a:r>
+              <a:rPr lang="ru" dirty="0" smtClean="0"/>
+              <a:t>Подход 1</a:t>
+            </a:r>
+            <a:r>
+              <a:rPr lang="en-US" dirty="0" smtClean="0"/>
+              <a:t>: </a:t>
+            </a:r>
+            <a:r>
+              <a:rPr lang="ru-RU" dirty="0" smtClean="0"/>
+              <a:t/>
+            </a:r>
+            <a:br>
+              <a:rPr lang="ru-RU" dirty="0" smtClean="0"/>
+            </a:br>
+            <a:r>
+              <a:rPr lang="ru-RU" dirty="0" smtClean="0"/>
+              <a:t>Пользователь</a:t>
+            </a:r>
+            <a:r>
+              <a:rPr lang="en-US" dirty="0" smtClean="0"/>
+              <a:t>:</a:t>
+            </a:r>
+            <a:r>
+              <a:rPr lang="ru-RU" dirty="0" smtClean="0"/>
+              <a:t> </a:t>
+            </a:r>
+            <a:r>
+              <a:rPr lang="ru-RU" dirty="0">
+                <a:solidFill>
+                  <a:schemeClr val="accent5"/>
+                </a:solidFill>
+              </a:rPr>
+              <a:t>8784</a:t>
+            </a:r>
+            <a:endParaRPr lang="ru" dirty="0"/>
           </a:p>
         </p:txBody>
       </p:sp>
     </p:spTree>
     <p:extLst>
       <p:ext uri="{BB962C8B-B14F-4D97-AF65-F5344CB8AC3E}">
-        <p14:creationId xmlns:p14="http://schemas.microsoft.com/office/powerpoint/2010/main" val="837402205"/>
+        <p14:creationId xmlns:p14="http://schemas.microsoft.com/office/powerpoint/2010/main" val="1822605850"/>
       </p:ext>
     </p:extLst>
   </p:cSld>
@@ -9163,158 +8427,231 @@
       </p:grpSpPr>
       <p:sp>
         <p:nvSpPr>
-          <p:cNvPr id="17" name="Заголовок 16">
+          <p:cNvPr id="4" name="TextBox 3"/>
+          <p:cNvSpPr txBox="1"/>
+          <p:nvPr/>
+        </p:nvSpPr>
+        <p:spPr>
+          <a:xfrm>
+            <a:off x="391886" y="2325189"/>
+            <a:ext cx="3875163" cy="369332"/>
+          </a:xfrm>
+          <a:prstGeom prst="rect">
+            <a:avLst/>
+          </a:prstGeom>
+          <a:noFill/>
+        </p:spPr>
+        <p:txBody>
+          <a:bodyPr wrap="none" rtlCol="0">
+            <a:spAutoFit/>
+          </a:bodyPr>
+          <a:lstStyle/>
+          <a:p>
+            <a:r>
+              <a:rPr lang="en-US" dirty="0" err="1" smtClean="0">
+                <a:latin typeface="Calibri" panose="020F0502020204030204" pitchFamily="34" charset="0"/>
+                <a:cs typeface="Calibri" panose="020F0502020204030204" pitchFamily="34" charset="0"/>
+              </a:rPr>
+              <a:t>MedianTransmittedBit</a:t>
+            </a:r>
+            <a:r>
+              <a:rPr lang="en-US" dirty="0" smtClean="0">
+                <a:latin typeface="Calibri" panose="020F0502020204030204" pitchFamily="34" charset="0"/>
+                <a:cs typeface="Calibri" panose="020F0502020204030204" pitchFamily="34" charset="0"/>
+              </a:rPr>
+              <a:t>(</a:t>
+            </a:r>
+            <a:r>
+              <a:rPr lang="ru-RU" dirty="0" smtClean="0">
+                <a:latin typeface="Calibri" panose="020F0502020204030204" pitchFamily="34" charset="0"/>
+                <a:cs typeface="Calibri" panose="020F0502020204030204" pitchFamily="34" charset="0"/>
+              </a:rPr>
+              <a:t>Отправленные</a:t>
+            </a:r>
+            <a:r>
+              <a:rPr lang="en-US" dirty="0" smtClean="0"/>
+              <a:t>)</a:t>
+            </a:r>
+            <a:endParaRPr lang="ru-RU" dirty="0"/>
+          </a:p>
+        </p:txBody>
+      </p:sp>
+      <p:pic>
+        <p:nvPicPr>
+          <p:cNvPr id="2" name="Рисунок 1"/>
+          <p:cNvPicPr>
+            <a:picLocks noChangeAspect="1"/>
+          </p:cNvPicPr>
+          <p:nvPr/>
+        </p:nvPicPr>
+        <p:blipFill>
+          <a:blip r:embed="rId3">
+            <a:extLst>
+              <a:ext uri="{28A0092B-C50C-407E-A947-70E740481C1C}">
+                <a14:useLocalDpi xmlns:a14="http://schemas.microsoft.com/office/drawing/2010/main" val="0"/>
+              </a:ext>
+            </a:extLst>
+          </a:blip>
+          <a:stretch>
+            <a:fillRect/>
+          </a:stretch>
+        </p:blipFill>
+        <p:spPr>
+          <a:xfrm>
+            <a:off x="4174671" y="670559"/>
+            <a:ext cx="7734300" cy="6187441"/>
+          </a:xfrm>
+          <a:prstGeom prst="rect">
+            <a:avLst/>
+          </a:prstGeom>
+        </p:spPr>
+      </p:pic>
+      <p:sp>
+        <p:nvSpPr>
+          <p:cNvPr id="7" name="Заголовок 10">
             <a:extLst>
               <a:ext uri="{FF2B5EF4-FFF2-40B4-BE49-F238E27FC236}">
-                <a16:creationId xmlns:a16="http://schemas.microsoft.com/office/drawing/2014/main" id="{EBA544F6-BF8C-2C87-3906-146BEDB4C299}"/>
+                <a16:creationId xmlns:a16="http://schemas.microsoft.com/office/drawing/2014/main" id="{FF0FD1A0-C075-EE18-B3AE-363C242D0BCE}"/>
               </a:ext>
             </a:extLst>
           </p:cNvPr>
-          <p:cNvSpPr>
-            <a:spLocks noGrp="1"/>
-          </p:cNvSpPr>
-          <p:nvPr>
-            <p:ph type="title"/>
-          </p:nvPr>
+          <p:cNvSpPr txBox="1">
+            <a:spLocks/>
+          </p:cNvSpPr>
+          <p:nvPr/>
         </p:nvSpPr>
         <p:spPr>
           <a:xfrm>
-            <a:off x="457200" y="690880"/>
-            <a:ext cx="11267440" cy="1143000"/>
+            <a:off x="418012" y="603794"/>
+            <a:ext cx="3782786" cy="1164046"/>
           </a:xfrm>
+          <a:prstGeom prst="rect">
+            <a:avLst/>
+          </a:prstGeom>
         </p:spPr>
         <p:txBody>
-          <a:bodyPr rtlCol="0"/>
-          <a:lstStyle/>
-          <a:p>
-            <a:pPr rtl="0"/>
-            <a:r>
-              <a:rPr lang="ru"/>
-              <a:t>Навигация по сеансам вопросов и ответов</a:t>
-            </a:r>
-          </a:p>
-        </p:txBody>
-      </p:sp>
-      <p:sp>
-        <p:nvSpPr>
-          <p:cNvPr id="3" name="Объект 2">
-            <a:extLst>
-              <a:ext uri="{FF2B5EF4-FFF2-40B4-BE49-F238E27FC236}">
-                <a16:creationId xmlns:a16="http://schemas.microsoft.com/office/drawing/2014/main" id="{68A5FD2B-E3E5-1C2B-0151-21F216B14A33}"/>
-              </a:ext>
-            </a:extLst>
-          </p:cNvPr>
-          <p:cNvSpPr>
-            <a:spLocks noGrp="1"/>
-          </p:cNvSpPr>
-          <p:nvPr>
-            <p:ph sz="half" idx="13"/>
-          </p:nvPr>
-        </p:nvSpPr>
-        <p:spPr>
-          <a:xfrm>
-            <a:off x="457200" y="2187362"/>
-            <a:ext cx="3657600" cy="3633047"/>
-          </a:xfrm>
-          <a:noFill/>
-        </p:spPr>
-        <p:txBody>
-          <a:bodyPr rtlCol="0">
+          <a:bodyPr vert="horz" lIns="91440" tIns="45720" rIns="91440" bIns="45720" rtlCol="0" anchor="b">
             <a:normAutofit/>
           </a:bodyPr>
-          <a:lstStyle/>
-          <a:p>
-            <a:pPr rtl="0"/>
-            <a:r>
-              <a:rPr lang="ru"/>
-              <a:t>Заранее изучите материал</a:t>
-            </a:r>
-          </a:p>
-          <a:p>
-            <a:pPr rtl="0"/>
-            <a:r>
-              <a:rPr lang="ru"/>
-              <a:t>Заранее подготовьтесь к распространенным вопросам</a:t>
-            </a:r>
-          </a:p>
-          <a:p>
-            <a:pPr rtl="0"/>
-            <a:r>
-              <a:rPr lang="ru"/>
-              <a:t>Отрепетируйте ответы</a:t>
-            </a:r>
-          </a:p>
-        </p:txBody>
-      </p:sp>
-      <p:sp>
-        <p:nvSpPr>
-          <p:cNvPr id="4" name="Объект 3">
-            <a:extLst>
-              <a:ext uri="{FF2B5EF4-FFF2-40B4-BE49-F238E27FC236}">
-                <a16:creationId xmlns:a16="http://schemas.microsoft.com/office/drawing/2014/main" id="{ACFBB810-3430-2C29-1AA0-9744AA0A1AA3}"/>
-              </a:ext>
-            </a:extLst>
-          </p:cNvPr>
-          <p:cNvSpPr>
-            <a:spLocks noGrp="1"/>
-          </p:cNvSpPr>
-          <p:nvPr>
-            <p:ph sz="half" idx="2"/>
-          </p:nvPr>
-        </p:nvSpPr>
-        <p:spPr>
-          <a:xfrm>
-            <a:off x="4282437" y="2187361"/>
-            <a:ext cx="7442203" cy="3633047"/>
-          </a:xfrm>
-          <a:noFill/>
-        </p:spPr>
-        <p:txBody>
-          <a:bodyPr rtlCol="0">
-            <a:normAutofit/>
-          </a:bodyPr>
-          <a:lstStyle/>
-          <a:p>
-            <a:pPr rtl="0"/>
-            <a:r>
-              <a:rPr lang="ru"/>
-              <a:t>При ответах на вопросы очень важно сохранять самообладание, чтобы выглядеть уверенно и авторитетно. Здесь могут помочь следующие приемы:</a:t>
-            </a:r>
-          </a:p>
-          <a:p>
-            <a:pPr lvl="1" rtl="0"/>
-            <a:r>
-              <a:rPr lang="ru"/>
-              <a:t>Сохраняйте спокойствие</a:t>
-            </a:r>
-          </a:p>
-          <a:p>
-            <a:pPr lvl="1" rtl="0"/>
-            <a:r>
-              <a:rPr lang="ru"/>
-              <a:t>Активно слушайте</a:t>
-            </a:r>
-          </a:p>
-          <a:p>
-            <a:pPr lvl="1" rtl="0"/>
-            <a:r>
-              <a:rPr lang="ru"/>
-              <a:t>Сделайте паузу на обдумывание</a:t>
-            </a:r>
-          </a:p>
-          <a:p>
-            <a:pPr lvl="1" rtl="0"/>
-            <a:r>
-              <a:rPr lang="ru"/>
-              <a:t>Поддерживайте зрительный контакт</a:t>
-            </a:r>
+          <a:lstStyle>
+            <a:lvl1pPr algn="l" defTabSz="457200" rtl="0" eaLnBrk="1" latinLnBrk="0" hangingPunct="1">
+              <a:spcBef>
+                <a:spcPct val="0"/>
+              </a:spcBef>
+              <a:buNone/>
+              <a:defRPr sz="2800" b="0" kern="1200" cap="all">
+                <a:solidFill>
+                  <a:schemeClr val="tx1">
+                    <a:lumMod val="75000"/>
+                    <a:lumOff val="25000"/>
+                  </a:schemeClr>
+                </a:solidFill>
+                <a:latin typeface="Calibri" panose="020F0502020204030204" pitchFamily="34" charset="0"/>
+                <a:ea typeface="+mj-ea"/>
+                <a:cs typeface="Calibri" panose="020F0502020204030204" pitchFamily="34" charset="0"/>
+              </a:defRPr>
+            </a:lvl1pPr>
+            <a:lvl2pPr eaLnBrk="1" hangingPunct="1">
+              <a:defRPr>
+                <a:solidFill>
+                  <a:schemeClr val="tx2"/>
+                </a:solidFill>
+              </a:defRPr>
+            </a:lvl2pPr>
+            <a:lvl3pPr eaLnBrk="1" hangingPunct="1">
+              <a:defRPr>
+                <a:solidFill>
+                  <a:schemeClr val="tx2"/>
+                </a:solidFill>
+              </a:defRPr>
+            </a:lvl3pPr>
+            <a:lvl4pPr eaLnBrk="1" hangingPunct="1">
+              <a:defRPr>
+                <a:solidFill>
+                  <a:schemeClr val="tx2"/>
+                </a:solidFill>
+              </a:defRPr>
+            </a:lvl4pPr>
+            <a:lvl5pPr eaLnBrk="1" hangingPunct="1">
+              <a:defRPr>
+                <a:solidFill>
+                  <a:schemeClr val="tx2"/>
+                </a:solidFill>
+              </a:defRPr>
+            </a:lvl5pPr>
+            <a:lvl6pPr eaLnBrk="1" hangingPunct="1">
+              <a:defRPr>
+                <a:solidFill>
+                  <a:schemeClr val="tx2"/>
+                </a:solidFill>
+              </a:defRPr>
+            </a:lvl6pPr>
+            <a:lvl7pPr eaLnBrk="1" hangingPunct="1">
+              <a:defRPr>
+                <a:solidFill>
+                  <a:schemeClr val="tx2"/>
+                </a:solidFill>
+              </a:defRPr>
+            </a:lvl7pPr>
+            <a:lvl8pPr eaLnBrk="1" hangingPunct="1">
+              <a:defRPr>
+                <a:solidFill>
+                  <a:schemeClr val="tx2"/>
+                </a:solidFill>
+              </a:defRPr>
+            </a:lvl8pPr>
+            <a:lvl9pPr eaLnBrk="1" hangingPunct="1">
+              <a:defRPr>
+                <a:solidFill>
+                  <a:schemeClr val="tx2"/>
+                </a:solidFill>
+              </a:defRPr>
+            </a:lvl9pPr>
+          </a:lstStyle>
+          <a:p>
+            <a:r>
+              <a:rPr lang="ru" smtClean="0"/>
+              <a:t>Подход 1</a:t>
+            </a:r>
+            <a:r>
+              <a:rPr lang="en-US" smtClean="0"/>
+              <a:t>: </a:t>
+            </a:r>
+            <a:r>
+              <a:rPr lang="ru-RU" smtClean="0"/>
+              <a:t/>
+            </a:r>
+            <a:br>
+              <a:rPr lang="ru-RU" smtClean="0"/>
+            </a:br>
+            <a:r>
+              <a:rPr lang="ru-RU" smtClean="0"/>
+              <a:t>Пользователь</a:t>
+            </a:r>
+            <a:r>
+              <a:rPr lang="en-US" smtClean="0"/>
+              <a:t>:</a:t>
+            </a:r>
+            <a:r>
+              <a:rPr lang="ru-RU" smtClean="0"/>
+              <a:t> </a:t>
+            </a:r>
+            <a:r>
+              <a:rPr lang="ru-RU" smtClean="0">
+                <a:solidFill>
+                  <a:schemeClr val="accent5"/>
+                </a:solidFill>
+              </a:rPr>
+              <a:t>8784</a:t>
+            </a:r>
+            <a:endParaRPr lang="ru" dirty="0"/>
           </a:p>
         </p:txBody>
       </p:sp>
     </p:spTree>
     <p:extLst>
       <p:ext uri="{BB962C8B-B14F-4D97-AF65-F5344CB8AC3E}">
-        <p14:creationId xmlns:p14="http://schemas.microsoft.com/office/powerpoint/2010/main" val="2676905442"/>
+        <p14:creationId xmlns:p14="http://schemas.microsoft.com/office/powerpoint/2010/main" val="3112279964"/>
       </p:ext>
     </p:extLst>
   </p:cSld>
@@ -9343,115 +8680,210 @@
       </p:grpSpPr>
       <p:sp>
         <p:nvSpPr>
-          <p:cNvPr id="26" name="Заголовок 25">
+          <p:cNvPr id="6" name="TextBox 5"/>
+          <p:cNvSpPr txBox="1"/>
+          <p:nvPr/>
+        </p:nvSpPr>
+        <p:spPr>
+          <a:xfrm>
+            <a:off x="391886" y="2325189"/>
+            <a:ext cx="1914691" cy="369332"/>
+          </a:xfrm>
+          <a:prstGeom prst="rect">
+            <a:avLst/>
+          </a:prstGeom>
+          <a:noFill/>
+        </p:spPr>
+        <p:txBody>
+          <a:bodyPr wrap="none" rtlCol="0">
+            <a:spAutoFit/>
+          </a:bodyPr>
+          <a:lstStyle/>
+          <a:p>
+            <a:r>
+              <a:rPr lang="ru-RU" dirty="0" smtClean="0"/>
+              <a:t>Уровень доверия</a:t>
+            </a:r>
+            <a:endParaRPr lang="ru-RU" dirty="0"/>
+          </a:p>
+        </p:txBody>
+      </p:sp>
+      <p:pic>
+        <p:nvPicPr>
+          <p:cNvPr id="3" name="Рисунок 2"/>
+          <p:cNvPicPr>
+            <a:picLocks noChangeAspect="1"/>
+          </p:cNvPicPr>
+          <p:nvPr/>
+        </p:nvPicPr>
+        <p:blipFill>
+          <a:blip r:embed="rId3">
+            <a:extLst>
+              <a:ext uri="{28A0092B-C50C-407E-A947-70E740481C1C}">
+                <a14:useLocalDpi xmlns:a14="http://schemas.microsoft.com/office/drawing/2010/main" val="0"/>
+              </a:ext>
+            </a:extLst>
+          </a:blip>
+          <a:stretch>
+            <a:fillRect/>
+          </a:stretch>
+        </p:blipFill>
+        <p:spPr>
+          <a:xfrm>
+            <a:off x="4200798" y="742258"/>
+            <a:ext cx="7644676" cy="6115741"/>
+          </a:xfrm>
+          <a:prstGeom prst="rect">
+            <a:avLst/>
+          </a:prstGeom>
+        </p:spPr>
+      </p:pic>
+      <p:sp>
+        <p:nvSpPr>
+          <p:cNvPr id="7" name="Заголовок 10">
             <a:extLst>
               <a:ext uri="{FF2B5EF4-FFF2-40B4-BE49-F238E27FC236}">
-                <a16:creationId xmlns:a16="http://schemas.microsoft.com/office/drawing/2014/main" id="{D715DBBC-70C2-E94B-9B03-12910F0B5438}"/>
+                <a16:creationId xmlns:a16="http://schemas.microsoft.com/office/drawing/2014/main" id="{FF0FD1A0-C075-EE18-B3AE-363C242D0BCE}"/>
               </a:ext>
             </a:extLst>
           </p:cNvPr>
-          <p:cNvSpPr>
-            <a:spLocks noGrp="1"/>
-          </p:cNvSpPr>
-          <p:nvPr>
-            <p:ph type="ctrTitle"/>
-          </p:nvPr>
+          <p:cNvSpPr txBox="1">
+            <a:spLocks/>
+          </p:cNvSpPr>
+          <p:nvPr/>
         </p:nvSpPr>
         <p:spPr>
           <a:xfrm>
-            <a:off x="6108219" y="741363"/>
-            <a:ext cx="5626579" cy="1286219"/>
+            <a:off x="391886" y="777965"/>
+            <a:ext cx="3782786" cy="998584"/>
           </a:xfrm>
+          <a:prstGeom prst="rect">
+            <a:avLst/>
+          </a:prstGeom>
         </p:spPr>
         <p:txBody>
-          <a:bodyPr rtlCol="0"/>
-          <a:lstStyle/>
-          <a:p>
-            <a:pPr rtl="0"/>
-            <a:r>
-              <a:rPr lang="ru"/>
-              <a:t>Влияние оратора</a:t>
-            </a:r>
-          </a:p>
-        </p:txBody>
-      </p:sp>
-      <p:pic>
-        <p:nvPicPr>
-          <p:cNvPr id="21" name="Рисунок 20" descr="Два человека улыбаются и держат кофе">
-            <a:extLst>
-              <a:ext uri="{FF2B5EF4-FFF2-40B4-BE49-F238E27FC236}">
-                <a16:creationId xmlns:a16="http://schemas.microsoft.com/office/drawing/2014/main" id="{75E7485A-FBCC-4222-2274-2B2A0804BC97}"/>
-              </a:ext>
-            </a:extLst>
-          </p:cNvPr>
-          <p:cNvPicPr>
-            <a:picLocks noGrp="1" noChangeAspect="1"/>
-          </p:cNvPicPr>
-          <p:nvPr>
-            <p:ph type="pic" sz="quarter" idx="13"/>
-          </p:nvPr>
-        </p:nvPicPr>
-        <p:blipFill>
-          <a:blip r:embed="rId3"/>
-          <a:srcRect l="38" r="38"/>
-          <a:stretch/>
-        </p:blipFill>
-        <p:spPr>
-          <a:xfrm>
-            <a:off x="457200" y="761684"/>
-            <a:ext cx="5171440" cy="5662230"/>
-          </a:xfrm>
-        </p:spPr>
-      </p:pic>
-      <p:sp>
-        <p:nvSpPr>
-          <p:cNvPr id="33" name="Объект 32">
-            <a:extLst>
-              <a:ext uri="{FF2B5EF4-FFF2-40B4-BE49-F238E27FC236}">
-                <a16:creationId xmlns:a16="http://schemas.microsoft.com/office/drawing/2014/main" id="{D3AEB1C4-FB60-9B8E-5A02-0BCD2B6E55C7}"/>
-              </a:ext>
-            </a:extLst>
-          </p:cNvPr>
-          <p:cNvSpPr>
-            <a:spLocks noGrp="1"/>
-          </p:cNvSpPr>
-          <p:nvPr>
-            <p:ph idx="1"/>
-          </p:nvPr>
-        </p:nvSpPr>
-        <p:spPr>
-          <a:xfrm>
-            <a:off x="6106160" y="2235200"/>
-            <a:ext cx="5628639" cy="4188713"/>
-          </a:xfrm>
-        </p:spPr>
-        <p:txBody>
-          <a:bodyPr rtlCol="0"/>
-          <a:lstStyle/>
-          <a:p>
-            <a:pPr rtl="0"/>
-            <a:r>
-              <a:rPr lang="ru"/>
-              <a:t>Ваша способность эффективно общаться оставит у слушателей неизгладимое впечатление</a:t>
-            </a:r>
-          </a:p>
-          <a:p>
-            <a:pPr rtl="0"/>
-            <a:r>
-              <a:rPr lang="ru"/>
-              <a:t>Эффективное общение не ограничивается собственно выступлением. Оно должно вступать в резонанс с личным опытом, ценностями и чувствами слушателей </a:t>
-            </a:r>
-          </a:p>
-          <a:p>
-            <a:pPr rtl="0"/>
-            <a:endParaRPr lang="en-US" dirty="0"/>
+          <a:bodyPr vert="horz" lIns="91440" tIns="45720" rIns="91440" bIns="45720" rtlCol="0" anchor="b">
+            <a:normAutofit/>
+          </a:bodyPr>
+          <a:lstStyle>
+            <a:lvl1pPr algn="l" defTabSz="457200" rtl="0" eaLnBrk="1" latinLnBrk="0" hangingPunct="1">
+              <a:spcBef>
+                <a:spcPct val="0"/>
+              </a:spcBef>
+              <a:buNone/>
+              <a:defRPr sz="2800" b="0" kern="1200" cap="all">
+                <a:solidFill>
+                  <a:schemeClr val="tx1">
+                    <a:lumMod val="75000"/>
+                    <a:lumOff val="25000"/>
+                  </a:schemeClr>
+                </a:solidFill>
+                <a:latin typeface="Calibri" panose="020F0502020204030204" pitchFamily="34" charset="0"/>
+                <a:ea typeface="+mj-ea"/>
+                <a:cs typeface="Calibri" panose="020F0502020204030204" pitchFamily="34" charset="0"/>
+              </a:defRPr>
+            </a:lvl1pPr>
+            <a:lvl2pPr eaLnBrk="1" hangingPunct="1">
+              <a:defRPr>
+                <a:solidFill>
+                  <a:schemeClr val="tx2"/>
+                </a:solidFill>
+              </a:defRPr>
+            </a:lvl2pPr>
+            <a:lvl3pPr eaLnBrk="1" hangingPunct="1">
+              <a:defRPr>
+                <a:solidFill>
+                  <a:schemeClr val="tx2"/>
+                </a:solidFill>
+              </a:defRPr>
+            </a:lvl3pPr>
+            <a:lvl4pPr eaLnBrk="1" hangingPunct="1">
+              <a:defRPr>
+                <a:solidFill>
+                  <a:schemeClr val="tx2"/>
+                </a:solidFill>
+              </a:defRPr>
+            </a:lvl4pPr>
+            <a:lvl5pPr eaLnBrk="1" hangingPunct="1">
+              <a:defRPr>
+                <a:solidFill>
+                  <a:schemeClr val="tx2"/>
+                </a:solidFill>
+              </a:defRPr>
+            </a:lvl5pPr>
+            <a:lvl6pPr eaLnBrk="1" hangingPunct="1">
+              <a:defRPr>
+                <a:solidFill>
+                  <a:schemeClr val="tx2"/>
+                </a:solidFill>
+              </a:defRPr>
+            </a:lvl6pPr>
+            <a:lvl7pPr eaLnBrk="1" hangingPunct="1">
+              <a:defRPr>
+                <a:solidFill>
+                  <a:schemeClr val="tx2"/>
+                </a:solidFill>
+              </a:defRPr>
+            </a:lvl7pPr>
+            <a:lvl8pPr eaLnBrk="1" hangingPunct="1">
+              <a:defRPr>
+                <a:solidFill>
+                  <a:schemeClr val="tx2"/>
+                </a:solidFill>
+              </a:defRPr>
+            </a:lvl8pPr>
+            <a:lvl9pPr eaLnBrk="1" hangingPunct="1">
+              <a:defRPr>
+                <a:solidFill>
+                  <a:schemeClr val="tx2"/>
+                </a:solidFill>
+              </a:defRPr>
+            </a:lvl9pPr>
+          </a:lstStyle>
+          <a:p>
+            <a:r>
+              <a:rPr lang="ru" smtClean="0"/>
+              <a:t>Подход 1</a:t>
+            </a:r>
+            <a:r>
+              <a:rPr lang="en-US" smtClean="0"/>
+              <a:t>: </a:t>
+            </a:r>
+            <a:r>
+              <a:rPr lang="ru-RU" smtClean="0"/>
+              <a:t/>
+            </a:r>
+            <a:br>
+              <a:rPr lang="ru-RU" smtClean="0"/>
+            </a:br>
+            <a:r>
+              <a:rPr lang="ru-RU" smtClean="0"/>
+              <a:t>Пользователь</a:t>
+            </a:r>
+            <a:r>
+              <a:rPr lang="en-US" smtClean="0"/>
+              <a:t>:</a:t>
+            </a:r>
+            <a:r>
+              <a:rPr lang="ru-RU" smtClean="0"/>
+              <a:t> </a:t>
+            </a:r>
+            <a:r>
+              <a:rPr lang="ru-RU" smtClean="0">
+                <a:solidFill>
+                  <a:srgbClr val="C00000"/>
+                </a:solidFill>
+              </a:rPr>
+              <a:t>8726</a:t>
+            </a:r>
+            <a:endParaRPr lang="ru" dirty="0"/>
           </a:p>
         </p:txBody>
       </p:sp>
     </p:spTree>
     <p:extLst>
       <p:ext uri="{BB962C8B-B14F-4D97-AF65-F5344CB8AC3E}">
-        <p14:creationId xmlns:p14="http://schemas.microsoft.com/office/powerpoint/2010/main" val="3854442470"/>
+        <p14:creationId xmlns:p14="http://schemas.microsoft.com/office/powerpoint/2010/main" val="4065888341"/>
       </p:ext>
     </p:extLst>
   </p:cSld>
@@ -9480,10 +8912,10 @@
       </p:grpSpPr>
       <p:sp>
         <p:nvSpPr>
-          <p:cNvPr id="30" name="Заголовок 29">
+          <p:cNvPr id="11" name="Заголовок 10">
             <a:extLst>
               <a:ext uri="{FF2B5EF4-FFF2-40B4-BE49-F238E27FC236}">
-                <a16:creationId xmlns:a16="http://schemas.microsoft.com/office/drawing/2014/main" id="{6A93E959-E68D-08C8-9C1E-5A318B3EF272}"/>
+                <a16:creationId xmlns:a16="http://schemas.microsoft.com/office/drawing/2014/main" id="{FF0FD1A0-C075-EE18-B3AE-363C242D0BCE}"/>
               </a:ext>
             </a:extLst>
           </p:cNvPr>
@@ -9496,582 +8928,140 @@
         </p:nvSpPr>
         <p:spPr>
           <a:xfrm>
-            <a:off x="447040" y="725444"/>
-            <a:ext cx="11277600" cy="1044253"/>
+            <a:off x="391886" y="777965"/>
+            <a:ext cx="3782786" cy="998584"/>
           </a:xfrm>
         </p:spPr>
         <p:txBody>
-          <a:bodyPr rtlCol="0"/>
+          <a:bodyPr rtlCol="0">
+            <a:normAutofit/>
+          </a:bodyPr>
           <a:lstStyle/>
           <a:p>
-            <a:pPr rtl="0"/>
-            <a:r>
-              <a:rPr lang="ru"/>
-              <a:t>Энергичное выступление</a:t>
-            </a:r>
-          </a:p>
-        </p:txBody>
-      </p:sp>
-      <p:sp>
-        <p:nvSpPr>
-          <p:cNvPr id="24" name="Объект 23">
+            <a:r>
+              <a:rPr lang="ru" dirty="0" smtClean="0"/>
+              <a:t>Подход 1</a:t>
+            </a:r>
+            <a:r>
+              <a:rPr lang="en-US" dirty="0" smtClean="0"/>
+              <a:t>: </a:t>
+            </a:r>
+            <a:r>
+              <a:rPr lang="ru-RU" dirty="0" smtClean="0"/>
+              <a:t/>
+            </a:r>
+            <a:br>
+              <a:rPr lang="ru-RU" dirty="0" smtClean="0"/>
+            </a:br>
+            <a:r>
+              <a:rPr lang="ru-RU" dirty="0" smtClean="0"/>
+              <a:t>Пользователь</a:t>
+            </a:r>
+            <a:r>
+              <a:rPr lang="en-US" dirty="0" smtClean="0"/>
+              <a:t>:</a:t>
+            </a:r>
+            <a:r>
+              <a:rPr lang="ru-RU" dirty="0" smtClean="0"/>
+              <a:t> </a:t>
+            </a:r>
+            <a:r>
+              <a:rPr lang="ru-RU" dirty="0">
+                <a:solidFill>
+                  <a:srgbClr val="C00000"/>
+                </a:solidFill>
+              </a:rPr>
+              <a:t>8726</a:t>
+            </a:r>
+            <a:endParaRPr lang="ru" dirty="0"/>
+          </a:p>
+        </p:txBody>
+      </p:sp>
+      <p:sp>
+        <p:nvSpPr>
+          <p:cNvPr id="4" name="TextBox 3"/>
+          <p:cNvSpPr txBox="1"/>
+          <p:nvPr/>
+        </p:nvSpPr>
+        <p:spPr>
+          <a:xfrm>
+            <a:off x="391886" y="2325189"/>
+            <a:ext cx="3314241" cy="369332"/>
+          </a:xfrm>
+          <a:prstGeom prst="rect">
+            <a:avLst/>
+          </a:prstGeom>
+          <a:noFill/>
+        </p:spPr>
+        <p:txBody>
+          <a:bodyPr wrap="none" rtlCol="0">
+            <a:spAutoFit/>
+          </a:bodyPr>
+          <a:lstStyle/>
+          <a:p>
+            <a:r>
+              <a:rPr lang="en-US" dirty="0" err="1" smtClean="0">
+                <a:latin typeface="Calibri" panose="020F0502020204030204" pitchFamily="34" charset="0"/>
+                <a:cs typeface="Calibri" panose="020F0502020204030204" pitchFamily="34" charset="0"/>
+              </a:rPr>
+              <a:t>MedianReceivedBit</a:t>
+            </a:r>
+            <a:r>
+              <a:rPr lang="en-US" dirty="0" smtClean="0">
+                <a:latin typeface="Calibri" panose="020F0502020204030204" pitchFamily="34" charset="0"/>
+                <a:cs typeface="Calibri" panose="020F0502020204030204" pitchFamily="34" charset="0"/>
+              </a:rPr>
+              <a:t>(</a:t>
+            </a:r>
+            <a:r>
+              <a:rPr lang="ru-RU" dirty="0" smtClean="0">
+                <a:latin typeface="Calibri" panose="020F0502020204030204" pitchFamily="34" charset="0"/>
+                <a:cs typeface="Calibri" panose="020F0502020204030204" pitchFamily="34" charset="0"/>
+              </a:rPr>
+              <a:t>полученные</a:t>
+            </a:r>
+            <a:r>
+              <a:rPr lang="en-US" dirty="0" smtClean="0"/>
+              <a:t>)</a:t>
+            </a:r>
+            <a:endParaRPr lang="ru-RU" dirty="0"/>
+          </a:p>
+        </p:txBody>
+      </p:sp>
+      <p:pic>
+        <p:nvPicPr>
+          <p:cNvPr id="2" name="Рисунок 1"/>
+          <p:cNvPicPr>
+            <a:picLocks noChangeAspect="1"/>
+          </p:cNvPicPr>
+          <p:nvPr/>
+        </p:nvPicPr>
+        <p:blipFill>
+          <a:blip r:embed="rId3">
             <a:extLst>
-              <a:ext uri="{FF2B5EF4-FFF2-40B4-BE49-F238E27FC236}">
-                <a16:creationId xmlns:a16="http://schemas.microsoft.com/office/drawing/2014/main" id="{4C1675C6-9CE1-3D87-365F-B3DB1F59CE68}"/>
+              <a:ext uri="{28A0092B-C50C-407E-A947-70E740481C1C}">
+                <a14:useLocalDpi xmlns:a14="http://schemas.microsoft.com/office/drawing/2010/main" val="0"/>
               </a:ext>
             </a:extLst>
-          </p:cNvPr>
-          <p:cNvSpPr>
-            <a:spLocks noGrp="1"/>
-          </p:cNvSpPr>
-          <p:nvPr>
-            <p:ph sz="half" idx="1"/>
-          </p:nvPr>
-        </p:nvSpPr>
+          </a:blip>
+          <a:stretch>
+            <a:fillRect/>
+          </a:stretch>
+        </p:blipFill>
         <p:spPr>
           <a:xfrm>
-            <a:off x="457200" y="2245360"/>
-            <a:ext cx="3342640" cy="3992880"/>
+            <a:off x="4174672" y="670558"/>
+            <a:ext cx="7734302" cy="6187442"/>
           </a:xfrm>
+          <a:prstGeom prst="rect">
+            <a:avLst/>
+          </a:prstGeom>
         </p:spPr>
-        <p:txBody>
-          <a:bodyPr rtlCol="0"/>
-          <a:lstStyle/>
-          <a:p>
-            <a:pPr rtl="0"/>
-            <a:r>
-              <a:rPr lang="ru"/>
-              <a:t>Узнайте, как выступать энергично, чтобы оставить неизгладимое впечатление</a:t>
-            </a:r>
-          </a:p>
-          <a:p>
-            <a:pPr rtl="0"/>
-            <a:r>
-              <a:rPr lang="ru"/>
-              <a:t>Одна из целей эффективного общения — мотивировать слушателей</a:t>
-            </a:r>
-          </a:p>
-        </p:txBody>
-      </p:sp>
-      <p:graphicFrame>
-        <p:nvGraphicFramePr>
-          <p:cNvPr id="17" name="Таблица 3">
-            <a:extLst>
-              <a:ext uri="{FF2B5EF4-FFF2-40B4-BE49-F238E27FC236}">
-                <a16:creationId xmlns:a16="http://schemas.microsoft.com/office/drawing/2014/main" id="{8A222178-BDA0-1F26-F788-4610ADCDC64A}"/>
-              </a:ext>
-            </a:extLst>
-          </p:cNvPr>
-          <p:cNvGraphicFramePr>
-            <a:graphicFrameLocks noGrp="1"/>
-          </p:cNvGraphicFramePr>
-          <p:nvPr>
-            <p:ph type="tbl" sz="quarter" idx="13"/>
-            <p:extLst>
-              <p:ext uri="{D42A27DB-BD31-4B8C-83A1-F6EECF244321}">
-                <p14:modId xmlns:p14="http://schemas.microsoft.com/office/powerpoint/2010/main" val="3332229492"/>
-              </p:ext>
-            </p:extLst>
-          </p:nvPr>
-        </p:nvGraphicFramePr>
-        <p:xfrm>
-          <a:off x="4237038" y="2236788"/>
-          <a:ext cx="7493924" cy="4260072"/>
-        </p:xfrm>
-        <a:graphic>
-          <a:graphicData uri="http://schemas.openxmlformats.org/drawingml/2006/table">
-            <a:tbl>
-              <a:tblPr firstRow="1" bandRow="1">
-                <a:tableStyleId>{912C8C85-51F0-491E-9774-3900AFEF0FD7}</a:tableStyleId>
-              </a:tblPr>
-              <a:tblGrid>
-                <a:gridCol w="1873481">
-                  <a:extLst>
-                    <a:ext uri="{9D8B030D-6E8A-4147-A177-3AD203B41FA5}">
-                      <a16:colId xmlns:a16="http://schemas.microsoft.com/office/drawing/2014/main" val="2382218087"/>
-                    </a:ext>
-                  </a:extLst>
-                </a:gridCol>
-                <a:gridCol w="1966082">
-                  <a:extLst>
-                    <a:ext uri="{9D8B030D-6E8A-4147-A177-3AD203B41FA5}">
-                      <a16:colId xmlns:a16="http://schemas.microsoft.com/office/drawing/2014/main" val="3953468724"/>
-                    </a:ext>
-                  </a:extLst>
-                </a:gridCol>
-                <a:gridCol w="1780880">
-                  <a:extLst>
-                    <a:ext uri="{9D8B030D-6E8A-4147-A177-3AD203B41FA5}">
-                      <a16:colId xmlns:a16="http://schemas.microsoft.com/office/drawing/2014/main" val="4277526474"/>
-                    </a:ext>
-                  </a:extLst>
-                </a:gridCol>
-                <a:gridCol w="1873481">
-                  <a:extLst>
-                    <a:ext uri="{9D8B030D-6E8A-4147-A177-3AD203B41FA5}">
-                      <a16:colId xmlns:a16="http://schemas.microsoft.com/office/drawing/2014/main" val="2438884888"/>
-                    </a:ext>
-                  </a:extLst>
-                </a:gridCol>
-              </a:tblGrid>
-              <a:tr h="587612">
-                <a:tc>
-                  <a:txBody>
-                    <a:bodyPr/>
-                    <a:lstStyle/>
-                    <a:p>
-                      <a:pPr algn="ctr" rtl="0"/>
-                      <a:r>
-                        <a:rPr lang="ru">
-                          <a:latin typeface="Calibri" panose="020F0502020204030204" pitchFamily="34" charset="0"/>
-                          <a:cs typeface="Calibri" panose="020F0502020204030204" pitchFamily="34" charset="0"/>
-                        </a:rPr>
-                        <a:t>Фактор влияния</a:t>
-                      </a:r>
-                    </a:p>
-                  </a:txBody>
-                  <a:tcPr anchor="ctr"/>
-                </a:tc>
-                <a:tc>
-                  <a:txBody>
-                    <a:bodyPr/>
-                    <a:lstStyle/>
-                    <a:p>
-                      <a:pPr algn="ctr" rtl="0"/>
-                      <a:r>
-                        <a:rPr lang="ru">
-                          <a:latin typeface="Calibri" panose="020F0502020204030204" pitchFamily="34" charset="0"/>
-                          <a:cs typeface="Calibri" panose="020F0502020204030204" pitchFamily="34" charset="0"/>
-                        </a:rPr>
-                        <a:t>Измерение</a:t>
-                      </a:r>
-                    </a:p>
-                  </a:txBody>
-                  <a:tcPr anchor="ctr"/>
-                </a:tc>
-                <a:tc>
-                  <a:txBody>
-                    <a:bodyPr/>
-                    <a:lstStyle/>
-                    <a:p>
-                      <a:pPr algn="ctr" rtl="0"/>
-                      <a:r>
-                        <a:rPr lang="ru" dirty="0">
-                          <a:latin typeface="Calibri" panose="020F0502020204030204" pitchFamily="34" charset="0"/>
-                          <a:cs typeface="Calibri" panose="020F0502020204030204" pitchFamily="34" charset="0"/>
-                        </a:rPr>
-                        <a:t>Целевое значение</a:t>
-                      </a:r>
-                    </a:p>
-                  </a:txBody>
-                  <a:tcPr anchor="ctr"/>
-                </a:tc>
-                <a:tc>
-                  <a:txBody>
-                    <a:bodyPr/>
-                    <a:lstStyle/>
-                    <a:p>
-                      <a:pPr algn="ctr" rtl="0"/>
-                      <a:r>
-                        <a:rPr lang="ru">
-                          <a:latin typeface="Calibri" panose="020F0502020204030204" pitchFamily="34" charset="0"/>
-                          <a:cs typeface="Calibri" panose="020F0502020204030204" pitchFamily="34" charset="0"/>
-                        </a:rPr>
-                        <a:t>Достигнуто</a:t>
-                      </a:r>
-                    </a:p>
-                  </a:txBody>
-                  <a:tcPr anchor="ctr"/>
-                </a:tc>
-                <a:extLst>
-                  <a:ext uri="{0D108BD9-81ED-4DB2-BD59-A6C34878D82A}">
-                    <a16:rowId xmlns:a16="http://schemas.microsoft.com/office/drawing/2014/main" val="2857107962"/>
-                  </a:ext>
-                </a:extLst>
-              </a:tr>
-              <a:tr h="676398">
-                <a:tc>
-                  <a:txBody>
-                    <a:bodyPr/>
-                    <a:lstStyle/>
-                    <a:p>
-                      <a:pPr algn="ctr" rtl="0"/>
-                      <a:r>
-                        <a:rPr lang="ru" dirty="0">
-                          <a:latin typeface="Calibri" panose="020F0502020204030204" pitchFamily="34" charset="0"/>
-                          <a:cs typeface="Calibri" panose="020F0502020204030204" pitchFamily="34" charset="0"/>
-                        </a:rPr>
-                        <a:t>Взаимодействие с аудиторией</a:t>
-                      </a:r>
-                    </a:p>
-                  </a:txBody>
-                  <a:tcPr anchor="ctr"/>
-                </a:tc>
-                <a:tc>
-                  <a:txBody>
-                    <a:bodyPr/>
-                    <a:lstStyle/>
-                    <a:p>
-                      <a:pPr algn="ctr" rtl="0"/>
-                      <a:r>
-                        <a:rPr lang="ru">
-                          <a:latin typeface="Calibri" panose="020F0502020204030204" pitchFamily="34" charset="0"/>
-                          <a:cs typeface="Calibri" panose="020F0502020204030204" pitchFamily="34" charset="0"/>
-                        </a:rPr>
-                        <a:t>Процент (%)</a:t>
-                      </a:r>
-                    </a:p>
-                  </a:txBody>
-                  <a:tcPr anchor="ctr"/>
-                </a:tc>
-                <a:tc>
-                  <a:txBody>
-                    <a:bodyPr/>
-                    <a:lstStyle/>
-                    <a:p>
-                      <a:pPr algn="ctr" rtl="0"/>
-                      <a:r>
-                        <a:rPr lang="ru">
-                          <a:latin typeface="Calibri" panose="020F0502020204030204" pitchFamily="34" charset="0"/>
-                          <a:cs typeface="Calibri" panose="020F0502020204030204" pitchFamily="34" charset="0"/>
-                        </a:rPr>
-                        <a:t>85</a:t>
-                      </a:r>
-                    </a:p>
-                  </a:txBody>
-                  <a:tcPr anchor="ctr"/>
-                </a:tc>
-                <a:tc>
-                  <a:txBody>
-                    <a:bodyPr/>
-                    <a:lstStyle/>
-                    <a:p>
-                      <a:pPr algn="ctr" rtl="0"/>
-                      <a:r>
-                        <a:rPr lang="ru">
-                          <a:latin typeface="Calibri" panose="020F0502020204030204" pitchFamily="34" charset="0"/>
-                          <a:cs typeface="Calibri" panose="020F0502020204030204" pitchFamily="34" charset="0"/>
-                        </a:rPr>
-                        <a:t>88</a:t>
-                      </a:r>
-                    </a:p>
-                  </a:txBody>
-                  <a:tcPr anchor="ctr"/>
-                </a:tc>
-                <a:extLst>
-                  <a:ext uri="{0D108BD9-81ED-4DB2-BD59-A6C34878D82A}">
-                    <a16:rowId xmlns:a16="http://schemas.microsoft.com/office/drawing/2014/main" val="1671386868"/>
-                  </a:ext>
-                </a:extLst>
-              </a:tr>
-              <a:tr h="676398">
-                <a:tc>
-                  <a:txBody>
-                    <a:bodyPr/>
-                    <a:lstStyle/>
-                    <a:p>
-                      <a:pPr algn="ctr" rtl="0"/>
-                      <a:r>
-                        <a:rPr lang="ru">
-                          <a:latin typeface="Calibri" panose="020F0502020204030204" pitchFamily="34" charset="0"/>
-                          <a:cs typeface="Calibri" panose="020F0502020204030204" pitchFamily="34" charset="0"/>
-                        </a:rPr>
-                        <a:t>Усвоение знаний</a:t>
-                      </a:r>
-                    </a:p>
-                  </a:txBody>
-                  <a:tcPr anchor="ctr"/>
-                </a:tc>
-                <a:tc>
-                  <a:txBody>
-                    <a:bodyPr/>
-                    <a:lstStyle/>
-                    <a:p>
-                      <a:pPr algn="ctr" rtl="0"/>
-                      <a:r>
-                        <a:rPr lang="ru">
-                          <a:latin typeface="Calibri" panose="020F0502020204030204" pitchFamily="34" charset="0"/>
-                          <a:cs typeface="Calibri" panose="020F0502020204030204" pitchFamily="34" charset="0"/>
-                        </a:rPr>
-                        <a:t>Процент (%)</a:t>
-                      </a:r>
-                    </a:p>
-                  </a:txBody>
-                  <a:tcPr anchor="ctr"/>
-                </a:tc>
-                <a:tc>
-                  <a:txBody>
-                    <a:bodyPr/>
-                    <a:lstStyle/>
-                    <a:p>
-                      <a:pPr algn="ctr" rtl="0"/>
-                      <a:r>
-                        <a:rPr lang="ru">
-                          <a:latin typeface="Calibri" panose="020F0502020204030204" pitchFamily="34" charset="0"/>
-                          <a:cs typeface="Calibri" panose="020F0502020204030204" pitchFamily="34" charset="0"/>
-                        </a:rPr>
-                        <a:t>75</a:t>
-                      </a:r>
-                    </a:p>
-                  </a:txBody>
-                  <a:tcPr anchor="ctr"/>
-                </a:tc>
-                <a:tc>
-                  <a:txBody>
-                    <a:bodyPr/>
-                    <a:lstStyle/>
-                    <a:p>
-                      <a:pPr algn="ctr" rtl="0"/>
-                      <a:r>
-                        <a:rPr lang="ru">
-                          <a:latin typeface="Calibri" panose="020F0502020204030204" pitchFamily="34" charset="0"/>
-                          <a:cs typeface="Calibri" panose="020F0502020204030204" pitchFamily="34" charset="0"/>
-                        </a:rPr>
-                        <a:t>80</a:t>
-                      </a:r>
-                    </a:p>
-                  </a:txBody>
-                  <a:tcPr anchor="ctr"/>
-                </a:tc>
-                <a:extLst>
-                  <a:ext uri="{0D108BD9-81ED-4DB2-BD59-A6C34878D82A}">
-                    <a16:rowId xmlns:a16="http://schemas.microsoft.com/office/drawing/2014/main" val="380626418"/>
-                  </a:ext>
-                </a:extLst>
-              </a:tr>
-              <a:tr h="676398">
-                <a:tc>
-                  <a:txBody>
-                    <a:bodyPr/>
-                    <a:lstStyle/>
-                    <a:p>
-                      <a:pPr algn="ctr" rtl="0"/>
-                      <a:r>
-                        <a:rPr lang="ru">
-                          <a:latin typeface="Calibri" panose="020F0502020204030204" pitchFamily="34" charset="0"/>
-                          <a:cs typeface="Calibri" panose="020F0502020204030204" pitchFamily="34" charset="0"/>
-                        </a:rPr>
-                        <a:t>Опросы после презентации</a:t>
-                      </a:r>
-                    </a:p>
-                  </a:txBody>
-                  <a:tcPr anchor="ctr"/>
-                </a:tc>
-                <a:tc>
-                  <a:txBody>
-                    <a:bodyPr/>
-                    <a:lstStyle/>
-                    <a:p>
-                      <a:pPr algn="ctr" rtl="0"/>
-                      <a:r>
-                        <a:rPr lang="ru">
-                          <a:latin typeface="Calibri" panose="020F0502020204030204" pitchFamily="34" charset="0"/>
-                          <a:cs typeface="Calibri" panose="020F0502020204030204" pitchFamily="34" charset="0"/>
-                        </a:rPr>
-                        <a:t>Средняя оценка</a:t>
-                      </a:r>
-                    </a:p>
-                  </a:txBody>
-                  <a:tcPr anchor="ctr"/>
-                </a:tc>
-                <a:tc>
-                  <a:txBody>
-                    <a:bodyPr/>
-                    <a:lstStyle/>
-                    <a:p>
-                      <a:pPr algn="ctr" rtl="0"/>
-                      <a:r>
-                        <a:rPr lang="ru">
-                          <a:latin typeface="Calibri" panose="020F0502020204030204" pitchFamily="34" charset="0"/>
-                          <a:cs typeface="Calibri" panose="020F0502020204030204" pitchFamily="34" charset="0"/>
-                        </a:rPr>
-                        <a:t>4,2</a:t>
-                      </a:r>
-                    </a:p>
-                  </a:txBody>
-                  <a:tcPr anchor="ctr"/>
-                </a:tc>
-                <a:tc>
-                  <a:txBody>
-                    <a:bodyPr/>
-                    <a:lstStyle/>
-                    <a:p>
-                      <a:pPr algn="ctr" rtl="0"/>
-                      <a:r>
-                        <a:rPr lang="ru">
-                          <a:latin typeface="Calibri" panose="020F0502020204030204" pitchFamily="34" charset="0"/>
-                          <a:cs typeface="Calibri" panose="020F0502020204030204" pitchFamily="34" charset="0"/>
-                        </a:rPr>
-                        <a:t>4,5</a:t>
-                      </a:r>
-                    </a:p>
-                  </a:txBody>
-                  <a:tcPr anchor="ctr"/>
-                </a:tc>
-                <a:extLst>
-                  <a:ext uri="{0D108BD9-81ED-4DB2-BD59-A6C34878D82A}">
-                    <a16:rowId xmlns:a16="http://schemas.microsoft.com/office/drawing/2014/main" val="2132482967"/>
-                  </a:ext>
-                </a:extLst>
-              </a:tr>
-              <a:tr h="676398">
-                <a:tc>
-                  <a:txBody>
-                    <a:bodyPr/>
-                    <a:lstStyle/>
-                    <a:p>
-                      <a:pPr algn="ctr" rtl="0"/>
-                      <a:r>
-                        <a:rPr lang="ru" dirty="0">
-                          <a:latin typeface="Calibri" panose="020F0502020204030204" pitchFamily="34" charset="0"/>
-                          <a:cs typeface="Calibri" panose="020F0502020204030204" pitchFamily="34" charset="0"/>
-                        </a:rPr>
-                        <a:t>Доля тех, кто вас рекомендует</a:t>
-                      </a:r>
-                    </a:p>
-                  </a:txBody>
-                  <a:tcPr anchor="ctr"/>
-                </a:tc>
-                <a:tc>
-                  <a:txBody>
-                    <a:bodyPr/>
-                    <a:lstStyle/>
-                    <a:p>
-                      <a:pPr algn="ctr" rtl="0"/>
-                      <a:r>
-                        <a:rPr lang="ru">
-                          <a:latin typeface="Calibri" panose="020F0502020204030204" pitchFamily="34" charset="0"/>
-                          <a:cs typeface="Calibri" panose="020F0502020204030204" pitchFamily="34" charset="0"/>
-                        </a:rPr>
-                        <a:t>Процент (%)</a:t>
-                      </a:r>
-                    </a:p>
-                  </a:txBody>
-                  <a:tcPr anchor="ctr"/>
-                </a:tc>
-                <a:tc>
-                  <a:txBody>
-                    <a:bodyPr/>
-                    <a:lstStyle/>
-                    <a:p>
-                      <a:pPr algn="ctr" rtl="0"/>
-                      <a:r>
-                        <a:rPr lang="ru">
-                          <a:latin typeface="Calibri" panose="020F0502020204030204" pitchFamily="34" charset="0"/>
-                          <a:cs typeface="Calibri" panose="020F0502020204030204" pitchFamily="34" charset="0"/>
-                        </a:rPr>
-                        <a:t>10</a:t>
-                      </a:r>
-                    </a:p>
-                  </a:txBody>
-                  <a:tcPr anchor="ctr"/>
-                </a:tc>
-                <a:tc>
-                  <a:txBody>
-                    <a:bodyPr/>
-                    <a:lstStyle/>
-                    <a:p>
-                      <a:pPr algn="ctr" rtl="0"/>
-                      <a:r>
-                        <a:rPr lang="ru">
-                          <a:latin typeface="Calibri" panose="020F0502020204030204" pitchFamily="34" charset="0"/>
-                          <a:cs typeface="Calibri" panose="020F0502020204030204" pitchFamily="34" charset="0"/>
-                        </a:rPr>
-                        <a:t>12</a:t>
-                      </a:r>
-                    </a:p>
-                  </a:txBody>
-                  <a:tcPr anchor="ctr"/>
-                </a:tc>
-                <a:extLst>
-                  <a:ext uri="{0D108BD9-81ED-4DB2-BD59-A6C34878D82A}">
-                    <a16:rowId xmlns:a16="http://schemas.microsoft.com/office/drawing/2014/main" val="3936251906"/>
-                  </a:ext>
-                </a:extLst>
-              </a:tr>
-              <a:tr h="676398">
-                <a:tc>
-                  <a:txBody>
-                    <a:bodyPr/>
-                    <a:lstStyle/>
-                    <a:p>
-                      <a:pPr algn="ctr" rtl="0"/>
-                      <a:r>
-                        <a:rPr lang="ru" dirty="0">
-                          <a:latin typeface="Calibri" panose="020F0502020204030204" pitchFamily="34" charset="0"/>
-                          <a:cs typeface="Calibri" panose="020F0502020204030204" pitchFamily="34" charset="0"/>
-                        </a:rPr>
-                        <a:t>Возможности совместной работы</a:t>
-                      </a:r>
-                    </a:p>
-                  </a:txBody>
-                  <a:tcPr anchor="ctr"/>
-                </a:tc>
-                <a:tc>
-                  <a:txBody>
-                    <a:bodyPr/>
-                    <a:lstStyle/>
-                    <a:p>
-                      <a:pPr algn="ctr" rtl="0"/>
-                      <a:r>
-                        <a:rPr lang="ru" dirty="0">
-                          <a:latin typeface="Calibri" panose="020F0502020204030204" pitchFamily="34" charset="0"/>
-                          <a:cs typeface="Calibri" panose="020F0502020204030204" pitchFamily="34" charset="0"/>
-                        </a:rPr>
-                        <a:t>Количество возможностей</a:t>
-                      </a:r>
-                    </a:p>
-                  </a:txBody>
-                  <a:tcPr anchor="ctr"/>
-                </a:tc>
-                <a:tc>
-                  <a:txBody>
-                    <a:bodyPr/>
-                    <a:lstStyle/>
-                    <a:p>
-                      <a:pPr algn="ctr" rtl="0"/>
-                      <a:r>
-                        <a:rPr lang="ru">
-                          <a:latin typeface="Calibri" panose="020F0502020204030204" pitchFamily="34" charset="0"/>
-                          <a:cs typeface="Calibri" panose="020F0502020204030204" pitchFamily="34" charset="0"/>
-                        </a:rPr>
-                        <a:t>8</a:t>
-                      </a:r>
-                    </a:p>
-                  </a:txBody>
-                  <a:tcPr anchor="ctr"/>
-                </a:tc>
-                <a:tc>
-                  <a:txBody>
-                    <a:bodyPr/>
-                    <a:lstStyle/>
-                    <a:p>
-                      <a:pPr algn="ctr" rtl="0"/>
-                      <a:r>
-                        <a:rPr lang="ru" dirty="0">
-                          <a:latin typeface="Calibri" panose="020F0502020204030204" pitchFamily="34" charset="0"/>
-                          <a:cs typeface="Calibri" panose="020F0502020204030204" pitchFamily="34" charset="0"/>
-                        </a:rPr>
-                        <a:t>10</a:t>
-                      </a:r>
-                    </a:p>
-                  </a:txBody>
-                  <a:tcPr anchor="ctr"/>
-                </a:tc>
-                <a:extLst>
-                  <a:ext uri="{0D108BD9-81ED-4DB2-BD59-A6C34878D82A}">
-                    <a16:rowId xmlns:a16="http://schemas.microsoft.com/office/drawing/2014/main" val="568537164"/>
-                  </a:ext>
-                </a:extLst>
-              </a:tr>
-            </a:tbl>
-          </a:graphicData>
-        </a:graphic>
-      </p:graphicFrame>
+      </p:pic>
     </p:spTree>
     <p:extLst>
       <p:ext uri="{BB962C8B-B14F-4D97-AF65-F5344CB8AC3E}">
-        <p14:creationId xmlns:p14="http://schemas.microsoft.com/office/powerpoint/2010/main" val="4259977132"/>
+        <p14:creationId xmlns:p14="http://schemas.microsoft.com/office/powerpoint/2010/main" val="2332532359"/>
       </p:ext>
     </p:extLst>
   </p:cSld>
@@ -10100,10 +9090,61 @@
       </p:grpSpPr>
       <p:sp>
         <p:nvSpPr>
-          <p:cNvPr id="2" name="Заголовок 1">
+          <p:cNvPr id="4" name="TextBox 3"/>
+          <p:cNvSpPr txBox="1"/>
+          <p:nvPr/>
+        </p:nvSpPr>
+        <p:spPr>
+          <a:xfrm>
+            <a:off x="391886" y="2325189"/>
+            <a:ext cx="3875163" cy="369332"/>
+          </a:xfrm>
+          <a:prstGeom prst="rect">
+            <a:avLst/>
+          </a:prstGeom>
+          <a:noFill/>
+        </p:spPr>
+        <p:txBody>
+          <a:bodyPr wrap="none" rtlCol="0">
+            <a:spAutoFit/>
+          </a:bodyPr>
+          <a:lstStyle/>
+          <a:p>
+            <a:r>
+              <a:rPr lang="en-US" dirty="0" err="1" smtClean="0">
+                <a:latin typeface="Calibri" panose="020F0502020204030204" pitchFamily="34" charset="0"/>
+                <a:cs typeface="Calibri" panose="020F0502020204030204" pitchFamily="34" charset="0"/>
+              </a:rPr>
+              <a:t>MedianTransmittedBit</a:t>
+            </a:r>
+            <a:r>
+              <a:rPr lang="en-US" dirty="0" smtClean="0">
+                <a:latin typeface="Calibri" panose="020F0502020204030204" pitchFamily="34" charset="0"/>
+                <a:cs typeface="Calibri" panose="020F0502020204030204" pitchFamily="34" charset="0"/>
+              </a:rPr>
+              <a:t>(</a:t>
+            </a:r>
+            <a:r>
+              <a:rPr lang="ru-RU" dirty="0" smtClean="0">
+                <a:latin typeface="Calibri" panose="020F0502020204030204" pitchFamily="34" charset="0"/>
+                <a:cs typeface="Calibri" panose="020F0502020204030204" pitchFamily="34" charset="0"/>
+              </a:rPr>
+              <a:t>Отправленные</a:t>
+            </a:r>
+            <a:r>
+              <a:rPr lang="en-US" dirty="0" smtClean="0"/>
+              <a:t>)</a:t>
+            </a:r>
+            <a:endParaRPr lang="ru-RU" dirty="0"/>
+          </a:p>
+        </p:txBody>
+      </p:sp>
+      <p:sp>
+        <p:nvSpPr>
+          <p:cNvPr id="5" name="Заголовок 10">
             <a:extLst>
               <a:ext uri="{FF2B5EF4-FFF2-40B4-BE49-F238E27FC236}">
-                <a16:creationId xmlns:a16="http://schemas.microsoft.com/office/drawing/2014/main" id="{9E1332C6-AEE4-A451-A3C8-7C2C8E2A5725}"/>
+                <a16:creationId xmlns:a16="http://schemas.microsoft.com/office/drawing/2014/main" id="{FF0FD1A0-C075-EE18-B3AE-363C242D0BCE}"/>
               </a:ext>
             </a:extLst>
           </p:cNvPr>
@@ -10116,171 +9157,89 @@
         </p:nvSpPr>
         <p:spPr>
           <a:xfrm>
-            <a:off x="457200" y="690880"/>
-            <a:ext cx="11267440" cy="1143000"/>
+            <a:off x="391886" y="777965"/>
+            <a:ext cx="3782786" cy="998584"/>
           </a:xfrm>
         </p:spPr>
         <p:txBody>
-          <a:bodyPr rtlCol="0"/>
+          <a:bodyPr rtlCol="0">
+            <a:normAutofit/>
+          </a:bodyPr>
           <a:lstStyle/>
           <a:p>
-            <a:pPr rtl="0"/>
-            <a:r>
-              <a:rPr lang="ru"/>
-              <a:t>Итоговые советы и рекомендации</a:t>
-            </a:r>
-          </a:p>
-        </p:txBody>
-      </p:sp>
-      <p:sp>
-        <p:nvSpPr>
-          <p:cNvPr id="4" name="Объект 3">
+            <a:r>
+              <a:rPr lang="ru" dirty="0" smtClean="0"/>
+              <a:t>Подход 1</a:t>
+            </a:r>
+            <a:r>
+              <a:rPr lang="en-US" dirty="0" smtClean="0"/>
+              <a:t>: </a:t>
+            </a:r>
+            <a:r>
+              <a:rPr lang="ru-RU" dirty="0" smtClean="0"/>
+              <a:t/>
+            </a:r>
+            <a:br>
+              <a:rPr lang="ru-RU" dirty="0" smtClean="0"/>
+            </a:br>
+            <a:r>
+              <a:rPr lang="ru-RU" dirty="0" smtClean="0"/>
+              <a:t>Пользователь</a:t>
+            </a:r>
+            <a:r>
+              <a:rPr lang="en-US" dirty="0" smtClean="0"/>
+              <a:t>:</a:t>
+            </a:r>
+            <a:r>
+              <a:rPr lang="ru-RU" dirty="0" smtClean="0"/>
+              <a:t> </a:t>
+            </a:r>
+            <a:r>
+              <a:rPr lang="ru-RU" dirty="0">
+                <a:solidFill>
+                  <a:srgbClr val="C00000"/>
+                </a:solidFill>
+              </a:rPr>
+              <a:t>8726</a:t>
+            </a:r>
+            <a:endParaRPr lang="ru" dirty="0"/>
+          </a:p>
+        </p:txBody>
+      </p:sp>
+      <p:pic>
+        <p:nvPicPr>
+          <p:cNvPr id="3" name="Рисунок 2"/>
+          <p:cNvPicPr>
+            <a:picLocks noChangeAspect="1"/>
+          </p:cNvPicPr>
+          <p:nvPr/>
+        </p:nvPicPr>
+        <p:blipFill>
+          <a:blip r:embed="rId3">
             <a:extLst>
-              <a:ext uri="{FF2B5EF4-FFF2-40B4-BE49-F238E27FC236}">
-                <a16:creationId xmlns:a16="http://schemas.microsoft.com/office/drawing/2014/main" id="{308443D9-BCAD-2F33-9DE7-54605EFCC263}"/>
+              <a:ext uri="{28A0092B-C50C-407E-A947-70E740481C1C}">
+                <a14:useLocalDpi xmlns:a14="http://schemas.microsoft.com/office/drawing/2010/main" val="0"/>
               </a:ext>
             </a:extLst>
-          </p:cNvPr>
-          <p:cNvSpPr>
-            <a:spLocks noGrp="1"/>
-          </p:cNvSpPr>
-          <p:nvPr>
-            <p:ph sz="half" idx="2"/>
-          </p:nvPr>
-        </p:nvSpPr>
+          </a:blip>
+          <a:stretch>
+            <a:fillRect/>
+          </a:stretch>
+        </p:blipFill>
         <p:spPr>
           <a:xfrm>
-            <a:off x="457200" y="2318490"/>
-            <a:ext cx="7371083" cy="3633047"/>
+            <a:off x="4174672" y="777965"/>
+            <a:ext cx="7529648" cy="6023719"/>
           </a:xfrm>
+          <a:prstGeom prst="rect">
+            <a:avLst/>
+          </a:prstGeom>
         </p:spPr>
-        <p:txBody>
-          <a:bodyPr rtlCol="0"/>
-          <a:lstStyle/>
-          <a:p>
-            <a:pPr rtl="0"/>
-            <a:r>
-              <a:rPr lang="ru"/>
-              <a:t>Постоянно репетируйте</a:t>
-            </a:r>
-          </a:p>
-          <a:p>
-            <a:pPr lvl="1" rtl="0"/>
-            <a:r>
-              <a:rPr lang="ru"/>
-              <a:t>Укрепляйте знакомство с предметом</a:t>
-            </a:r>
-          </a:p>
-          <a:p>
-            <a:pPr rtl="0"/>
-            <a:r>
-              <a:rPr lang="ru"/>
-              <a:t>Работайте над своим искусством оратора</a:t>
-            </a:r>
-          </a:p>
-          <a:p>
-            <a:pPr lvl="1" rtl="0"/>
-            <a:r>
-              <a:rPr lang="ru"/>
-              <a:t>Темп, тон и ударение</a:t>
-            </a:r>
-          </a:p>
-          <a:p>
-            <a:pPr rtl="0"/>
-            <a:r>
-              <a:rPr lang="ru"/>
-              <a:t>Темп и переход от одного слайда к другому</a:t>
-            </a:r>
-          </a:p>
-          <a:p>
-            <a:pPr lvl="1" rtl="0"/>
-            <a:r>
-              <a:rPr lang="ru"/>
-              <a:t>Стремитесь к беспроблемным, профессиональным выступлениям</a:t>
-            </a:r>
-          </a:p>
-          <a:p>
-            <a:pPr rtl="0"/>
-            <a:r>
-              <a:rPr lang="ru"/>
-              <a:t>Практикуйтесь перед слушателями</a:t>
-            </a:r>
-          </a:p>
-          <a:p>
-            <a:pPr lvl="1" rtl="0"/>
-            <a:r>
-              <a:rPr lang="ru"/>
-              <a:t>Попросите коллег послушать вас и оценить выступление</a:t>
-            </a:r>
-          </a:p>
-        </p:txBody>
-      </p:sp>
-      <p:sp>
-        <p:nvSpPr>
-          <p:cNvPr id="3" name="Объект 2">
-            <a:extLst>
-              <a:ext uri="{FF2B5EF4-FFF2-40B4-BE49-F238E27FC236}">
-                <a16:creationId xmlns:a16="http://schemas.microsoft.com/office/drawing/2014/main" id="{831D2219-E3DF-929F-48CC-5C470A21A177}"/>
-              </a:ext>
-            </a:extLst>
-          </p:cNvPr>
-          <p:cNvSpPr>
-            <a:spLocks noGrp="1"/>
-          </p:cNvSpPr>
-          <p:nvPr>
-            <p:ph sz="half" idx="13"/>
-          </p:nvPr>
-        </p:nvSpPr>
-        <p:spPr>
-          <a:xfrm>
-            <a:off x="7993378" y="2318490"/>
-            <a:ext cx="3731262" cy="3633047"/>
-          </a:xfrm>
-        </p:spPr>
-        <p:txBody>
-          <a:bodyPr rtlCol="0"/>
-          <a:lstStyle/>
-          <a:p>
-            <a:pPr rtl="0"/>
-            <a:r>
-              <a:rPr lang="ru"/>
-              <a:t>Ищите обратную связь</a:t>
-            </a:r>
-          </a:p>
-          <a:p>
-            <a:pPr rtl="0"/>
-            <a:r>
-              <a:rPr lang="ru"/>
-              <a:t>Обдумывайте результаты</a:t>
-            </a:r>
-          </a:p>
-          <a:p>
-            <a:pPr rtl="0"/>
-            <a:r>
-              <a:rPr lang="ru"/>
-              <a:t>Изучайте новые методы</a:t>
-            </a:r>
-          </a:p>
-          <a:p>
-            <a:pPr rtl="0"/>
-            <a:r>
-              <a:rPr lang="ru"/>
-              <a:t>Поставьте личные цели</a:t>
-            </a:r>
-          </a:p>
-          <a:p>
-            <a:pPr rtl="0"/>
-            <a:r>
-              <a:rPr lang="ru"/>
-              <a:t>Повторяйте и приспосабливайтесь</a:t>
-            </a:r>
-          </a:p>
-        </p:txBody>
-      </p:sp>
+      </p:pic>
     </p:spTree>
     <p:extLst>
       <p:ext uri="{BB962C8B-B14F-4D97-AF65-F5344CB8AC3E}">
-        <p14:creationId xmlns:p14="http://schemas.microsoft.com/office/powerpoint/2010/main" val="370479512"/>
+        <p14:creationId xmlns:p14="http://schemas.microsoft.com/office/powerpoint/2010/main" val="3792006649"/>
       </p:ext>
     </p:extLst>
   </p:cSld>
@@ -10309,557 +9268,214 @@
       </p:grpSpPr>
       <p:sp>
         <p:nvSpPr>
-          <p:cNvPr id="20" name="Заголовок 19">
+          <p:cNvPr id="6" name="TextBox 5"/>
+          <p:cNvSpPr txBox="1"/>
+          <p:nvPr/>
+        </p:nvSpPr>
+        <p:spPr>
+          <a:xfrm>
+            <a:off x="391886" y="2325189"/>
+            <a:ext cx="1914691" cy="369332"/>
+          </a:xfrm>
+          <a:prstGeom prst="rect">
+            <a:avLst/>
+          </a:prstGeom>
+          <a:noFill/>
+        </p:spPr>
+        <p:txBody>
+          <a:bodyPr wrap="none" rtlCol="0">
+            <a:spAutoFit/>
+          </a:bodyPr>
+          <a:lstStyle/>
+          <a:p>
+            <a:r>
+              <a:rPr lang="ru-RU" dirty="0" smtClean="0"/>
+              <a:t>Уровень доверия</a:t>
+            </a:r>
+            <a:endParaRPr lang="ru-RU" dirty="0"/>
+          </a:p>
+        </p:txBody>
+      </p:sp>
+      <p:sp>
+        <p:nvSpPr>
+          <p:cNvPr id="7" name="Заголовок 10">
             <a:extLst>
               <a:ext uri="{FF2B5EF4-FFF2-40B4-BE49-F238E27FC236}">
-                <a16:creationId xmlns:a16="http://schemas.microsoft.com/office/drawing/2014/main" id="{2D7F0B11-5AF3-1D12-4201-C1E09DF7D70D}"/>
+                <a16:creationId xmlns:a16="http://schemas.microsoft.com/office/drawing/2014/main" id="{FF0FD1A0-C075-EE18-B3AE-363C242D0BCE}"/>
               </a:ext>
             </a:extLst>
           </p:cNvPr>
-          <p:cNvSpPr>
-            <a:spLocks noGrp="1"/>
-          </p:cNvSpPr>
-          <p:nvPr>
-            <p:ph type="title"/>
-          </p:nvPr>
+          <p:cNvSpPr txBox="1">
+            <a:spLocks/>
+          </p:cNvSpPr>
+          <p:nvPr/>
         </p:nvSpPr>
         <p:spPr>
           <a:xfrm>
-            <a:off x="457199" y="705124"/>
-            <a:ext cx="11272649" cy="1062716"/>
+            <a:off x="391886" y="777965"/>
+            <a:ext cx="3782786" cy="998584"/>
           </a:xfrm>
+          <a:prstGeom prst="rect">
+            <a:avLst/>
+          </a:prstGeom>
         </p:spPr>
         <p:txBody>
-          <a:bodyPr rtlCol="0"/>
-          <a:lstStyle/>
-          <a:p>
-            <a:pPr rtl="0"/>
-            <a:r>
-              <a:rPr lang="ru"/>
-              <a:t>Показатели взаимодействия слушателей с выступающим</a:t>
-            </a:r>
-          </a:p>
-        </p:txBody>
-      </p:sp>
-      <p:graphicFrame>
-        <p:nvGraphicFramePr>
-          <p:cNvPr id="12" name="Местозаполнитель таблицы 3">
+          <a:bodyPr vert="horz" lIns="91440" tIns="45720" rIns="91440" bIns="45720" rtlCol="0" anchor="b">
+            <a:normAutofit/>
+          </a:bodyPr>
+          <a:lstStyle>
+            <a:lvl1pPr algn="l" defTabSz="457200" rtl="0" eaLnBrk="1" latinLnBrk="0" hangingPunct="1">
+              <a:spcBef>
+                <a:spcPct val="0"/>
+              </a:spcBef>
+              <a:buNone/>
+              <a:defRPr sz="2800" b="0" kern="1200" cap="all">
+                <a:solidFill>
+                  <a:schemeClr val="tx1">
+                    <a:lumMod val="75000"/>
+                    <a:lumOff val="25000"/>
+                  </a:schemeClr>
+                </a:solidFill>
+                <a:latin typeface="Calibri" panose="020F0502020204030204" pitchFamily="34" charset="0"/>
+                <a:ea typeface="+mj-ea"/>
+                <a:cs typeface="Calibri" panose="020F0502020204030204" pitchFamily="34" charset="0"/>
+              </a:defRPr>
+            </a:lvl1pPr>
+            <a:lvl2pPr eaLnBrk="1" hangingPunct="1">
+              <a:defRPr>
+                <a:solidFill>
+                  <a:schemeClr val="tx2"/>
+                </a:solidFill>
+              </a:defRPr>
+            </a:lvl2pPr>
+            <a:lvl3pPr eaLnBrk="1" hangingPunct="1">
+              <a:defRPr>
+                <a:solidFill>
+                  <a:schemeClr val="tx2"/>
+                </a:solidFill>
+              </a:defRPr>
+            </a:lvl3pPr>
+            <a:lvl4pPr eaLnBrk="1" hangingPunct="1">
+              <a:defRPr>
+                <a:solidFill>
+                  <a:schemeClr val="tx2"/>
+                </a:solidFill>
+              </a:defRPr>
+            </a:lvl4pPr>
+            <a:lvl5pPr eaLnBrk="1" hangingPunct="1">
+              <a:defRPr>
+                <a:solidFill>
+                  <a:schemeClr val="tx2"/>
+                </a:solidFill>
+              </a:defRPr>
+            </a:lvl5pPr>
+            <a:lvl6pPr eaLnBrk="1" hangingPunct="1">
+              <a:defRPr>
+                <a:solidFill>
+                  <a:schemeClr val="tx2"/>
+                </a:solidFill>
+              </a:defRPr>
+            </a:lvl6pPr>
+            <a:lvl7pPr eaLnBrk="1" hangingPunct="1">
+              <a:defRPr>
+                <a:solidFill>
+                  <a:schemeClr val="tx2"/>
+                </a:solidFill>
+              </a:defRPr>
+            </a:lvl7pPr>
+            <a:lvl8pPr eaLnBrk="1" hangingPunct="1">
+              <a:defRPr>
+                <a:solidFill>
+                  <a:schemeClr val="tx2"/>
+                </a:solidFill>
+              </a:defRPr>
+            </a:lvl8pPr>
+            <a:lvl9pPr eaLnBrk="1" hangingPunct="1">
+              <a:defRPr>
+                <a:solidFill>
+                  <a:schemeClr val="tx2"/>
+                </a:solidFill>
+              </a:defRPr>
+            </a:lvl9pPr>
+          </a:lstStyle>
+          <a:p>
+            <a:r>
+              <a:rPr lang="ru" dirty="0" smtClean="0"/>
+              <a:t>Подход 1</a:t>
+            </a:r>
+            <a:r>
+              <a:rPr lang="en-US" dirty="0" smtClean="0"/>
+              <a:t>: </a:t>
+            </a:r>
+            <a:r>
+              <a:rPr lang="ru-RU" dirty="0" smtClean="0"/>
+              <a:t/>
+            </a:r>
+            <a:br>
+              <a:rPr lang="ru-RU" dirty="0" smtClean="0"/>
+            </a:br>
+            <a:r>
+              <a:rPr lang="ru-RU" dirty="0" smtClean="0"/>
+              <a:t>Пользователь</a:t>
+            </a:r>
+            <a:r>
+              <a:rPr lang="en-US" dirty="0" smtClean="0"/>
+              <a:t>:</a:t>
+            </a:r>
+            <a:r>
+              <a:rPr lang="ru-RU" dirty="0" smtClean="0"/>
+              <a:t> </a:t>
+            </a:r>
+            <a:r>
+              <a:rPr lang="en-US" dirty="0" smtClean="0">
+                <a:solidFill>
+                  <a:schemeClr val="accent1"/>
+                </a:solidFill>
+              </a:rPr>
+              <a:t>3812</a:t>
+            </a:r>
+            <a:endParaRPr lang="ru" dirty="0">
+              <a:solidFill>
+                <a:schemeClr val="accent1"/>
+              </a:solidFill>
+            </a:endParaRPr>
+          </a:p>
+        </p:txBody>
+      </p:sp>
+      <p:pic>
+        <p:nvPicPr>
+          <p:cNvPr id="2" name="Рисунок 1"/>
+          <p:cNvPicPr>
+            <a:picLocks noChangeAspect="1"/>
+          </p:cNvPicPr>
+          <p:nvPr/>
+        </p:nvPicPr>
+        <p:blipFill>
+          <a:blip r:embed="rId3">
             <a:extLst>
-              <a:ext uri="{FF2B5EF4-FFF2-40B4-BE49-F238E27FC236}">
-                <a16:creationId xmlns:a16="http://schemas.microsoft.com/office/drawing/2014/main" id="{EF0D1DE7-CAB7-B879-750A-7167B6155FF7}"/>
+              <a:ext uri="{28A0092B-C50C-407E-A947-70E740481C1C}">
+                <a14:useLocalDpi xmlns:a14="http://schemas.microsoft.com/office/drawing/2010/main" val="0"/>
               </a:ext>
             </a:extLst>
-          </p:cNvPr>
-          <p:cNvGraphicFramePr>
-            <a:graphicFrameLocks noGrp="1"/>
-          </p:cNvGraphicFramePr>
-          <p:nvPr>
-            <p:ph type="tbl" sz="quarter" idx="13"/>
-            <p:extLst>
-              <p:ext uri="{D42A27DB-BD31-4B8C-83A1-F6EECF244321}">
-                <p14:modId xmlns:p14="http://schemas.microsoft.com/office/powerpoint/2010/main" val="3345952988"/>
-              </p:ext>
-            </p:extLst>
-          </p:nvPr>
-        </p:nvGraphicFramePr>
-        <p:xfrm>
-          <a:off x="457200" y="2235200"/>
-          <a:ext cx="11301156" cy="3969606"/>
-        </p:xfrm>
-        <a:graphic>
-          <a:graphicData uri="http://schemas.openxmlformats.org/drawingml/2006/table">
-            <a:tbl>
-              <a:tblPr firstRow="1" bandRow="1">
-                <a:tableStyleId>{912C8C85-51F0-491E-9774-3900AFEF0FD7}</a:tableStyleId>
-              </a:tblPr>
-              <a:tblGrid>
-                <a:gridCol w="3002874">
-                  <a:extLst>
-                    <a:ext uri="{9D8B030D-6E8A-4147-A177-3AD203B41FA5}">
-                      <a16:colId xmlns:a16="http://schemas.microsoft.com/office/drawing/2014/main" val="2382218087"/>
-                    </a:ext>
-                  </a:extLst>
-                </a:gridCol>
-                <a:gridCol w="2647704">
-                  <a:extLst>
-                    <a:ext uri="{9D8B030D-6E8A-4147-A177-3AD203B41FA5}">
-                      <a16:colId xmlns:a16="http://schemas.microsoft.com/office/drawing/2014/main" val="3953468724"/>
-                    </a:ext>
-                  </a:extLst>
-                </a:gridCol>
-                <a:gridCol w="2825289">
-                  <a:extLst>
-                    <a:ext uri="{9D8B030D-6E8A-4147-A177-3AD203B41FA5}">
-                      <a16:colId xmlns:a16="http://schemas.microsoft.com/office/drawing/2014/main" val="4277526474"/>
-                    </a:ext>
-                  </a:extLst>
-                </a:gridCol>
-                <a:gridCol w="2825289">
-                  <a:extLst>
-                    <a:ext uri="{9D8B030D-6E8A-4147-A177-3AD203B41FA5}">
-                      <a16:colId xmlns:a16="http://schemas.microsoft.com/office/drawing/2014/main" val="2438884888"/>
-                    </a:ext>
-                  </a:extLst>
-                </a:gridCol>
-              </a:tblGrid>
-              <a:tr h="661601">
-                <a:tc>
-                  <a:txBody>
-                    <a:bodyPr/>
-                    <a:lstStyle/>
-                    <a:p>
-                      <a:pPr algn="ctr" rtl="0"/>
-                      <a:r>
-                        <a:rPr lang="ru">
-                          <a:latin typeface="Calibri" panose="020F0502020204030204" pitchFamily="34" charset="0"/>
-                          <a:cs typeface="Calibri" panose="020F0502020204030204" pitchFamily="34" charset="0"/>
-                        </a:rPr>
-                        <a:t>Фактор влияния</a:t>
-                      </a:r>
-                    </a:p>
-                  </a:txBody>
-                  <a:tcPr anchor="ctr"/>
-                </a:tc>
-                <a:tc>
-                  <a:txBody>
-                    <a:bodyPr/>
-                    <a:lstStyle/>
-                    <a:p>
-                      <a:pPr algn="ctr" rtl="0"/>
-                      <a:r>
-                        <a:rPr lang="ru">
-                          <a:latin typeface="Calibri" panose="020F0502020204030204" pitchFamily="34" charset="0"/>
-                          <a:cs typeface="Calibri" panose="020F0502020204030204" pitchFamily="34" charset="0"/>
-                        </a:rPr>
-                        <a:t>Измерение</a:t>
-                      </a:r>
-                    </a:p>
-                  </a:txBody>
-                  <a:tcPr anchor="ctr"/>
-                </a:tc>
-                <a:tc>
-                  <a:txBody>
-                    <a:bodyPr/>
-                    <a:lstStyle/>
-                    <a:p>
-                      <a:pPr algn="ctr" rtl="0"/>
-                      <a:r>
-                        <a:rPr lang="ru">
-                          <a:latin typeface="Calibri" panose="020F0502020204030204" pitchFamily="34" charset="0"/>
-                          <a:cs typeface="Calibri" panose="020F0502020204030204" pitchFamily="34" charset="0"/>
-                        </a:rPr>
-                        <a:t>Целевое значение</a:t>
-                      </a:r>
-                    </a:p>
-                  </a:txBody>
-                  <a:tcPr anchor="ctr"/>
-                </a:tc>
-                <a:tc>
-                  <a:txBody>
-                    <a:bodyPr/>
-                    <a:lstStyle/>
-                    <a:p>
-                      <a:pPr algn="ctr" rtl="0"/>
-                      <a:r>
-                        <a:rPr lang="ru">
-                          <a:latin typeface="Calibri" panose="020F0502020204030204" pitchFamily="34" charset="0"/>
-                          <a:cs typeface="Calibri" panose="020F0502020204030204" pitchFamily="34" charset="0"/>
-                        </a:rPr>
-                        <a:t>Достигнуто</a:t>
-                      </a:r>
-                    </a:p>
-                  </a:txBody>
-                  <a:tcPr anchor="ctr"/>
-                </a:tc>
-                <a:extLst>
-                  <a:ext uri="{0D108BD9-81ED-4DB2-BD59-A6C34878D82A}">
-                    <a16:rowId xmlns:a16="http://schemas.microsoft.com/office/drawing/2014/main" val="2857107962"/>
-                  </a:ext>
-                </a:extLst>
-              </a:tr>
-              <a:tr h="661601">
-                <a:tc>
-                  <a:txBody>
-                    <a:bodyPr/>
-                    <a:lstStyle/>
-                    <a:p>
-                      <a:pPr algn="ctr" rtl="0"/>
-                      <a:r>
-                        <a:rPr lang="ru" dirty="0">
-                          <a:latin typeface="Calibri" panose="020F0502020204030204" pitchFamily="34" charset="0"/>
-                          <a:cs typeface="Calibri" panose="020F0502020204030204" pitchFamily="34" charset="0"/>
-                        </a:rPr>
-                        <a:t>Взаимодействие с аудиторией</a:t>
-                      </a:r>
-                    </a:p>
-                  </a:txBody>
-                  <a:tcPr anchor="ctr"/>
-                </a:tc>
-                <a:tc>
-                  <a:txBody>
-                    <a:bodyPr/>
-                    <a:lstStyle/>
-                    <a:p>
-                      <a:pPr algn="ctr" rtl="0"/>
-                      <a:r>
-                        <a:rPr lang="ru" dirty="0">
-                          <a:latin typeface="Calibri" panose="020F0502020204030204" pitchFamily="34" charset="0"/>
-                          <a:cs typeface="Calibri" panose="020F0502020204030204" pitchFamily="34" charset="0"/>
-                        </a:rPr>
-                        <a:t>Процент (%)</a:t>
-                      </a:r>
-                    </a:p>
-                  </a:txBody>
-                  <a:tcPr anchor="ctr"/>
-                </a:tc>
-                <a:tc>
-                  <a:txBody>
-                    <a:bodyPr/>
-                    <a:lstStyle/>
-                    <a:p>
-                      <a:pPr algn="ctr" rtl="0"/>
-                      <a:r>
-                        <a:rPr lang="ru">
-                          <a:latin typeface="Calibri" panose="020F0502020204030204" pitchFamily="34" charset="0"/>
-                          <a:cs typeface="Calibri" panose="020F0502020204030204" pitchFamily="34" charset="0"/>
-                        </a:rPr>
-                        <a:t>85</a:t>
-                      </a:r>
-                    </a:p>
-                  </a:txBody>
-                  <a:tcPr anchor="ctr"/>
-                </a:tc>
-                <a:tc>
-                  <a:txBody>
-                    <a:bodyPr/>
-                    <a:lstStyle/>
-                    <a:p>
-                      <a:pPr algn="ctr" rtl="0"/>
-                      <a:r>
-                        <a:rPr lang="ru">
-                          <a:latin typeface="Calibri" panose="020F0502020204030204" pitchFamily="34" charset="0"/>
-                          <a:cs typeface="Calibri" panose="020F0502020204030204" pitchFamily="34" charset="0"/>
-                        </a:rPr>
-                        <a:t>88</a:t>
-                      </a:r>
-                    </a:p>
-                  </a:txBody>
-                  <a:tcPr anchor="ctr"/>
-                </a:tc>
-                <a:extLst>
-                  <a:ext uri="{0D108BD9-81ED-4DB2-BD59-A6C34878D82A}">
-                    <a16:rowId xmlns:a16="http://schemas.microsoft.com/office/drawing/2014/main" val="1671386868"/>
-                  </a:ext>
-                </a:extLst>
-              </a:tr>
-              <a:tr h="661601">
-                <a:tc>
-                  <a:txBody>
-                    <a:bodyPr/>
-                    <a:lstStyle/>
-                    <a:p>
-                      <a:pPr algn="ctr" rtl="0"/>
-                      <a:r>
-                        <a:rPr lang="ru">
-                          <a:latin typeface="Calibri" panose="020F0502020204030204" pitchFamily="34" charset="0"/>
-                          <a:cs typeface="Calibri" panose="020F0502020204030204" pitchFamily="34" charset="0"/>
-                        </a:rPr>
-                        <a:t>Усвоение знаний</a:t>
-                      </a:r>
-                    </a:p>
-                  </a:txBody>
-                  <a:tcPr anchor="ctr"/>
-                </a:tc>
-                <a:tc>
-                  <a:txBody>
-                    <a:bodyPr/>
-                    <a:lstStyle/>
-                    <a:p>
-                      <a:pPr algn="ctr" rtl="0"/>
-                      <a:r>
-                        <a:rPr lang="ru">
-                          <a:latin typeface="Calibri" panose="020F0502020204030204" pitchFamily="34" charset="0"/>
-                          <a:cs typeface="Calibri" panose="020F0502020204030204" pitchFamily="34" charset="0"/>
-                        </a:rPr>
-                        <a:t>Процент (%)</a:t>
-                      </a:r>
-                    </a:p>
-                  </a:txBody>
-                  <a:tcPr anchor="ctr"/>
-                </a:tc>
-                <a:tc>
-                  <a:txBody>
-                    <a:bodyPr/>
-                    <a:lstStyle/>
-                    <a:p>
-                      <a:pPr algn="ctr" rtl="0"/>
-                      <a:r>
-                        <a:rPr lang="ru">
-                          <a:latin typeface="Calibri" panose="020F0502020204030204" pitchFamily="34" charset="0"/>
-                          <a:cs typeface="Calibri" panose="020F0502020204030204" pitchFamily="34" charset="0"/>
-                        </a:rPr>
-                        <a:t>75</a:t>
-                      </a:r>
-                    </a:p>
-                  </a:txBody>
-                  <a:tcPr anchor="ctr"/>
-                </a:tc>
-                <a:tc>
-                  <a:txBody>
-                    <a:bodyPr/>
-                    <a:lstStyle/>
-                    <a:p>
-                      <a:pPr algn="ctr" rtl="0"/>
-                      <a:r>
-                        <a:rPr lang="ru">
-                          <a:latin typeface="Calibri" panose="020F0502020204030204" pitchFamily="34" charset="0"/>
-                          <a:cs typeface="Calibri" panose="020F0502020204030204" pitchFamily="34" charset="0"/>
-                        </a:rPr>
-                        <a:t>80</a:t>
-                      </a:r>
-                    </a:p>
-                  </a:txBody>
-                  <a:tcPr anchor="ctr"/>
-                </a:tc>
-                <a:extLst>
-                  <a:ext uri="{0D108BD9-81ED-4DB2-BD59-A6C34878D82A}">
-                    <a16:rowId xmlns:a16="http://schemas.microsoft.com/office/drawing/2014/main" val="380626418"/>
-                  </a:ext>
-                </a:extLst>
-              </a:tr>
-              <a:tr h="661601">
-                <a:tc>
-                  <a:txBody>
-                    <a:bodyPr/>
-                    <a:lstStyle/>
-                    <a:p>
-                      <a:pPr algn="ctr" rtl="0"/>
-                      <a:r>
-                        <a:rPr lang="ru" dirty="0">
-                          <a:latin typeface="Calibri" panose="020F0502020204030204" pitchFamily="34" charset="0"/>
-                          <a:cs typeface="Calibri" panose="020F0502020204030204" pitchFamily="34" charset="0"/>
-                        </a:rPr>
-                        <a:t>Опросы после презентации</a:t>
-                      </a:r>
-                    </a:p>
-                  </a:txBody>
-                  <a:tcPr anchor="ctr"/>
-                </a:tc>
-                <a:tc>
-                  <a:txBody>
-                    <a:bodyPr/>
-                    <a:lstStyle/>
-                    <a:p>
-                      <a:pPr algn="ctr" rtl="0"/>
-                      <a:r>
-                        <a:rPr lang="ru">
-                          <a:latin typeface="Calibri" panose="020F0502020204030204" pitchFamily="34" charset="0"/>
-                          <a:cs typeface="Calibri" panose="020F0502020204030204" pitchFamily="34" charset="0"/>
-                        </a:rPr>
-                        <a:t>Средняя оценка</a:t>
-                      </a:r>
-                    </a:p>
-                  </a:txBody>
-                  <a:tcPr anchor="ctr"/>
-                </a:tc>
-                <a:tc>
-                  <a:txBody>
-                    <a:bodyPr/>
-                    <a:lstStyle/>
-                    <a:p>
-                      <a:pPr algn="ctr" rtl="0"/>
-                      <a:r>
-                        <a:rPr lang="ru">
-                          <a:latin typeface="Calibri" panose="020F0502020204030204" pitchFamily="34" charset="0"/>
-                          <a:cs typeface="Calibri" panose="020F0502020204030204" pitchFamily="34" charset="0"/>
-                        </a:rPr>
-                        <a:t>4,2</a:t>
-                      </a:r>
-                    </a:p>
-                  </a:txBody>
-                  <a:tcPr anchor="ctr"/>
-                </a:tc>
-                <a:tc>
-                  <a:txBody>
-                    <a:bodyPr/>
-                    <a:lstStyle/>
-                    <a:p>
-                      <a:pPr algn="ctr" rtl="0"/>
-                      <a:r>
-                        <a:rPr lang="ru">
-                          <a:latin typeface="Calibri" panose="020F0502020204030204" pitchFamily="34" charset="0"/>
-                          <a:cs typeface="Calibri" panose="020F0502020204030204" pitchFamily="34" charset="0"/>
-                        </a:rPr>
-                        <a:t>4,5</a:t>
-                      </a:r>
-                    </a:p>
-                  </a:txBody>
-                  <a:tcPr anchor="ctr"/>
-                </a:tc>
-                <a:extLst>
-                  <a:ext uri="{0D108BD9-81ED-4DB2-BD59-A6C34878D82A}">
-                    <a16:rowId xmlns:a16="http://schemas.microsoft.com/office/drawing/2014/main" val="2132482967"/>
-                  </a:ext>
-                </a:extLst>
-              </a:tr>
-              <a:tr h="661601">
-                <a:tc>
-                  <a:txBody>
-                    <a:bodyPr/>
-                    <a:lstStyle/>
-                    <a:p>
-                      <a:pPr algn="ctr" rtl="0"/>
-                      <a:r>
-                        <a:rPr lang="ru" dirty="0">
-                          <a:latin typeface="Calibri" panose="020F0502020204030204" pitchFamily="34" charset="0"/>
-                          <a:cs typeface="Calibri" panose="020F0502020204030204" pitchFamily="34" charset="0"/>
-                        </a:rPr>
-                        <a:t>Доля тех, кто вас рекомендует</a:t>
-                      </a:r>
-                    </a:p>
-                  </a:txBody>
-                  <a:tcPr anchor="ctr"/>
-                </a:tc>
-                <a:tc>
-                  <a:txBody>
-                    <a:bodyPr/>
-                    <a:lstStyle/>
-                    <a:p>
-                      <a:pPr algn="ctr" rtl="0"/>
-                      <a:r>
-                        <a:rPr lang="ru">
-                          <a:latin typeface="Calibri" panose="020F0502020204030204" pitchFamily="34" charset="0"/>
-                          <a:cs typeface="Calibri" panose="020F0502020204030204" pitchFamily="34" charset="0"/>
-                        </a:rPr>
-                        <a:t>Процент (%)</a:t>
-                      </a:r>
-                    </a:p>
-                  </a:txBody>
-                  <a:tcPr anchor="ctr"/>
-                </a:tc>
-                <a:tc>
-                  <a:txBody>
-                    <a:bodyPr/>
-                    <a:lstStyle/>
-                    <a:p>
-                      <a:pPr algn="ctr" rtl="0"/>
-                      <a:r>
-                        <a:rPr lang="ru">
-                          <a:latin typeface="Calibri" panose="020F0502020204030204" pitchFamily="34" charset="0"/>
-                          <a:cs typeface="Calibri" panose="020F0502020204030204" pitchFamily="34" charset="0"/>
-                        </a:rPr>
-                        <a:t>10</a:t>
-                      </a:r>
-                    </a:p>
-                  </a:txBody>
-                  <a:tcPr anchor="ctr"/>
-                </a:tc>
-                <a:tc>
-                  <a:txBody>
-                    <a:bodyPr/>
-                    <a:lstStyle/>
-                    <a:p>
-                      <a:pPr algn="ctr" rtl="0"/>
-                      <a:r>
-                        <a:rPr lang="ru">
-                          <a:latin typeface="Calibri" panose="020F0502020204030204" pitchFamily="34" charset="0"/>
-                          <a:cs typeface="Calibri" panose="020F0502020204030204" pitchFamily="34" charset="0"/>
-                        </a:rPr>
-                        <a:t>12</a:t>
-                      </a:r>
-                    </a:p>
-                  </a:txBody>
-                  <a:tcPr anchor="ctr"/>
-                </a:tc>
-                <a:extLst>
-                  <a:ext uri="{0D108BD9-81ED-4DB2-BD59-A6C34878D82A}">
-                    <a16:rowId xmlns:a16="http://schemas.microsoft.com/office/drawing/2014/main" val="3936251906"/>
-                  </a:ext>
-                </a:extLst>
-              </a:tr>
-              <a:tr h="661601">
-                <a:tc>
-                  <a:txBody>
-                    <a:bodyPr/>
-                    <a:lstStyle/>
-                    <a:p>
-                      <a:pPr algn="ctr" rtl="0"/>
-                      <a:r>
-                        <a:rPr lang="ru" dirty="0">
-                          <a:latin typeface="Calibri" panose="020F0502020204030204" pitchFamily="34" charset="0"/>
-                          <a:cs typeface="Calibri" panose="020F0502020204030204" pitchFamily="34" charset="0"/>
-                        </a:rPr>
-                        <a:t>Возможности совместной работы</a:t>
-                      </a:r>
-                    </a:p>
-                  </a:txBody>
-                  <a:tcPr anchor="ctr"/>
-                </a:tc>
-                <a:tc>
-                  <a:txBody>
-                    <a:bodyPr/>
-                    <a:lstStyle/>
-                    <a:p>
-                      <a:pPr algn="ctr" rtl="0"/>
-                      <a:r>
-                        <a:rPr lang="ru" dirty="0">
-                          <a:latin typeface="Calibri" panose="020F0502020204030204" pitchFamily="34" charset="0"/>
-                          <a:cs typeface="Calibri" panose="020F0502020204030204" pitchFamily="34" charset="0"/>
-                        </a:rPr>
-                        <a:t>Количество возможностей</a:t>
-                      </a:r>
-                    </a:p>
-                  </a:txBody>
-                  <a:tcPr anchor="ctr"/>
-                </a:tc>
-                <a:tc>
-                  <a:txBody>
-                    <a:bodyPr/>
-                    <a:lstStyle/>
-                    <a:p>
-                      <a:pPr algn="ctr" rtl="0"/>
-                      <a:r>
-                        <a:rPr lang="ru">
-                          <a:latin typeface="Calibri" panose="020F0502020204030204" pitchFamily="34" charset="0"/>
-                          <a:cs typeface="Calibri" panose="020F0502020204030204" pitchFamily="34" charset="0"/>
-                        </a:rPr>
-                        <a:t>8</a:t>
-                      </a:r>
-                    </a:p>
-                  </a:txBody>
-                  <a:tcPr anchor="ctr"/>
-                </a:tc>
-                <a:tc>
-                  <a:txBody>
-                    <a:bodyPr/>
-                    <a:lstStyle/>
-                    <a:p>
-                      <a:pPr algn="ctr" rtl="0"/>
-                      <a:r>
-                        <a:rPr lang="ru" dirty="0">
-                          <a:latin typeface="Calibri" panose="020F0502020204030204" pitchFamily="34" charset="0"/>
-                          <a:cs typeface="Calibri" panose="020F0502020204030204" pitchFamily="34" charset="0"/>
-                        </a:rPr>
-                        <a:t>10</a:t>
-                      </a:r>
-                    </a:p>
-                  </a:txBody>
-                  <a:tcPr anchor="ctr"/>
-                </a:tc>
-                <a:extLst>
-                  <a:ext uri="{0D108BD9-81ED-4DB2-BD59-A6C34878D82A}">
-                    <a16:rowId xmlns:a16="http://schemas.microsoft.com/office/drawing/2014/main" val="568537164"/>
-                  </a:ext>
-                </a:extLst>
-              </a:tr>
-            </a:tbl>
-          </a:graphicData>
-        </a:graphic>
-      </p:graphicFrame>
+          </a:blip>
+          <a:stretch>
+            <a:fillRect/>
+          </a:stretch>
+        </p:blipFill>
+        <p:spPr>
+          <a:xfrm>
+            <a:off x="4174672" y="777965"/>
+            <a:ext cx="7600044" cy="6080035"/>
+          </a:xfrm>
+          <a:prstGeom prst="rect">
+            <a:avLst/>
+          </a:prstGeom>
+        </p:spPr>
+      </p:pic>
     </p:spTree>
     <p:extLst>
       <p:ext uri="{BB962C8B-B14F-4D97-AF65-F5344CB8AC3E}">
-        <p14:creationId xmlns:p14="http://schemas.microsoft.com/office/powerpoint/2010/main" val="3604630649"/>
+        <p14:creationId xmlns:p14="http://schemas.microsoft.com/office/powerpoint/2010/main" val="1924942318"/>
       </p:ext>
     </p:extLst>
   </p:cSld>
@@ -11130,10 +9746,10 @@
       </p:grpSpPr>
       <p:sp>
         <p:nvSpPr>
-          <p:cNvPr id="31" name="Заголовок 30">
+          <p:cNvPr id="11" name="Заголовок 10">
             <a:extLst>
               <a:ext uri="{FF2B5EF4-FFF2-40B4-BE49-F238E27FC236}">
-                <a16:creationId xmlns:a16="http://schemas.microsoft.com/office/drawing/2014/main" id="{B045D6AF-532B-394C-0C6F-38B6628CE9DF}"/>
+                <a16:creationId xmlns:a16="http://schemas.microsoft.com/office/drawing/2014/main" id="{FF0FD1A0-C075-EE18-B3AE-363C242D0BCE}"/>
               </a:ext>
             </a:extLst>
           </p:cNvPr>
@@ -11146,109 +9762,529 @@
         </p:nvSpPr>
         <p:spPr>
           <a:xfrm>
-            <a:off x="462151" y="666984"/>
-            <a:ext cx="3672970" cy="2125911"/>
+            <a:off x="391886" y="777965"/>
+            <a:ext cx="3782786" cy="998584"/>
           </a:xfrm>
         </p:spPr>
         <p:txBody>
-          <a:bodyPr rtlCol="0"/>
+          <a:bodyPr rtlCol="0">
+            <a:normAutofit/>
+          </a:bodyPr>
           <a:lstStyle/>
           <a:p>
-            <a:pPr rtl="0"/>
-            <a:r>
-              <a:rPr lang="ru"/>
-              <a:t>Спасибо</a:t>
-            </a:r>
-          </a:p>
-        </p:txBody>
-      </p:sp>
-      <p:sp>
-        <p:nvSpPr>
-          <p:cNvPr id="3" name="Объект 2">
+            <a:r>
+              <a:rPr lang="ru" dirty="0" smtClean="0"/>
+              <a:t>Подход 1</a:t>
+            </a:r>
+            <a:r>
+              <a:rPr lang="en-US" dirty="0" smtClean="0"/>
+              <a:t>: </a:t>
+            </a:r>
+            <a:r>
+              <a:rPr lang="ru-RU" dirty="0" smtClean="0"/>
+              <a:t/>
+            </a:r>
+            <a:br>
+              <a:rPr lang="ru-RU" dirty="0" smtClean="0"/>
+            </a:br>
+            <a:r>
+              <a:rPr lang="ru-RU" dirty="0" smtClean="0"/>
+              <a:t>Пользователь</a:t>
+            </a:r>
+            <a:r>
+              <a:rPr lang="en-US" dirty="0" smtClean="0"/>
+              <a:t>: </a:t>
+            </a:r>
+            <a:r>
+              <a:rPr lang="en-US" dirty="0" smtClean="0">
+                <a:solidFill>
+                  <a:schemeClr val="accent1"/>
+                </a:solidFill>
+              </a:rPr>
+              <a:t>3812</a:t>
+            </a:r>
+            <a:endParaRPr lang="ru" dirty="0"/>
+          </a:p>
+        </p:txBody>
+      </p:sp>
+      <p:sp>
+        <p:nvSpPr>
+          <p:cNvPr id="4" name="TextBox 3"/>
+          <p:cNvSpPr txBox="1"/>
+          <p:nvPr/>
+        </p:nvSpPr>
+        <p:spPr>
+          <a:xfrm>
+            <a:off x="391886" y="2325189"/>
+            <a:ext cx="3314241" cy="369332"/>
+          </a:xfrm>
+          <a:prstGeom prst="rect">
+            <a:avLst/>
+          </a:prstGeom>
+          <a:noFill/>
+        </p:spPr>
+        <p:txBody>
+          <a:bodyPr wrap="none" rtlCol="0">
+            <a:spAutoFit/>
+          </a:bodyPr>
+          <a:lstStyle/>
+          <a:p>
+            <a:r>
+              <a:rPr lang="en-US" dirty="0" err="1" smtClean="0">
+                <a:latin typeface="Calibri" panose="020F0502020204030204" pitchFamily="34" charset="0"/>
+                <a:cs typeface="Calibri" panose="020F0502020204030204" pitchFamily="34" charset="0"/>
+              </a:rPr>
+              <a:t>MedianReceivedBit</a:t>
+            </a:r>
+            <a:r>
+              <a:rPr lang="en-US" dirty="0" smtClean="0">
+                <a:latin typeface="Calibri" panose="020F0502020204030204" pitchFamily="34" charset="0"/>
+                <a:cs typeface="Calibri" panose="020F0502020204030204" pitchFamily="34" charset="0"/>
+              </a:rPr>
+              <a:t>(</a:t>
+            </a:r>
+            <a:r>
+              <a:rPr lang="ru-RU" dirty="0" smtClean="0">
+                <a:latin typeface="Calibri" panose="020F0502020204030204" pitchFamily="34" charset="0"/>
+                <a:cs typeface="Calibri" panose="020F0502020204030204" pitchFamily="34" charset="0"/>
+              </a:rPr>
+              <a:t>полученные</a:t>
+            </a:r>
+            <a:r>
+              <a:rPr lang="en-US" dirty="0" smtClean="0"/>
+              <a:t>)</a:t>
+            </a:r>
+            <a:endParaRPr lang="ru-RU" dirty="0"/>
+          </a:p>
+        </p:txBody>
+      </p:sp>
+      <p:pic>
+        <p:nvPicPr>
+          <p:cNvPr id="3" name="Рисунок 2"/>
+          <p:cNvPicPr>
+            <a:picLocks noChangeAspect="1"/>
+          </p:cNvPicPr>
+          <p:nvPr/>
+        </p:nvPicPr>
+        <p:blipFill>
+          <a:blip r:embed="rId3">
             <a:extLst>
-              <a:ext uri="{FF2B5EF4-FFF2-40B4-BE49-F238E27FC236}">
-                <a16:creationId xmlns:a16="http://schemas.microsoft.com/office/drawing/2014/main" id="{2F59B25D-9615-9332-C32E-4F458417E11E}"/>
+              <a:ext uri="{28A0092B-C50C-407E-A947-70E740481C1C}">
+                <a14:useLocalDpi xmlns:a14="http://schemas.microsoft.com/office/drawing/2010/main" val="0"/>
               </a:ext>
             </a:extLst>
-          </p:cNvPr>
-          <p:cNvSpPr>
-            <a:spLocks noGrp="1"/>
-          </p:cNvSpPr>
-          <p:nvPr>
-            <p:ph sz="quarter" idx="4"/>
-          </p:nvPr>
-        </p:nvSpPr>
-        <p:spPr>
-          <a:xfrm>
-            <a:off x="462151" y="2862479"/>
-            <a:ext cx="3672970" cy="3491849"/>
-          </a:xfrm>
-        </p:spPr>
-        <p:txBody>
-          <a:bodyPr rtlCol="0"/>
-          <a:lstStyle/>
-          <a:p>
-            <a:pPr rtl="0"/>
-            <a:r>
-              <a:rPr lang="ru"/>
-              <a:t>Брита Тамм</a:t>
-            </a:r>
-          </a:p>
-          <a:p>
-            <a:pPr rtl="0"/>
-            <a:r>
-              <a:rPr lang="ru"/>
-              <a:t>502-555-0152</a:t>
-            </a:r>
-          </a:p>
-          <a:p>
-            <a:pPr rtl="0"/>
-            <a:r>
-              <a:rPr lang="ru"/>
-              <a:t>brita@firstupconsultants.com</a:t>
-            </a:r>
-          </a:p>
-          <a:p>
-            <a:pPr rtl="0"/>
-            <a:r>
-              <a:rPr lang="ru"/>
-              <a:t>www.firstupconsultants.com</a:t>
-            </a:r>
-          </a:p>
-        </p:txBody>
-      </p:sp>
-      <p:pic>
-        <p:nvPicPr>
-          <p:cNvPr id="23" name="Рисунок 22" descr="Группа людей, хлопающих друг друга открытыми ладонями">
-            <a:extLst>
-              <a:ext uri="{FF2B5EF4-FFF2-40B4-BE49-F238E27FC236}">
-                <a16:creationId xmlns:a16="http://schemas.microsoft.com/office/drawing/2014/main" id="{D92A2E6E-E7AB-92FB-0E6F-133483021C22}"/>
-              </a:ext>
-            </a:extLst>
-          </p:cNvPr>
-          <p:cNvPicPr>
-            <a:picLocks noGrp="1" noChangeAspect="1"/>
-          </p:cNvPicPr>
-          <p:nvPr>
-            <p:ph type="pic" sz="quarter" idx="13"/>
-          </p:nvPr>
-        </p:nvPicPr>
-        <p:blipFill rotWithShape="1">
-          <a:blip r:embed="rId3"/>
-          <a:srcRect l="6095" r="6095"/>
-          <a:stretch/>
+          </a:blip>
+          <a:stretch>
+            <a:fillRect/>
+          </a:stretch>
         </p:blipFill>
         <p:spPr>
           <a:xfrm>
-            <a:off x="4231970" y="666985"/>
-            <a:ext cx="7497880" cy="5687344"/>
+            <a:off x="4174672" y="771579"/>
+            <a:ext cx="7608026" cy="6086421"/>
           </a:xfrm>
+          <a:prstGeom prst="rect">
+            <a:avLst/>
+          </a:prstGeom>
         </p:spPr>
       </p:pic>
     </p:spTree>
     <p:extLst>
       <p:ext uri="{BB962C8B-B14F-4D97-AF65-F5344CB8AC3E}">
-        <p14:creationId xmlns:p14="http://schemas.microsoft.com/office/powerpoint/2010/main" val="2770959368"/>
+        <p14:creationId xmlns:p14="http://schemas.microsoft.com/office/powerpoint/2010/main" val="1147040032"/>
+      </p:ext>
+    </p:extLst>
+  </p:cSld>
+  <p:clrMapOvr>
+    <a:masterClrMapping/>
+  </p:clrMapOvr>
+</p:sld>
+</file>
+
+<file path=ppt/slides/slide21.xml><?xml version="1.0" encoding="utf-8"?>
+<p:sld xmlns:a="http://schemas.openxmlformats.org/drawingml/2006/main" xmlns:r="http://schemas.openxmlformats.org/officeDocument/2006/relationships" xmlns:p="http://schemas.openxmlformats.org/presentationml/2006/main">
+  <p:cSld>
+    <p:spTree>
+      <p:nvGrpSpPr>
+        <p:cNvPr id="1" name=""/>
+        <p:cNvGrpSpPr/>
+        <p:nvPr/>
+      </p:nvGrpSpPr>
+      <p:grpSpPr>
+        <a:xfrm>
+          <a:off x="0" y="0"/>
+          <a:ext cx="0" cy="0"/>
+          <a:chOff x="0" y="0"/>
+          <a:chExt cx="0" cy="0"/>
+        </a:xfrm>
+      </p:grpSpPr>
+      <p:sp>
+        <p:nvSpPr>
+          <p:cNvPr id="4" name="TextBox 3"/>
+          <p:cNvSpPr txBox="1"/>
+          <p:nvPr/>
+        </p:nvSpPr>
+        <p:spPr>
+          <a:xfrm>
+            <a:off x="391886" y="2325189"/>
+            <a:ext cx="3875163" cy="369332"/>
+          </a:xfrm>
+          <a:prstGeom prst="rect">
+            <a:avLst/>
+          </a:prstGeom>
+          <a:noFill/>
+        </p:spPr>
+        <p:txBody>
+          <a:bodyPr wrap="none" rtlCol="0">
+            <a:spAutoFit/>
+          </a:bodyPr>
+          <a:lstStyle/>
+          <a:p>
+            <a:r>
+              <a:rPr lang="en-US" dirty="0" err="1" smtClean="0">
+                <a:latin typeface="Calibri" panose="020F0502020204030204" pitchFamily="34" charset="0"/>
+                <a:cs typeface="Calibri" panose="020F0502020204030204" pitchFamily="34" charset="0"/>
+              </a:rPr>
+              <a:t>MedianTransmittedBit</a:t>
+            </a:r>
+            <a:r>
+              <a:rPr lang="en-US" dirty="0" smtClean="0">
+                <a:latin typeface="Calibri" panose="020F0502020204030204" pitchFamily="34" charset="0"/>
+                <a:cs typeface="Calibri" panose="020F0502020204030204" pitchFamily="34" charset="0"/>
+              </a:rPr>
+              <a:t>(</a:t>
+            </a:r>
+            <a:r>
+              <a:rPr lang="ru-RU" dirty="0" smtClean="0">
+                <a:latin typeface="Calibri" panose="020F0502020204030204" pitchFamily="34" charset="0"/>
+                <a:cs typeface="Calibri" panose="020F0502020204030204" pitchFamily="34" charset="0"/>
+              </a:rPr>
+              <a:t>Отправленные</a:t>
+            </a:r>
+            <a:r>
+              <a:rPr lang="en-US" dirty="0" smtClean="0"/>
+              <a:t>)</a:t>
+            </a:r>
+            <a:endParaRPr lang="ru-RU" dirty="0"/>
+          </a:p>
+        </p:txBody>
+      </p:sp>
+      <p:sp>
+        <p:nvSpPr>
+          <p:cNvPr id="5" name="Заголовок 10">
+            <a:extLst>
+              <a:ext uri="{FF2B5EF4-FFF2-40B4-BE49-F238E27FC236}">
+                <a16:creationId xmlns:a16="http://schemas.microsoft.com/office/drawing/2014/main" id="{FF0FD1A0-C075-EE18-B3AE-363C242D0BCE}"/>
+              </a:ext>
+            </a:extLst>
+          </p:cNvPr>
+          <p:cNvSpPr>
+            <a:spLocks noGrp="1"/>
+          </p:cNvSpPr>
+          <p:nvPr>
+            <p:ph type="title"/>
+          </p:nvPr>
+        </p:nvSpPr>
+        <p:spPr>
+          <a:xfrm>
+            <a:off x="391886" y="777965"/>
+            <a:ext cx="3782786" cy="998584"/>
+          </a:xfrm>
+        </p:spPr>
+        <p:txBody>
+          <a:bodyPr rtlCol="0">
+            <a:normAutofit/>
+          </a:bodyPr>
+          <a:lstStyle/>
+          <a:p>
+            <a:r>
+              <a:rPr lang="ru" dirty="0" smtClean="0"/>
+              <a:t>Подход 1</a:t>
+            </a:r>
+            <a:r>
+              <a:rPr lang="en-US" dirty="0" smtClean="0"/>
+              <a:t>: </a:t>
+            </a:r>
+            <a:r>
+              <a:rPr lang="ru-RU" dirty="0" smtClean="0"/>
+              <a:t/>
+            </a:r>
+            <a:br>
+              <a:rPr lang="ru-RU" dirty="0" smtClean="0"/>
+            </a:br>
+            <a:r>
+              <a:rPr lang="ru-RU" dirty="0" smtClean="0"/>
+              <a:t>Пользователь</a:t>
+            </a:r>
+            <a:r>
+              <a:rPr lang="en-US" dirty="0" smtClean="0"/>
+              <a:t>:</a:t>
+            </a:r>
+            <a:r>
+              <a:rPr lang="ru-RU" dirty="0" smtClean="0"/>
+              <a:t> </a:t>
+            </a:r>
+            <a:r>
+              <a:rPr lang="en-US" dirty="0">
+                <a:solidFill>
+                  <a:schemeClr val="accent1"/>
+                </a:solidFill>
+              </a:rPr>
+              <a:t>3812</a:t>
+            </a:r>
+            <a:endParaRPr lang="ru" dirty="0"/>
+          </a:p>
+        </p:txBody>
+      </p:sp>
+      <p:pic>
+        <p:nvPicPr>
+          <p:cNvPr id="2" name="Рисунок 1"/>
+          <p:cNvPicPr>
+            <a:picLocks noChangeAspect="1"/>
+          </p:cNvPicPr>
+          <p:nvPr/>
+        </p:nvPicPr>
+        <p:blipFill>
+          <a:blip r:embed="rId3">
+            <a:extLst>
+              <a:ext uri="{28A0092B-C50C-407E-A947-70E740481C1C}">
+                <a14:useLocalDpi xmlns:a14="http://schemas.microsoft.com/office/drawing/2010/main" val="0"/>
+              </a:ext>
+            </a:extLst>
+          </a:blip>
+          <a:stretch>
+            <a:fillRect/>
+          </a:stretch>
+        </p:blipFill>
+        <p:spPr>
+          <a:xfrm>
+            <a:off x="4174672" y="777964"/>
+            <a:ext cx="7600044" cy="6080035"/>
+          </a:xfrm>
+          <a:prstGeom prst="rect">
+            <a:avLst/>
+          </a:prstGeom>
+        </p:spPr>
+      </p:pic>
+    </p:spTree>
+    <p:extLst>
+      <p:ext uri="{BB962C8B-B14F-4D97-AF65-F5344CB8AC3E}">
+        <p14:creationId xmlns:p14="http://schemas.microsoft.com/office/powerpoint/2010/main" val="25839430"/>
+      </p:ext>
+    </p:extLst>
+  </p:cSld>
+  <p:clrMapOvr>
+    <a:masterClrMapping/>
+  </p:clrMapOvr>
+</p:sld>
+</file>
+
+<file path=ppt/slides/slide22.xml><?xml version="1.0" encoding="utf-8"?>
+<p:sld xmlns:a="http://schemas.openxmlformats.org/drawingml/2006/main" xmlns:r="http://schemas.openxmlformats.org/officeDocument/2006/relationships" xmlns:p="http://schemas.openxmlformats.org/presentationml/2006/main">
+  <p:cSld>
+    <p:spTree>
+      <p:nvGrpSpPr>
+        <p:cNvPr id="1" name=""/>
+        <p:cNvGrpSpPr/>
+        <p:nvPr/>
+      </p:nvGrpSpPr>
+      <p:grpSpPr>
+        <a:xfrm>
+          <a:off x="0" y="0"/>
+          <a:ext cx="0" cy="0"/>
+          <a:chOff x="0" y="0"/>
+          <a:chExt cx="0" cy="0"/>
+        </a:xfrm>
+      </p:grpSpPr>
+      <p:sp>
+        <p:nvSpPr>
+          <p:cNvPr id="2" name="Заголовок 1"/>
+          <p:cNvSpPr>
+            <a:spLocks noGrp="1"/>
+          </p:cNvSpPr>
+          <p:nvPr>
+            <p:ph type="title"/>
+          </p:nvPr>
+        </p:nvSpPr>
+        <p:spPr/>
+        <p:txBody>
+          <a:bodyPr/>
+          <a:lstStyle/>
+          <a:p>
+            <a:pPr algn="ctr"/>
+            <a:r>
+              <a:rPr lang="ru-RU" dirty="0" smtClean="0"/>
+              <a:t>Промежуточный итог</a:t>
+            </a:r>
+            <a:endParaRPr lang="ru-RU" dirty="0"/>
+          </a:p>
+        </p:txBody>
+      </p:sp>
+      <p:sp>
+        <p:nvSpPr>
+          <p:cNvPr id="6" name="TextBox 5"/>
+          <p:cNvSpPr txBox="1"/>
+          <p:nvPr/>
+        </p:nvSpPr>
+        <p:spPr>
+          <a:xfrm>
+            <a:off x="896257" y="2177142"/>
+            <a:ext cx="10389326" cy="3693319"/>
+          </a:xfrm>
+          <a:prstGeom prst="rect">
+            <a:avLst/>
+          </a:prstGeom>
+          <a:noFill/>
+        </p:spPr>
+        <p:txBody>
+          <a:bodyPr wrap="square" rtlCol="0">
+            <a:spAutoFit/>
+          </a:bodyPr>
+          <a:lstStyle/>
+          <a:p>
+            <a:r>
+              <a:rPr lang="ru-RU" dirty="0" smtClean="0">
+                <a:latin typeface="Calibri" panose="020F0502020204030204" pitchFamily="34" charset="0"/>
+                <a:cs typeface="Calibri" panose="020F0502020204030204" pitchFamily="34" charset="0"/>
+              </a:rPr>
+              <a:t>Из 635 пользователей, аномальная активность замечена у 11</a:t>
+            </a:r>
+          </a:p>
+          <a:p>
+            <a:r>
+              <a:rPr lang="ru-RU" dirty="0" smtClean="0">
+                <a:latin typeface="Calibri" panose="020F0502020204030204" pitchFamily="34" charset="0"/>
+                <a:cs typeface="Calibri" panose="020F0502020204030204" pitchFamily="34" charset="0"/>
+              </a:rPr>
+              <a:t>она выражена в превышении статистических показателей в сравнении с предыдущими периодами</a:t>
+            </a:r>
+          </a:p>
+          <a:p>
+            <a:endParaRPr lang="ru-RU" dirty="0" smtClean="0">
+              <a:latin typeface="Calibri" panose="020F0502020204030204" pitchFamily="34" charset="0"/>
+              <a:cs typeface="Calibri" panose="020F0502020204030204" pitchFamily="34" charset="0"/>
+            </a:endParaRPr>
+          </a:p>
+          <a:p>
+            <a:r>
+              <a:rPr lang="ru-RU" dirty="0" smtClean="0">
+                <a:latin typeface="Calibri" panose="020F0502020204030204" pitchFamily="34" charset="0"/>
+                <a:cs typeface="Calibri" panose="020F0502020204030204" pitchFamily="34" charset="0"/>
+              </a:rPr>
+              <a:t>Полученные аномалии </a:t>
+            </a:r>
+            <a:r>
+              <a:rPr lang="ru-RU" b="1" dirty="0" smtClean="0">
+                <a:latin typeface="Calibri" panose="020F0502020204030204" pitchFamily="34" charset="0"/>
+                <a:cs typeface="Calibri" panose="020F0502020204030204" pitchFamily="34" charset="0"/>
+              </a:rPr>
+              <a:t>можно считать заслуживающими внимания</a:t>
+            </a:r>
+            <a:r>
+              <a:rPr lang="ru-RU" dirty="0" smtClean="0">
+                <a:latin typeface="Calibri" panose="020F0502020204030204" pitchFamily="34" charset="0"/>
+                <a:cs typeface="Calibri" panose="020F0502020204030204" pitchFamily="34" charset="0"/>
+              </a:rPr>
+              <a:t>, </a:t>
+            </a:r>
+          </a:p>
+          <a:p>
+            <a:r>
+              <a:rPr lang="ru-RU" dirty="0" smtClean="0">
+                <a:latin typeface="Calibri" panose="020F0502020204030204" pitchFamily="34" charset="0"/>
+                <a:cs typeface="Calibri" panose="020F0502020204030204" pitchFamily="34" charset="0"/>
+              </a:rPr>
+              <a:t>однако превышения в основном незначительные(10-20% от нормы).</a:t>
+            </a:r>
+          </a:p>
+          <a:p>
+            <a:endParaRPr lang="ru-RU" dirty="0" smtClean="0">
+              <a:latin typeface="Calibri" panose="020F0502020204030204" pitchFamily="34" charset="0"/>
+              <a:cs typeface="Calibri" panose="020F0502020204030204" pitchFamily="34" charset="0"/>
+            </a:endParaRPr>
+          </a:p>
+          <a:p>
+            <a:r>
+              <a:rPr lang="ru-RU" dirty="0" smtClean="0">
+                <a:latin typeface="Calibri" panose="020F0502020204030204" pitchFamily="34" charset="0"/>
+                <a:cs typeface="Calibri" panose="020F0502020204030204" pitchFamily="34" charset="0"/>
+              </a:rPr>
+              <a:t>Считаю, что могут </a:t>
+            </a:r>
+            <a:r>
+              <a:rPr lang="ru-RU" b="1" dirty="0" smtClean="0">
+                <a:latin typeface="Calibri" panose="020F0502020204030204" pitchFamily="34" charset="0"/>
+                <a:cs typeface="Calibri" panose="020F0502020204030204" pitchFamily="34" charset="0"/>
+              </a:rPr>
+              <a:t>возникать проблемы у пользователей</a:t>
+            </a:r>
+            <a:r>
+              <a:rPr lang="ru-RU" dirty="0" smtClean="0">
+                <a:latin typeface="Calibri" panose="020F0502020204030204" pitchFamily="34" charset="0"/>
+                <a:cs typeface="Calibri" panose="020F0502020204030204" pitchFamily="34" charset="0"/>
+              </a:rPr>
+              <a:t>, у которых редко, но периодически встречаются</a:t>
+            </a:r>
+          </a:p>
+          <a:p>
+            <a:r>
+              <a:rPr lang="ru-RU" dirty="0" smtClean="0">
+                <a:latin typeface="Calibri" panose="020F0502020204030204" pitchFamily="34" charset="0"/>
+                <a:cs typeface="Calibri" panose="020F0502020204030204" pitchFamily="34" charset="0"/>
+              </a:rPr>
+              <a:t>аномалии активности – модель должна учитывать их.</a:t>
+            </a:r>
+          </a:p>
+          <a:p>
+            <a:endParaRPr lang="ru-RU" dirty="0">
+              <a:latin typeface="Calibri" panose="020F0502020204030204" pitchFamily="34" charset="0"/>
+              <a:cs typeface="Calibri" panose="020F0502020204030204" pitchFamily="34" charset="0"/>
+            </a:endParaRPr>
+          </a:p>
+          <a:p>
+            <a:r>
+              <a:rPr lang="ru-RU" dirty="0" smtClean="0">
+                <a:latin typeface="Calibri" panose="020F0502020204030204" pitchFamily="34" charset="0"/>
+                <a:cs typeface="Calibri" panose="020F0502020204030204" pitchFamily="34" charset="0"/>
+              </a:rPr>
+              <a:t>Это происходит </a:t>
+            </a:r>
+            <a:r>
+              <a:rPr lang="ru-RU" b="1" dirty="0" smtClean="0">
+                <a:latin typeface="Calibri" panose="020F0502020204030204" pitchFamily="34" charset="0"/>
+                <a:cs typeface="Calibri" panose="020F0502020204030204" pitchFamily="34" charset="0"/>
+              </a:rPr>
+              <a:t>из-за отбрасывания редких значения</a:t>
+            </a:r>
+            <a:r>
+              <a:rPr lang="ru-RU" dirty="0" smtClean="0">
+                <a:latin typeface="Calibri" panose="020F0502020204030204" pitchFamily="34" charset="0"/>
+                <a:cs typeface="Calibri" panose="020F0502020204030204" pitchFamily="34" charset="0"/>
+              </a:rPr>
+              <a:t>, предполагалось, что это шум.</a:t>
+            </a:r>
+          </a:p>
+          <a:p>
+            <a:endParaRPr lang="ru-RU" dirty="0">
+              <a:latin typeface="Calibri" panose="020F0502020204030204" pitchFamily="34" charset="0"/>
+              <a:cs typeface="Calibri" panose="020F0502020204030204" pitchFamily="34" charset="0"/>
+            </a:endParaRPr>
+          </a:p>
+          <a:p>
+            <a:r>
+              <a:rPr lang="ru-RU" dirty="0" smtClean="0">
+                <a:latin typeface="Calibri" panose="020F0502020204030204" pitchFamily="34" charset="0"/>
+                <a:cs typeface="Calibri" panose="020F0502020204030204" pitchFamily="34" charset="0"/>
+              </a:rPr>
+              <a:t>Попробуем перестроить алгоритм обучения под второй подход.</a:t>
+            </a:r>
+          </a:p>
+        </p:txBody>
+      </p:sp>
+    </p:spTree>
+    <p:extLst>
+      <p:ext uri="{BB962C8B-B14F-4D97-AF65-F5344CB8AC3E}">
+        <p14:creationId xmlns:p14="http://schemas.microsoft.com/office/powerpoint/2010/main" val="2606244157"/>
       </p:ext>
     </p:extLst>
   </p:cSld>
@@ -12239,7 +11275,7 @@
     </p:spTree>
     <p:extLst>
       <p:ext uri="{BB962C8B-B14F-4D97-AF65-F5344CB8AC3E}">
-        <p14:creationId xmlns:p14="http://schemas.microsoft.com/office/powerpoint/2010/main" val="3435175566"/>
+        <p14:creationId xmlns:p14="http://schemas.microsoft.com/office/powerpoint/2010/main" val="4011527055"/>
       </p:ext>
     </p:extLst>
   </p:cSld>
@@ -13452,11 +12488,18 @@
 <file path=customXml/itemProps1.xml><?xml version="1.0" encoding="utf-8"?>
 <ds:datastoreItem xmlns:ds="http://schemas.openxmlformats.org/officeDocument/2006/customXml" ds:itemID="{8C26303C-A89C-422C-9097-BDF7002EFC54}">
   <ds:schemaRefs>
+    <ds:schemaRef ds:uri="http://schemas.microsoft.com/office/infopath/2007/PartnerControls"/>
+    <ds:schemaRef ds:uri="http://schemas.microsoft.com/office/2006/documentManagement/types"/>
     <ds:schemaRef ds:uri="http://schemas.microsoft.com/office/2006/metadata/properties"/>
-    <ds:schemaRef ds:uri="http://schemas.microsoft.com/office/infopath/2007/PartnerControls"/>
     <ds:schemaRef ds:uri="http://schemas.microsoft.com/sharepoint/v3"/>
+    <ds:schemaRef ds:uri="230e9df3-be65-4c73-a93b-d1236ebd677e"/>
+    <ds:schemaRef ds:uri="http://purl.org/dc/terms/"/>
+    <ds:schemaRef ds:uri="http://schemas.openxmlformats.org/package/2006/metadata/core-properties"/>
+    <ds:schemaRef ds:uri="16c05727-aa75-4e4a-9b5f-8a80a1165891"/>
+    <ds:schemaRef ds:uri="http://purl.org/dc/dcmitype/"/>
     <ds:schemaRef ds:uri="71af3243-3dd4-4a8d-8c0d-dd76da1f02a5"/>
-    <ds:schemaRef ds:uri="230e9df3-be65-4c73-a93b-d1236ebd677e"/>
+    <ds:schemaRef ds:uri="http://www.w3.org/XML/1998/namespace"/>
+    <ds:schemaRef ds:uri="http://purl.org/dc/elements/1.1/"/>
   </ds:schemaRefs>
 </ds:datastoreItem>
 </file>

--- a/IPSLib/Documentation/Доклад для конференции/Доклад.pptx
+++ b/IPSLib/Documentation/Доклад для конференции/Доклад.pptx
@@ -5,10 +5,10 @@
     <p:sldMasterId id="2147483762" r:id="rId4"/>
   </p:sldMasterIdLst>
   <p:notesMasterIdLst>
-    <p:notesMasterId r:id="rId27"/>
+    <p:notesMasterId r:id="rId31"/>
   </p:notesMasterIdLst>
   <p:handoutMasterIdLst>
-    <p:handoutMasterId r:id="rId28"/>
+    <p:handoutMasterId r:id="rId32"/>
   </p:handoutMasterIdLst>
   <p:sldIdLst>
     <p:sldId id="256" r:id="rId5"/>
@@ -20,19 +20,23 @@
     <p:sldId id="293" r:id="rId11"/>
     <p:sldId id="283" r:id="rId12"/>
     <p:sldId id="301" r:id="rId13"/>
-    <p:sldId id="302" r:id="rId14"/>
-    <p:sldId id="304" r:id="rId15"/>
-    <p:sldId id="303" r:id="rId16"/>
-    <p:sldId id="264" r:id="rId17"/>
-    <p:sldId id="305" r:id="rId18"/>
-    <p:sldId id="306" r:id="rId19"/>
-    <p:sldId id="307" r:id="rId20"/>
-    <p:sldId id="308" r:id="rId21"/>
-    <p:sldId id="309" r:id="rId22"/>
-    <p:sldId id="311" r:id="rId23"/>
-    <p:sldId id="312" r:id="rId24"/>
-    <p:sldId id="313" r:id="rId25"/>
-    <p:sldId id="310" r:id="rId26"/>
+    <p:sldId id="304" r:id="rId14"/>
+    <p:sldId id="303" r:id="rId15"/>
+    <p:sldId id="264" r:id="rId16"/>
+    <p:sldId id="305" r:id="rId17"/>
+    <p:sldId id="306" r:id="rId18"/>
+    <p:sldId id="307" r:id="rId19"/>
+    <p:sldId id="308" r:id="rId20"/>
+    <p:sldId id="309" r:id="rId21"/>
+    <p:sldId id="311" r:id="rId22"/>
+    <p:sldId id="312" r:id="rId23"/>
+    <p:sldId id="313" r:id="rId24"/>
+    <p:sldId id="310" r:id="rId25"/>
+    <p:sldId id="314" r:id="rId26"/>
+    <p:sldId id="315" r:id="rId27"/>
+    <p:sldId id="316" r:id="rId28"/>
+    <p:sldId id="319" r:id="rId29"/>
+    <p:sldId id="320" r:id="rId30"/>
   </p:sldIdLst>
   <p:sldSz cx="12192000" cy="6858000"/>
   <p:notesSz cx="6858000" cy="9144000"/>
@@ -857,7 +861,7 @@
     </p:spTree>
     <p:extLst>
       <p:ext uri="{BB962C8B-B14F-4D97-AF65-F5344CB8AC3E}">
-        <p14:creationId xmlns:p14="http://schemas.microsoft.com/office/powerpoint/2010/main" val="3344918783"/>
+        <p14:creationId xmlns:p14="http://schemas.microsoft.com/office/powerpoint/2010/main" val="155062727"/>
       </p:ext>
     </p:extLst>
   </p:cSld>
@@ -943,7 +947,7 @@
     </p:spTree>
     <p:extLst>
       <p:ext uri="{BB962C8B-B14F-4D97-AF65-F5344CB8AC3E}">
-        <p14:creationId xmlns:p14="http://schemas.microsoft.com/office/powerpoint/2010/main" val="155062727"/>
+        <p14:creationId xmlns:p14="http://schemas.microsoft.com/office/powerpoint/2010/main" val="3880403844"/>
       </p:ext>
     </p:extLst>
   </p:cSld>
@@ -1029,7 +1033,7 @@
     </p:spTree>
     <p:extLst>
       <p:ext uri="{BB962C8B-B14F-4D97-AF65-F5344CB8AC3E}">
-        <p14:creationId xmlns:p14="http://schemas.microsoft.com/office/powerpoint/2010/main" val="3880403844"/>
+        <p14:creationId xmlns:p14="http://schemas.microsoft.com/office/powerpoint/2010/main" val="3690289579"/>
       </p:ext>
     </p:extLst>
   </p:cSld>
@@ -1115,7 +1119,7 @@
     </p:spTree>
     <p:extLst>
       <p:ext uri="{BB962C8B-B14F-4D97-AF65-F5344CB8AC3E}">
-        <p14:creationId xmlns:p14="http://schemas.microsoft.com/office/powerpoint/2010/main" val="3690289579"/>
+        <p14:creationId xmlns:p14="http://schemas.microsoft.com/office/powerpoint/2010/main" val="217141497"/>
       </p:ext>
     </p:extLst>
   </p:cSld>
@@ -1201,7 +1205,7 @@
     </p:spTree>
     <p:extLst>
       <p:ext uri="{BB962C8B-B14F-4D97-AF65-F5344CB8AC3E}">
-        <p14:creationId xmlns:p14="http://schemas.microsoft.com/office/powerpoint/2010/main" val="217141497"/>
+        <p14:creationId xmlns:p14="http://schemas.microsoft.com/office/powerpoint/2010/main" val="278743205"/>
       </p:ext>
     </p:extLst>
   </p:cSld>
@@ -1287,7 +1291,7 @@
     </p:spTree>
     <p:extLst>
       <p:ext uri="{BB962C8B-B14F-4D97-AF65-F5344CB8AC3E}">
-        <p14:creationId xmlns:p14="http://schemas.microsoft.com/office/powerpoint/2010/main" val="278743205"/>
+        <p14:creationId xmlns:p14="http://schemas.microsoft.com/office/powerpoint/2010/main" val="208368240"/>
       </p:ext>
     </p:extLst>
   </p:cSld>
@@ -1373,7 +1377,7 @@
     </p:spTree>
     <p:extLst>
       <p:ext uri="{BB962C8B-B14F-4D97-AF65-F5344CB8AC3E}">
-        <p14:creationId xmlns:p14="http://schemas.microsoft.com/office/powerpoint/2010/main" val="208368240"/>
+        <p14:creationId xmlns:p14="http://schemas.microsoft.com/office/powerpoint/2010/main" val="1022128141"/>
       </p:ext>
     </p:extLst>
   </p:cSld>
@@ -1459,7 +1463,7 @@
     </p:spTree>
     <p:extLst>
       <p:ext uri="{BB962C8B-B14F-4D97-AF65-F5344CB8AC3E}">
-        <p14:creationId xmlns:p14="http://schemas.microsoft.com/office/powerpoint/2010/main" val="1022128141"/>
+        <p14:creationId xmlns:p14="http://schemas.microsoft.com/office/powerpoint/2010/main" val="3896012108"/>
       </p:ext>
     </p:extLst>
   </p:cSld>
@@ -1545,7 +1549,7 @@
     </p:spTree>
     <p:extLst>
       <p:ext uri="{BB962C8B-B14F-4D97-AF65-F5344CB8AC3E}">
-        <p14:creationId xmlns:p14="http://schemas.microsoft.com/office/powerpoint/2010/main" val="3896012108"/>
+        <p14:creationId xmlns:p14="http://schemas.microsoft.com/office/powerpoint/2010/main" val="1548363489"/>
       </p:ext>
     </p:extLst>
   </p:cSld>
@@ -1631,7 +1635,7 @@
     </p:spTree>
     <p:extLst>
       <p:ext uri="{BB962C8B-B14F-4D97-AF65-F5344CB8AC3E}">
-        <p14:creationId xmlns:p14="http://schemas.microsoft.com/office/powerpoint/2010/main" val="1548363489"/>
+        <p14:creationId xmlns:p14="http://schemas.microsoft.com/office/powerpoint/2010/main" val="1900572200"/>
       </p:ext>
     </p:extLst>
   </p:cSld>
@@ -1795,92 +1799,6 @@
             <a:fld id="{B63359F2-43EF-4812-9DC0-98C0B1A40681}" type="slidenum">
               <a:rPr lang="ru-RU" smtClean="0"/>
               <a:t>20</a:t>
-            </a:fld>
-            <a:endParaRPr lang="ru-RU" dirty="0"/>
-          </a:p>
-        </p:txBody>
-      </p:sp>
-    </p:spTree>
-    <p:extLst>
-      <p:ext uri="{BB962C8B-B14F-4D97-AF65-F5344CB8AC3E}">
-        <p14:creationId xmlns:p14="http://schemas.microsoft.com/office/powerpoint/2010/main" val="1900572200"/>
-      </p:ext>
-    </p:extLst>
-  </p:cSld>
-  <p:clrMapOvr>
-    <a:masterClrMapping/>
-  </p:clrMapOvr>
-</p:notes>
-</file>
-
-<file path=ppt/notesSlides/notesSlide21.xml><?xml version="1.0" encoding="utf-8"?>
-<p:notes xmlns:a="http://schemas.openxmlformats.org/drawingml/2006/main" xmlns:r="http://schemas.openxmlformats.org/officeDocument/2006/relationships" xmlns:p="http://schemas.openxmlformats.org/presentationml/2006/main">
-  <p:cSld>
-    <p:spTree>
-      <p:nvGrpSpPr>
-        <p:cNvPr id="1" name=""/>
-        <p:cNvGrpSpPr/>
-        <p:nvPr/>
-      </p:nvGrpSpPr>
-      <p:grpSpPr>
-        <a:xfrm>
-          <a:off x="0" y="0"/>
-          <a:ext cx="0" cy="0"/>
-          <a:chOff x="0" y="0"/>
-          <a:chExt cx="0" cy="0"/>
-        </a:xfrm>
-      </p:grpSpPr>
-      <p:sp>
-        <p:nvSpPr>
-          <p:cNvPr id="2" name="Образ слайда 1"/>
-          <p:cNvSpPr>
-            <a:spLocks noGrp="1" noRot="1" noChangeAspect="1"/>
-          </p:cNvSpPr>
-          <p:nvPr>
-            <p:ph type="sldImg"/>
-          </p:nvPr>
-        </p:nvSpPr>
-        <p:spPr/>
-      </p:sp>
-      <p:sp>
-        <p:nvSpPr>
-          <p:cNvPr id="3" name="Заметки 2"/>
-          <p:cNvSpPr>
-            <a:spLocks noGrp="1"/>
-          </p:cNvSpPr>
-          <p:nvPr>
-            <p:ph type="body" idx="1"/>
-          </p:nvPr>
-        </p:nvSpPr>
-        <p:spPr/>
-        <p:txBody>
-          <a:bodyPr rtlCol="0"/>
-          <a:lstStyle/>
-          <a:p>
-            <a:pPr rtl="0"/>
-            <a:endParaRPr lang="ru-RU" dirty="0"/>
-          </a:p>
-        </p:txBody>
-      </p:sp>
-      <p:sp>
-        <p:nvSpPr>
-          <p:cNvPr id="4" name="Номер слайда 3"/>
-          <p:cNvSpPr>
-            <a:spLocks noGrp="1"/>
-          </p:cNvSpPr>
-          <p:nvPr>
-            <p:ph type="sldNum" sz="quarter" idx="5"/>
-          </p:nvPr>
-        </p:nvSpPr>
-        <p:spPr/>
-        <p:txBody>
-          <a:bodyPr rtlCol="0"/>
-          <a:lstStyle/>
-          <a:p>
-            <a:pPr rtl="0"/>
-            <a:fld id="{B63359F2-43EF-4812-9DC0-98C0B1A40681}" type="slidenum">
-              <a:rPr lang="ru-RU" smtClean="0"/>
-              <a:t>21</a:t>
             </a:fld>
             <a:endParaRPr lang="ru-RU" dirty="0"/>
           </a:p>
@@ -6338,7 +6256,7 @@
         </p:nvSpPr>
         <p:spPr>
           <a:xfrm>
-            <a:off x="1524000" y="829491"/>
+            <a:off x="1489166" y="620485"/>
             <a:ext cx="9144000" cy="981891"/>
           </a:xfrm>
           <a:noFill/>
@@ -6348,12 +6266,20 @@
           <a:lstStyle/>
           <a:p>
             <a:r>
-              <a:rPr lang="ru" dirty="0" smtClean="0">
+              <a:rPr lang="en-US" dirty="0" err="1" smtClean="0">
                 <a:solidFill>
                   <a:schemeClr val="accent1"/>
                 </a:solidFill>
               </a:rPr>
-              <a:t>Вопросы исключённые из доклада</a:t>
+              <a:t>DataSet</a:t>
+            </a:r>
+            <a:r>
+              <a:rPr lang="en-US" dirty="0" smtClean="0">
+                <a:solidFill>
+                  <a:schemeClr val="accent1"/>
+                </a:solidFill>
+              </a:rPr>
+              <a:t> TELECOMX</a:t>
             </a:r>
             <a:endParaRPr lang="ru-RU" dirty="0">
               <a:solidFill>
@@ -6379,8 +6305,370 @@
         </p:nvSpPr>
         <p:spPr>
           <a:xfrm>
-            <a:off x="531224" y="2490652"/>
-            <a:ext cx="5991496" cy="3047999"/>
+            <a:off x="478972" y="1612728"/>
+            <a:ext cx="11164388" cy="2360024"/>
+          </a:xfrm>
+          <a:prstGeom prst="rect">
+            <a:avLst/>
+          </a:prstGeom>
+        </p:spPr>
+        <p:txBody>
+          <a:bodyPr rtlCol="0">
+            <a:noAutofit/>
+          </a:bodyPr>
+          <a:lstStyle>
+            <a:lvl1pPr marL="306000" indent="-306000" algn="l" defTabSz="457200" rtl="0" eaLnBrk="1" latinLnBrk="0" hangingPunct="1">
+              <a:spcBef>
+                <a:spcPct val="20000"/>
+              </a:spcBef>
+              <a:spcAft>
+                <a:spcPts val="600"/>
+              </a:spcAft>
+              <a:buClr>
+                <a:schemeClr val="accent1"/>
+              </a:buClr>
+              <a:buSzPct val="92000"/>
+              <a:buFont typeface="Wingdings 2" panose="05020102010507070707" pitchFamily="18" charset="2"/>
+              <a:buChar char=""/>
+              <a:defRPr sz="1800" kern="1200">
+                <a:solidFill>
+                  <a:schemeClr val="tx1">
+                    <a:lumMod val="75000"/>
+                    <a:lumOff val="25000"/>
+                  </a:schemeClr>
+                </a:solidFill>
+                <a:latin typeface="Calibri" panose="020F0502020204030204" pitchFamily="34" charset="0"/>
+                <a:ea typeface="+mn-ea"/>
+                <a:cs typeface="Calibri" panose="020F0502020204030204" pitchFamily="34" charset="0"/>
+              </a:defRPr>
+            </a:lvl1pPr>
+            <a:lvl2pPr marL="630000" indent="-306000" algn="l" defTabSz="457200" rtl="0" eaLnBrk="1" latinLnBrk="0" hangingPunct="1">
+              <a:spcBef>
+                <a:spcPct val="20000"/>
+              </a:spcBef>
+              <a:spcAft>
+                <a:spcPts val="600"/>
+              </a:spcAft>
+              <a:buClr>
+                <a:schemeClr val="accent1"/>
+              </a:buClr>
+              <a:buSzPct val="92000"/>
+              <a:buFont typeface="Wingdings 2" panose="05020102010507070707" pitchFamily="18" charset="2"/>
+              <a:buChar char=""/>
+              <a:defRPr sz="1600" kern="1200">
+                <a:solidFill>
+                  <a:schemeClr val="tx1">
+                    <a:lumMod val="75000"/>
+                    <a:lumOff val="25000"/>
+                  </a:schemeClr>
+                </a:solidFill>
+                <a:latin typeface="Calibri" panose="020F0502020204030204" pitchFamily="34" charset="0"/>
+                <a:ea typeface="+mn-ea"/>
+                <a:cs typeface="Calibri" panose="020F0502020204030204" pitchFamily="34" charset="0"/>
+              </a:defRPr>
+            </a:lvl2pPr>
+            <a:lvl3pPr marL="900000" indent="-270000" algn="l" defTabSz="457200" rtl="0" eaLnBrk="1" latinLnBrk="0" hangingPunct="1">
+              <a:spcBef>
+                <a:spcPct val="20000"/>
+              </a:spcBef>
+              <a:spcAft>
+                <a:spcPts val="600"/>
+              </a:spcAft>
+              <a:buClr>
+                <a:schemeClr val="accent1"/>
+              </a:buClr>
+              <a:buSzPct val="92000"/>
+              <a:buFont typeface="Wingdings 2" panose="05020102010507070707" pitchFamily="18" charset="2"/>
+              <a:buChar char=""/>
+              <a:defRPr sz="1400" kern="1200">
+                <a:solidFill>
+                  <a:schemeClr val="tx1">
+                    <a:lumMod val="75000"/>
+                    <a:lumOff val="25000"/>
+                  </a:schemeClr>
+                </a:solidFill>
+                <a:latin typeface="Calibri" panose="020F0502020204030204" pitchFamily="34" charset="0"/>
+                <a:ea typeface="+mn-ea"/>
+                <a:cs typeface="Calibri" panose="020F0502020204030204" pitchFamily="34" charset="0"/>
+              </a:defRPr>
+            </a:lvl3pPr>
+            <a:lvl4pPr marL="1242000" indent="-234000" algn="l" defTabSz="457200" rtl="0" eaLnBrk="1" latinLnBrk="0" hangingPunct="1">
+              <a:spcBef>
+                <a:spcPct val="20000"/>
+              </a:spcBef>
+              <a:spcAft>
+                <a:spcPts val="600"/>
+              </a:spcAft>
+              <a:buClr>
+                <a:schemeClr val="accent1"/>
+              </a:buClr>
+              <a:buSzPct val="92000"/>
+              <a:buFont typeface="Wingdings 2" panose="05020102010507070707" pitchFamily="18" charset="2"/>
+              <a:buChar char=""/>
+              <a:defRPr sz="1200" kern="1200">
+                <a:solidFill>
+                  <a:schemeClr val="tx1">
+                    <a:lumMod val="75000"/>
+                    <a:lumOff val="25000"/>
+                  </a:schemeClr>
+                </a:solidFill>
+                <a:latin typeface="Calibri" panose="020F0502020204030204" pitchFamily="34" charset="0"/>
+                <a:ea typeface="+mn-ea"/>
+                <a:cs typeface="Calibri" panose="020F0502020204030204" pitchFamily="34" charset="0"/>
+              </a:defRPr>
+            </a:lvl4pPr>
+            <a:lvl5pPr marL="1602000" indent="-234000" algn="l" defTabSz="457200" rtl="0" eaLnBrk="1" latinLnBrk="0" hangingPunct="1">
+              <a:spcBef>
+                <a:spcPct val="20000"/>
+              </a:spcBef>
+              <a:spcAft>
+                <a:spcPts val="600"/>
+              </a:spcAft>
+              <a:buClr>
+                <a:schemeClr val="accent1"/>
+              </a:buClr>
+              <a:buSzPct val="92000"/>
+              <a:buFont typeface="Wingdings 2" panose="05020102010507070707" pitchFamily="18" charset="2"/>
+              <a:buChar char=""/>
+              <a:defRPr sz="1200" kern="1200">
+                <a:solidFill>
+                  <a:schemeClr val="tx1">
+                    <a:lumMod val="75000"/>
+                    <a:lumOff val="25000"/>
+                  </a:schemeClr>
+                </a:solidFill>
+                <a:latin typeface="Calibri" panose="020F0502020204030204" pitchFamily="34" charset="0"/>
+                <a:ea typeface="+mn-ea"/>
+                <a:cs typeface="Calibri" panose="020F0502020204030204" pitchFamily="34" charset="0"/>
+              </a:defRPr>
+            </a:lvl5pPr>
+            <a:lvl6pPr marL="1900000" indent="-228600" algn="l" defTabSz="457200" rtl="0" eaLnBrk="1" latinLnBrk="0" hangingPunct="1">
+              <a:spcBef>
+                <a:spcPct val="20000"/>
+              </a:spcBef>
+              <a:spcAft>
+                <a:spcPts val="600"/>
+              </a:spcAft>
+              <a:buClr>
+                <a:schemeClr val="accent2"/>
+              </a:buClr>
+              <a:buSzPct val="92000"/>
+              <a:buFont typeface="Wingdings 2" panose="05020102010507070707" pitchFamily="18" charset="2"/>
+              <a:buChar char=""/>
+              <a:defRPr sz="1200" kern="1200">
+                <a:solidFill>
+                  <a:schemeClr val="tx2"/>
+                </a:solidFill>
+                <a:latin typeface="+mn-lt"/>
+                <a:ea typeface="+mn-ea"/>
+                <a:cs typeface="+mn-cs"/>
+              </a:defRPr>
+            </a:lvl6pPr>
+            <a:lvl7pPr marL="2200000" indent="-228600" algn="l" defTabSz="457200" rtl="0" eaLnBrk="1" latinLnBrk="0" hangingPunct="1">
+              <a:spcBef>
+                <a:spcPct val="20000"/>
+              </a:spcBef>
+              <a:spcAft>
+                <a:spcPts val="600"/>
+              </a:spcAft>
+              <a:buClr>
+                <a:schemeClr val="accent2"/>
+              </a:buClr>
+              <a:buSzPct val="92000"/>
+              <a:buFont typeface="Wingdings 2" panose="05020102010507070707" pitchFamily="18" charset="2"/>
+              <a:buChar char=""/>
+              <a:defRPr sz="1200" kern="1200">
+                <a:solidFill>
+                  <a:schemeClr val="tx2"/>
+                </a:solidFill>
+                <a:latin typeface="+mn-lt"/>
+                <a:ea typeface="+mn-ea"/>
+                <a:cs typeface="+mn-cs"/>
+              </a:defRPr>
+            </a:lvl7pPr>
+            <a:lvl8pPr marL="2500000" indent="-228600" algn="l" defTabSz="457200" rtl="0" eaLnBrk="1" latinLnBrk="0" hangingPunct="1">
+              <a:spcBef>
+                <a:spcPct val="20000"/>
+              </a:spcBef>
+              <a:spcAft>
+                <a:spcPts val="600"/>
+              </a:spcAft>
+              <a:buClr>
+                <a:schemeClr val="accent2"/>
+              </a:buClr>
+              <a:buSzPct val="92000"/>
+              <a:buFont typeface="Wingdings 2" panose="05020102010507070707" pitchFamily="18" charset="2"/>
+              <a:buChar char=""/>
+              <a:defRPr sz="1200" kern="1200">
+                <a:solidFill>
+                  <a:schemeClr val="tx2"/>
+                </a:solidFill>
+                <a:latin typeface="+mn-lt"/>
+                <a:ea typeface="+mn-ea"/>
+                <a:cs typeface="+mn-cs"/>
+              </a:defRPr>
+            </a:lvl8pPr>
+            <a:lvl9pPr marL="2800000" indent="-228600" algn="l" defTabSz="457200" rtl="0" eaLnBrk="1" latinLnBrk="0" hangingPunct="1">
+              <a:spcBef>
+                <a:spcPct val="20000"/>
+              </a:spcBef>
+              <a:spcAft>
+                <a:spcPts val="600"/>
+              </a:spcAft>
+              <a:buClr>
+                <a:schemeClr val="accent2"/>
+              </a:buClr>
+              <a:buSzPct val="92000"/>
+              <a:buFont typeface="Wingdings 2" panose="05020102010507070707" pitchFamily="18" charset="2"/>
+              <a:buChar char=""/>
+              <a:defRPr sz="1200" kern="1200">
+                <a:solidFill>
+                  <a:schemeClr val="tx2"/>
+                </a:solidFill>
+                <a:latin typeface="+mn-lt"/>
+                <a:ea typeface="+mn-ea"/>
+                <a:cs typeface="+mn-cs"/>
+              </a:defRPr>
+            </a:lvl9pPr>
+          </a:lstStyle>
+          <a:p>
+            <a:r>
+              <a:rPr lang="ru-RU" dirty="0"/>
+              <a:t>«С линейного оборудования узлов связи раз в какое-то время </a:t>
+            </a:r>
+            <a:r>
+              <a:rPr lang="ru-RU" dirty="0" smtClean="0"/>
+              <a:t>(например, раз </a:t>
+            </a:r>
+            <a:r>
+              <a:rPr lang="ru-RU" dirty="0"/>
+              <a:t>в 10 минут) снимаются </a:t>
+            </a:r>
+            <a:r>
+              <a:rPr lang="ru-RU" dirty="0" err="1"/>
+              <a:t>логи</a:t>
+            </a:r>
+            <a:r>
+              <a:rPr lang="ru-RU" dirty="0"/>
+              <a:t>, содержащие информацию об </a:t>
+            </a:r>
+            <a:r>
+              <a:rPr lang="ru-RU" dirty="0" err="1"/>
+              <a:t>интернет-соединении</a:t>
+            </a:r>
+            <a:r>
+              <a:rPr lang="ru-RU" dirty="0"/>
+              <a:t> абонентов, как то номер сеанса связи, дата начала, конца и его продолжительность, а также номер абонента и количество скачанного и переданного им трафика. </a:t>
+            </a:r>
+          </a:p>
+          <a:p>
+            <a:r>
+              <a:rPr lang="ru-RU" dirty="0"/>
+              <a:t>Когда данные прилетали на хранилище, они обрабатывались аналитическим </a:t>
+            </a:r>
+            <a:r>
+              <a:rPr lang="ru-RU" dirty="0" err="1"/>
+              <a:t>пайплайном</a:t>
+            </a:r>
+            <a:r>
+              <a:rPr lang="ru-RU" dirty="0"/>
+              <a:t> для </a:t>
+            </a:r>
+            <a:r>
+              <a:rPr lang="ru-RU" b="1" dirty="0"/>
+              <a:t>выявления аномалий потребления трафика</a:t>
+            </a:r>
+            <a:r>
+              <a:rPr lang="ru-RU" dirty="0"/>
+              <a:t> абонентами за последнее время. В частности, если характер потребления трафика кардинально </a:t>
+            </a:r>
+            <a:r>
+              <a:rPr lang="ru-RU" dirty="0" smtClean="0"/>
+              <a:t>изменился</a:t>
+            </a:r>
+            <a:r>
+              <a:rPr lang="en-US" dirty="0" smtClean="0"/>
+              <a:t>, </a:t>
+            </a:r>
+            <a:r>
+              <a:rPr lang="ru-RU" dirty="0" smtClean="0"/>
+              <a:t>то </a:t>
+            </a:r>
+            <a:r>
+              <a:rPr lang="ru-RU" dirty="0"/>
+              <a:t>есть подозрение на то, что оборудование абонента взломано и превратилось, например, в узел DDOS-сети или в </a:t>
+            </a:r>
+            <a:r>
+              <a:rPr lang="ru-RU" dirty="0" smtClean="0"/>
+              <a:t>спам-сервер</a:t>
+            </a:r>
+            <a:r>
+              <a:rPr lang="en-US" dirty="0"/>
+              <a:t>.</a:t>
+            </a:r>
+            <a:endParaRPr lang="ru" dirty="0"/>
+          </a:p>
+        </p:txBody>
+      </p:sp>
+      <p:pic>
+        <p:nvPicPr>
+          <p:cNvPr id="7170" name="Picture 2" descr="https://habrastorage.org/r/w1560/getpro/habr/upload_files/8f6/ed0/cef/8f6ed0cefc03cde7c0a4a36391e7a881.jpg"/>
+          <p:cNvPicPr>
+            <a:picLocks noChangeAspect="1" noChangeArrowheads="1"/>
+          </p:cNvPicPr>
+          <p:nvPr/>
+        </p:nvPicPr>
+        <p:blipFill>
+          <a:blip r:embed="rId3">
+            <a:extLst>
+              <a:ext uri="{28A0092B-C50C-407E-A947-70E740481C1C}">
+                <a14:useLocalDpi xmlns:a14="http://schemas.microsoft.com/office/drawing/2010/main" val="0"/>
+              </a:ext>
+            </a:extLst>
+          </a:blip>
+          <a:srcRect/>
+          <a:stretch>
+            <a:fillRect/>
+          </a:stretch>
+        </p:blipFill>
+        <p:spPr bwMode="auto">
+          <a:xfrm>
+            <a:off x="7708110" y="4129088"/>
+            <a:ext cx="4048462" cy="2312294"/>
+          </a:xfrm>
+          <a:prstGeom prst="rect">
+            <a:avLst/>
+          </a:prstGeom>
+          <a:noFill/>
+          <a:extLst>
+            <a:ext uri="{909E8E84-426E-40DD-AFC4-6F175D3DCCD1}">
+              <a14:hiddenFill xmlns:a14="http://schemas.microsoft.com/office/drawing/2010/main">
+                <a:solidFill>
+                  <a:srgbClr val="FFFFFF"/>
+                </a:solidFill>
+              </a14:hiddenFill>
+            </a:ext>
+          </a:extLst>
+        </p:spPr>
+      </p:pic>
+      <p:sp>
+        <p:nvSpPr>
+          <p:cNvPr id="7" name="Объект 9">
+            <a:extLst>
+              <a:ext uri="{FF2B5EF4-FFF2-40B4-BE49-F238E27FC236}">
+                <a16:creationId xmlns:a16="http://schemas.microsoft.com/office/drawing/2014/main" id="{C9475E86-FFB0-87BC-084C-C728916152B0}"/>
+              </a:ext>
+            </a:extLst>
+          </p:cNvPr>
+          <p:cNvSpPr txBox="1">
+            <a:spLocks/>
+          </p:cNvSpPr>
+          <p:nvPr/>
+        </p:nvSpPr>
+        <p:spPr>
+          <a:xfrm>
+            <a:off x="757647" y="4267201"/>
+            <a:ext cx="6444341" cy="2090056"/>
           </a:xfrm>
           <a:prstGeom prst="rect">
             <a:avLst/>
@@ -6607,14 +6895,20 @@
           </a:lstStyle>
           <a:p>
             <a:r>
-              <a:rPr lang="ru" dirty="0" smtClean="0"/>
-              <a:t>Как может быть устроен анализатор? (на примере анализа числовых значений или строковых)</a:t>
-            </a:r>
-          </a:p>
-          <a:p>
-            <a:r>
-              <a:rPr lang="ru" dirty="0" smtClean="0"/>
-              <a:t>Как происходит автоматический подбор весов для анализаторов в процессе обучения?</a:t>
+              <a:rPr lang="ru-RU" dirty="0"/>
+              <a:t>Telecom10k — телеком-компания с 10 000 абонентов, 1 млн записей, 51 Мб данных.</a:t>
+            </a:r>
+          </a:p>
+          <a:p>
+            <a:r>
+              <a:rPr lang="ru-RU" dirty="0"/>
+              <a:t>Telecom100k — телеком-компания с 100 000 абонентов, 11 млн записей, 688 Мб данных.</a:t>
+            </a:r>
+          </a:p>
+          <a:p>
+            <a:r>
+              <a:rPr lang="ru-RU" dirty="0"/>
+              <a:t>Telecom1000k — телеком-компания с 1 000 000 абонентов, 117 млн записей, 7,2 Гб данных.</a:t>
             </a:r>
           </a:p>
           <a:p>
@@ -6625,7 +6919,7 @@
     </p:spTree>
     <p:extLst>
       <p:ext uri="{BB962C8B-B14F-4D97-AF65-F5344CB8AC3E}">
-        <p14:creationId xmlns:p14="http://schemas.microsoft.com/office/powerpoint/2010/main" val="329893005"/>
+        <p14:creationId xmlns:p14="http://schemas.microsoft.com/office/powerpoint/2010/main" val="1736932393"/>
       </p:ext>
     </p:extLst>
   </p:cSld>
@@ -6652,63 +6946,34 @@
           <a:chExt cx="0" cy="0"/>
         </a:xfrm>
       </p:grpSpPr>
-      <p:sp>
-        <p:nvSpPr>
-          <p:cNvPr id="5" name="Заголовок 1">
+      <p:pic>
+        <p:nvPicPr>
+          <p:cNvPr id="3" name="Рисунок 2"/>
+          <p:cNvPicPr/>
+          <p:nvPr/>
+        </p:nvPicPr>
+        <p:blipFill>
+          <a:blip r:embed="rId3"/>
+          <a:stretch>
+            <a:fillRect/>
+          </a:stretch>
+        </p:blipFill>
+        <p:spPr>
+          <a:xfrm>
+            <a:off x="5991498" y="722902"/>
+            <a:ext cx="5281931" cy="5503726"/>
+          </a:xfrm>
+          <a:prstGeom prst="rect">
+            <a:avLst/>
+          </a:prstGeom>
+        </p:spPr>
+      </p:pic>
+      <p:sp>
+        <p:nvSpPr>
+          <p:cNvPr id="6" name="Объект 33">
             <a:extLst>
               <a:ext uri="{FF2B5EF4-FFF2-40B4-BE49-F238E27FC236}">
-                <a16:creationId xmlns:a16="http://schemas.microsoft.com/office/drawing/2014/main" id="{C903843E-1FAB-AFBB-BDC9-440FCC8CFB12}"/>
-              </a:ext>
-            </a:extLst>
-          </p:cNvPr>
-          <p:cNvSpPr>
-            <a:spLocks noGrp="1"/>
-          </p:cNvSpPr>
-          <p:nvPr>
-            <p:ph type="ctrTitle"/>
-          </p:nvPr>
-        </p:nvSpPr>
-        <p:spPr>
-          <a:xfrm>
-            <a:off x="1489166" y="620485"/>
-            <a:ext cx="9144000" cy="981891"/>
-          </a:xfrm>
-          <a:noFill/>
-        </p:spPr>
-        <p:txBody>
-          <a:bodyPr rtlCol="0"/>
-          <a:lstStyle/>
-          <a:p>
-            <a:r>
-              <a:rPr lang="en-US" dirty="0" err="1" smtClean="0">
-                <a:solidFill>
-                  <a:schemeClr val="accent1"/>
-                </a:solidFill>
-              </a:rPr>
-              <a:t>DataSet</a:t>
-            </a:r>
-            <a:r>
-              <a:rPr lang="en-US" dirty="0" smtClean="0">
-                <a:solidFill>
-                  <a:schemeClr val="accent1"/>
-                </a:solidFill>
-              </a:rPr>
-              <a:t> TELECOMX</a:t>
-            </a:r>
-            <a:endParaRPr lang="ru-RU" dirty="0">
-              <a:solidFill>
-                <a:schemeClr val="accent1"/>
-              </a:solidFill>
-            </a:endParaRPr>
-          </a:p>
-        </p:txBody>
-      </p:sp>
-      <p:sp>
-        <p:nvSpPr>
-          <p:cNvPr id="6" name="Объект 9">
-            <a:extLst>
-              <a:ext uri="{FF2B5EF4-FFF2-40B4-BE49-F238E27FC236}">
-                <a16:creationId xmlns:a16="http://schemas.microsoft.com/office/drawing/2014/main" id="{C9475E86-FFB0-87BC-084C-C728916152B0}"/>
+                <a16:creationId xmlns:a16="http://schemas.microsoft.com/office/drawing/2014/main" id="{C69167C3-302B-24DE-9CF7-D85D5D5DD20A}"/>
               </a:ext>
             </a:extLst>
           </p:cNvPr>
@@ -6719,370 +6984,8 @@
         </p:nvSpPr>
         <p:spPr>
           <a:xfrm>
-            <a:off x="478972" y="1612728"/>
-            <a:ext cx="11164388" cy="2360024"/>
-          </a:xfrm>
-          <a:prstGeom prst="rect">
-            <a:avLst/>
-          </a:prstGeom>
-        </p:spPr>
-        <p:txBody>
-          <a:bodyPr rtlCol="0">
-            <a:noAutofit/>
-          </a:bodyPr>
-          <a:lstStyle>
-            <a:lvl1pPr marL="306000" indent="-306000" algn="l" defTabSz="457200" rtl="0" eaLnBrk="1" latinLnBrk="0" hangingPunct="1">
-              <a:spcBef>
-                <a:spcPct val="20000"/>
-              </a:spcBef>
-              <a:spcAft>
-                <a:spcPts val="600"/>
-              </a:spcAft>
-              <a:buClr>
-                <a:schemeClr val="accent1"/>
-              </a:buClr>
-              <a:buSzPct val="92000"/>
-              <a:buFont typeface="Wingdings 2" panose="05020102010507070707" pitchFamily="18" charset="2"/>
-              <a:buChar char=""/>
-              <a:defRPr sz="1800" kern="1200">
-                <a:solidFill>
-                  <a:schemeClr val="tx1">
-                    <a:lumMod val="75000"/>
-                    <a:lumOff val="25000"/>
-                  </a:schemeClr>
-                </a:solidFill>
-                <a:latin typeface="Calibri" panose="020F0502020204030204" pitchFamily="34" charset="0"/>
-                <a:ea typeface="+mn-ea"/>
-                <a:cs typeface="Calibri" panose="020F0502020204030204" pitchFamily="34" charset="0"/>
-              </a:defRPr>
-            </a:lvl1pPr>
-            <a:lvl2pPr marL="630000" indent="-306000" algn="l" defTabSz="457200" rtl="0" eaLnBrk="1" latinLnBrk="0" hangingPunct="1">
-              <a:spcBef>
-                <a:spcPct val="20000"/>
-              </a:spcBef>
-              <a:spcAft>
-                <a:spcPts val="600"/>
-              </a:spcAft>
-              <a:buClr>
-                <a:schemeClr val="accent1"/>
-              </a:buClr>
-              <a:buSzPct val="92000"/>
-              <a:buFont typeface="Wingdings 2" panose="05020102010507070707" pitchFamily="18" charset="2"/>
-              <a:buChar char=""/>
-              <a:defRPr sz="1600" kern="1200">
-                <a:solidFill>
-                  <a:schemeClr val="tx1">
-                    <a:lumMod val="75000"/>
-                    <a:lumOff val="25000"/>
-                  </a:schemeClr>
-                </a:solidFill>
-                <a:latin typeface="Calibri" panose="020F0502020204030204" pitchFamily="34" charset="0"/>
-                <a:ea typeface="+mn-ea"/>
-                <a:cs typeface="Calibri" panose="020F0502020204030204" pitchFamily="34" charset="0"/>
-              </a:defRPr>
-            </a:lvl2pPr>
-            <a:lvl3pPr marL="900000" indent="-270000" algn="l" defTabSz="457200" rtl="0" eaLnBrk="1" latinLnBrk="0" hangingPunct="1">
-              <a:spcBef>
-                <a:spcPct val="20000"/>
-              </a:spcBef>
-              <a:spcAft>
-                <a:spcPts val="600"/>
-              </a:spcAft>
-              <a:buClr>
-                <a:schemeClr val="accent1"/>
-              </a:buClr>
-              <a:buSzPct val="92000"/>
-              <a:buFont typeface="Wingdings 2" panose="05020102010507070707" pitchFamily="18" charset="2"/>
-              <a:buChar char=""/>
-              <a:defRPr sz="1400" kern="1200">
-                <a:solidFill>
-                  <a:schemeClr val="tx1">
-                    <a:lumMod val="75000"/>
-                    <a:lumOff val="25000"/>
-                  </a:schemeClr>
-                </a:solidFill>
-                <a:latin typeface="Calibri" panose="020F0502020204030204" pitchFamily="34" charset="0"/>
-                <a:ea typeface="+mn-ea"/>
-                <a:cs typeface="Calibri" panose="020F0502020204030204" pitchFamily="34" charset="0"/>
-              </a:defRPr>
-            </a:lvl3pPr>
-            <a:lvl4pPr marL="1242000" indent="-234000" algn="l" defTabSz="457200" rtl="0" eaLnBrk="1" latinLnBrk="0" hangingPunct="1">
-              <a:spcBef>
-                <a:spcPct val="20000"/>
-              </a:spcBef>
-              <a:spcAft>
-                <a:spcPts val="600"/>
-              </a:spcAft>
-              <a:buClr>
-                <a:schemeClr val="accent1"/>
-              </a:buClr>
-              <a:buSzPct val="92000"/>
-              <a:buFont typeface="Wingdings 2" panose="05020102010507070707" pitchFamily="18" charset="2"/>
-              <a:buChar char=""/>
-              <a:defRPr sz="1200" kern="1200">
-                <a:solidFill>
-                  <a:schemeClr val="tx1">
-                    <a:lumMod val="75000"/>
-                    <a:lumOff val="25000"/>
-                  </a:schemeClr>
-                </a:solidFill>
-                <a:latin typeface="Calibri" panose="020F0502020204030204" pitchFamily="34" charset="0"/>
-                <a:ea typeface="+mn-ea"/>
-                <a:cs typeface="Calibri" panose="020F0502020204030204" pitchFamily="34" charset="0"/>
-              </a:defRPr>
-            </a:lvl4pPr>
-            <a:lvl5pPr marL="1602000" indent="-234000" algn="l" defTabSz="457200" rtl="0" eaLnBrk="1" latinLnBrk="0" hangingPunct="1">
-              <a:spcBef>
-                <a:spcPct val="20000"/>
-              </a:spcBef>
-              <a:spcAft>
-                <a:spcPts val="600"/>
-              </a:spcAft>
-              <a:buClr>
-                <a:schemeClr val="accent1"/>
-              </a:buClr>
-              <a:buSzPct val="92000"/>
-              <a:buFont typeface="Wingdings 2" panose="05020102010507070707" pitchFamily="18" charset="2"/>
-              <a:buChar char=""/>
-              <a:defRPr sz="1200" kern="1200">
-                <a:solidFill>
-                  <a:schemeClr val="tx1">
-                    <a:lumMod val="75000"/>
-                    <a:lumOff val="25000"/>
-                  </a:schemeClr>
-                </a:solidFill>
-                <a:latin typeface="Calibri" panose="020F0502020204030204" pitchFamily="34" charset="0"/>
-                <a:ea typeface="+mn-ea"/>
-                <a:cs typeface="Calibri" panose="020F0502020204030204" pitchFamily="34" charset="0"/>
-              </a:defRPr>
-            </a:lvl5pPr>
-            <a:lvl6pPr marL="1900000" indent="-228600" algn="l" defTabSz="457200" rtl="0" eaLnBrk="1" latinLnBrk="0" hangingPunct="1">
-              <a:spcBef>
-                <a:spcPct val="20000"/>
-              </a:spcBef>
-              <a:spcAft>
-                <a:spcPts val="600"/>
-              </a:spcAft>
-              <a:buClr>
-                <a:schemeClr val="accent2"/>
-              </a:buClr>
-              <a:buSzPct val="92000"/>
-              <a:buFont typeface="Wingdings 2" panose="05020102010507070707" pitchFamily="18" charset="2"/>
-              <a:buChar char=""/>
-              <a:defRPr sz="1200" kern="1200">
-                <a:solidFill>
-                  <a:schemeClr val="tx2"/>
-                </a:solidFill>
-                <a:latin typeface="+mn-lt"/>
-                <a:ea typeface="+mn-ea"/>
-                <a:cs typeface="+mn-cs"/>
-              </a:defRPr>
-            </a:lvl6pPr>
-            <a:lvl7pPr marL="2200000" indent="-228600" algn="l" defTabSz="457200" rtl="0" eaLnBrk="1" latinLnBrk="0" hangingPunct="1">
-              <a:spcBef>
-                <a:spcPct val="20000"/>
-              </a:spcBef>
-              <a:spcAft>
-                <a:spcPts val="600"/>
-              </a:spcAft>
-              <a:buClr>
-                <a:schemeClr val="accent2"/>
-              </a:buClr>
-              <a:buSzPct val="92000"/>
-              <a:buFont typeface="Wingdings 2" panose="05020102010507070707" pitchFamily="18" charset="2"/>
-              <a:buChar char=""/>
-              <a:defRPr sz="1200" kern="1200">
-                <a:solidFill>
-                  <a:schemeClr val="tx2"/>
-                </a:solidFill>
-                <a:latin typeface="+mn-lt"/>
-                <a:ea typeface="+mn-ea"/>
-                <a:cs typeface="+mn-cs"/>
-              </a:defRPr>
-            </a:lvl7pPr>
-            <a:lvl8pPr marL="2500000" indent="-228600" algn="l" defTabSz="457200" rtl="0" eaLnBrk="1" latinLnBrk="0" hangingPunct="1">
-              <a:spcBef>
-                <a:spcPct val="20000"/>
-              </a:spcBef>
-              <a:spcAft>
-                <a:spcPts val="600"/>
-              </a:spcAft>
-              <a:buClr>
-                <a:schemeClr val="accent2"/>
-              </a:buClr>
-              <a:buSzPct val="92000"/>
-              <a:buFont typeface="Wingdings 2" panose="05020102010507070707" pitchFamily="18" charset="2"/>
-              <a:buChar char=""/>
-              <a:defRPr sz="1200" kern="1200">
-                <a:solidFill>
-                  <a:schemeClr val="tx2"/>
-                </a:solidFill>
-                <a:latin typeface="+mn-lt"/>
-                <a:ea typeface="+mn-ea"/>
-                <a:cs typeface="+mn-cs"/>
-              </a:defRPr>
-            </a:lvl8pPr>
-            <a:lvl9pPr marL="2800000" indent="-228600" algn="l" defTabSz="457200" rtl="0" eaLnBrk="1" latinLnBrk="0" hangingPunct="1">
-              <a:spcBef>
-                <a:spcPct val="20000"/>
-              </a:spcBef>
-              <a:spcAft>
-                <a:spcPts val="600"/>
-              </a:spcAft>
-              <a:buClr>
-                <a:schemeClr val="accent2"/>
-              </a:buClr>
-              <a:buSzPct val="92000"/>
-              <a:buFont typeface="Wingdings 2" panose="05020102010507070707" pitchFamily="18" charset="2"/>
-              <a:buChar char=""/>
-              <a:defRPr sz="1200" kern="1200">
-                <a:solidFill>
-                  <a:schemeClr val="tx2"/>
-                </a:solidFill>
-                <a:latin typeface="+mn-lt"/>
-                <a:ea typeface="+mn-ea"/>
-                <a:cs typeface="+mn-cs"/>
-              </a:defRPr>
-            </a:lvl9pPr>
-          </a:lstStyle>
-          <a:p>
-            <a:r>
-              <a:rPr lang="ru-RU" dirty="0"/>
-              <a:t>«С линейного оборудования узлов связи раз в какое-то время </a:t>
-            </a:r>
-            <a:r>
-              <a:rPr lang="ru-RU" dirty="0" smtClean="0"/>
-              <a:t>(например, раз </a:t>
-            </a:r>
-            <a:r>
-              <a:rPr lang="ru-RU" dirty="0"/>
-              <a:t>в 10 минут) снимаются </a:t>
-            </a:r>
-            <a:r>
-              <a:rPr lang="ru-RU" dirty="0" err="1"/>
-              <a:t>логи</a:t>
-            </a:r>
-            <a:r>
-              <a:rPr lang="ru-RU" dirty="0"/>
-              <a:t>, содержащие информацию об </a:t>
-            </a:r>
-            <a:r>
-              <a:rPr lang="ru-RU" dirty="0" err="1"/>
-              <a:t>интернет-соединении</a:t>
-            </a:r>
-            <a:r>
-              <a:rPr lang="ru-RU" dirty="0"/>
-              <a:t> абонентов, как то номер сеанса связи, дата начала, конца и его продолжительность, а также номер абонента и количество скачанного и переданного им трафика. </a:t>
-            </a:r>
-          </a:p>
-          <a:p>
-            <a:r>
-              <a:rPr lang="ru-RU" dirty="0"/>
-              <a:t>Когда данные прилетали на хранилище, они обрабатывались аналитическим </a:t>
-            </a:r>
-            <a:r>
-              <a:rPr lang="ru-RU" dirty="0" err="1"/>
-              <a:t>пайплайном</a:t>
-            </a:r>
-            <a:r>
-              <a:rPr lang="ru-RU" dirty="0"/>
-              <a:t> для </a:t>
-            </a:r>
-            <a:r>
-              <a:rPr lang="ru-RU" b="1" dirty="0"/>
-              <a:t>выявления аномалий потребления трафика</a:t>
-            </a:r>
-            <a:r>
-              <a:rPr lang="ru-RU" dirty="0"/>
-              <a:t> абонентами за последнее время. В частности, если характер потребления трафика кардинально </a:t>
-            </a:r>
-            <a:r>
-              <a:rPr lang="ru-RU" dirty="0" smtClean="0"/>
-              <a:t>изменился</a:t>
-            </a:r>
-            <a:r>
-              <a:rPr lang="en-US" dirty="0" smtClean="0"/>
-              <a:t>, </a:t>
-            </a:r>
-            <a:r>
-              <a:rPr lang="ru-RU" dirty="0" smtClean="0"/>
-              <a:t>то </a:t>
-            </a:r>
-            <a:r>
-              <a:rPr lang="ru-RU" dirty="0"/>
-              <a:t>есть подозрение на то, что оборудование абонента взломано и превратилось, например, в узел DDOS-сети или в </a:t>
-            </a:r>
-            <a:r>
-              <a:rPr lang="ru-RU" dirty="0" smtClean="0"/>
-              <a:t>спам-сервер</a:t>
-            </a:r>
-            <a:r>
-              <a:rPr lang="en-US" dirty="0"/>
-              <a:t>.</a:t>
-            </a:r>
-            <a:endParaRPr lang="ru" dirty="0"/>
-          </a:p>
-        </p:txBody>
-      </p:sp>
-      <p:pic>
-        <p:nvPicPr>
-          <p:cNvPr id="7170" name="Picture 2" descr="https://habrastorage.org/r/w1560/getpro/habr/upload_files/8f6/ed0/cef/8f6ed0cefc03cde7c0a4a36391e7a881.jpg"/>
-          <p:cNvPicPr>
-            <a:picLocks noChangeAspect="1" noChangeArrowheads="1"/>
-          </p:cNvPicPr>
-          <p:nvPr/>
-        </p:nvPicPr>
-        <p:blipFill>
-          <a:blip r:embed="rId3">
-            <a:extLst>
-              <a:ext uri="{28A0092B-C50C-407E-A947-70E740481C1C}">
-                <a14:useLocalDpi xmlns:a14="http://schemas.microsoft.com/office/drawing/2010/main" val="0"/>
-              </a:ext>
-            </a:extLst>
-          </a:blip>
-          <a:srcRect/>
-          <a:stretch>
-            <a:fillRect/>
-          </a:stretch>
-        </p:blipFill>
-        <p:spPr bwMode="auto">
-          <a:xfrm>
-            <a:off x="7708110" y="4129088"/>
-            <a:ext cx="4048462" cy="2312294"/>
-          </a:xfrm>
-          <a:prstGeom prst="rect">
-            <a:avLst/>
-          </a:prstGeom>
-          <a:noFill/>
-          <a:extLst>
-            <a:ext uri="{909E8E84-426E-40DD-AFC4-6F175D3DCCD1}">
-              <a14:hiddenFill xmlns:a14="http://schemas.microsoft.com/office/drawing/2010/main">
-                <a:solidFill>
-                  <a:srgbClr val="FFFFFF"/>
-                </a:solidFill>
-              </a14:hiddenFill>
-            </a:ext>
-          </a:extLst>
-        </p:spPr>
-      </p:pic>
-      <p:sp>
-        <p:nvSpPr>
-          <p:cNvPr id="7" name="Объект 9">
-            <a:extLst>
-              <a:ext uri="{FF2B5EF4-FFF2-40B4-BE49-F238E27FC236}">
-                <a16:creationId xmlns:a16="http://schemas.microsoft.com/office/drawing/2014/main" id="{C9475E86-FFB0-87BC-084C-C728916152B0}"/>
-              </a:ext>
-            </a:extLst>
-          </p:cNvPr>
-          <p:cNvSpPr txBox="1">
-            <a:spLocks/>
-          </p:cNvSpPr>
-          <p:nvPr/>
-        </p:nvSpPr>
-        <p:spPr>
-          <a:xfrm>
-            <a:off x="757647" y="4267201"/>
-            <a:ext cx="6444341" cy="2090056"/>
+            <a:off x="457200" y="2187362"/>
+            <a:ext cx="3657600" cy="3633047"/>
           </a:xfrm>
           <a:prstGeom prst="rect">
             <a:avLst/>
@@ -7308,86 +7211,130 @@
             </a:lvl9pPr>
           </a:lstStyle>
           <a:p>
-            <a:r>
-              <a:rPr lang="ru-RU" dirty="0"/>
-              <a:t>Telecom10k — телеком-компания с 10 000 абонентов, 1 млн записей, 51 Мб данных.</a:t>
-            </a:r>
-          </a:p>
-          <a:p>
-            <a:r>
-              <a:rPr lang="ru-RU" dirty="0"/>
-              <a:t>Telecom100k — телеком-компания с 100 000 абонентов, 11 млн записей, 688 Мб данных.</a:t>
-            </a:r>
-          </a:p>
-          <a:p>
-            <a:r>
-              <a:rPr lang="ru-RU" dirty="0"/>
-              <a:t>Telecom1000k — телеком-компания с 1 000 000 абонентов, 117 млн записей, 7,2 Гб данных.</a:t>
-            </a:r>
-          </a:p>
-          <a:p>
-            <a:endParaRPr lang="ru" dirty="0"/>
-          </a:p>
-        </p:txBody>
-      </p:sp>
-    </p:spTree>
-    <p:extLst>
-      <p:ext uri="{BB962C8B-B14F-4D97-AF65-F5344CB8AC3E}">
-        <p14:creationId xmlns:p14="http://schemas.microsoft.com/office/powerpoint/2010/main" val="1736932393"/>
-      </p:ext>
-    </p:extLst>
-  </p:cSld>
-  <p:clrMapOvr>
-    <a:masterClrMapping/>
-  </p:clrMapOvr>
-</p:sld>
-</file>
-
-<file path=ppt/slides/slide12.xml><?xml version="1.0" encoding="utf-8"?>
-<p:sld xmlns:a="http://schemas.openxmlformats.org/drawingml/2006/main" xmlns:r="http://schemas.openxmlformats.org/officeDocument/2006/relationships" xmlns:p="http://schemas.openxmlformats.org/presentationml/2006/main">
-  <p:cSld>
-    <p:spTree>
-      <p:nvGrpSpPr>
-        <p:cNvPr id="1" name=""/>
-        <p:cNvGrpSpPr/>
-        <p:nvPr/>
-      </p:nvGrpSpPr>
-      <p:grpSpPr>
-        <a:xfrm>
-          <a:off x="0" y="0"/>
-          <a:ext cx="0" cy="0"/>
-          <a:chOff x="0" y="0"/>
-          <a:chExt cx="0" cy="0"/>
-        </a:xfrm>
-      </p:grpSpPr>
-      <p:pic>
-        <p:nvPicPr>
-          <p:cNvPr id="3" name="Рисунок 2"/>
-          <p:cNvPicPr/>
+            <a:endParaRPr lang="ru" dirty="0" smtClean="0"/>
+          </a:p>
+          <a:p>
+            <a:endParaRPr lang="en-US" dirty="0"/>
+          </a:p>
+        </p:txBody>
+      </p:sp>
+      <p:sp>
+        <p:nvSpPr>
+          <p:cNvPr id="7" name="Заголовок 10">
+            <a:extLst>
+              <a:ext uri="{FF2B5EF4-FFF2-40B4-BE49-F238E27FC236}">
+                <a16:creationId xmlns:a16="http://schemas.microsoft.com/office/drawing/2014/main" id="{FF0FD1A0-C075-EE18-B3AE-363C242D0BCE}"/>
+              </a:ext>
+            </a:extLst>
+          </p:cNvPr>
+          <p:cNvSpPr txBox="1">
+            <a:spLocks/>
+          </p:cNvSpPr>
           <p:nvPr/>
-        </p:nvPicPr>
-        <p:blipFill>
-          <a:blip r:embed="rId3"/>
-          <a:stretch>
-            <a:fillRect/>
-          </a:stretch>
-        </p:blipFill>
+        </p:nvSpPr>
         <p:spPr>
           <a:xfrm>
-            <a:off x="5991498" y="722902"/>
-            <a:ext cx="5281931" cy="5503726"/>
+            <a:off x="335280" y="722902"/>
+            <a:ext cx="5299166" cy="1367246"/>
           </a:xfrm>
           <a:prstGeom prst="rect">
             <a:avLst/>
           </a:prstGeom>
         </p:spPr>
-      </p:pic>
-      <p:sp>
-        <p:nvSpPr>
-          <p:cNvPr id="6" name="Объект 33">
+        <p:txBody>
+          <a:bodyPr vert="horz" lIns="91440" tIns="45720" rIns="91440" bIns="45720" rtlCol="0" anchor="b">
+            <a:noAutofit/>
+          </a:bodyPr>
+          <a:lstStyle>
+            <a:lvl1pPr algn="ctr" defTabSz="457200" rtl="0" eaLnBrk="1" latinLnBrk="0" hangingPunct="1">
+              <a:spcBef>
+                <a:spcPct val="0"/>
+              </a:spcBef>
+              <a:buNone/>
+              <a:defRPr sz="4000" b="0" kern="1200" cap="all">
+                <a:solidFill>
+                  <a:schemeClr val="tx1">
+                    <a:lumMod val="75000"/>
+                    <a:lumOff val="25000"/>
+                  </a:schemeClr>
+                </a:solidFill>
+                <a:latin typeface="Calibri" panose="020F0502020204030204" pitchFamily="34" charset="0"/>
+                <a:ea typeface="+mj-ea"/>
+                <a:cs typeface="Calibri" panose="020F0502020204030204" pitchFamily="34" charset="0"/>
+              </a:defRPr>
+            </a:lvl1pPr>
+            <a:lvl2pPr eaLnBrk="1" hangingPunct="1">
+              <a:defRPr>
+                <a:solidFill>
+                  <a:schemeClr val="tx2"/>
+                </a:solidFill>
+              </a:defRPr>
+            </a:lvl2pPr>
+            <a:lvl3pPr eaLnBrk="1" hangingPunct="1">
+              <a:defRPr>
+                <a:solidFill>
+                  <a:schemeClr val="tx2"/>
+                </a:solidFill>
+              </a:defRPr>
+            </a:lvl3pPr>
+            <a:lvl4pPr eaLnBrk="1" hangingPunct="1">
+              <a:defRPr>
+                <a:solidFill>
+                  <a:schemeClr val="tx2"/>
+                </a:solidFill>
+              </a:defRPr>
+            </a:lvl4pPr>
+            <a:lvl5pPr eaLnBrk="1" hangingPunct="1">
+              <a:defRPr>
+                <a:solidFill>
+                  <a:schemeClr val="tx2"/>
+                </a:solidFill>
+              </a:defRPr>
+            </a:lvl5pPr>
+            <a:lvl6pPr eaLnBrk="1" hangingPunct="1">
+              <a:defRPr>
+                <a:solidFill>
+                  <a:schemeClr val="tx2"/>
+                </a:solidFill>
+              </a:defRPr>
+            </a:lvl6pPr>
+            <a:lvl7pPr eaLnBrk="1" hangingPunct="1">
+              <a:defRPr>
+                <a:solidFill>
+                  <a:schemeClr val="tx2"/>
+                </a:solidFill>
+              </a:defRPr>
+            </a:lvl7pPr>
+            <a:lvl8pPr eaLnBrk="1" hangingPunct="1">
+              <a:defRPr>
+                <a:solidFill>
+                  <a:schemeClr val="tx2"/>
+                </a:solidFill>
+              </a:defRPr>
+            </a:lvl8pPr>
+            <a:lvl9pPr eaLnBrk="1" hangingPunct="1">
+              <a:defRPr>
+                <a:solidFill>
+                  <a:schemeClr val="tx2"/>
+                </a:solidFill>
+              </a:defRPr>
+            </a:lvl9pPr>
+          </a:lstStyle>
+          <a:p>
+            <a:r>
+              <a:rPr lang="ru-RU" sz="2800" smtClean="0"/>
+              <a:t>Подход 1</a:t>
+            </a:r>
+            <a:endParaRPr lang="ru" sz="2800" dirty="0"/>
+          </a:p>
+        </p:txBody>
+      </p:sp>
+      <p:sp>
+        <p:nvSpPr>
+          <p:cNvPr id="8" name="Объект 3">
             <a:extLst>
               <a:ext uri="{FF2B5EF4-FFF2-40B4-BE49-F238E27FC236}">
-                <a16:creationId xmlns:a16="http://schemas.microsoft.com/office/drawing/2014/main" id="{C69167C3-302B-24DE-9CF7-D85D5D5DD20A}"/>
+                <a16:creationId xmlns:a16="http://schemas.microsoft.com/office/drawing/2014/main" id="{7C987B03-58AE-7E8A-A1C7-83569FBBCD1F}"/>
               </a:ext>
             </a:extLst>
           </p:cNvPr>
@@ -7398,12 +7345,13 @@
         </p:nvSpPr>
         <p:spPr>
           <a:xfrm>
-            <a:off x="457200" y="2187362"/>
-            <a:ext cx="3657600" cy="3633047"/>
+            <a:off x="457200" y="2593581"/>
+            <a:ext cx="5355772" cy="3633047"/>
           </a:xfrm>
           <a:prstGeom prst="rect">
             <a:avLst/>
           </a:prstGeom>
+          <a:noFill/>
         </p:spPr>
         <p:txBody>
           <a:bodyPr rtlCol="0">
@@ -7625,368 +7573,6 @@
             </a:lvl9pPr>
           </a:lstStyle>
           <a:p>
-            <a:endParaRPr lang="ru" dirty="0" smtClean="0"/>
-          </a:p>
-          <a:p>
-            <a:endParaRPr lang="en-US" dirty="0"/>
-          </a:p>
-        </p:txBody>
-      </p:sp>
-      <p:sp>
-        <p:nvSpPr>
-          <p:cNvPr id="7" name="Заголовок 10">
-            <a:extLst>
-              <a:ext uri="{FF2B5EF4-FFF2-40B4-BE49-F238E27FC236}">
-                <a16:creationId xmlns:a16="http://schemas.microsoft.com/office/drawing/2014/main" id="{FF0FD1A0-C075-EE18-B3AE-363C242D0BCE}"/>
-              </a:ext>
-            </a:extLst>
-          </p:cNvPr>
-          <p:cNvSpPr txBox="1">
-            <a:spLocks/>
-          </p:cNvSpPr>
-          <p:nvPr/>
-        </p:nvSpPr>
-        <p:spPr>
-          <a:xfrm>
-            <a:off x="335280" y="722902"/>
-            <a:ext cx="5299166" cy="1367246"/>
-          </a:xfrm>
-          <a:prstGeom prst="rect">
-            <a:avLst/>
-          </a:prstGeom>
-        </p:spPr>
-        <p:txBody>
-          <a:bodyPr vert="horz" lIns="91440" tIns="45720" rIns="91440" bIns="45720" rtlCol="0" anchor="b">
-            <a:noAutofit/>
-          </a:bodyPr>
-          <a:lstStyle>
-            <a:lvl1pPr algn="ctr" defTabSz="457200" rtl="0" eaLnBrk="1" latinLnBrk="0" hangingPunct="1">
-              <a:spcBef>
-                <a:spcPct val="0"/>
-              </a:spcBef>
-              <a:buNone/>
-              <a:defRPr sz="4000" b="0" kern="1200" cap="all">
-                <a:solidFill>
-                  <a:schemeClr val="tx1">
-                    <a:lumMod val="75000"/>
-                    <a:lumOff val="25000"/>
-                  </a:schemeClr>
-                </a:solidFill>
-                <a:latin typeface="Calibri" panose="020F0502020204030204" pitchFamily="34" charset="0"/>
-                <a:ea typeface="+mj-ea"/>
-                <a:cs typeface="Calibri" panose="020F0502020204030204" pitchFamily="34" charset="0"/>
-              </a:defRPr>
-            </a:lvl1pPr>
-            <a:lvl2pPr eaLnBrk="1" hangingPunct="1">
-              <a:defRPr>
-                <a:solidFill>
-                  <a:schemeClr val="tx2"/>
-                </a:solidFill>
-              </a:defRPr>
-            </a:lvl2pPr>
-            <a:lvl3pPr eaLnBrk="1" hangingPunct="1">
-              <a:defRPr>
-                <a:solidFill>
-                  <a:schemeClr val="tx2"/>
-                </a:solidFill>
-              </a:defRPr>
-            </a:lvl3pPr>
-            <a:lvl4pPr eaLnBrk="1" hangingPunct="1">
-              <a:defRPr>
-                <a:solidFill>
-                  <a:schemeClr val="tx2"/>
-                </a:solidFill>
-              </a:defRPr>
-            </a:lvl4pPr>
-            <a:lvl5pPr eaLnBrk="1" hangingPunct="1">
-              <a:defRPr>
-                <a:solidFill>
-                  <a:schemeClr val="tx2"/>
-                </a:solidFill>
-              </a:defRPr>
-            </a:lvl5pPr>
-            <a:lvl6pPr eaLnBrk="1" hangingPunct="1">
-              <a:defRPr>
-                <a:solidFill>
-                  <a:schemeClr val="tx2"/>
-                </a:solidFill>
-              </a:defRPr>
-            </a:lvl6pPr>
-            <a:lvl7pPr eaLnBrk="1" hangingPunct="1">
-              <a:defRPr>
-                <a:solidFill>
-                  <a:schemeClr val="tx2"/>
-                </a:solidFill>
-              </a:defRPr>
-            </a:lvl7pPr>
-            <a:lvl8pPr eaLnBrk="1" hangingPunct="1">
-              <a:defRPr>
-                <a:solidFill>
-                  <a:schemeClr val="tx2"/>
-                </a:solidFill>
-              </a:defRPr>
-            </a:lvl8pPr>
-            <a:lvl9pPr eaLnBrk="1" hangingPunct="1">
-              <a:defRPr>
-                <a:solidFill>
-                  <a:schemeClr val="tx2"/>
-                </a:solidFill>
-              </a:defRPr>
-            </a:lvl9pPr>
-          </a:lstStyle>
-          <a:p>
-            <a:r>
-              <a:rPr lang="ru-RU" sz="2800" smtClean="0"/>
-              <a:t>Подход 1</a:t>
-            </a:r>
-            <a:endParaRPr lang="ru" sz="2800" dirty="0"/>
-          </a:p>
-        </p:txBody>
-      </p:sp>
-      <p:sp>
-        <p:nvSpPr>
-          <p:cNvPr id="8" name="Объект 3">
-            <a:extLst>
-              <a:ext uri="{FF2B5EF4-FFF2-40B4-BE49-F238E27FC236}">
-                <a16:creationId xmlns:a16="http://schemas.microsoft.com/office/drawing/2014/main" id="{7C987B03-58AE-7E8A-A1C7-83569FBBCD1F}"/>
-              </a:ext>
-            </a:extLst>
-          </p:cNvPr>
-          <p:cNvSpPr txBox="1">
-            <a:spLocks/>
-          </p:cNvSpPr>
-          <p:nvPr/>
-        </p:nvSpPr>
-        <p:spPr>
-          <a:xfrm>
-            <a:off x="457200" y="2593581"/>
-            <a:ext cx="5355772" cy="3633047"/>
-          </a:xfrm>
-          <a:prstGeom prst="rect">
-            <a:avLst/>
-          </a:prstGeom>
-          <a:noFill/>
-        </p:spPr>
-        <p:txBody>
-          <a:bodyPr rtlCol="0">
-            <a:normAutofit/>
-          </a:bodyPr>
-          <a:lstStyle>
-            <a:lvl1pPr marL="306000" indent="-306000" algn="l" defTabSz="457200" rtl="0" eaLnBrk="1" latinLnBrk="0" hangingPunct="1">
-              <a:spcBef>
-                <a:spcPct val="20000"/>
-              </a:spcBef>
-              <a:spcAft>
-                <a:spcPts val="600"/>
-              </a:spcAft>
-              <a:buClr>
-                <a:schemeClr val="accent1"/>
-              </a:buClr>
-              <a:buSzPct val="92000"/>
-              <a:buFont typeface="Wingdings 2" panose="05020102010507070707" pitchFamily="18" charset="2"/>
-              <a:buChar char=""/>
-              <a:defRPr sz="1800" kern="1200">
-                <a:solidFill>
-                  <a:schemeClr val="tx1">
-                    <a:lumMod val="75000"/>
-                    <a:lumOff val="25000"/>
-                  </a:schemeClr>
-                </a:solidFill>
-                <a:latin typeface="Calibri" panose="020F0502020204030204" pitchFamily="34" charset="0"/>
-                <a:ea typeface="+mn-ea"/>
-                <a:cs typeface="Calibri" panose="020F0502020204030204" pitchFamily="34" charset="0"/>
-              </a:defRPr>
-            </a:lvl1pPr>
-            <a:lvl2pPr marL="630000" indent="-306000" algn="l" defTabSz="457200" rtl="0" eaLnBrk="1" latinLnBrk="0" hangingPunct="1">
-              <a:spcBef>
-                <a:spcPct val="20000"/>
-              </a:spcBef>
-              <a:spcAft>
-                <a:spcPts val="600"/>
-              </a:spcAft>
-              <a:buClr>
-                <a:schemeClr val="accent1"/>
-              </a:buClr>
-              <a:buSzPct val="92000"/>
-              <a:buFont typeface="Wingdings 2" panose="05020102010507070707" pitchFamily="18" charset="2"/>
-              <a:buChar char=""/>
-              <a:defRPr sz="1600" kern="1200">
-                <a:solidFill>
-                  <a:schemeClr val="tx1">
-                    <a:lumMod val="75000"/>
-                    <a:lumOff val="25000"/>
-                  </a:schemeClr>
-                </a:solidFill>
-                <a:latin typeface="Calibri" panose="020F0502020204030204" pitchFamily="34" charset="0"/>
-                <a:ea typeface="+mn-ea"/>
-                <a:cs typeface="Calibri" panose="020F0502020204030204" pitchFamily="34" charset="0"/>
-              </a:defRPr>
-            </a:lvl2pPr>
-            <a:lvl3pPr marL="900000" indent="-270000" algn="l" defTabSz="457200" rtl="0" eaLnBrk="1" latinLnBrk="0" hangingPunct="1">
-              <a:spcBef>
-                <a:spcPct val="20000"/>
-              </a:spcBef>
-              <a:spcAft>
-                <a:spcPts val="600"/>
-              </a:spcAft>
-              <a:buClr>
-                <a:schemeClr val="accent1"/>
-              </a:buClr>
-              <a:buSzPct val="92000"/>
-              <a:buFont typeface="Wingdings 2" panose="05020102010507070707" pitchFamily="18" charset="2"/>
-              <a:buChar char=""/>
-              <a:defRPr sz="1400" kern="1200">
-                <a:solidFill>
-                  <a:schemeClr val="tx1">
-                    <a:lumMod val="75000"/>
-                    <a:lumOff val="25000"/>
-                  </a:schemeClr>
-                </a:solidFill>
-                <a:latin typeface="Calibri" panose="020F0502020204030204" pitchFamily="34" charset="0"/>
-                <a:ea typeface="+mn-ea"/>
-                <a:cs typeface="Calibri" panose="020F0502020204030204" pitchFamily="34" charset="0"/>
-              </a:defRPr>
-            </a:lvl3pPr>
-            <a:lvl4pPr marL="1242000" indent="-234000" algn="l" defTabSz="457200" rtl="0" eaLnBrk="1" latinLnBrk="0" hangingPunct="1">
-              <a:spcBef>
-                <a:spcPct val="20000"/>
-              </a:spcBef>
-              <a:spcAft>
-                <a:spcPts val="600"/>
-              </a:spcAft>
-              <a:buClr>
-                <a:schemeClr val="accent1"/>
-              </a:buClr>
-              <a:buSzPct val="92000"/>
-              <a:buFont typeface="Wingdings 2" panose="05020102010507070707" pitchFamily="18" charset="2"/>
-              <a:buChar char=""/>
-              <a:defRPr sz="1200" kern="1200">
-                <a:solidFill>
-                  <a:schemeClr val="tx1">
-                    <a:lumMod val="75000"/>
-                    <a:lumOff val="25000"/>
-                  </a:schemeClr>
-                </a:solidFill>
-                <a:latin typeface="Calibri" panose="020F0502020204030204" pitchFamily="34" charset="0"/>
-                <a:ea typeface="+mn-ea"/>
-                <a:cs typeface="Calibri" panose="020F0502020204030204" pitchFamily="34" charset="0"/>
-              </a:defRPr>
-            </a:lvl4pPr>
-            <a:lvl5pPr marL="1602000" indent="-234000" algn="l" defTabSz="457200" rtl="0" eaLnBrk="1" latinLnBrk="0" hangingPunct="1">
-              <a:spcBef>
-                <a:spcPct val="20000"/>
-              </a:spcBef>
-              <a:spcAft>
-                <a:spcPts val="600"/>
-              </a:spcAft>
-              <a:buClr>
-                <a:schemeClr val="accent1"/>
-              </a:buClr>
-              <a:buSzPct val="92000"/>
-              <a:buFont typeface="Wingdings 2" panose="05020102010507070707" pitchFamily="18" charset="2"/>
-              <a:buChar char=""/>
-              <a:defRPr sz="1200" kern="1200">
-                <a:solidFill>
-                  <a:schemeClr val="tx1">
-                    <a:lumMod val="75000"/>
-                    <a:lumOff val="25000"/>
-                  </a:schemeClr>
-                </a:solidFill>
-                <a:latin typeface="Calibri" panose="020F0502020204030204" pitchFamily="34" charset="0"/>
-                <a:ea typeface="+mn-ea"/>
-                <a:cs typeface="Calibri" panose="020F0502020204030204" pitchFamily="34" charset="0"/>
-              </a:defRPr>
-            </a:lvl5pPr>
-            <a:lvl6pPr marL="1900000" indent="-228600" algn="l" defTabSz="457200" rtl="0" eaLnBrk="1" latinLnBrk="0" hangingPunct="1">
-              <a:spcBef>
-                <a:spcPct val="20000"/>
-              </a:spcBef>
-              <a:spcAft>
-                <a:spcPts val="600"/>
-              </a:spcAft>
-              <a:buClr>
-                <a:schemeClr val="accent2"/>
-              </a:buClr>
-              <a:buSzPct val="92000"/>
-              <a:buFont typeface="Wingdings 2" panose="05020102010507070707" pitchFamily="18" charset="2"/>
-              <a:buChar char=""/>
-              <a:defRPr sz="1200" kern="1200">
-                <a:solidFill>
-                  <a:schemeClr val="tx2"/>
-                </a:solidFill>
-                <a:latin typeface="+mn-lt"/>
-                <a:ea typeface="+mn-ea"/>
-                <a:cs typeface="+mn-cs"/>
-              </a:defRPr>
-            </a:lvl6pPr>
-            <a:lvl7pPr marL="2200000" indent="-228600" algn="l" defTabSz="457200" rtl="0" eaLnBrk="1" latinLnBrk="0" hangingPunct="1">
-              <a:spcBef>
-                <a:spcPct val="20000"/>
-              </a:spcBef>
-              <a:spcAft>
-                <a:spcPts val="600"/>
-              </a:spcAft>
-              <a:buClr>
-                <a:schemeClr val="accent2"/>
-              </a:buClr>
-              <a:buSzPct val="92000"/>
-              <a:buFont typeface="Wingdings 2" panose="05020102010507070707" pitchFamily="18" charset="2"/>
-              <a:buChar char=""/>
-              <a:defRPr sz="1200" kern="1200">
-                <a:solidFill>
-                  <a:schemeClr val="tx2"/>
-                </a:solidFill>
-                <a:latin typeface="+mn-lt"/>
-                <a:ea typeface="+mn-ea"/>
-                <a:cs typeface="+mn-cs"/>
-              </a:defRPr>
-            </a:lvl7pPr>
-            <a:lvl8pPr marL="2500000" indent="-228600" algn="l" defTabSz="457200" rtl="0" eaLnBrk="1" latinLnBrk="0" hangingPunct="1">
-              <a:spcBef>
-                <a:spcPct val="20000"/>
-              </a:spcBef>
-              <a:spcAft>
-                <a:spcPts val="600"/>
-              </a:spcAft>
-              <a:buClr>
-                <a:schemeClr val="accent2"/>
-              </a:buClr>
-              <a:buSzPct val="92000"/>
-              <a:buFont typeface="Wingdings 2" panose="05020102010507070707" pitchFamily="18" charset="2"/>
-              <a:buChar char=""/>
-              <a:defRPr sz="1200" kern="1200">
-                <a:solidFill>
-                  <a:schemeClr val="tx2"/>
-                </a:solidFill>
-                <a:latin typeface="+mn-lt"/>
-                <a:ea typeface="+mn-ea"/>
-                <a:cs typeface="+mn-cs"/>
-              </a:defRPr>
-            </a:lvl8pPr>
-            <a:lvl9pPr marL="2800000" indent="-228600" algn="l" defTabSz="457200" rtl="0" eaLnBrk="1" latinLnBrk="0" hangingPunct="1">
-              <a:spcBef>
-                <a:spcPct val="20000"/>
-              </a:spcBef>
-              <a:spcAft>
-                <a:spcPts val="600"/>
-              </a:spcAft>
-              <a:buClr>
-                <a:schemeClr val="accent2"/>
-              </a:buClr>
-              <a:buSzPct val="92000"/>
-              <a:buFont typeface="Wingdings 2" panose="05020102010507070707" pitchFamily="18" charset="2"/>
-              <a:buChar char=""/>
-              <a:defRPr sz="1200" kern="1200">
-                <a:solidFill>
-                  <a:schemeClr val="tx2"/>
-                </a:solidFill>
-                <a:latin typeface="+mn-lt"/>
-                <a:ea typeface="+mn-ea"/>
-                <a:cs typeface="+mn-cs"/>
-              </a:defRPr>
-            </a:lvl9pPr>
-          </a:lstStyle>
-          <a:p>
             <a:r>
               <a:rPr lang="ru" dirty="0" smtClean="0"/>
               <a:t>В обучении используется весь </a:t>
@@ -8073,7 +7659,7 @@
 </p:sld>
 </file>
 
-<file path=ppt/slides/slide13.xml><?xml version="1.0" encoding="utf-8"?>
+<file path=ppt/slides/slide12.xml><?xml version="1.0" encoding="utf-8"?>
 <p:sld xmlns:a="http://schemas.openxmlformats.org/drawingml/2006/main" xmlns:r="http://schemas.openxmlformats.org/officeDocument/2006/relationships" xmlns:p="http://schemas.openxmlformats.org/presentationml/2006/main">
   <p:cSld>
     <p:spTree>
@@ -8230,7 +7816,7 @@
 </p:sld>
 </file>
 
-<file path=ppt/slides/slide14.xml><?xml version="1.0" encoding="utf-8"?>
+<file path=ppt/slides/slide13.xml><?xml version="1.0" encoding="utf-8"?>
 <p:sld xmlns:a="http://schemas.openxmlformats.org/drawingml/2006/main" xmlns:r="http://schemas.openxmlformats.org/officeDocument/2006/relationships" xmlns:p="http://schemas.openxmlformats.org/presentationml/2006/main">
   <p:cSld>
     <p:spTree>
@@ -8408,7 +7994,7 @@
 </p:sld>
 </file>
 
-<file path=ppt/slides/slide15.xml><?xml version="1.0" encoding="utf-8"?>
+<file path=ppt/slides/slide14.xml><?xml version="1.0" encoding="utf-8"?>
 <p:sld xmlns:a="http://schemas.openxmlformats.org/drawingml/2006/main" xmlns:r="http://schemas.openxmlformats.org/officeDocument/2006/relationships" xmlns:p="http://schemas.openxmlformats.org/presentationml/2006/main">
   <p:cSld>
     <p:spTree>
@@ -8661,7 +8247,7 @@
 </p:sld>
 </file>
 
-<file path=ppt/slides/slide16.xml><?xml version="1.0" encoding="utf-8"?>
+<file path=ppt/slides/slide15.xml><?xml version="1.0" encoding="utf-8"?>
 <p:sld xmlns:a="http://schemas.openxmlformats.org/drawingml/2006/main" xmlns:r="http://schemas.openxmlformats.org/officeDocument/2006/relationships" xmlns:p="http://schemas.openxmlformats.org/presentationml/2006/main">
   <p:cSld>
     <p:spTree>
@@ -8893,7 +8479,7 @@
 </p:sld>
 </file>
 
-<file path=ppt/slides/slide17.xml><?xml version="1.0" encoding="utf-8"?>
+<file path=ppt/slides/slide16.xml><?xml version="1.0" encoding="utf-8"?>
 <p:sld xmlns:a="http://schemas.openxmlformats.org/drawingml/2006/main" xmlns:r="http://schemas.openxmlformats.org/officeDocument/2006/relationships" xmlns:p="http://schemas.openxmlformats.org/presentationml/2006/main">
   <p:cSld>
     <p:spTree>
@@ -9071,7 +8657,7 @@
 </p:sld>
 </file>
 
-<file path=ppt/slides/slide18.xml><?xml version="1.0" encoding="utf-8"?>
+<file path=ppt/slides/slide17.xml><?xml version="1.0" encoding="utf-8"?>
 <p:sld xmlns:a="http://schemas.openxmlformats.org/drawingml/2006/main" xmlns:r="http://schemas.openxmlformats.org/officeDocument/2006/relationships" xmlns:p="http://schemas.openxmlformats.org/presentationml/2006/main">
   <p:cSld>
     <p:spTree>
@@ -9249,7 +8835,7 @@
 </p:sld>
 </file>
 
-<file path=ppt/slides/slide19.xml><?xml version="1.0" encoding="utf-8"?>
+<file path=ppt/slides/slide18.xml><?xml version="1.0" encoding="utf-8"?>
 <p:sld xmlns:a="http://schemas.openxmlformats.org/drawingml/2006/main" xmlns:r="http://schemas.openxmlformats.org/officeDocument/2006/relationships" xmlns:p="http://schemas.openxmlformats.org/presentationml/2006/main">
   <p:cSld>
     <p:spTree>
@@ -9485,6 +9071,180 @@
 </p:sld>
 </file>
 
+<file path=ppt/slides/slide19.xml><?xml version="1.0" encoding="utf-8"?>
+<p:sld xmlns:a="http://schemas.openxmlformats.org/drawingml/2006/main" xmlns:r="http://schemas.openxmlformats.org/officeDocument/2006/relationships" xmlns:p="http://schemas.openxmlformats.org/presentationml/2006/main">
+  <p:cSld>
+    <p:spTree>
+      <p:nvGrpSpPr>
+        <p:cNvPr id="1" name=""/>
+        <p:cNvGrpSpPr/>
+        <p:nvPr/>
+      </p:nvGrpSpPr>
+      <p:grpSpPr>
+        <a:xfrm>
+          <a:off x="0" y="0"/>
+          <a:ext cx="0" cy="0"/>
+          <a:chOff x="0" y="0"/>
+          <a:chExt cx="0" cy="0"/>
+        </a:xfrm>
+      </p:grpSpPr>
+      <p:sp>
+        <p:nvSpPr>
+          <p:cNvPr id="11" name="Заголовок 10">
+            <a:extLst>
+              <a:ext uri="{FF2B5EF4-FFF2-40B4-BE49-F238E27FC236}">
+                <a16:creationId xmlns:a16="http://schemas.microsoft.com/office/drawing/2014/main" id="{FF0FD1A0-C075-EE18-B3AE-363C242D0BCE}"/>
+              </a:ext>
+            </a:extLst>
+          </p:cNvPr>
+          <p:cNvSpPr>
+            <a:spLocks noGrp="1"/>
+          </p:cNvSpPr>
+          <p:nvPr>
+            <p:ph type="title"/>
+          </p:nvPr>
+        </p:nvSpPr>
+        <p:spPr>
+          <a:xfrm>
+            <a:off x="391886" y="777965"/>
+            <a:ext cx="3782786" cy="998584"/>
+          </a:xfrm>
+        </p:spPr>
+        <p:txBody>
+          <a:bodyPr rtlCol="0">
+            <a:normAutofit/>
+          </a:bodyPr>
+          <a:lstStyle/>
+          <a:p>
+            <a:r>
+              <a:rPr lang="ru" dirty="0" smtClean="0"/>
+              <a:t>Подход 1</a:t>
+            </a:r>
+            <a:r>
+              <a:rPr lang="en-US" dirty="0" smtClean="0"/>
+              <a:t>: </a:t>
+            </a:r>
+            <a:r>
+              <a:rPr lang="ru-RU" dirty="0" smtClean="0"/>
+              <a:t/>
+            </a:r>
+            <a:br>
+              <a:rPr lang="ru-RU" dirty="0" smtClean="0"/>
+            </a:br>
+            <a:r>
+              <a:rPr lang="ru-RU" dirty="0" smtClean="0"/>
+              <a:t>Пользователь</a:t>
+            </a:r>
+            <a:r>
+              <a:rPr lang="en-US" dirty="0" smtClean="0"/>
+              <a:t>: </a:t>
+            </a:r>
+            <a:r>
+              <a:rPr lang="en-US" dirty="0" smtClean="0">
+                <a:solidFill>
+                  <a:schemeClr val="accent1"/>
+                </a:solidFill>
+              </a:rPr>
+              <a:t>3812</a:t>
+            </a:r>
+            <a:endParaRPr lang="ru" dirty="0"/>
+          </a:p>
+        </p:txBody>
+      </p:sp>
+      <p:sp>
+        <p:nvSpPr>
+          <p:cNvPr id="4" name="TextBox 3"/>
+          <p:cNvSpPr txBox="1"/>
+          <p:nvPr/>
+        </p:nvSpPr>
+        <p:spPr>
+          <a:xfrm>
+            <a:off x="391886" y="2325189"/>
+            <a:ext cx="3314241" cy="369332"/>
+          </a:xfrm>
+          <a:prstGeom prst="rect">
+            <a:avLst/>
+          </a:prstGeom>
+          <a:noFill/>
+        </p:spPr>
+        <p:txBody>
+          <a:bodyPr wrap="none" rtlCol="0">
+            <a:spAutoFit/>
+          </a:bodyPr>
+          <a:lstStyle/>
+          <a:p>
+            <a:r>
+              <a:rPr lang="en-US" dirty="0" err="1" smtClean="0">
+                <a:latin typeface="Calibri" panose="020F0502020204030204" pitchFamily="34" charset="0"/>
+                <a:cs typeface="Calibri" panose="020F0502020204030204" pitchFamily="34" charset="0"/>
+              </a:rPr>
+              <a:t>MedianReceivedBit</a:t>
+            </a:r>
+            <a:r>
+              <a:rPr lang="en-US" dirty="0" smtClean="0">
+                <a:latin typeface="Calibri" panose="020F0502020204030204" pitchFamily="34" charset="0"/>
+                <a:cs typeface="Calibri" panose="020F0502020204030204" pitchFamily="34" charset="0"/>
+              </a:rPr>
+              <a:t>(</a:t>
+            </a:r>
+            <a:r>
+              <a:rPr lang="ru-RU" dirty="0" smtClean="0">
+                <a:latin typeface="Calibri" panose="020F0502020204030204" pitchFamily="34" charset="0"/>
+                <a:cs typeface="Calibri" panose="020F0502020204030204" pitchFamily="34" charset="0"/>
+              </a:rPr>
+              <a:t>полученные</a:t>
+            </a:r>
+            <a:r>
+              <a:rPr lang="en-US" dirty="0" smtClean="0"/>
+              <a:t>)</a:t>
+            </a:r>
+            <a:endParaRPr lang="ru-RU" dirty="0"/>
+          </a:p>
+        </p:txBody>
+      </p:sp>
+      <p:pic>
+        <p:nvPicPr>
+          <p:cNvPr id="3" name="Рисунок 2"/>
+          <p:cNvPicPr>
+            <a:picLocks noChangeAspect="1"/>
+          </p:cNvPicPr>
+          <p:nvPr/>
+        </p:nvPicPr>
+        <p:blipFill>
+          <a:blip r:embed="rId3">
+            <a:extLst>
+              <a:ext uri="{28A0092B-C50C-407E-A947-70E740481C1C}">
+                <a14:useLocalDpi xmlns:a14="http://schemas.microsoft.com/office/drawing/2010/main" val="0"/>
+              </a:ext>
+            </a:extLst>
+          </a:blip>
+          <a:stretch>
+            <a:fillRect/>
+          </a:stretch>
+        </p:blipFill>
+        <p:spPr>
+          <a:xfrm>
+            <a:off x="4174672" y="771579"/>
+            <a:ext cx="7608026" cy="6086421"/>
+          </a:xfrm>
+          <a:prstGeom prst="rect">
+            <a:avLst/>
+          </a:prstGeom>
+        </p:spPr>
+      </p:pic>
+    </p:spTree>
+    <p:extLst>
+      <p:ext uri="{BB962C8B-B14F-4D97-AF65-F5344CB8AC3E}">
+        <p14:creationId xmlns:p14="http://schemas.microsoft.com/office/powerpoint/2010/main" val="1147040032"/>
+      </p:ext>
+    </p:extLst>
+  </p:cSld>
+  <p:clrMapOvr>
+    <a:masterClrMapping/>
+  </p:clrMapOvr>
+</p:sld>
+</file>
+
 <file path=ppt/slides/slide2.xml><?xml version="1.0" encoding="utf-8"?>
 <p:sld xmlns:a="http://schemas.openxmlformats.org/drawingml/2006/main" xmlns:r="http://schemas.openxmlformats.org/officeDocument/2006/relationships" xmlns:p="http://schemas.openxmlformats.org/presentationml/2006/main">
   <p:cSld>
@@ -9746,180 +9506,6 @@
       </p:grpSpPr>
       <p:sp>
         <p:nvSpPr>
-          <p:cNvPr id="11" name="Заголовок 10">
-            <a:extLst>
-              <a:ext uri="{FF2B5EF4-FFF2-40B4-BE49-F238E27FC236}">
-                <a16:creationId xmlns:a16="http://schemas.microsoft.com/office/drawing/2014/main" id="{FF0FD1A0-C075-EE18-B3AE-363C242D0BCE}"/>
-              </a:ext>
-            </a:extLst>
-          </p:cNvPr>
-          <p:cNvSpPr>
-            <a:spLocks noGrp="1"/>
-          </p:cNvSpPr>
-          <p:nvPr>
-            <p:ph type="title"/>
-          </p:nvPr>
-        </p:nvSpPr>
-        <p:spPr>
-          <a:xfrm>
-            <a:off x="391886" y="777965"/>
-            <a:ext cx="3782786" cy="998584"/>
-          </a:xfrm>
-        </p:spPr>
-        <p:txBody>
-          <a:bodyPr rtlCol="0">
-            <a:normAutofit/>
-          </a:bodyPr>
-          <a:lstStyle/>
-          <a:p>
-            <a:r>
-              <a:rPr lang="ru" dirty="0" smtClean="0"/>
-              <a:t>Подход 1</a:t>
-            </a:r>
-            <a:r>
-              <a:rPr lang="en-US" dirty="0" smtClean="0"/>
-              <a:t>: </a:t>
-            </a:r>
-            <a:r>
-              <a:rPr lang="ru-RU" dirty="0" smtClean="0"/>
-              <a:t/>
-            </a:r>
-            <a:br>
-              <a:rPr lang="ru-RU" dirty="0" smtClean="0"/>
-            </a:br>
-            <a:r>
-              <a:rPr lang="ru-RU" dirty="0" smtClean="0"/>
-              <a:t>Пользователь</a:t>
-            </a:r>
-            <a:r>
-              <a:rPr lang="en-US" dirty="0" smtClean="0"/>
-              <a:t>: </a:t>
-            </a:r>
-            <a:r>
-              <a:rPr lang="en-US" dirty="0" smtClean="0">
-                <a:solidFill>
-                  <a:schemeClr val="accent1"/>
-                </a:solidFill>
-              </a:rPr>
-              <a:t>3812</a:t>
-            </a:r>
-            <a:endParaRPr lang="ru" dirty="0"/>
-          </a:p>
-        </p:txBody>
-      </p:sp>
-      <p:sp>
-        <p:nvSpPr>
-          <p:cNvPr id="4" name="TextBox 3"/>
-          <p:cNvSpPr txBox="1"/>
-          <p:nvPr/>
-        </p:nvSpPr>
-        <p:spPr>
-          <a:xfrm>
-            <a:off x="391886" y="2325189"/>
-            <a:ext cx="3314241" cy="369332"/>
-          </a:xfrm>
-          <a:prstGeom prst="rect">
-            <a:avLst/>
-          </a:prstGeom>
-          <a:noFill/>
-        </p:spPr>
-        <p:txBody>
-          <a:bodyPr wrap="none" rtlCol="0">
-            <a:spAutoFit/>
-          </a:bodyPr>
-          <a:lstStyle/>
-          <a:p>
-            <a:r>
-              <a:rPr lang="en-US" dirty="0" err="1" smtClean="0">
-                <a:latin typeface="Calibri" panose="020F0502020204030204" pitchFamily="34" charset="0"/>
-                <a:cs typeface="Calibri" panose="020F0502020204030204" pitchFamily="34" charset="0"/>
-              </a:rPr>
-              <a:t>MedianReceivedBit</a:t>
-            </a:r>
-            <a:r>
-              <a:rPr lang="en-US" dirty="0" smtClean="0">
-                <a:latin typeface="Calibri" panose="020F0502020204030204" pitchFamily="34" charset="0"/>
-                <a:cs typeface="Calibri" panose="020F0502020204030204" pitchFamily="34" charset="0"/>
-              </a:rPr>
-              <a:t>(</a:t>
-            </a:r>
-            <a:r>
-              <a:rPr lang="ru-RU" dirty="0" smtClean="0">
-                <a:latin typeface="Calibri" panose="020F0502020204030204" pitchFamily="34" charset="0"/>
-                <a:cs typeface="Calibri" panose="020F0502020204030204" pitchFamily="34" charset="0"/>
-              </a:rPr>
-              <a:t>полученные</a:t>
-            </a:r>
-            <a:r>
-              <a:rPr lang="en-US" dirty="0" smtClean="0"/>
-              <a:t>)</a:t>
-            </a:r>
-            <a:endParaRPr lang="ru-RU" dirty="0"/>
-          </a:p>
-        </p:txBody>
-      </p:sp>
-      <p:pic>
-        <p:nvPicPr>
-          <p:cNvPr id="3" name="Рисунок 2"/>
-          <p:cNvPicPr>
-            <a:picLocks noChangeAspect="1"/>
-          </p:cNvPicPr>
-          <p:nvPr/>
-        </p:nvPicPr>
-        <p:blipFill>
-          <a:blip r:embed="rId3">
-            <a:extLst>
-              <a:ext uri="{28A0092B-C50C-407E-A947-70E740481C1C}">
-                <a14:useLocalDpi xmlns:a14="http://schemas.microsoft.com/office/drawing/2010/main" val="0"/>
-              </a:ext>
-            </a:extLst>
-          </a:blip>
-          <a:stretch>
-            <a:fillRect/>
-          </a:stretch>
-        </p:blipFill>
-        <p:spPr>
-          <a:xfrm>
-            <a:off x="4174672" y="771579"/>
-            <a:ext cx="7608026" cy="6086421"/>
-          </a:xfrm>
-          <a:prstGeom prst="rect">
-            <a:avLst/>
-          </a:prstGeom>
-        </p:spPr>
-      </p:pic>
-    </p:spTree>
-    <p:extLst>
-      <p:ext uri="{BB962C8B-B14F-4D97-AF65-F5344CB8AC3E}">
-        <p14:creationId xmlns:p14="http://schemas.microsoft.com/office/powerpoint/2010/main" val="1147040032"/>
-      </p:ext>
-    </p:extLst>
-  </p:cSld>
-  <p:clrMapOvr>
-    <a:masterClrMapping/>
-  </p:clrMapOvr>
-</p:sld>
-</file>
-
-<file path=ppt/slides/slide21.xml><?xml version="1.0" encoding="utf-8"?>
-<p:sld xmlns:a="http://schemas.openxmlformats.org/drawingml/2006/main" xmlns:r="http://schemas.openxmlformats.org/officeDocument/2006/relationships" xmlns:p="http://schemas.openxmlformats.org/presentationml/2006/main">
-  <p:cSld>
-    <p:spTree>
-      <p:nvGrpSpPr>
-        <p:cNvPr id="1" name=""/>
-        <p:cNvGrpSpPr/>
-        <p:nvPr/>
-      </p:nvGrpSpPr>
-      <p:grpSpPr>
-        <a:xfrm>
-          <a:off x="0" y="0"/>
-          <a:ext cx="0" cy="0"/>
-          <a:chOff x="0" y="0"/>
-          <a:chExt cx="0" cy="0"/>
-        </a:xfrm>
-      </p:grpSpPr>
-      <p:sp>
-        <p:nvSpPr>
           <p:cNvPr id="4" name="TextBox 3"/>
           <p:cNvSpPr txBox="1"/>
           <p:nvPr/>
@@ -10079,6 +9665,221 @@
 </p:sld>
 </file>
 
+<file path=ppt/slides/slide21.xml><?xml version="1.0" encoding="utf-8"?>
+<p:sld xmlns:a="http://schemas.openxmlformats.org/drawingml/2006/main" xmlns:r="http://schemas.openxmlformats.org/officeDocument/2006/relationships" xmlns:p="http://schemas.openxmlformats.org/presentationml/2006/main">
+  <p:cSld>
+    <p:spTree>
+      <p:nvGrpSpPr>
+        <p:cNvPr id="1" name=""/>
+        <p:cNvGrpSpPr/>
+        <p:nvPr/>
+      </p:nvGrpSpPr>
+      <p:grpSpPr>
+        <a:xfrm>
+          <a:off x="0" y="0"/>
+          <a:ext cx="0" cy="0"/>
+          <a:chOff x="0" y="0"/>
+          <a:chExt cx="0" cy="0"/>
+        </a:xfrm>
+      </p:grpSpPr>
+      <p:sp>
+        <p:nvSpPr>
+          <p:cNvPr id="2" name="Заголовок 1"/>
+          <p:cNvSpPr>
+            <a:spLocks noGrp="1"/>
+          </p:cNvSpPr>
+          <p:nvPr>
+            <p:ph type="title"/>
+          </p:nvPr>
+        </p:nvSpPr>
+        <p:spPr/>
+        <p:txBody>
+          <a:bodyPr/>
+          <a:lstStyle/>
+          <a:p>
+            <a:pPr algn="ctr"/>
+            <a:r>
+              <a:rPr lang="ru-RU" dirty="0" smtClean="0"/>
+              <a:t>Промежуточный итог</a:t>
+            </a:r>
+            <a:endParaRPr lang="ru-RU" dirty="0"/>
+          </a:p>
+        </p:txBody>
+      </p:sp>
+      <p:sp>
+        <p:nvSpPr>
+          <p:cNvPr id="6" name="TextBox 5"/>
+          <p:cNvSpPr txBox="1"/>
+          <p:nvPr/>
+        </p:nvSpPr>
+        <p:spPr>
+          <a:xfrm>
+            <a:off x="896257" y="2177142"/>
+            <a:ext cx="10389326" cy="3693319"/>
+          </a:xfrm>
+          <a:prstGeom prst="rect">
+            <a:avLst/>
+          </a:prstGeom>
+          <a:noFill/>
+        </p:spPr>
+        <p:txBody>
+          <a:bodyPr wrap="square" rtlCol="0">
+            <a:spAutoFit/>
+          </a:bodyPr>
+          <a:lstStyle/>
+          <a:p>
+            <a:r>
+              <a:rPr lang="ru-RU" dirty="0" smtClean="0">
+                <a:latin typeface="Calibri" panose="020F0502020204030204" pitchFamily="34" charset="0"/>
+                <a:cs typeface="Calibri" panose="020F0502020204030204" pitchFamily="34" charset="0"/>
+              </a:rPr>
+              <a:t>Из 635 пользователей, аномальная активность замечена у 11</a:t>
+            </a:r>
+          </a:p>
+          <a:p>
+            <a:r>
+              <a:rPr lang="ru-RU" dirty="0" smtClean="0">
+                <a:latin typeface="Calibri" panose="020F0502020204030204" pitchFamily="34" charset="0"/>
+                <a:cs typeface="Calibri" panose="020F0502020204030204" pitchFamily="34" charset="0"/>
+              </a:rPr>
+              <a:t>она выражена в превышении статистических показателей в сравнении с предыдущими периодами</a:t>
+            </a:r>
+          </a:p>
+          <a:p>
+            <a:endParaRPr lang="ru-RU" dirty="0" smtClean="0">
+              <a:latin typeface="Calibri" panose="020F0502020204030204" pitchFamily="34" charset="0"/>
+              <a:cs typeface="Calibri" panose="020F0502020204030204" pitchFamily="34" charset="0"/>
+            </a:endParaRPr>
+          </a:p>
+          <a:p>
+            <a:r>
+              <a:rPr lang="ru-RU" dirty="0" smtClean="0">
+                <a:latin typeface="Calibri" panose="020F0502020204030204" pitchFamily="34" charset="0"/>
+                <a:cs typeface="Calibri" panose="020F0502020204030204" pitchFamily="34" charset="0"/>
+              </a:rPr>
+              <a:t>Полученные аномалии </a:t>
+            </a:r>
+            <a:r>
+              <a:rPr lang="ru-RU" b="1" dirty="0" smtClean="0">
+                <a:latin typeface="Calibri" panose="020F0502020204030204" pitchFamily="34" charset="0"/>
+                <a:cs typeface="Calibri" panose="020F0502020204030204" pitchFamily="34" charset="0"/>
+              </a:rPr>
+              <a:t>можно считать заслуживающими внимания</a:t>
+            </a:r>
+            <a:r>
+              <a:rPr lang="ru-RU" dirty="0" smtClean="0">
+                <a:latin typeface="Calibri" panose="020F0502020204030204" pitchFamily="34" charset="0"/>
+                <a:cs typeface="Calibri" panose="020F0502020204030204" pitchFamily="34" charset="0"/>
+              </a:rPr>
+              <a:t>, </a:t>
+            </a:r>
+          </a:p>
+          <a:p>
+            <a:r>
+              <a:rPr lang="ru-RU" dirty="0" smtClean="0">
+                <a:latin typeface="Calibri" panose="020F0502020204030204" pitchFamily="34" charset="0"/>
+                <a:cs typeface="Calibri" panose="020F0502020204030204" pitchFamily="34" charset="0"/>
+              </a:rPr>
+              <a:t>однако превышения в основном незначительные(10-20% от нормы).</a:t>
+            </a:r>
+          </a:p>
+          <a:p>
+            <a:endParaRPr lang="ru-RU" dirty="0" smtClean="0">
+              <a:latin typeface="Calibri" panose="020F0502020204030204" pitchFamily="34" charset="0"/>
+              <a:cs typeface="Calibri" panose="020F0502020204030204" pitchFamily="34" charset="0"/>
+            </a:endParaRPr>
+          </a:p>
+          <a:p>
+            <a:r>
+              <a:rPr lang="ru-RU" dirty="0" smtClean="0">
+                <a:latin typeface="Calibri" panose="020F0502020204030204" pitchFamily="34" charset="0"/>
+                <a:cs typeface="Calibri" panose="020F0502020204030204" pitchFamily="34" charset="0"/>
+              </a:rPr>
+              <a:t>Считаю, что могут </a:t>
+            </a:r>
+            <a:r>
+              <a:rPr lang="ru-RU" b="1" dirty="0" smtClean="0">
+                <a:latin typeface="Calibri" panose="020F0502020204030204" pitchFamily="34" charset="0"/>
+                <a:cs typeface="Calibri" panose="020F0502020204030204" pitchFamily="34" charset="0"/>
+              </a:rPr>
+              <a:t>возникать проблемы у пользователей</a:t>
+            </a:r>
+            <a:r>
+              <a:rPr lang="ru-RU" dirty="0" smtClean="0">
+                <a:latin typeface="Calibri" panose="020F0502020204030204" pitchFamily="34" charset="0"/>
+                <a:cs typeface="Calibri" panose="020F0502020204030204" pitchFamily="34" charset="0"/>
+              </a:rPr>
+              <a:t>, у которых редко, но периодически встречаются</a:t>
+            </a:r>
+          </a:p>
+          <a:p>
+            <a:r>
+              <a:rPr lang="ru-RU" dirty="0" smtClean="0">
+                <a:latin typeface="Calibri" panose="020F0502020204030204" pitchFamily="34" charset="0"/>
+                <a:cs typeface="Calibri" panose="020F0502020204030204" pitchFamily="34" charset="0"/>
+              </a:rPr>
+              <a:t>аномалии активности – модель должна учитывать их.</a:t>
+            </a:r>
+          </a:p>
+          <a:p>
+            <a:endParaRPr lang="ru-RU" dirty="0">
+              <a:latin typeface="Calibri" panose="020F0502020204030204" pitchFamily="34" charset="0"/>
+              <a:cs typeface="Calibri" panose="020F0502020204030204" pitchFamily="34" charset="0"/>
+            </a:endParaRPr>
+          </a:p>
+          <a:p>
+            <a:r>
+              <a:rPr lang="ru-RU" dirty="0" smtClean="0">
+                <a:latin typeface="Calibri" panose="020F0502020204030204" pitchFamily="34" charset="0"/>
+                <a:cs typeface="Calibri" panose="020F0502020204030204" pitchFamily="34" charset="0"/>
+              </a:rPr>
+              <a:t>Это происходит </a:t>
+            </a:r>
+            <a:r>
+              <a:rPr lang="ru-RU" b="1" dirty="0" smtClean="0">
+                <a:latin typeface="Calibri" panose="020F0502020204030204" pitchFamily="34" charset="0"/>
+                <a:cs typeface="Calibri" panose="020F0502020204030204" pitchFamily="34" charset="0"/>
+              </a:rPr>
+              <a:t>из-за отбрасывания редких значения</a:t>
+            </a:r>
+            <a:r>
+              <a:rPr lang="ru-RU" dirty="0" smtClean="0">
+                <a:latin typeface="Calibri" panose="020F0502020204030204" pitchFamily="34" charset="0"/>
+                <a:cs typeface="Calibri" panose="020F0502020204030204" pitchFamily="34" charset="0"/>
+              </a:rPr>
+              <a:t>, предполагалось, что это шум.</a:t>
+            </a:r>
+          </a:p>
+          <a:p>
+            <a:endParaRPr lang="ru-RU" dirty="0">
+              <a:latin typeface="Calibri" panose="020F0502020204030204" pitchFamily="34" charset="0"/>
+              <a:cs typeface="Calibri" panose="020F0502020204030204" pitchFamily="34" charset="0"/>
+            </a:endParaRPr>
+          </a:p>
+          <a:p>
+            <a:r>
+              <a:rPr lang="ru-RU" dirty="0" smtClean="0">
+                <a:latin typeface="Calibri" panose="020F0502020204030204" pitchFamily="34" charset="0"/>
+                <a:cs typeface="Calibri" panose="020F0502020204030204" pitchFamily="34" charset="0"/>
+              </a:rPr>
+              <a:t>Попробуем перестроить алгоритм обучения под второй подход.</a:t>
+            </a:r>
+          </a:p>
+        </p:txBody>
+      </p:sp>
+    </p:spTree>
+    <p:extLst>
+      <p:ext uri="{BB962C8B-B14F-4D97-AF65-F5344CB8AC3E}">
+        <p14:creationId xmlns:p14="http://schemas.microsoft.com/office/powerpoint/2010/main" val="2606244157"/>
+      </p:ext>
+    </p:extLst>
+  </p:cSld>
+  <p:clrMapOvr>
+    <a:masterClrMapping/>
+  </p:clrMapOvr>
+</p:sld>
+</file>
+
 <file path=ppt/slides/slide22.xml><?xml version="1.0" encoding="utf-8"?>
 <p:sld xmlns:a="http://schemas.openxmlformats.org/drawingml/2006/main" xmlns:r="http://schemas.openxmlformats.org/officeDocument/2006/relationships" xmlns:p="http://schemas.openxmlformats.org/presentationml/2006/main">
   <p:cSld>
@@ -10114,7 +9915,7 @@
             <a:pPr algn="ctr"/>
             <a:r>
               <a:rPr lang="ru-RU" dirty="0" smtClean="0"/>
-              <a:t>Промежуточный итог</a:t>
+              <a:t>Промежуточный итог после исправлений 1</a:t>
             </a:r>
             <a:endParaRPr lang="ru-RU" dirty="0"/>
           </a:p>
@@ -10129,7 +9930,7 @@
         <p:spPr>
           <a:xfrm>
             <a:off x="896257" y="2177142"/>
-            <a:ext cx="10389326" cy="3693319"/>
+            <a:ext cx="10389326" cy="2585323"/>
           </a:xfrm>
           <a:prstGeom prst="rect">
             <a:avLst/>
@@ -10147,8 +9948,14 @@
                 <a:latin typeface="Calibri" panose="020F0502020204030204" pitchFamily="34" charset="0"/>
                 <a:cs typeface="Calibri" panose="020F0502020204030204" pitchFamily="34" charset="0"/>
               </a:rPr>
-              <a:t>Из 635 пользователей, аномальная активность замечена у 11</a:t>
-            </a:r>
+              <a:t>Исключил этап удаления странных «значений»</a:t>
+            </a:r>
+          </a:p>
+          <a:p>
+            <a:endParaRPr lang="ru-RU" dirty="0">
+              <a:latin typeface="Calibri" panose="020F0502020204030204" pitchFamily="34" charset="0"/>
+              <a:cs typeface="Calibri" panose="020F0502020204030204" pitchFamily="34" charset="0"/>
+            </a:endParaRPr>
           </a:p>
           <a:p>
             <a:r>
@@ -10156,36 +9963,437 @@
                 <a:latin typeface="Calibri" panose="020F0502020204030204" pitchFamily="34" charset="0"/>
                 <a:cs typeface="Calibri" panose="020F0502020204030204" pitchFamily="34" charset="0"/>
               </a:rPr>
-              <a:t>она выражена в превышении статистических показателей в сравнении с предыдущими периодами</a:t>
-            </a:r>
-          </a:p>
-          <a:p>
+              <a:t>Из 635 осталась одна аномалия – </a:t>
+            </a:r>
+            <a:r>
+              <a:rPr lang="ru-RU" dirty="0" smtClean="0">
+                <a:solidFill>
+                  <a:schemeClr val="accent6"/>
+                </a:solidFill>
+                <a:latin typeface="Calibri" panose="020F0502020204030204" pitchFamily="34" charset="0"/>
+                <a:cs typeface="Calibri" panose="020F0502020204030204" pitchFamily="34" charset="0"/>
+              </a:rPr>
+              <a:t>8784</a:t>
+            </a:r>
+            <a:r>
+              <a:rPr lang="ru-RU" dirty="0" smtClean="0">
+                <a:latin typeface="Calibri" panose="020F0502020204030204" pitchFamily="34" charset="0"/>
+                <a:cs typeface="Calibri" panose="020F0502020204030204" pitchFamily="34" charset="0"/>
+              </a:rPr>
+              <a:t>, исходная, остальные ушли.</a:t>
+            </a:r>
+          </a:p>
+          <a:p>
+            <a:endParaRPr lang="ru-RU" dirty="0">
+              <a:latin typeface="Calibri" panose="020F0502020204030204" pitchFamily="34" charset="0"/>
+              <a:cs typeface="Calibri" panose="020F0502020204030204" pitchFamily="34" charset="0"/>
+            </a:endParaRPr>
+          </a:p>
+          <a:p>
+            <a:r>
+              <a:rPr lang="ru-RU" dirty="0" smtClean="0">
+                <a:latin typeface="Calibri" panose="020F0502020204030204" pitchFamily="34" charset="0"/>
+                <a:cs typeface="Calibri" panose="020F0502020204030204" pitchFamily="34" charset="0"/>
+              </a:rPr>
+              <a:t>Ослабил политику – теперь вмест</a:t>
+            </a:r>
+            <a:r>
+              <a:rPr lang="ru-RU" dirty="0">
+                <a:latin typeface="Calibri" panose="020F0502020204030204" pitchFamily="34" charset="0"/>
+                <a:cs typeface="Calibri" panose="020F0502020204030204" pitchFamily="34" charset="0"/>
+              </a:rPr>
+              <a:t>о</a:t>
+            </a:r>
+            <a:r>
+              <a:rPr lang="ru-RU" dirty="0" smtClean="0">
+                <a:latin typeface="Calibri" panose="020F0502020204030204" pitchFamily="34" charset="0"/>
+                <a:cs typeface="Calibri" panose="020F0502020204030204" pitchFamily="34" charset="0"/>
+              </a:rPr>
+              <a:t> </a:t>
+            </a:r>
+            <a:r>
+              <a:rPr lang="en-US" dirty="0" smtClean="0">
+                <a:latin typeface="Calibri" panose="020F0502020204030204" pitchFamily="34" charset="0"/>
+                <a:cs typeface="Calibri" panose="020F0502020204030204" pitchFamily="34" charset="0"/>
+              </a:rPr>
+              <a:t>&gt; 2 </a:t>
+            </a:r>
+            <a:r>
+              <a:rPr lang="ru-RU" dirty="0" smtClean="0">
+                <a:latin typeface="Calibri" panose="020F0502020204030204" pitchFamily="34" charset="0"/>
+                <a:cs typeface="Calibri" panose="020F0502020204030204" pitchFamily="34" charset="0"/>
+              </a:rPr>
+              <a:t>аномалий за последние 6 часов требуется </a:t>
+            </a:r>
+            <a:r>
+              <a:rPr lang="en-US" dirty="0" smtClean="0">
+                <a:latin typeface="Calibri" panose="020F0502020204030204" pitchFamily="34" charset="0"/>
+                <a:cs typeface="Calibri" panose="020F0502020204030204" pitchFamily="34" charset="0"/>
+              </a:rPr>
+              <a:t>&gt; 0</a:t>
+            </a:r>
+          </a:p>
+          <a:p>
+            <a:r>
+              <a:rPr lang="ru-RU" dirty="0" smtClean="0">
+                <a:latin typeface="Calibri" panose="020F0502020204030204" pitchFamily="34" charset="0"/>
+                <a:cs typeface="Calibri" panose="020F0502020204030204" pitchFamily="34" charset="0"/>
+              </a:rPr>
+              <a:t>Было найдено ещё 3 аномальных клиента, которые ранее не допускались политикой.</a:t>
+            </a:r>
+          </a:p>
+          <a:p>
+            <a:endParaRPr lang="ru-RU" dirty="0">
+              <a:latin typeface="Calibri" panose="020F0502020204030204" pitchFamily="34" charset="0"/>
+              <a:cs typeface="Calibri" panose="020F0502020204030204" pitchFamily="34" charset="0"/>
+            </a:endParaRPr>
+          </a:p>
+          <a:p>
+            <a:r>
+              <a:rPr lang="ru-RU" dirty="0" smtClean="0">
+                <a:solidFill>
+                  <a:srgbClr val="FF0000"/>
+                </a:solidFill>
+                <a:latin typeface="Calibri" panose="020F0502020204030204" pitchFamily="34" charset="0"/>
+                <a:cs typeface="Calibri" panose="020F0502020204030204" pitchFamily="34" charset="0"/>
+              </a:rPr>
+              <a:t>У такого подхода есть минус </a:t>
+            </a:r>
+            <a:r>
+              <a:rPr lang="ru-RU" dirty="0" smtClean="0">
+                <a:latin typeface="Calibri" panose="020F0502020204030204" pitchFamily="34" charset="0"/>
+                <a:cs typeface="Calibri" panose="020F0502020204030204" pitchFamily="34" charset="0"/>
+              </a:rPr>
+              <a:t>– веса стали +- равномерными, это указывает на то, что алгоритм подбора весов работает верно.</a:t>
+            </a:r>
+            <a:endParaRPr lang="ru-RU" dirty="0">
+              <a:latin typeface="Calibri" panose="020F0502020204030204" pitchFamily="34" charset="0"/>
+              <a:cs typeface="Calibri" panose="020F0502020204030204" pitchFamily="34" charset="0"/>
+            </a:endParaRPr>
+          </a:p>
+        </p:txBody>
+      </p:sp>
+    </p:spTree>
+    <p:extLst>
+      <p:ext uri="{BB962C8B-B14F-4D97-AF65-F5344CB8AC3E}">
+        <p14:creationId xmlns:p14="http://schemas.microsoft.com/office/powerpoint/2010/main" val="3872036455"/>
+      </p:ext>
+    </p:extLst>
+  </p:cSld>
+  <p:clrMapOvr>
+    <a:masterClrMapping/>
+  </p:clrMapOvr>
+</p:sld>
+</file>
+
+<file path=ppt/slides/slide23.xml><?xml version="1.0" encoding="utf-8"?>
+<p:sld xmlns:a="http://schemas.openxmlformats.org/drawingml/2006/main" xmlns:r="http://schemas.openxmlformats.org/officeDocument/2006/relationships" xmlns:p="http://schemas.openxmlformats.org/presentationml/2006/main">
+  <p:cSld>
+    <p:spTree>
+      <p:nvGrpSpPr>
+        <p:cNvPr id="1" name=""/>
+        <p:cNvGrpSpPr/>
+        <p:nvPr/>
+      </p:nvGrpSpPr>
+      <p:grpSpPr>
+        <a:xfrm>
+          <a:off x="0" y="0"/>
+          <a:ext cx="0" cy="0"/>
+          <a:chOff x="0" y="0"/>
+          <a:chExt cx="0" cy="0"/>
+        </a:xfrm>
+      </p:grpSpPr>
+      <p:sp>
+        <p:nvSpPr>
+          <p:cNvPr id="2" name="Заголовок 1"/>
+          <p:cNvSpPr>
+            <a:spLocks noGrp="1"/>
+          </p:cNvSpPr>
+          <p:nvPr>
+            <p:ph type="title"/>
+          </p:nvPr>
+        </p:nvSpPr>
+        <p:spPr/>
+        <p:txBody>
+          <a:bodyPr/>
+          <a:lstStyle/>
+          <a:p>
+            <a:pPr algn="ctr"/>
+            <a:r>
+              <a:rPr lang="ru-RU" dirty="0" smtClean="0"/>
+              <a:t>Промежуточный итог после исправлений 2</a:t>
+            </a:r>
+            <a:endParaRPr lang="ru-RU" dirty="0"/>
+          </a:p>
+        </p:txBody>
+      </p:sp>
+      <p:sp>
+        <p:nvSpPr>
+          <p:cNvPr id="6" name="TextBox 5"/>
+          <p:cNvSpPr txBox="1"/>
+          <p:nvPr/>
+        </p:nvSpPr>
+        <p:spPr>
+          <a:xfrm>
+            <a:off x="896257" y="2177142"/>
+            <a:ext cx="10389326" cy="2862322"/>
+          </a:xfrm>
+          <a:prstGeom prst="rect">
+            <a:avLst/>
+          </a:prstGeom>
+          <a:noFill/>
+        </p:spPr>
+        <p:txBody>
+          <a:bodyPr wrap="square" rtlCol="0">
+            <a:spAutoFit/>
+          </a:bodyPr>
+          <a:lstStyle/>
+          <a:p>
+            <a:r>
+              <a:rPr lang="ru-RU" dirty="0" smtClean="0">
+                <a:latin typeface="Calibri" panose="020F0502020204030204" pitchFamily="34" charset="0"/>
+                <a:cs typeface="Calibri" panose="020F0502020204030204" pitchFamily="34" charset="0"/>
+              </a:rPr>
+              <a:t>Разбил общий </a:t>
+            </a:r>
+            <a:r>
+              <a:rPr lang="ru-RU" dirty="0" err="1" smtClean="0">
+                <a:latin typeface="Calibri" panose="020F0502020204030204" pitchFamily="34" charset="0"/>
+                <a:cs typeface="Calibri" panose="020F0502020204030204" pitchFamily="34" charset="0"/>
+              </a:rPr>
+              <a:t>датасет</a:t>
+            </a:r>
+            <a:r>
+              <a:rPr lang="ru-RU" dirty="0" smtClean="0">
+                <a:latin typeface="Calibri" panose="020F0502020204030204" pitchFamily="34" charset="0"/>
+                <a:cs typeface="Calibri" panose="020F0502020204030204" pitchFamily="34" charset="0"/>
+              </a:rPr>
+              <a:t> на обучающий и тестовый</a:t>
+            </a:r>
+          </a:p>
+          <a:p>
+            <a:endParaRPr lang="ru-RU" dirty="0">
+              <a:latin typeface="Calibri" panose="020F0502020204030204" pitchFamily="34" charset="0"/>
+              <a:cs typeface="Calibri" panose="020F0502020204030204" pitchFamily="34" charset="0"/>
+            </a:endParaRPr>
+          </a:p>
+          <a:p>
+            <a:r>
+              <a:rPr lang="ru-RU" dirty="0" smtClean="0">
+                <a:latin typeface="Calibri" panose="020F0502020204030204" pitchFamily="34" charset="0"/>
+                <a:cs typeface="Calibri" panose="020F0502020204030204" pitchFamily="34" charset="0"/>
+              </a:rPr>
+              <a:t>Вернул более жёсткую политику </a:t>
+            </a:r>
+            <a:r>
+              <a:rPr lang="en-US" dirty="0" smtClean="0">
+                <a:latin typeface="Calibri" panose="020F0502020204030204" pitchFamily="34" charset="0"/>
+                <a:cs typeface="Calibri" panose="020F0502020204030204" pitchFamily="34" charset="0"/>
+              </a:rPr>
+              <a:t>&gt; 2 </a:t>
+            </a:r>
+            <a:r>
+              <a:rPr lang="ru-RU" dirty="0" smtClean="0">
+                <a:latin typeface="Calibri" panose="020F0502020204030204" pitchFamily="34" charset="0"/>
+                <a:cs typeface="Calibri" panose="020F0502020204030204" pitchFamily="34" charset="0"/>
+              </a:rPr>
+              <a:t>аномалий за 6 часов</a:t>
+            </a:r>
+          </a:p>
+          <a:p>
+            <a:endParaRPr lang="ru-RU" dirty="0">
+              <a:latin typeface="Calibri" panose="020F0502020204030204" pitchFamily="34" charset="0"/>
+              <a:cs typeface="Calibri" panose="020F0502020204030204" pitchFamily="34" charset="0"/>
+            </a:endParaRPr>
+          </a:p>
+          <a:p>
+            <a:r>
+              <a:rPr lang="ru-RU" dirty="0" smtClean="0">
+                <a:latin typeface="Calibri" panose="020F0502020204030204" pitchFamily="34" charset="0"/>
+                <a:cs typeface="Calibri" panose="020F0502020204030204" pitchFamily="34" charset="0"/>
+              </a:rPr>
+              <a:t>Итог: 8784(уже известный нам, был на всех попытках) и 5828, который тоже был ранее</a:t>
+            </a:r>
+            <a:endParaRPr lang="en-US" dirty="0" smtClean="0">
+              <a:latin typeface="Calibri" panose="020F0502020204030204" pitchFamily="34" charset="0"/>
+              <a:cs typeface="Calibri" panose="020F0502020204030204" pitchFamily="34" charset="0"/>
+            </a:endParaRPr>
+          </a:p>
+          <a:p>
+            <a:endParaRPr lang="en-US" dirty="0">
+              <a:latin typeface="Calibri" panose="020F0502020204030204" pitchFamily="34" charset="0"/>
+              <a:cs typeface="Calibri" panose="020F0502020204030204" pitchFamily="34" charset="0"/>
+            </a:endParaRPr>
+          </a:p>
+          <a:p>
+            <a:r>
+              <a:rPr lang="ru-RU" dirty="0" smtClean="0">
+                <a:latin typeface="Calibri" panose="020F0502020204030204" pitchFamily="34" charset="0"/>
+                <a:cs typeface="Calibri" panose="020F0502020204030204" pitchFamily="34" charset="0"/>
+              </a:rPr>
+              <a:t>При ослаблении политики до </a:t>
+            </a:r>
+            <a:r>
+              <a:rPr lang="en-US" dirty="0" smtClean="0">
+                <a:latin typeface="Calibri" panose="020F0502020204030204" pitchFamily="34" charset="0"/>
+                <a:cs typeface="Calibri" panose="020F0502020204030204" pitchFamily="34" charset="0"/>
+              </a:rPr>
+              <a:t>&gt; 0 </a:t>
+            </a:r>
+            <a:r>
+              <a:rPr lang="ru-RU" dirty="0" smtClean="0">
+                <a:latin typeface="Calibri" panose="020F0502020204030204" pitchFamily="34" charset="0"/>
+                <a:cs typeface="Calibri" panose="020F0502020204030204" pitchFamily="34" charset="0"/>
+              </a:rPr>
+              <a:t>аномалий, добавился уже известный 7418, который содержит 1 аномалию, но явную.</a:t>
+            </a:r>
+          </a:p>
+          <a:p>
+            <a:endParaRPr lang="ru-RU" dirty="0">
+              <a:latin typeface="Calibri" panose="020F0502020204030204" pitchFamily="34" charset="0"/>
+              <a:cs typeface="Calibri" panose="020F0502020204030204" pitchFamily="34" charset="0"/>
+            </a:endParaRPr>
+          </a:p>
+          <a:p>
+            <a:endParaRPr lang="ru-RU" dirty="0">
+              <a:latin typeface="Calibri" panose="020F0502020204030204" pitchFamily="34" charset="0"/>
+              <a:cs typeface="Calibri" panose="020F0502020204030204" pitchFamily="34" charset="0"/>
+            </a:endParaRPr>
+          </a:p>
+        </p:txBody>
+      </p:sp>
+    </p:spTree>
+    <p:extLst>
+      <p:ext uri="{BB962C8B-B14F-4D97-AF65-F5344CB8AC3E}">
+        <p14:creationId xmlns:p14="http://schemas.microsoft.com/office/powerpoint/2010/main" val="1521611230"/>
+      </p:ext>
+    </p:extLst>
+  </p:cSld>
+  <p:clrMapOvr>
+    <a:masterClrMapping/>
+  </p:clrMapOvr>
+</p:sld>
+</file>
+
+<file path=ppt/slides/slide24.xml><?xml version="1.0" encoding="utf-8"?>
+<p:sld xmlns:a="http://schemas.openxmlformats.org/drawingml/2006/main" xmlns:r="http://schemas.openxmlformats.org/officeDocument/2006/relationships" xmlns:p="http://schemas.openxmlformats.org/presentationml/2006/main">
+  <p:cSld>
+    <p:spTree>
+      <p:nvGrpSpPr>
+        <p:cNvPr id="1" name=""/>
+        <p:cNvGrpSpPr/>
+        <p:nvPr/>
+      </p:nvGrpSpPr>
+      <p:grpSpPr>
+        <a:xfrm>
+          <a:off x="0" y="0"/>
+          <a:ext cx="0" cy="0"/>
+          <a:chOff x="0" y="0"/>
+          <a:chExt cx="0" cy="0"/>
+        </a:xfrm>
+      </p:grpSpPr>
+      <p:sp>
+        <p:nvSpPr>
+          <p:cNvPr id="2" name="Заголовок 1"/>
+          <p:cNvSpPr>
+            <a:spLocks noGrp="1"/>
+          </p:cNvSpPr>
+          <p:nvPr>
+            <p:ph type="title"/>
+          </p:nvPr>
+        </p:nvSpPr>
+        <p:spPr/>
+        <p:txBody>
+          <a:bodyPr/>
+          <a:lstStyle/>
+          <a:p>
+            <a:pPr algn="ctr"/>
+            <a:r>
+              <a:rPr lang="ru-RU" dirty="0" smtClean="0"/>
+              <a:t>Итог:</a:t>
+            </a:r>
+            <a:endParaRPr lang="ru-RU" dirty="0"/>
+          </a:p>
+        </p:txBody>
+      </p:sp>
+      <p:sp>
+        <p:nvSpPr>
+          <p:cNvPr id="6" name="TextBox 5"/>
+          <p:cNvSpPr txBox="1"/>
+          <p:nvPr/>
+        </p:nvSpPr>
+        <p:spPr>
+          <a:xfrm>
+            <a:off x="896257" y="2177142"/>
+            <a:ext cx="10389326" cy="3970318"/>
+          </a:xfrm>
+          <a:prstGeom prst="rect">
+            <a:avLst/>
+          </a:prstGeom>
+          <a:noFill/>
+        </p:spPr>
+        <p:txBody>
+          <a:bodyPr wrap="square" rtlCol="0">
+            <a:spAutoFit/>
+          </a:bodyPr>
+          <a:lstStyle/>
+          <a:p>
+            <a:r>
+              <a:rPr lang="ru-RU" dirty="0" smtClean="0">
+                <a:latin typeface="Calibri" panose="020F0502020204030204" pitchFamily="34" charset="0"/>
+                <a:cs typeface="Calibri" panose="020F0502020204030204" pitchFamily="34" charset="0"/>
+              </a:rPr>
+              <a:t>Из 635 клиентов у 3х замечен высокий уровень аномальной активности за последние 6 часов.</a:t>
+            </a:r>
+          </a:p>
+          <a:p>
+            <a:r>
+              <a:rPr lang="ru-RU" dirty="0" smtClean="0">
+                <a:latin typeface="Calibri" panose="020F0502020204030204" pitchFamily="34" charset="0"/>
+                <a:cs typeface="Calibri" panose="020F0502020204030204" pitchFamily="34" charset="0"/>
+              </a:rPr>
+              <a:t>У 2 из 3х число аномалий </a:t>
+            </a:r>
+            <a:r>
+              <a:rPr lang="en-US" dirty="0" smtClean="0">
+                <a:latin typeface="Calibri" panose="020F0502020204030204" pitchFamily="34" charset="0"/>
+                <a:cs typeface="Calibri" panose="020F0502020204030204" pitchFamily="34" charset="0"/>
+              </a:rPr>
+              <a:t>3+.</a:t>
+            </a:r>
             <a:endParaRPr lang="ru-RU" dirty="0" smtClean="0">
               <a:latin typeface="Calibri" panose="020F0502020204030204" pitchFamily="34" charset="0"/>
               <a:cs typeface="Calibri" panose="020F0502020204030204" pitchFamily="34" charset="0"/>
             </a:endParaRPr>
           </a:p>
           <a:p>
+            <a:endParaRPr lang="ru-RU" dirty="0">
+              <a:latin typeface="Calibri" panose="020F0502020204030204" pitchFamily="34" charset="0"/>
+              <a:cs typeface="Calibri" panose="020F0502020204030204" pitchFamily="34" charset="0"/>
+            </a:endParaRPr>
+          </a:p>
+          <a:p>
             <a:r>
               <a:rPr lang="ru-RU" dirty="0" smtClean="0">
                 <a:latin typeface="Calibri" panose="020F0502020204030204" pitchFamily="34" charset="0"/>
                 <a:cs typeface="Calibri" panose="020F0502020204030204" pitchFamily="34" charset="0"/>
               </a:rPr>
-              <a:t>Полученные аномалии </a:t>
-            </a:r>
-            <a:r>
-              <a:rPr lang="ru-RU" b="1" dirty="0" smtClean="0">
-                <a:latin typeface="Calibri" panose="020F0502020204030204" pitchFamily="34" charset="0"/>
-                <a:cs typeface="Calibri" panose="020F0502020204030204" pitchFamily="34" charset="0"/>
-              </a:rPr>
-              <a:t>можно считать заслуживающими внимания</a:t>
-            </a:r>
+              <a:t>При этом найденные аномалии, действительно, являются существенными отклонениями и требуют внимания.</a:t>
+            </a:r>
+          </a:p>
+          <a:p>
+            <a:endParaRPr lang="ru-RU" dirty="0">
+              <a:latin typeface="Calibri" panose="020F0502020204030204" pitchFamily="34" charset="0"/>
+              <a:cs typeface="Calibri" panose="020F0502020204030204" pitchFamily="34" charset="0"/>
+            </a:endParaRPr>
+          </a:p>
+          <a:p>
             <a:r>
               <a:rPr lang="ru-RU" dirty="0" smtClean="0">
                 <a:latin typeface="Calibri" panose="020F0502020204030204" pitchFamily="34" charset="0"/>
                 <a:cs typeface="Calibri" panose="020F0502020204030204" pitchFamily="34" charset="0"/>
               </a:rPr>
-              <a:t>, </a:t>
+              <a:t>Выводы:</a:t>
             </a:r>
           </a:p>
           <a:p>
@@ -10194,14 +10402,8 @@
                 <a:latin typeface="Calibri" panose="020F0502020204030204" pitchFamily="34" charset="0"/>
                 <a:cs typeface="Calibri" panose="020F0502020204030204" pitchFamily="34" charset="0"/>
               </a:rPr>
-              <a:t>однако превышения в основном незначительные(10-20% от нормы).</a:t>
-            </a:r>
-          </a:p>
-          <a:p>
-            <a:endParaRPr lang="ru-RU" dirty="0" smtClean="0">
-              <a:latin typeface="Calibri" panose="020F0502020204030204" pitchFamily="34" charset="0"/>
-              <a:cs typeface="Calibri" panose="020F0502020204030204" pitchFamily="34" charset="0"/>
-            </a:endParaRPr>
+              <a:t>1.Для составления портрета активности некорректно удалять «странные» данные, они могут отражать особенности.</a:t>
+            </a:r>
           </a:p>
           <a:p>
             <a:r>
@@ -10209,30 +10411,53 @@
                 <a:latin typeface="Calibri" panose="020F0502020204030204" pitchFamily="34" charset="0"/>
                 <a:cs typeface="Calibri" panose="020F0502020204030204" pitchFamily="34" charset="0"/>
               </a:rPr>
-              <a:t>Считаю, что могут </a:t>
-            </a:r>
-            <a:r>
-              <a:rPr lang="ru-RU" b="1" dirty="0" smtClean="0">
-                <a:latin typeface="Calibri" panose="020F0502020204030204" pitchFamily="34" charset="0"/>
-                <a:cs typeface="Calibri" panose="020F0502020204030204" pitchFamily="34" charset="0"/>
-              </a:rPr>
-              <a:t>возникать проблемы у пользователей</a:t>
-            </a:r>
+              <a:t>2.Процесс обучения состоит из 3х этапов: </a:t>
+            </a:r>
+          </a:p>
+          <a:p>
+            <a:pPr marL="285750" indent="-285750">
+              <a:buFont typeface="Arial" panose="020B0604020202020204" pitchFamily="34" charset="0"/>
+              <a:buChar char="•"/>
+            </a:pPr>
             <a:r>
               <a:rPr lang="ru-RU" dirty="0" smtClean="0">
                 <a:latin typeface="Calibri" panose="020F0502020204030204" pitchFamily="34" charset="0"/>
                 <a:cs typeface="Calibri" panose="020F0502020204030204" pitchFamily="34" charset="0"/>
               </a:rPr>
-              <a:t>, у которых редко, но периодически встречаются</a:t>
-            </a:r>
-          </a:p>
-          <a:p>
+              <a:t>Первичная загрузка обучающих данных(0.7 – 0.8 общего количества)</a:t>
+            </a:r>
+          </a:p>
+          <a:p>
+            <a:pPr marL="285750" indent="-285750">
+              <a:buFont typeface="Arial" panose="020B0604020202020204" pitchFamily="34" charset="0"/>
+              <a:buChar char="•"/>
+            </a:pPr>
+            <a:r>
+              <a:rPr lang="ru-RU" dirty="0">
+                <a:latin typeface="Calibri" panose="020F0502020204030204" pitchFamily="34" charset="0"/>
+                <a:cs typeface="Calibri" panose="020F0502020204030204" pitchFamily="34" charset="0"/>
+              </a:rPr>
+              <a:t>К</a:t>
+            </a:r>
             <a:r>
               <a:rPr lang="ru-RU" dirty="0" smtClean="0">
                 <a:latin typeface="Calibri" panose="020F0502020204030204" pitchFamily="34" charset="0"/>
                 <a:cs typeface="Calibri" panose="020F0502020204030204" pitchFamily="34" charset="0"/>
               </a:rPr>
-              <a:t>аномалии активности – модель должна учитывать их.</a:t>
+              <a:t>орректировка весов на тренировочных данных(модель о них ничего не знает)</a:t>
+            </a:r>
+          </a:p>
+          <a:p>
+            <a:pPr marL="285750" indent="-285750">
+              <a:buFont typeface="Arial" panose="020B0604020202020204" pitchFamily="34" charset="0"/>
+              <a:buChar char="•"/>
+            </a:pPr>
+            <a:r>
+              <a:rPr lang="ru-RU" dirty="0" smtClean="0">
+                <a:latin typeface="Calibri" panose="020F0502020204030204" pitchFamily="34" charset="0"/>
+                <a:cs typeface="Calibri" panose="020F0502020204030204" pitchFamily="34" charset="0"/>
+              </a:rPr>
+              <a:t>Загрузка в модель тренировочных данных без корректировки весов для сохранения всей картины</a:t>
             </a:r>
           </a:p>
           <a:p>
@@ -10241,27 +10466,140 @@
               <a:cs typeface="Calibri" panose="020F0502020204030204" pitchFamily="34" charset="0"/>
             </a:endParaRPr>
           </a:p>
+        </p:txBody>
+      </p:sp>
+    </p:spTree>
+    <p:extLst>
+      <p:ext uri="{BB962C8B-B14F-4D97-AF65-F5344CB8AC3E}">
+        <p14:creationId xmlns:p14="http://schemas.microsoft.com/office/powerpoint/2010/main" val="176774694"/>
+      </p:ext>
+    </p:extLst>
+  </p:cSld>
+  <p:clrMapOvr>
+    <a:masterClrMapping/>
+  </p:clrMapOvr>
+</p:sld>
+</file>
+
+<file path=ppt/slides/slide25.xml><?xml version="1.0" encoding="utf-8"?>
+<p:sld xmlns:a="http://schemas.openxmlformats.org/drawingml/2006/main" xmlns:r="http://schemas.openxmlformats.org/officeDocument/2006/relationships" xmlns:p="http://schemas.openxmlformats.org/presentationml/2006/main">
+  <p:cSld>
+    <p:spTree>
+      <p:nvGrpSpPr>
+        <p:cNvPr id="1" name=""/>
+        <p:cNvGrpSpPr/>
+        <p:nvPr/>
+      </p:nvGrpSpPr>
+      <p:grpSpPr>
+        <a:xfrm>
+          <a:off x="0" y="0"/>
+          <a:ext cx="0" cy="0"/>
+          <a:chOff x="0" y="0"/>
+          <a:chExt cx="0" cy="0"/>
+        </a:xfrm>
+      </p:grpSpPr>
+      <p:sp>
+        <p:nvSpPr>
+          <p:cNvPr id="2" name="Заголовок 1"/>
+          <p:cNvSpPr>
+            <a:spLocks noGrp="1"/>
+          </p:cNvSpPr>
+          <p:nvPr>
+            <p:ph type="title"/>
+          </p:nvPr>
+        </p:nvSpPr>
+        <p:spPr/>
+        <p:txBody>
+          <a:bodyPr/>
+          <a:lstStyle/>
+          <a:p>
+            <a:pPr algn="ctr"/>
+            <a:r>
+              <a:rPr lang="ru-RU" dirty="0" smtClean="0"/>
+              <a:t>Что дальше?</a:t>
+            </a:r>
+            <a:endParaRPr lang="ru-RU" dirty="0"/>
+          </a:p>
+        </p:txBody>
+      </p:sp>
+      <p:sp>
+        <p:nvSpPr>
+          <p:cNvPr id="6" name="TextBox 5"/>
+          <p:cNvSpPr txBox="1"/>
+          <p:nvPr/>
+        </p:nvSpPr>
+        <p:spPr>
+          <a:xfrm>
+            <a:off x="896257" y="2177142"/>
+            <a:ext cx="10389326" cy="2308324"/>
+          </a:xfrm>
+          <a:prstGeom prst="rect">
+            <a:avLst/>
+          </a:prstGeom>
+          <a:noFill/>
+        </p:spPr>
+        <p:txBody>
+          <a:bodyPr wrap="square" rtlCol="0">
+            <a:spAutoFit/>
+          </a:bodyPr>
+          <a:lstStyle/>
           <a:p>
             <a:r>
               <a:rPr lang="ru-RU" dirty="0" smtClean="0">
                 <a:latin typeface="Calibri" panose="020F0502020204030204" pitchFamily="34" charset="0"/>
                 <a:cs typeface="Calibri" panose="020F0502020204030204" pitchFamily="34" charset="0"/>
               </a:rPr>
-              <a:t>Это происходит </a:t>
-            </a:r>
-            <a:r>
-              <a:rPr lang="ru-RU" b="1" dirty="0" smtClean="0">
+              <a:t>1.Применить разработанную библиотеку для построения системы, которая будет анализировать активность пользователя в системе – трафик отлавливать </a:t>
+            </a:r>
+            <a:r>
+              <a:rPr lang="ru-RU" dirty="0" err="1" smtClean="0">
                 <a:latin typeface="Calibri" panose="020F0502020204030204" pitchFamily="34" charset="0"/>
                 <a:cs typeface="Calibri" panose="020F0502020204030204" pitchFamily="34" charset="0"/>
               </a:rPr>
-              <a:t>из-за отбрасывания редких значения</a:t>
+              <a:t>сниффером</a:t>
             </a:r>
             <a:r>
               <a:rPr lang="ru-RU" dirty="0" smtClean="0">
                 <a:latin typeface="Calibri" panose="020F0502020204030204" pitchFamily="34" charset="0"/>
                 <a:cs typeface="Calibri" panose="020F0502020204030204" pitchFamily="34" charset="0"/>
               </a:rPr>
-              <a:t>, предполагалось, что это шум.</a:t>
+              <a:t>, например, </a:t>
+            </a:r>
+            <a:r>
+              <a:rPr lang="en-US" dirty="0" err="1" smtClean="0">
+                <a:latin typeface="Calibri" panose="020F0502020204030204" pitchFamily="34" charset="0"/>
+                <a:cs typeface="Calibri" panose="020F0502020204030204" pitchFamily="34" charset="0"/>
+              </a:rPr>
+              <a:t>WireShark</a:t>
+            </a:r>
+            <a:r>
+              <a:rPr lang="en-US" dirty="0" smtClean="0">
+                <a:latin typeface="Calibri" panose="020F0502020204030204" pitchFamily="34" charset="0"/>
+                <a:cs typeface="Calibri" panose="020F0502020204030204" pitchFamily="34" charset="0"/>
+              </a:rPr>
+              <a:t>.</a:t>
+            </a:r>
+          </a:p>
+          <a:p>
+            <a:endParaRPr lang="en-US" dirty="0">
+              <a:latin typeface="Calibri" panose="020F0502020204030204" pitchFamily="34" charset="0"/>
+              <a:cs typeface="Calibri" panose="020F0502020204030204" pitchFamily="34" charset="0"/>
+            </a:endParaRPr>
+          </a:p>
+          <a:p>
+            <a:r>
+              <a:rPr lang="en-US" dirty="0" smtClean="0">
+                <a:latin typeface="Calibri" panose="020F0502020204030204" pitchFamily="34" charset="0"/>
+                <a:cs typeface="Calibri" panose="020F0502020204030204" pitchFamily="34" charset="0"/>
+              </a:rPr>
+              <a:t>2.</a:t>
+            </a:r>
+            <a:r>
+              <a:rPr lang="ru-RU" dirty="0" smtClean="0">
+                <a:latin typeface="Calibri" panose="020F0502020204030204" pitchFamily="34" charset="0"/>
+                <a:cs typeface="Calibri" panose="020F0502020204030204" pitchFamily="34" charset="0"/>
+              </a:rPr>
+              <a:t>Придумать подход к построению портрета активности пользователя в операционной системе – трафика явно мало, нужно найти то, что отражает личные, индивидуальные особенности владельца системы, его привычки.</a:t>
             </a:r>
           </a:p>
           <a:p>
@@ -10276,15 +10614,144 @@
                 <a:latin typeface="Calibri" panose="020F0502020204030204" pitchFamily="34" charset="0"/>
                 <a:cs typeface="Calibri" panose="020F0502020204030204" pitchFamily="34" charset="0"/>
               </a:rPr>
-              <a:t>Попробуем перестроить алгоритм обучения под второй подход.</a:t>
-            </a:r>
+              <a:t>3.Использования математических алгоритмов и подходов к изучению человека, как часть природы. </a:t>
+            </a:r>
+            <a:endParaRPr lang="ru-RU" dirty="0">
+              <a:latin typeface="Calibri" panose="020F0502020204030204" pitchFamily="34" charset="0"/>
+              <a:cs typeface="Calibri" panose="020F0502020204030204" pitchFamily="34" charset="0"/>
+            </a:endParaRPr>
           </a:p>
         </p:txBody>
       </p:sp>
     </p:spTree>
     <p:extLst>
       <p:ext uri="{BB962C8B-B14F-4D97-AF65-F5344CB8AC3E}">
-        <p14:creationId xmlns:p14="http://schemas.microsoft.com/office/powerpoint/2010/main" val="2606244157"/>
+        <p14:creationId xmlns:p14="http://schemas.microsoft.com/office/powerpoint/2010/main" val="1163419463"/>
+      </p:ext>
+    </p:extLst>
+  </p:cSld>
+  <p:clrMapOvr>
+    <a:masterClrMapping/>
+  </p:clrMapOvr>
+</p:sld>
+</file>
+
+<file path=ppt/slides/slide26.xml><?xml version="1.0" encoding="utf-8"?>
+<p:sld xmlns:a="http://schemas.openxmlformats.org/drawingml/2006/main" xmlns:r="http://schemas.openxmlformats.org/officeDocument/2006/relationships" xmlns:p="http://schemas.openxmlformats.org/presentationml/2006/main">
+  <p:cSld>
+    <p:spTree>
+      <p:nvGrpSpPr>
+        <p:cNvPr id="1" name=""/>
+        <p:cNvGrpSpPr/>
+        <p:nvPr/>
+      </p:nvGrpSpPr>
+      <p:grpSpPr>
+        <a:xfrm>
+          <a:off x="0" y="0"/>
+          <a:ext cx="0" cy="0"/>
+          <a:chOff x="0" y="0"/>
+          <a:chExt cx="0" cy="0"/>
+        </a:xfrm>
+      </p:grpSpPr>
+      <p:sp>
+        <p:nvSpPr>
+          <p:cNvPr id="2" name="Заголовок 1"/>
+          <p:cNvSpPr>
+            <a:spLocks noGrp="1"/>
+          </p:cNvSpPr>
+          <p:nvPr>
+            <p:ph type="title"/>
+          </p:nvPr>
+        </p:nvSpPr>
+        <p:spPr/>
+        <p:txBody>
+          <a:bodyPr/>
+          <a:lstStyle/>
+          <a:p>
+            <a:pPr algn="ctr"/>
+            <a:r>
+              <a:rPr lang="ru-RU" dirty="0" smtClean="0"/>
+              <a:t>Вопросы?</a:t>
+            </a:r>
+            <a:endParaRPr lang="ru-RU" dirty="0"/>
+          </a:p>
+        </p:txBody>
+      </p:sp>
+      <p:sp>
+        <p:nvSpPr>
+          <p:cNvPr id="6" name="TextBox 5"/>
+          <p:cNvSpPr txBox="1"/>
+          <p:nvPr/>
+        </p:nvSpPr>
+        <p:spPr>
+          <a:xfrm>
+            <a:off x="896257" y="2177142"/>
+            <a:ext cx="10389326" cy="1477328"/>
+          </a:xfrm>
+          <a:prstGeom prst="rect">
+            <a:avLst/>
+          </a:prstGeom>
+          <a:noFill/>
+        </p:spPr>
+        <p:txBody>
+          <a:bodyPr wrap="square" rtlCol="0">
+            <a:spAutoFit/>
+          </a:bodyPr>
+          <a:lstStyle/>
+          <a:p>
+            <a:r>
+              <a:rPr lang="ru" dirty="0" smtClean="0"/>
+              <a:t>Интересные вопросы, которые я оставил без внимания, но готов поделиться:</a:t>
+            </a:r>
+          </a:p>
+          <a:p>
+            <a:endParaRPr lang="ru" dirty="0" smtClean="0"/>
+          </a:p>
+          <a:p>
+            <a:pPr marL="285750" indent="-285750">
+              <a:buFont typeface="Arial" panose="020B0604020202020204" pitchFamily="34" charset="0"/>
+              <a:buChar char="•"/>
+            </a:pPr>
+            <a:r>
+              <a:rPr lang="ru" dirty="0" smtClean="0"/>
+              <a:t>Как </a:t>
+            </a:r>
+            <a:r>
+              <a:rPr lang="ru" dirty="0"/>
+              <a:t>может быть устроен анализатор? (на примере анализа числовых значений или строковых)</a:t>
+            </a:r>
+          </a:p>
+          <a:p>
+            <a:pPr marL="285750" indent="-285750">
+              <a:buFont typeface="Arial" panose="020B0604020202020204" pitchFamily="34" charset="0"/>
+              <a:buChar char="•"/>
+            </a:pPr>
+            <a:r>
+              <a:rPr lang="ru" dirty="0"/>
+              <a:t>Как происходит автоматический подбор весов для анализаторов в процессе обучения</a:t>
+            </a:r>
+            <a:r>
+              <a:rPr lang="ru" dirty="0" smtClean="0"/>
+              <a:t>?</a:t>
+            </a:r>
+          </a:p>
+          <a:p>
+            <a:pPr marL="285750" indent="-285750">
+              <a:buFont typeface="Arial" panose="020B0604020202020204" pitchFamily="34" charset="0"/>
+              <a:buChar char="•"/>
+            </a:pPr>
+            <a:r>
+              <a:rPr lang="ru" dirty="0" smtClean="0"/>
+              <a:t>Что требуется от пользователя для работы с полученной библиотекой?</a:t>
+            </a:r>
+            <a:endParaRPr lang="ru" dirty="0"/>
+          </a:p>
+        </p:txBody>
+      </p:sp>
+    </p:spTree>
+    <p:extLst>
+      <p:ext uri="{BB962C8B-B14F-4D97-AF65-F5344CB8AC3E}">
+        <p14:creationId xmlns:p14="http://schemas.microsoft.com/office/powerpoint/2010/main" val="2813947407"/>
       </p:ext>
     </p:extLst>
   </p:cSld>
